--- a/meeting/1821086_matsuo_Chart.pptx
+++ b/meeting/1821086_matsuo_Chart.pptx
@@ -5,7 +5,7 @@
     <p:sldMasterId id="2147483660" r:id="rId1"/>
   </p:sldMasterIdLst>
   <p:notesMasterIdLst>
-    <p:notesMasterId r:id="rId11"/>
+    <p:notesMasterId r:id="rId17"/>
   </p:notesMasterIdLst>
   <p:sldIdLst>
     <p:sldId id="276" r:id="rId2"/>
@@ -14,9 +14,15 @@
     <p:sldId id="278" r:id="rId5"/>
     <p:sldId id="281" r:id="rId6"/>
     <p:sldId id="286" r:id="rId7"/>
-    <p:sldId id="282" r:id="rId8"/>
-    <p:sldId id="285" r:id="rId9"/>
-    <p:sldId id="284" r:id="rId10"/>
+    <p:sldId id="292" r:id="rId8"/>
+    <p:sldId id="282" r:id="rId9"/>
+    <p:sldId id="285" r:id="rId10"/>
+    <p:sldId id="284" r:id="rId11"/>
+    <p:sldId id="287" r:id="rId12"/>
+    <p:sldId id="288" r:id="rId13"/>
+    <p:sldId id="289" r:id="rId14"/>
+    <p:sldId id="291" r:id="rId15"/>
+    <p:sldId id="290" r:id="rId16"/>
   </p:sldIdLst>
   <p:sldSz cx="9144000" cy="6858000" type="screen4x3"/>
   <p:notesSz cx="6858000" cy="9144000"/>
@@ -205,7 +211,7 @@
           <a:p>
             <a:fld id="{869FDBD3-40C4-4F2A-82A8-38E5DBC6C4C1}" type="datetimeFigureOut">
               <a:rPr kumimoji="1" lang="ja-JP" altLang="en-US" smtClean="0"/>
-              <a:t>2021/7/1</a:t>
+              <a:t>2021/7/8</a:t>
             </a:fld>
             <a:endParaRPr kumimoji="1" lang="ja-JP" altLang="en-US"/>
           </a:p>
@@ -636,7 +642,7 @@
           <a:p>
             <a:fld id="{494AB2A1-E364-47CF-B5DC-53E264C607F6}" type="datetime1">
               <a:rPr kumimoji="1" lang="ja-JP" altLang="en-US" smtClean="0"/>
-              <a:t>2021/7/1</a:t>
+              <a:t>2021/7/8</a:t>
             </a:fld>
             <a:endParaRPr kumimoji="1" lang="ja-JP" altLang="en-US"/>
           </a:p>
@@ -838,7 +844,7 @@
           <a:p>
             <a:fld id="{493740D4-C406-4492-90E6-6432EEF92C60}" type="datetime1">
               <a:rPr kumimoji="1" lang="ja-JP" altLang="en-US" smtClean="0"/>
-              <a:t>2021/7/1</a:t>
+              <a:t>2021/7/8</a:t>
             </a:fld>
             <a:endParaRPr kumimoji="1" lang="ja-JP" altLang="en-US"/>
           </a:p>
@@ -1050,7 +1056,7 @@
           <a:p>
             <a:fld id="{ED69396B-CE42-4776-89F8-D39FC42CFB56}" type="datetime1">
               <a:rPr kumimoji="1" lang="ja-JP" altLang="en-US" smtClean="0"/>
-              <a:t>2021/7/1</a:t>
+              <a:t>2021/7/8</a:t>
             </a:fld>
             <a:endParaRPr kumimoji="1" lang="ja-JP" altLang="en-US"/>
           </a:p>
@@ -1252,7 +1258,7 @@
           <a:p>
             <a:fld id="{13625393-1B19-477D-ADB7-2A6386D3F149}" type="datetime1">
               <a:rPr kumimoji="1" lang="ja-JP" altLang="en-US" smtClean="0"/>
-              <a:t>2021/7/1</a:t>
+              <a:t>2021/7/8</a:t>
             </a:fld>
             <a:endParaRPr kumimoji="1" lang="ja-JP" altLang="en-US"/>
           </a:p>
@@ -1496,7 +1502,7 @@
           <a:p>
             <a:fld id="{E5FDA1EB-CBE3-4FB0-BB17-A44CDA0B54B3}" type="datetime1">
               <a:rPr kumimoji="1" lang="ja-JP" altLang="en-US" smtClean="0"/>
-              <a:t>2021/7/1</a:t>
+              <a:t>2021/7/8</a:t>
             </a:fld>
             <a:endParaRPr kumimoji="1" lang="ja-JP" altLang="en-US"/>
           </a:p>
@@ -1792,7 +1798,7 @@
           <a:p>
             <a:fld id="{C01EC069-9DC2-4DDB-AE63-C26A081803C1}" type="datetime1">
               <a:rPr kumimoji="1" lang="ja-JP" altLang="en-US" smtClean="0"/>
-              <a:t>2021/7/1</a:t>
+              <a:t>2021/7/8</a:t>
             </a:fld>
             <a:endParaRPr kumimoji="1" lang="ja-JP" altLang="en-US"/>
           </a:p>
@@ -2223,7 +2229,7 @@
           <a:p>
             <a:fld id="{FA16DDA6-9750-4222-A53D-9B2AFD4F7604}" type="datetime1">
               <a:rPr kumimoji="1" lang="ja-JP" altLang="en-US" smtClean="0"/>
-              <a:t>2021/7/1</a:t>
+              <a:t>2021/7/8</a:t>
             </a:fld>
             <a:endParaRPr kumimoji="1" lang="ja-JP" altLang="en-US"/>
           </a:p>
@@ -2341,7 +2347,7 @@
           <a:p>
             <a:fld id="{2A12A5DA-6757-4BE0-8138-B996B069D01C}" type="datetime1">
               <a:rPr kumimoji="1" lang="ja-JP" altLang="en-US" smtClean="0"/>
-              <a:t>2021/7/1</a:t>
+              <a:t>2021/7/8</a:t>
             </a:fld>
             <a:endParaRPr kumimoji="1" lang="ja-JP" altLang="en-US"/>
           </a:p>
@@ -2436,7 +2442,7 @@
           <a:p>
             <a:fld id="{80431E91-75F7-48C3-A2EB-716DBC94911B}" type="datetime1">
               <a:rPr kumimoji="1" lang="ja-JP" altLang="en-US" smtClean="0"/>
-              <a:t>2021/7/1</a:t>
+              <a:t>2021/7/8</a:t>
             </a:fld>
             <a:endParaRPr kumimoji="1" lang="ja-JP" altLang="en-US"/>
           </a:p>
@@ -2745,7 +2751,7 @@
           <a:p>
             <a:fld id="{2FD4BF64-4643-4F2F-9E14-ABA1F12A43DE}" type="datetime1">
               <a:rPr kumimoji="1" lang="ja-JP" altLang="en-US" smtClean="0"/>
-              <a:t>2021/7/1</a:t>
+              <a:t>2021/7/8</a:t>
             </a:fld>
             <a:endParaRPr kumimoji="1" lang="ja-JP" altLang="en-US"/>
           </a:p>
@@ -3002,7 +3008,7 @@
           <a:p>
             <a:fld id="{4775FF6E-0AC3-4CFF-BD5F-615BAFBBFB63}" type="datetime1">
               <a:rPr kumimoji="1" lang="ja-JP" altLang="en-US" smtClean="0"/>
-              <a:t>2021/7/1</a:t>
+              <a:t>2021/7/8</a:t>
             </a:fld>
             <a:endParaRPr kumimoji="1" lang="ja-JP" altLang="en-US"/>
           </a:p>
@@ -3247,7 +3253,7 @@
           <a:p>
             <a:fld id="{63DC7EF6-3FB0-4B29-8D75-11EE9B911EFB}" type="datetime1">
               <a:rPr kumimoji="1" lang="ja-JP" altLang="en-US" smtClean="0"/>
-              <a:t>2021/7/1</a:t>
+              <a:t>2021/7/8</a:t>
             </a:fld>
             <a:endParaRPr kumimoji="1" lang="ja-JP" altLang="en-US"/>
           </a:p>
@@ -4078,6 +4084,3431 @@
   <p:clrMapOvr>
     <a:masterClrMapping/>
   </p:clrMapOvr>
+</p:sld>
+</file>
+
+<file path=ppt/slides/slide10.xml><?xml version="1.0" encoding="utf-8"?>
+<p:sld xmlns:a="http://schemas.openxmlformats.org/drawingml/2006/main" xmlns:r="http://schemas.openxmlformats.org/officeDocument/2006/relationships" xmlns:p="http://schemas.openxmlformats.org/presentationml/2006/main">
+  <p:cSld>
+    <p:spTree>
+      <p:nvGrpSpPr>
+        <p:cNvPr id="1" name=""/>
+        <p:cNvGrpSpPr/>
+        <p:nvPr/>
+      </p:nvGrpSpPr>
+      <p:grpSpPr>
+        <a:xfrm>
+          <a:off x="0" y="0"/>
+          <a:ext cx="0" cy="0"/>
+          <a:chOff x="0" y="0"/>
+          <a:chExt cx="0" cy="0"/>
+        </a:xfrm>
+      </p:grpSpPr>
+      <p:pic>
+        <p:nvPicPr>
+          <p:cNvPr id="5" name="図 4"/>
+          <p:cNvPicPr>
+            <a:picLocks noChangeAspect="1"/>
+          </p:cNvPicPr>
+          <p:nvPr/>
+        </p:nvPicPr>
+        <p:blipFill>
+          <a:blip r:embed="rId2"/>
+          <a:stretch>
+            <a:fillRect/>
+          </a:stretch>
+        </p:blipFill>
+        <p:spPr>
+          <a:xfrm>
+            <a:off x="400419" y="221171"/>
+            <a:ext cx="2415909" cy="2981964"/>
+          </a:xfrm>
+          <a:prstGeom prst="rect">
+            <a:avLst/>
+          </a:prstGeom>
+        </p:spPr>
+      </p:pic>
+      <p:sp>
+        <p:nvSpPr>
+          <p:cNvPr id="209" name="右矢印 208"/>
+          <p:cNvSpPr/>
+          <p:nvPr/>
+        </p:nvSpPr>
+        <p:spPr>
+          <a:xfrm>
+            <a:off x="1001140" y="4634836"/>
+            <a:ext cx="1610193" cy="340584"/>
+          </a:xfrm>
+          <a:prstGeom prst="rightArrow">
+            <a:avLst/>
+          </a:prstGeom>
+          <a:solidFill>
+            <a:srgbClr val="92D050"/>
+          </a:solidFill>
+          <a:ln>
+            <a:noFill/>
+          </a:ln>
+        </p:spPr>
+        <p:style>
+          <a:lnRef idx="2">
+            <a:schemeClr val="accent1">
+              <a:shade val="50000"/>
+            </a:schemeClr>
+          </a:lnRef>
+          <a:fillRef idx="1">
+            <a:schemeClr val="accent1"/>
+          </a:fillRef>
+          <a:effectRef idx="0">
+            <a:schemeClr val="accent1"/>
+          </a:effectRef>
+          <a:fontRef idx="minor">
+            <a:schemeClr val="lt1"/>
+          </a:fontRef>
+        </p:style>
+        <p:txBody>
+          <a:bodyPr rtlCol="0" anchor="ctr"/>
+          <a:lstStyle/>
+          <a:p>
+            <a:pPr algn="ctr"/>
+            <a:endParaRPr kumimoji="1" lang="ja-JP" altLang="en-US">
+              <a:solidFill>
+                <a:schemeClr val="accent6"/>
+              </a:solidFill>
+            </a:endParaRPr>
+          </a:p>
+        </p:txBody>
+      </p:sp>
+      <p:sp>
+        <p:nvSpPr>
+          <p:cNvPr id="1025" name="屈折矢印 1024"/>
+          <p:cNvSpPr/>
+          <p:nvPr/>
+        </p:nvSpPr>
+        <p:spPr>
+          <a:xfrm rot="16200000">
+            <a:off x="6160299" y="603042"/>
+            <a:ext cx="1136510" cy="2036976"/>
+          </a:xfrm>
+          <a:prstGeom prst="bentUpArrow">
+            <a:avLst/>
+          </a:prstGeom>
+          <a:solidFill>
+            <a:schemeClr val="accent2"/>
+          </a:solidFill>
+          <a:ln>
+            <a:noFill/>
+          </a:ln>
+        </p:spPr>
+        <p:style>
+          <a:lnRef idx="2">
+            <a:schemeClr val="accent1">
+              <a:shade val="50000"/>
+            </a:schemeClr>
+          </a:lnRef>
+          <a:fillRef idx="1">
+            <a:schemeClr val="accent1"/>
+          </a:fillRef>
+          <a:effectRef idx="0">
+            <a:schemeClr val="accent1"/>
+          </a:effectRef>
+          <a:fontRef idx="minor">
+            <a:schemeClr val="lt1"/>
+          </a:fontRef>
+        </p:style>
+        <p:txBody>
+          <a:bodyPr rtlCol="0" anchor="ctr"/>
+          <a:lstStyle/>
+          <a:p>
+            <a:pPr algn="ctr"/>
+            <a:endParaRPr kumimoji="1" lang="ja-JP" altLang="en-US"/>
+          </a:p>
+        </p:txBody>
+      </p:sp>
+      <p:sp>
+        <p:nvSpPr>
+          <p:cNvPr id="30" name="角丸四角形 29"/>
+          <p:cNvSpPr/>
+          <p:nvPr/>
+        </p:nvSpPr>
+        <p:spPr>
+          <a:xfrm>
+            <a:off x="6400800" y="1744134"/>
+            <a:ext cx="2472266" cy="4656666"/>
+          </a:xfrm>
+          <a:prstGeom prst="roundRect">
+            <a:avLst/>
+          </a:prstGeom>
+          <a:solidFill>
+            <a:schemeClr val="accent5"/>
+          </a:solidFill>
+          <a:ln>
+            <a:solidFill>
+              <a:srgbClr val="41719C"/>
+            </a:solidFill>
+          </a:ln>
+        </p:spPr>
+        <p:style>
+          <a:lnRef idx="2">
+            <a:schemeClr val="accent6"/>
+          </a:lnRef>
+          <a:fillRef idx="1">
+            <a:schemeClr val="lt1"/>
+          </a:fillRef>
+          <a:effectRef idx="0">
+            <a:schemeClr val="accent6"/>
+          </a:effectRef>
+          <a:fontRef idx="minor">
+            <a:schemeClr val="dk1"/>
+          </a:fontRef>
+        </p:style>
+        <p:txBody>
+          <a:bodyPr rtlCol="0" anchor="ctr"/>
+          <a:lstStyle/>
+          <a:p>
+            <a:pPr algn="ctr"/>
+            <a:endParaRPr kumimoji="1" lang="ja-JP" altLang="en-US"/>
+          </a:p>
+        </p:txBody>
+      </p:sp>
+      <p:pic>
+        <p:nvPicPr>
+          <p:cNvPr id="11" name="図 10"/>
+          <p:cNvPicPr>
+            <a:picLocks noChangeAspect="1"/>
+          </p:cNvPicPr>
+          <p:nvPr/>
+        </p:nvPicPr>
+        <p:blipFill>
+          <a:blip r:embed="rId3"/>
+          <a:stretch>
+            <a:fillRect/>
+          </a:stretch>
+        </p:blipFill>
+        <p:spPr>
+          <a:xfrm>
+            <a:off x="6768465" y="1939131"/>
+            <a:ext cx="1753870" cy="4182006"/>
+          </a:xfrm>
+          <a:prstGeom prst="rect">
+            <a:avLst/>
+          </a:prstGeom>
+        </p:spPr>
+      </p:pic>
+      <p:pic>
+        <p:nvPicPr>
+          <p:cNvPr id="14" name="図 13"/>
+          <p:cNvPicPr>
+            <a:picLocks noChangeAspect="1"/>
+          </p:cNvPicPr>
+          <p:nvPr/>
+        </p:nvPicPr>
+        <p:blipFill>
+          <a:blip r:embed="rId4"/>
+          <a:stretch>
+            <a:fillRect/>
+          </a:stretch>
+        </p:blipFill>
+        <p:spPr>
+          <a:xfrm>
+            <a:off x="1438618" y="4435956"/>
+            <a:ext cx="864014" cy="712052"/>
+          </a:xfrm>
+          <a:prstGeom prst="rect">
+            <a:avLst/>
+          </a:prstGeom>
+        </p:spPr>
+      </p:pic>
+      <p:pic>
+        <p:nvPicPr>
+          <p:cNvPr id="28" name="図 27"/>
+          <p:cNvPicPr>
+            <a:picLocks noChangeAspect="1"/>
+          </p:cNvPicPr>
+          <p:nvPr/>
+        </p:nvPicPr>
+        <p:blipFill>
+          <a:blip r:embed="rId5"/>
+          <a:stretch>
+            <a:fillRect/>
+          </a:stretch>
+        </p:blipFill>
+        <p:spPr>
+          <a:xfrm>
+            <a:off x="209933" y="4527078"/>
+            <a:ext cx="1017555" cy="620930"/>
+          </a:xfrm>
+          <a:prstGeom prst="rect">
+            <a:avLst/>
+          </a:prstGeom>
+        </p:spPr>
+      </p:pic>
+      <p:sp>
+        <p:nvSpPr>
+          <p:cNvPr id="1024" name="テキスト ボックス 1023"/>
+          <p:cNvSpPr txBox="1"/>
+          <p:nvPr/>
+        </p:nvSpPr>
+        <p:spPr>
+          <a:xfrm>
+            <a:off x="6439535" y="6411131"/>
+            <a:ext cx="2242922" cy="369332"/>
+          </a:xfrm>
+          <a:prstGeom prst="rect">
+            <a:avLst/>
+          </a:prstGeom>
+          <a:noFill/>
+        </p:spPr>
+        <p:txBody>
+          <a:bodyPr wrap="none" rtlCol="0">
+            <a:spAutoFit/>
+          </a:bodyPr>
+          <a:lstStyle/>
+          <a:p>
+            <a:r>
+              <a:rPr kumimoji="1" lang="ja-JP" altLang="en-US" b="1" dirty="0" smtClean="0"/>
+              <a:t>冗長的な</a:t>
+            </a:r>
+            <a:r>
+              <a:rPr kumimoji="1" lang="en-US" altLang="ja-JP" b="1" dirty="0" smtClean="0"/>
+              <a:t>WEB</a:t>
+            </a:r>
+            <a:r>
+              <a:rPr kumimoji="1" lang="ja-JP" altLang="en-US" b="1" dirty="0" smtClean="0"/>
+              <a:t>サーバ</a:t>
+            </a:r>
+            <a:endParaRPr kumimoji="1" lang="ja-JP" altLang="en-US" b="1" dirty="0"/>
+          </a:p>
+        </p:txBody>
+      </p:sp>
+      <p:sp>
+        <p:nvSpPr>
+          <p:cNvPr id="1027" name="右矢印 1026"/>
+          <p:cNvSpPr/>
+          <p:nvPr/>
+        </p:nvSpPr>
+        <p:spPr>
+          <a:xfrm rot="10800000">
+            <a:off x="2691652" y="1335814"/>
+            <a:ext cx="767827" cy="636978"/>
+          </a:xfrm>
+          <a:prstGeom prst="rightArrow">
+            <a:avLst/>
+          </a:prstGeom>
+          <a:solidFill>
+            <a:schemeClr val="accent2"/>
+          </a:solidFill>
+          <a:ln>
+            <a:noFill/>
+          </a:ln>
+        </p:spPr>
+        <p:style>
+          <a:lnRef idx="2">
+            <a:schemeClr val="accent1">
+              <a:shade val="50000"/>
+            </a:schemeClr>
+          </a:lnRef>
+          <a:fillRef idx="1">
+            <a:schemeClr val="accent1"/>
+          </a:fillRef>
+          <a:effectRef idx="0">
+            <a:schemeClr val="accent1"/>
+          </a:effectRef>
+          <a:fontRef idx="minor">
+            <a:schemeClr val="lt1"/>
+          </a:fontRef>
+        </p:style>
+        <p:txBody>
+          <a:bodyPr rtlCol="0" anchor="ctr"/>
+          <a:lstStyle/>
+          <a:p>
+            <a:pPr algn="ctr"/>
+            <a:endParaRPr kumimoji="1" lang="ja-JP" altLang="en-US"/>
+          </a:p>
+        </p:txBody>
+      </p:sp>
+      <p:sp>
+        <p:nvSpPr>
+          <p:cNvPr id="210" name="右矢印 209"/>
+          <p:cNvSpPr/>
+          <p:nvPr/>
+        </p:nvSpPr>
+        <p:spPr>
+          <a:xfrm rot="20104714">
+            <a:off x="5266929" y="4424942"/>
+            <a:ext cx="1755046" cy="189535"/>
+          </a:xfrm>
+          <a:prstGeom prst="rightArrow">
+            <a:avLst/>
+          </a:prstGeom>
+          <a:solidFill>
+            <a:srgbClr val="92D050"/>
+          </a:solidFill>
+          <a:ln>
+            <a:noFill/>
+          </a:ln>
+        </p:spPr>
+        <p:style>
+          <a:lnRef idx="2">
+            <a:schemeClr val="accent1">
+              <a:shade val="50000"/>
+            </a:schemeClr>
+          </a:lnRef>
+          <a:fillRef idx="1">
+            <a:schemeClr val="accent1"/>
+          </a:fillRef>
+          <a:effectRef idx="0">
+            <a:schemeClr val="accent1"/>
+          </a:effectRef>
+          <a:fontRef idx="minor">
+            <a:schemeClr val="lt1"/>
+          </a:fontRef>
+        </p:style>
+        <p:txBody>
+          <a:bodyPr rtlCol="0" anchor="ctr"/>
+          <a:lstStyle/>
+          <a:p>
+            <a:pPr algn="ctr"/>
+            <a:endParaRPr kumimoji="1" lang="ja-JP" altLang="en-US">
+              <a:solidFill>
+                <a:srgbClr val="41719C"/>
+              </a:solidFill>
+            </a:endParaRPr>
+          </a:p>
+        </p:txBody>
+      </p:sp>
+      <p:pic>
+        <p:nvPicPr>
+          <p:cNvPr id="8" name="図 7"/>
+          <p:cNvPicPr>
+            <a:picLocks noChangeAspect="1"/>
+          </p:cNvPicPr>
+          <p:nvPr/>
+        </p:nvPicPr>
+        <p:blipFill>
+          <a:blip r:embed="rId6"/>
+          <a:stretch>
+            <a:fillRect/>
+          </a:stretch>
+        </p:blipFill>
+        <p:spPr>
+          <a:xfrm>
+            <a:off x="2611333" y="3517477"/>
+            <a:ext cx="2754004" cy="2640132"/>
+          </a:xfrm>
+          <a:prstGeom prst="rect">
+            <a:avLst/>
+          </a:prstGeom>
+        </p:spPr>
+      </p:pic>
+      <p:sp>
+        <p:nvSpPr>
+          <p:cNvPr id="205" name="屈折矢印 204"/>
+          <p:cNvSpPr/>
+          <p:nvPr/>
+        </p:nvSpPr>
+        <p:spPr>
+          <a:xfrm rot="5400000">
+            <a:off x="1359691" y="3095551"/>
+            <a:ext cx="1419332" cy="1261479"/>
+          </a:xfrm>
+          <a:prstGeom prst="bentUpArrow">
+            <a:avLst>
+              <a:gd name="adj1" fmla="val 25000"/>
+              <a:gd name="adj2" fmla="val 25795"/>
+              <a:gd name="adj3" fmla="val 22929"/>
+            </a:avLst>
+          </a:prstGeom>
+          <a:solidFill>
+            <a:schemeClr val="accent2"/>
+          </a:solidFill>
+          <a:ln>
+            <a:noFill/>
+          </a:ln>
+        </p:spPr>
+        <p:style>
+          <a:lnRef idx="2">
+            <a:schemeClr val="accent1">
+              <a:shade val="50000"/>
+            </a:schemeClr>
+          </a:lnRef>
+          <a:fillRef idx="1">
+            <a:schemeClr val="accent1"/>
+          </a:fillRef>
+          <a:effectRef idx="0">
+            <a:schemeClr val="accent1"/>
+          </a:effectRef>
+          <a:fontRef idx="minor">
+            <a:schemeClr val="lt1"/>
+          </a:fontRef>
+        </p:style>
+        <p:txBody>
+          <a:bodyPr rtlCol="0" anchor="ctr"/>
+          <a:lstStyle/>
+          <a:p>
+            <a:pPr algn="ctr"/>
+            <a:endParaRPr kumimoji="1" lang="ja-JP" altLang="en-US"/>
+          </a:p>
+        </p:txBody>
+      </p:sp>
+      <p:sp>
+        <p:nvSpPr>
+          <p:cNvPr id="1030" name="正方形/長方形 1029"/>
+          <p:cNvSpPr/>
+          <p:nvPr/>
+        </p:nvSpPr>
+        <p:spPr>
+          <a:xfrm>
+            <a:off x="6400800" y="460607"/>
+            <a:ext cx="2243667" cy="592667"/>
+          </a:xfrm>
+          <a:prstGeom prst="rect">
+            <a:avLst/>
+          </a:prstGeom>
+          <a:ln w="28575">
+            <a:solidFill>
+              <a:srgbClr val="FF0000"/>
+            </a:solidFill>
+          </a:ln>
+        </p:spPr>
+        <p:style>
+          <a:lnRef idx="2">
+            <a:schemeClr val="accent6"/>
+          </a:lnRef>
+          <a:fillRef idx="1">
+            <a:schemeClr val="lt1"/>
+          </a:fillRef>
+          <a:effectRef idx="0">
+            <a:schemeClr val="accent6"/>
+          </a:effectRef>
+          <a:fontRef idx="minor">
+            <a:schemeClr val="dk1"/>
+          </a:fontRef>
+        </p:style>
+        <p:txBody>
+          <a:bodyPr rtlCol="0" anchor="ctr"/>
+          <a:lstStyle/>
+          <a:p>
+            <a:pPr algn="ctr"/>
+            <a:r>
+              <a:rPr kumimoji="1" lang="ja-JP" altLang="en-US" b="1" dirty="0" smtClean="0"/>
+              <a:t>各サーバの</a:t>
+            </a:r>
+            <a:r>
+              <a:rPr kumimoji="1" lang="en-US" altLang="ja-JP" b="1" dirty="0" smtClean="0"/>
+              <a:t/>
+            </a:r>
+            <a:br>
+              <a:rPr kumimoji="1" lang="en-US" altLang="ja-JP" b="1" dirty="0" smtClean="0"/>
+            </a:br>
+            <a:r>
+              <a:rPr kumimoji="1" lang="ja-JP" altLang="en-US" b="1" dirty="0" smtClean="0"/>
+              <a:t>応答速度を測る</a:t>
+            </a:r>
+            <a:endParaRPr kumimoji="1" lang="ja-JP" altLang="en-US" b="1" dirty="0"/>
+          </a:p>
+        </p:txBody>
+      </p:sp>
+      <p:sp>
+        <p:nvSpPr>
+          <p:cNvPr id="212" name="正方形/長方形 211"/>
+          <p:cNvSpPr/>
+          <p:nvPr/>
+        </p:nvSpPr>
+        <p:spPr>
+          <a:xfrm>
+            <a:off x="3900785" y="6003130"/>
+            <a:ext cx="2243667" cy="592667"/>
+          </a:xfrm>
+          <a:prstGeom prst="rect">
+            <a:avLst/>
+          </a:prstGeom>
+          <a:ln w="28575">
+            <a:solidFill>
+              <a:srgbClr val="FF0000"/>
+            </a:solidFill>
+          </a:ln>
+        </p:spPr>
+        <p:style>
+          <a:lnRef idx="2">
+            <a:schemeClr val="accent6"/>
+          </a:lnRef>
+          <a:fillRef idx="1">
+            <a:schemeClr val="lt1"/>
+          </a:fillRef>
+          <a:effectRef idx="0">
+            <a:schemeClr val="accent6"/>
+          </a:effectRef>
+          <a:fontRef idx="minor">
+            <a:schemeClr val="dk1"/>
+          </a:fontRef>
+        </p:style>
+        <p:txBody>
+          <a:bodyPr rtlCol="0" anchor="ctr"/>
+          <a:lstStyle/>
+          <a:p>
+            <a:pPr algn="ctr"/>
+            <a:r>
+              <a:rPr kumimoji="1" lang="ja-JP" altLang="en-US" b="1" dirty="0" smtClean="0"/>
+              <a:t>応答速度に基づいて</a:t>
+            </a:r>
+            <a:r>
+              <a:rPr kumimoji="1" lang="en-US" altLang="ja-JP" b="1" dirty="0" smtClean="0"/>
+              <a:t/>
+            </a:r>
+            <a:br>
+              <a:rPr kumimoji="1" lang="en-US" altLang="ja-JP" b="1" dirty="0" smtClean="0"/>
+            </a:br>
+            <a:r>
+              <a:rPr kumimoji="1" lang="ja-JP" altLang="en-US" b="1" dirty="0" smtClean="0"/>
+              <a:t>割り振りを行う</a:t>
+            </a:r>
+            <a:endParaRPr kumimoji="1" lang="ja-JP" altLang="en-US" b="1" dirty="0"/>
+          </a:p>
+        </p:txBody>
+      </p:sp>
+      <p:sp>
+        <p:nvSpPr>
+          <p:cNvPr id="213" name="正方形/長方形 212"/>
+          <p:cNvSpPr/>
+          <p:nvPr/>
+        </p:nvSpPr>
+        <p:spPr>
+          <a:xfrm>
+            <a:off x="183833" y="3174960"/>
+            <a:ext cx="2243667" cy="592667"/>
+          </a:xfrm>
+          <a:prstGeom prst="rect">
+            <a:avLst/>
+          </a:prstGeom>
+          <a:ln w="28575">
+            <a:solidFill>
+              <a:srgbClr val="FF0000"/>
+            </a:solidFill>
+          </a:ln>
+        </p:spPr>
+        <p:style>
+          <a:lnRef idx="2">
+            <a:schemeClr val="accent6"/>
+          </a:lnRef>
+          <a:fillRef idx="1">
+            <a:schemeClr val="lt1"/>
+          </a:fillRef>
+          <a:effectRef idx="0">
+            <a:schemeClr val="accent6"/>
+          </a:effectRef>
+          <a:fontRef idx="minor">
+            <a:schemeClr val="dk1"/>
+          </a:fontRef>
+        </p:style>
+        <p:txBody>
+          <a:bodyPr rtlCol="0" anchor="ctr"/>
+          <a:lstStyle/>
+          <a:p>
+            <a:pPr algn="ctr"/>
+            <a:r>
+              <a:rPr kumimoji="1" lang="ja-JP" altLang="en-US" b="1" dirty="0" smtClean="0"/>
+              <a:t>保存された評価で</a:t>
+            </a:r>
+            <a:r>
+              <a:rPr kumimoji="1" lang="en-US" altLang="ja-JP" b="1" dirty="0" smtClean="0"/>
+              <a:t/>
+            </a:r>
+            <a:br>
+              <a:rPr kumimoji="1" lang="en-US" altLang="ja-JP" b="1" dirty="0" smtClean="0"/>
+            </a:br>
+            <a:r>
+              <a:rPr kumimoji="1" lang="ja-JP" altLang="en-US" b="1" dirty="0" smtClean="0"/>
+              <a:t>割り振る指標にする</a:t>
+            </a:r>
+            <a:endParaRPr kumimoji="1" lang="ja-JP" altLang="en-US" b="1" dirty="0"/>
+          </a:p>
+        </p:txBody>
+      </p:sp>
+      <p:pic>
+        <p:nvPicPr>
+          <p:cNvPr id="4" name="図 3"/>
+          <p:cNvPicPr>
+            <a:picLocks noChangeAspect="1"/>
+          </p:cNvPicPr>
+          <p:nvPr/>
+        </p:nvPicPr>
+        <p:blipFill>
+          <a:blip r:embed="rId7"/>
+          <a:stretch>
+            <a:fillRect/>
+          </a:stretch>
+        </p:blipFill>
+        <p:spPr>
+          <a:xfrm>
+            <a:off x="3403719" y="291982"/>
+            <a:ext cx="2293458" cy="2991314"/>
+          </a:xfrm>
+          <a:prstGeom prst="rect">
+            <a:avLst/>
+          </a:prstGeom>
+        </p:spPr>
+      </p:pic>
+    </p:spTree>
+    <p:extLst>
+      <p:ext uri="{BB962C8B-B14F-4D97-AF65-F5344CB8AC3E}">
+        <p14:creationId xmlns:p14="http://schemas.microsoft.com/office/powerpoint/2010/main" val="504450354"/>
+      </p:ext>
+    </p:extLst>
+  </p:cSld>
+  <p:clrMapOvr>
+    <a:masterClrMapping/>
+  </p:clrMapOvr>
+  <p:timing>
+    <p:tnLst>
+      <p:par>
+        <p:cTn id="1" dur="indefinite" restart="never" nodeType="tmRoot"/>
+      </p:par>
+    </p:tnLst>
+  </p:timing>
+</p:sld>
+</file>
+
+<file path=ppt/slides/slide11.xml><?xml version="1.0" encoding="utf-8"?>
+<p:sld xmlns:a="http://schemas.openxmlformats.org/drawingml/2006/main" xmlns:r="http://schemas.openxmlformats.org/officeDocument/2006/relationships" xmlns:p="http://schemas.openxmlformats.org/presentationml/2006/main">
+  <p:cSld>
+    <p:spTree>
+      <p:nvGrpSpPr>
+        <p:cNvPr id="1" name=""/>
+        <p:cNvGrpSpPr/>
+        <p:nvPr/>
+      </p:nvGrpSpPr>
+      <p:grpSpPr>
+        <a:xfrm>
+          <a:off x="0" y="0"/>
+          <a:ext cx="0" cy="0"/>
+          <a:chOff x="0" y="0"/>
+          <a:chExt cx="0" cy="0"/>
+        </a:xfrm>
+      </p:grpSpPr>
+      <p:graphicFrame>
+        <p:nvGraphicFramePr>
+          <p:cNvPr id="7" name="表 6"/>
+          <p:cNvGraphicFramePr>
+            <a:graphicFrameLocks noGrp="1"/>
+          </p:cNvGraphicFramePr>
+          <p:nvPr>
+            <p:extLst>
+              <p:ext uri="{D42A27DB-BD31-4B8C-83A1-F6EECF244321}">
+                <p14:modId xmlns:p14="http://schemas.microsoft.com/office/powerpoint/2010/main" val="1843084776"/>
+              </p:ext>
+            </p:extLst>
+          </p:nvPr>
+        </p:nvGraphicFramePr>
+        <p:xfrm>
+          <a:off x="974654" y="767974"/>
+          <a:ext cx="3860955" cy="1645920"/>
+        </p:xfrm>
+        <a:graphic>
+          <a:graphicData uri="http://schemas.openxmlformats.org/drawingml/2006/table">
+            <a:tbl>
+              <a:tblPr firstRow="1" bandRow="1">
+                <a:tableStyleId>{21E4AEA4-8DFA-4A89-87EB-49C32662AFE0}</a:tableStyleId>
+              </a:tblPr>
+              <a:tblGrid>
+                <a:gridCol w="1286985"/>
+                <a:gridCol w="1286985"/>
+                <a:gridCol w="1286985"/>
+              </a:tblGrid>
+              <a:tr h="362451">
+                <a:tc>
+                  <a:txBody>
+                    <a:bodyPr/>
+                    <a:lstStyle/>
+                    <a:p>
+                      <a:pPr algn="ctr"/>
+                      <a:r>
+                        <a:rPr kumimoji="1" lang="en-US" altLang="ja-JP" dirty="0" smtClean="0"/>
+                        <a:t>ID</a:t>
+                      </a:r>
+                      <a:endParaRPr kumimoji="1" lang="ja-JP" altLang="en-US" dirty="0"/>
+                    </a:p>
+                  </a:txBody>
+                  <a:tcPr anchor="ctr"/>
+                </a:tc>
+                <a:tc>
+                  <a:txBody>
+                    <a:bodyPr/>
+                    <a:lstStyle/>
+                    <a:p>
+                      <a:pPr algn="ctr"/>
+                      <a:r>
+                        <a:rPr kumimoji="1" lang="en-US" altLang="ja-JP" dirty="0" smtClean="0"/>
+                        <a:t>Speed</a:t>
+                      </a:r>
+                      <a:endParaRPr kumimoji="1" lang="ja-JP" altLang="en-US" dirty="0"/>
+                    </a:p>
+                  </a:txBody>
+                  <a:tcPr anchor="ctr"/>
+                </a:tc>
+                <a:tc>
+                  <a:txBody>
+                    <a:bodyPr/>
+                    <a:lstStyle/>
+                    <a:p>
+                      <a:pPr algn="ctr"/>
+                      <a:r>
+                        <a:rPr kumimoji="1" lang="en-US" altLang="ja-JP" dirty="0" err="1" smtClean="0"/>
+                        <a:t>Datetime</a:t>
+                      </a:r>
+                      <a:endParaRPr kumimoji="1" lang="ja-JP" altLang="en-US" dirty="0"/>
+                    </a:p>
+                  </a:txBody>
+                  <a:tcPr anchor="ctr"/>
+                </a:tc>
+              </a:tr>
+              <a:tr h="370840">
+                <a:tc>
+                  <a:txBody>
+                    <a:bodyPr/>
+                    <a:lstStyle/>
+                    <a:p>
+                      <a:pPr algn="ctr"/>
+                      <a:r>
+                        <a:rPr kumimoji="1" lang="en-US" altLang="ja-JP" dirty="0" smtClean="0"/>
+                        <a:t>306</a:t>
+                      </a:r>
+                      <a:endParaRPr kumimoji="1" lang="ja-JP" altLang="en-US" dirty="0"/>
+                    </a:p>
+                  </a:txBody>
+                  <a:tcPr anchor="ctr"/>
+                </a:tc>
+                <a:tc>
+                  <a:txBody>
+                    <a:bodyPr/>
+                    <a:lstStyle/>
+                    <a:p>
+                      <a:pPr algn="ctr"/>
+                      <a:r>
+                        <a:rPr kumimoji="1" lang="en-US" altLang="ja-JP" dirty="0" smtClean="0"/>
+                        <a:t>0.3652</a:t>
+                      </a:r>
+                      <a:endParaRPr kumimoji="1" lang="ja-JP" altLang="en-US" dirty="0"/>
+                    </a:p>
+                  </a:txBody>
+                  <a:tcPr anchor="ctr"/>
+                </a:tc>
+                <a:tc>
+                  <a:txBody>
+                    <a:bodyPr/>
+                    <a:lstStyle/>
+                    <a:p>
+                      <a:pPr algn="ctr"/>
+                      <a:r>
+                        <a:rPr kumimoji="1" lang="en-US" altLang="ja-JP" dirty="0" smtClean="0"/>
+                        <a:t>2021-07-06 15:50:15</a:t>
+                      </a:r>
+                      <a:endParaRPr kumimoji="1" lang="ja-JP" altLang="en-US" dirty="0"/>
+                    </a:p>
+                  </a:txBody>
+                  <a:tcPr anchor="ctr"/>
+                </a:tc>
+              </a:tr>
+              <a:tr h="370840">
+                <a:tc>
+                  <a:txBody>
+                    <a:bodyPr/>
+                    <a:lstStyle/>
+                    <a:p>
+                      <a:pPr algn="ctr"/>
+                      <a:r>
+                        <a:rPr kumimoji="1" lang="en-US" altLang="ja-JP" dirty="0" smtClean="0"/>
+                        <a:t>307</a:t>
+                      </a:r>
+                      <a:endParaRPr kumimoji="1" lang="ja-JP" altLang="en-US" dirty="0"/>
+                    </a:p>
+                  </a:txBody>
+                  <a:tcPr anchor="ctr"/>
+                </a:tc>
+                <a:tc>
+                  <a:txBody>
+                    <a:bodyPr/>
+                    <a:lstStyle/>
+                    <a:p>
+                      <a:pPr algn="ctr"/>
+                      <a:r>
+                        <a:rPr kumimoji="1" lang="en-US" altLang="ja-JP" dirty="0" smtClean="0"/>
+                        <a:t>0.2371</a:t>
+                      </a:r>
+                      <a:endParaRPr kumimoji="1" lang="ja-JP" altLang="en-US" dirty="0"/>
+                    </a:p>
+                  </a:txBody>
+                  <a:tcPr anchor="ctr"/>
+                </a:tc>
+                <a:tc>
+                  <a:txBody>
+                    <a:bodyPr/>
+                    <a:lstStyle/>
+                    <a:p>
+                      <a:pPr algn="ctr"/>
+                      <a:r>
+                        <a:rPr kumimoji="1" lang="en-US" altLang="ja-JP" dirty="0" smtClean="0"/>
+                        <a:t>2021-07-06 15:51:15</a:t>
+                      </a:r>
+                      <a:endParaRPr kumimoji="1" lang="ja-JP" altLang="en-US" dirty="0"/>
+                    </a:p>
+                  </a:txBody>
+                  <a:tcPr anchor="ctr"/>
+                </a:tc>
+              </a:tr>
+            </a:tbl>
+          </a:graphicData>
+        </a:graphic>
+      </p:graphicFrame>
+      <p:graphicFrame>
+        <p:nvGraphicFramePr>
+          <p:cNvPr id="8" name="表 7"/>
+          <p:cNvGraphicFramePr>
+            <a:graphicFrameLocks noGrp="1"/>
+          </p:cNvGraphicFramePr>
+          <p:nvPr>
+            <p:extLst>
+              <p:ext uri="{D42A27DB-BD31-4B8C-83A1-F6EECF244321}">
+                <p14:modId xmlns:p14="http://schemas.microsoft.com/office/powerpoint/2010/main" val="1045724050"/>
+              </p:ext>
+            </p:extLst>
+          </p:nvPr>
+        </p:nvGraphicFramePr>
+        <p:xfrm>
+          <a:off x="425294" y="3266888"/>
+          <a:ext cx="7773930" cy="1573814"/>
+        </p:xfrm>
+        <a:graphic>
+          <a:graphicData uri="http://schemas.openxmlformats.org/drawingml/2006/table">
+            <a:tbl>
+              <a:tblPr firstRow="1" bandRow="1">
+                <a:tableStyleId>{21E4AEA4-8DFA-4A89-87EB-49C32662AFE0}</a:tableStyleId>
+              </a:tblPr>
+              <a:tblGrid>
+                <a:gridCol w="1295655"/>
+                <a:gridCol w="1295655"/>
+                <a:gridCol w="1295655"/>
+                <a:gridCol w="1295655"/>
+                <a:gridCol w="1295655"/>
+                <a:gridCol w="1295655"/>
+              </a:tblGrid>
+              <a:tr h="191152">
+                <a:tc>
+                  <a:txBody>
+                    <a:bodyPr/>
+                    <a:lstStyle/>
+                    <a:p>
+                      <a:pPr algn="ctr"/>
+                      <a:r>
+                        <a:rPr kumimoji="1" lang="en-US" altLang="ja-JP" sz="1100" dirty="0" smtClean="0"/>
+                        <a:t>ID</a:t>
+                      </a:r>
+                      <a:endParaRPr kumimoji="1" lang="ja-JP" altLang="en-US" sz="1100" dirty="0"/>
+                    </a:p>
+                  </a:txBody>
+                  <a:tcPr anchor="ctr"/>
+                </a:tc>
+                <a:tc>
+                  <a:txBody>
+                    <a:bodyPr/>
+                    <a:lstStyle/>
+                    <a:p>
+                      <a:pPr algn="ctr"/>
+                      <a:r>
+                        <a:rPr kumimoji="1" lang="en-US" altLang="ja-JP" sz="1100" dirty="0" err="1" smtClean="0"/>
+                        <a:t>Now_speed</a:t>
+                      </a:r>
+                      <a:endParaRPr kumimoji="1" lang="ja-JP" altLang="en-US" sz="1100" dirty="0"/>
+                    </a:p>
+                  </a:txBody>
+                  <a:tcPr anchor="ctr"/>
+                </a:tc>
+                <a:tc>
+                  <a:txBody>
+                    <a:bodyPr/>
+                    <a:lstStyle/>
+                    <a:p>
+                      <a:pPr algn="ctr"/>
+                      <a:r>
+                        <a:rPr kumimoji="1" lang="en-US" altLang="ja-JP" sz="1100" dirty="0" err="1" smtClean="0"/>
+                        <a:t>Now_speed_score</a:t>
+                      </a:r>
+                      <a:endParaRPr kumimoji="1" lang="ja-JP" altLang="en-US" sz="1100" dirty="0"/>
+                    </a:p>
+                  </a:txBody>
+                  <a:tcPr anchor="ctr"/>
+                </a:tc>
+                <a:tc>
+                  <a:txBody>
+                    <a:bodyPr/>
+                    <a:lstStyle/>
+                    <a:p>
+                      <a:pPr marL="0" marR="0" lvl="0" indent="0" algn="ctr" defTabSz="914400" rtl="0" eaLnBrk="1" fontAlgn="auto" latinLnBrk="0" hangingPunct="1">
+                        <a:lnSpc>
+                          <a:spcPct val="100000"/>
+                        </a:lnSpc>
+                        <a:spcBef>
+                          <a:spcPts val="0"/>
+                        </a:spcBef>
+                        <a:spcAft>
+                          <a:spcPts val="0"/>
+                        </a:spcAft>
+                        <a:buClrTx/>
+                        <a:buSzTx/>
+                        <a:buFontTx/>
+                        <a:buNone/>
+                        <a:tabLst/>
+                        <a:defRPr/>
+                      </a:pPr>
+                      <a:r>
+                        <a:rPr kumimoji="1" lang="en-US" altLang="ja-JP" sz="1100" dirty="0" err="1" smtClean="0"/>
+                        <a:t>Ave_speed</a:t>
+                      </a:r>
+                      <a:endParaRPr kumimoji="1" lang="ja-JP" altLang="en-US" sz="1100" dirty="0" smtClean="0"/>
+                    </a:p>
+                  </a:txBody>
+                  <a:tcPr anchor="ctr"/>
+                </a:tc>
+                <a:tc>
+                  <a:txBody>
+                    <a:bodyPr/>
+                    <a:lstStyle/>
+                    <a:p>
+                      <a:pPr marL="0" marR="0" lvl="0" indent="0" algn="ctr" defTabSz="914400" rtl="0" eaLnBrk="1" fontAlgn="auto" latinLnBrk="0" hangingPunct="1">
+                        <a:lnSpc>
+                          <a:spcPct val="100000"/>
+                        </a:lnSpc>
+                        <a:spcBef>
+                          <a:spcPts val="0"/>
+                        </a:spcBef>
+                        <a:spcAft>
+                          <a:spcPts val="0"/>
+                        </a:spcAft>
+                        <a:buClrTx/>
+                        <a:buSzTx/>
+                        <a:buFontTx/>
+                        <a:buNone/>
+                        <a:tabLst/>
+                        <a:defRPr/>
+                      </a:pPr>
+                      <a:r>
+                        <a:rPr kumimoji="1" lang="en-US" altLang="ja-JP" sz="1100" dirty="0" err="1" smtClean="0"/>
+                        <a:t>Ave_speed_score</a:t>
+                      </a:r>
+                      <a:endParaRPr kumimoji="1" lang="ja-JP" altLang="en-US" sz="1100" dirty="0" smtClean="0"/>
+                    </a:p>
+                  </a:txBody>
+                  <a:tcPr anchor="ctr"/>
+                </a:tc>
+                <a:tc>
+                  <a:txBody>
+                    <a:bodyPr/>
+                    <a:lstStyle/>
+                    <a:p>
+                      <a:pPr marL="0" marR="0" lvl="0" indent="0" algn="ctr" defTabSz="914400" rtl="0" eaLnBrk="1" fontAlgn="auto" latinLnBrk="0" hangingPunct="1">
+                        <a:lnSpc>
+                          <a:spcPct val="100000"/>
+                        </a:lnSpc>
+                        <a:spcBef>
+                          <a:spcPts val="0"/>
+                        </a:spcBef>
+                        <a:spcAft>
+                          <a:spcPts val="0"/>
+                        </a:spcAft>
+                        <a:buClrTx/>
+                        <a:buSzTx/>
+                        <a:buFontTx/>
+                        <a:buNone/>
+                        <a:tabLst/>
+                        <a:defRPr/>
+                      </a:pPr>
+                      <a:r>
+                        <a:rPr kumimoji="1" lang="en-US" altLang="ja-JP" sz="1100" dirty="0" err="1" smtClean="0"/>
+                        <a:t>Datetime</a:t>
+                      </a:r>
+                      <a:endParaRPr kumimoji="1" lang="ja-JP" altLang="en-US" sz="1100" dirty="0" smtClean="0"/>
+                    </a:p>
+                  </a:txBody>
+                  <a:tcPr anchor="ctr"/>
+                </a:tc>
+              </a:tr>
+              <a:tr h="472258">
+                <a:tc>
+                  <a:txBody>
+                    <a:bodyPr/>
+                    <a:lstStyle/>
+                    <a:p>
+                      <a:pPr algn="ctr"/>
+                      <a:r>
+                        <a:rPr kumimoji="1" lang="en-US" altLang="ja-JP" dirty="0" smtClean="0"/>
+                        <a:t>434</a:t>
+                      </a:r>
+                    </a:p>
+                  </a:txBody>
+                  <a:tcPr anchor="ctr"/>
+                </a:tc>
+                <a:tc>
+                  <a:txBody>
+                    <a:bodyPr/>
+                    <a:lstStyle/>
+                    <a:p>
+                      <a:pPr algn="ctr"/>
+                      <a:r>
+                        <a:rPr kumimoji="1" lang="en-US" altLang="ja-JP" dirty="0" smtClean="0"/>
+                        <a:t>0.3652</a:t>
+                      </a:r>
+                    </a:p>
+                  </a:txBody>
+                  <a:tcPr anchor="ctr"/>
+                </a:tc>
+                <a:tc>
+                  <a:txBody>
+                    <a:bodyPr/>
+                    <a:lstStyle/>
+                    <a:p>
+                      <a:pPr algn="ctr"/>
+                      <a:r>
+                        <a:rPr kumimoji="1" lang="en-US" altLang="ja-JP" dirty="0" smtClean="0"/>
+                        <a:t>B</a:t>
+                      </a:r>
+                      <a:endParaRPr kumimoji="1" lang="ja-JP" altLang="en-US" dirty="0"/>
+                    </a:p>
+                  </a:txBody>
+                  <a:tcPr anchor="ctr"/>
+                </a:tc>
+                <a:tc>
+                  <a:txBody>
+                    <a:bodyPr/>
+                    <a:lstStyle/>
+                    <a:p>
+                      <a:pPr algn="ctr"/>
+                      <a:r>
+                        <a:rPr kumimoji="1" lang="en-US" altLang="ja-JP" dirty="0" smtClean="0"/>
+                        <a:t>0.15</a:t>
+                      </a:r>
+                      <a:endParaRPr kumimoji="1" lang="ja-JP" altLang="en-US" dirty="0"/>
+                    </a:p>
+                  </a:txBody>
+                  <a:tcPr anchor="ctr"/>
+                </a:tc>
+                <a:tc>
+                  <a:txBody>
+                    <a:bodyPr/>
+                    <a:lstStyle/>
+                    <a:p>
+                      <a:pPr algn="ctr"/>
+                      <a:r>
+                        <a:rPr kumimoji="1" lang="en-US" altLang="ja-JP" dirty="0" smtClean="0"/>
+                        <a:t>A</a:t>
+                      </a:r>
+                      <a:endParaRPr kumimoji="1" lang="ja-JP" altLang="en-US" dirty="0"/>
+                    </a:p>
+                  </a:txBody>
+                  <a:tcPr anchor="ctr"/>
+                </a:tc>
+                <a:tc>
+                  <a:txBody>
+                    <a:bodyPr/>
+                    <a:lstStyle/>
+                    <a:p>
+                      <a:pPr marL="0" marR="0" lvl="0" indent="0" algn="ctr" defTabSz="914400" rtl="0" eaLnBrk="1" fontAlgn="auto" latinLnBrk="0" hangingPunct="1">
+                        <a:lnSpc>
+                          <a:spcPct val="100000"/>
+                        </a:lnSpc>
+                        <a:spcBef>
+                          <a:spcPts val="0"/>
+                        </a:spcBef>
+                        <a:spcAft>
+                          <a:spcPts val="0"/>
+                        </a:spcAft>
+                        <a:buClrTx/>
+                        <a:buSzTx/>
+                        <a:buFontTx/>
+                        <a:buNone/>
+                        <a:tabLst/>
+                        <a:defRPr/>
+                      </a:pPr>
+                      <a:r>
+                        <a:rPr kumimoji="1" lang="en-US" altLang="ja-JP" dirty="0" smtClean="0"/>
+                        <a:t>2021-07-06 15:51:23</a:t>
+                      </a:r>
+                      <a:endParaRPr kumimoji="1" lang="ja-JP" altLang="en-US" dirty="0" smtClean="0"/>
+                    </a:p>
+                  </a:txBody>
+                  <a:tcPr anchor="ctr"/>
+                </a:tc>
+              </a:tr>
+              <a:tr h="674654">
+                <a:tc>
+                  <a:txBody>
+                    <a:bodyPr/>
+                    <a:lstStyle/>
+                    <a:p>
+                      <a:pPr algn="ctr"/>
+                      <a:r>
+                        <a:rPr kumimoji="1" lang="en-US" altLang="ja-JP" dirty="0" smtClean="0"/>
+                        <a:t>435</a:t>
+                      </a:r>
+                    </a:p>
+                  </a:txBody>
+                  <a:tcPr anchor="ctr"/>
+                </a:tc>
+                <a:tc>
+                  <a:txBody>
+                    <a:bodyPr/>
+                    <a:lstStyle/>
+                    <a:p>
+                      <a:pPr algn="ctr"/>
+                      <a:r>
+                        <a:rPr kumimoji="1" lang="en-US" altLang="ja-JP" dirty="0" smtClean="0"/>
+                        <a:t>0.4561</a:t>
+                      </a:r>
+                      <a:endParaRPr kumimoji="1" lang="ja-JP" altLang="en-US" dirty="0"/>
+                    </a:p>
+                  </a:txBody>
+                  <a:tcPr anchor="ctr"/>
+                </a:tc>
+                <a:tc>
+                  <a:txBody>
+                    <a:bodyPr/>
+                    <a:lstStyle/>
+                    <a:p>
+                      <a:pPr algn="ctr"/>
+                      <a:r>
+                        <a:rPr kumimoji="1" lang="en-US" altLang="ja-JP" dirty="0" smtClean="0"/>
+                        <a:t>B</a:t>
+                      </a:r>
+                      <a:endParaRPr kumimoji="1" lang="ja-JP" altLang="en-US" dirty="0"/>
+                    </a:p>
+                  </a:txBody>
+                  <a:tcPr anchor="ctr"/>
+                </a:tc>
+                <a:tc>
+                  <a:txBody>
+                    <a:bodyPr/>
+                    <a:lstStyle/>
+                    <a:p>
+                      <a:pPr algn="ctr"/>
+                      <a:r>
+                        <a:rPr kumimoji="1" lang="en-US" altLang="ja-JP" dirty="0" smtClean="0"/>
+                        <a:t>0.16</a:t>
+                      </a:r>
+                      <a:endParaRPr kumimoji="1" lang="ja-JP" altLang="en-US" dirty="0"/>
+                    </a:p>
+                  </a:txBody>
+                  <a:tcPr anchor="ctr"/>
+                </a:tc>
+                <a:tc>
+                  <a:txBody>
+                    <a:bodyPr/>
+                    <a:lstStyle/>
+                    <a:p>
+                      <a:pPr algn="ctr"/>
+                      <a:r>
+                        <a:rPr kumimoji="1" lang="en-US" altLang="ja-JP" dirty="0" smtClean="0"/>
+                        <a:t>A</a:t>
+                      </a:r>
+                      <a:endParaRPr kumimoji="1" lang="ja-JP" altLang="en-US" dirty="0"/>
+                    </a:p>
+                  </a:txBody>
+                  <a:tcPr anchor="ctr"/>
+                </a:tc>
+                <a:tc>
+                  <a:txBody>
+                    <a:bodyPr/>
+                    <a:lstStyle/>
+                    <a:p>
+                      <a:pPr marL="0" marR="0" lvl="0" indent="0" algn="ctr" defTabSz="914400" rtl="0" eaLnBrk="1" fontAlgn="auto" latinLnBrk="0" hangingPunct="1">
+                        <a:lnSpc>
+                          <a:spcPct val="100000"/>
+                        </a:lnSpc>
+                        <a:spcBef>
+                          <a:spcPts val="0"/>
+                        </a:spcBef>
+                        <a:spcAft>
+                          <a:spcPts val="0"/>
+                        </a:spcAft>
+                        <a:buClrTx/>
+                        <a:buSzTx/>
+                        <a:buFontTx/>
+                        <a:buNone/>
+                        <a:tabLst/>
+                        <a:defRPr/>
+                      </a:pPr>
+                      <a:r>
+                        <a:rPr kumimoji="1" lang="en-US" altLang="ja-JP" dirty="0" smtClean="0"/>
+                        <a:t>2021-07-06 15:52:23</a:t>
+                      </a:r>
+                      <a:endParaRPr kumimoji="1" lang="ja-JP" altLang="en-US" dirty="0" smtClean="0"/>
+                    </a:p>
+                  </a:txBody>
+                  <a:tcPr anchor="ctr"/>
+                </a:tc>
+              </a:tr>
+            </a:tbl>
+          </a:graphicData>
+        </a:graphic>
+      </p:graphicFrame>
+      <p:sp>
+        <p:nvSpPr>
+          <p:cNvPr id="9" name="テキスト ボックス 8"/>
+          <p:cNvSpPr txBox="1"/>
+          <p:nvPr/>
+        </p:nvSpPr>
+        <p:spPr>
+          <a:xfrm>
+            <a:off x="1889468" y="398642"/>
+            <a:ext cx="2031325" cy="369332"/>
+          </a:xfrm>
+          <a:prstGeom prst="rect">
+            <a:avLst/>
+          </a:prstGeom>
+          <a:noFill/>
+        </p:spPr>
+        <p:txBody>
+          <a:bodyPr wrap="none" rtlCol="0">
+            <a:spAutoFit/>
+          </a:bodyPr>
+          <a:lstStyle/>
+          <a:p>
+            <a:r>
+              <a:rPr lang="ja-JP" altLang="en-US" b="1" dirty="0"/>
+              <a:t>応答速度テーブル</a:t>
+            </a:r>
+            <a:endParaRPr kumimoji="1" lang="ja-JP" altLang="en-US" b="1" dirty="0"/>
+          </a:p>
+        </p:txBody>
+      </p:sp>
+      <p:sp>
+        <p:nvSpPr>
+          <p:cNvPr id="10" name="テキスト ボックス 9"/>
+          <p:cNvSpPr txBox="1"/>
+          <p:nvPr/>
+        </p:nvSpPr>
+        <p:spPr>
+          <a:xfrm>
+            <a:off x="3527429" y="2897555"/>
+            <a:ext cx="1569660" cy="369332"/>
+          </a:xfrm>
+          <a:prstGeom prst="rect">
+            <a:avLst/>
+          </a:prstGeom>
+          <a:noFill/>
+        </p:spPr>
+        <p:txBody>
+          <a:bodyPr wrap="none" rtlCol="0">
+            <a:spAutoFit/>
+          </a:bodyPr>
+          <a:lstStyle/>
+          <a:p>
+            <a:r>
+              <a:rPr lang="ja-JP" altLang="en-US" b="1" dirty="0" smtClean="0"/>
+              <a:t>評価テーブル</a:t>
+            </a:r>
+            <a:endParaRPr kumimoji="1" lang="ja-JP" altLang="en-US" b="1" dirty="0"/>
+          </a:p>
+        </p:txBody>
+      </p:sp>
+    </p:spTree>
+    <p:extLst>
+      <p:ext uri="{BB962C8B-B14F-4D97-AF65-F5344CB8AC3E}">
+        <p14:creationId xmlns:p14="http://schemas.microsoft.com/office/powerpoint/2010/main" val="811992778"/>
+      </p:ext>
+    </p:extLst>
+  </p:cSld>
+  <p:clrMapOvr>
+    <a:masterClrMapping/>
+  </p:clrMapOvr>
+  <p:timing>
+    <p:tnLst>
+      <p:par>
+        <p:cTn id="1" dur="indefinite" restart="never" nodeType="tmRoot"/>
+      </p:par>
+    </p:tnLst>
+  </p:timing>
+</p:sld>
+</file>
+
+<file path=ppt/slides/slide12.xml><?xml version="1.0" encoding="utf-8"?>
+<p:sld xmlns:a="http://schemas.openxmlformats.org/drawingml/2006/main" xmlns:r="http://schemas.openxmlformats.org/officeDocument/2006/relationships" xmlns:p="http://schemas.openxmlformats.org/presentationml/2006/main">
+  <p:cSld>
+    <p:spTree>
+      <p:nvGrpSpPr>
+        <p:cNvPr id="1" name=""/>
+        <p:cNvGrpSpPr/>
+        <p:nvPr/>
+      </p:nvGrpSpPr>
+      <p:grpSpPr>
+        <a:xfrm>
+          <a:off x="0" y="0"/>
+          <a:ext cx="0" cy="0"/>
+          <a:chOff x="0" y="0"/>
+          <a:chExt cx="0" cy="0"/>
+        </a:xfrm>
+      </p:grpSpPr>
+      <p:sp>
+        <p:nvSpPr>
+          <p:cNvPr id="13" name="正方形/長方形 12"/>
+          <p:cNvSpPr/>
+          <p:nvPr/>
+        </p:nvSpPr>
+        <p:spPr>
+          <a:xfrm>
+            <a:off x="5469920" y="424675"/>
+            <a:ext cx="2603157" cy="4231145"/>
+          </a:xfrm>
+          <a:prstGeom prst="rect">
+            <a:avLst/>
+          </a:prstGeom>
+          <a:solidFill>
+            <a:schemeClr val="accent6">
+              <a:lumMod val="20000"/>
+              <a:lumOff val="80000"/>
+            </a:schemeClr>
+          </a:solidFill>
+        </p:spPr>
+        <p:style>
+          <a:lnRef idx="2">
+            <a:schemeClr val="accent6">
+              <a:shade val="50000"/>
+            </a:schemeClr>
+          </a:lnRef>
+          <a:fillRef idx="1">
+            <a:schemeClr val="accent6"/>
+          </a:fillRef>
+          <a:effectRef idx="0">
+            <a:schemeClr val="accent6"/>
+          </a:effectRef>
+          <a:fontRef idx="minor">
+            <a:schemeClr val="lt1"/>
+          </a:fontRef>
+        </p:style>
+        <p:txBody>
+          <a:bodyPr rtlCol="0" anchor="ctr"/>
+          <a:lstStyle/>
+          <a:p>
+            <a:pPr algn="ctr"/>
+            <a:endParaRPr kumimoji="1" lang="ja-JP" altLang="en-US" sz="1000"/>
+          </a:p>
+        </p:txBody>
+      </p:sp>
+      <p:sp>
+        <p:nvSpPr>
+          <p:cNvPr id="14" name="テキスト ボックス 13"/>
+          <p:cNvSpPr txBox="1"/>
+          <p:nvPr/>
+        </p:nvSpPr>
+        <p:spPr>
+          <a:xfrm>
+            <a:off x="5987122" y="91505"/>
+            <a:ext cx="1563382" cy="369332"/>
+          </a:xfrm>
+          <a:prstGeom prst="rect">
+            <a:avLst/>
+          </a:prstGeom>
+          <a:noFill/>
+        </p:spPr>
+        <p:txBody>
+          <a:bodyPr wrap="square" rtlCol="0">
+            <a:spAutoFit/>
+          </a:bodyPr>
+          <a:lstStyle/>
+          <a:p>
+            <a:r>
+              <a:rPr kumimoji="1" lang="en-US" altLang="ja-JP" b="1" dirty="0" smtClean="0"/>
+              <a:t>Integrated.py</a:t>
+            </a:r>
+            <a:endParaRPr kumimoji="1" lang="ja-JP" altLang="en-US" b="1" dirty="0"/>
+          </a:p>
+        </p:txBody>
+      </p:sp>
+      <p:sp>
+        <p:nvSpPr>
+          <p:cNvPr id="17" name="正方形/長方形 16"/>
+          <p:cNvSpPr/>
+          <p:nvPr/>
+        </p:nvSpPr>
+        <p:spPr>
+          <a:xfrm>
+            <a:off x="5667437" y="570124"/>
+            <a:ext cx="2208124" cy="388584"/>
+          </a:xfrm>
+          <a:prstGeom prst="rect">
+            <a:avLst/>
+          </a:prstGeom>
+          <a:solidFill>
+            <a:srgbClr val="DEEBF7"/>
+          </a:solidFill>
+          <a:ln>
+            <a:solidFill>
+              <a:srgbClr val="41719C"/>
+            </a:solidFill>
+          </a:ln>
+        </p:spPr>
+        <p:style>
+          <a:lnRef idx="2">
+            <a:schemeClr val="accent6"/>
+          </a:lnRef>
+          <a:fillRef idx="1">
+            <a:schemeClr val="lt1"/>
+          </a:fillRef>
+          <a:effectRef idx="0">
+            <a:schemeClr val="accent6"/>
+          </a:effectRef>
+          <a:fontRef idx="minor">
+            <a:schemeClr val="dk1"/>
+          </a:fontRef>
+        </p:style>
+        <p:txBody>
+          <a:bodyPr rtlCol="0" anchor="ctr"/>
+          <a:lstStyle/>
+          <a:p>
+            <a:pPr algn="ctr"/>
+            <a:r>
+              <a:rPr kumimoji="1" lang="ja-JP" altLang="en-US" sz="1000" b="1" dirty="0" smtClean="0">
+                <a:solidFill>
+                  <a:srgbClr val="41719C"/>
+                </a:solidFill>
+              </a:rPr>
+              <a:t>応答速</a:t>
+            </a:r>
+            <a:r>
+              <a:rPr kumimoji="1" lang="ja-JP" altLang="en-US" sz="1000" b="1" dirty="0" smtClean="0">
+                <a:solidFill>
+                  <a:srgbClr val="41719C"/>
+                </a:solidFill>
+              </a:rPr>
+              <a:t>計測</a:t>
+            </a:r>
+            <a:endParaRPr kumimoji="1" lang="ja-JP" altLang="en-US" sz="1000" b="1" dirty="0">
+              <a:solidFill>
+                <a:srgbClr val="41719C"/>
+              </a:solidFill>
+            </a:endParaRPr>
+          </a:p>
+        </p:txBody>
+      </p:sp>
+      <p:sp>
+        <p:nvSpPr>
+          <p:cNvPr id="18" name="正方形/長方形 17"/>
+          <p:cNvSpPr/>
+          <p:nvPr/>
+        </p:nvSpPr>
+        <p:spPr>
+          <a:xfrm>
+            <a:off x="5667437" y="1119716"/>
+            <a:ext cx="2208124" cy="229523"/>
+          </a:xfrm>
+          <a:prstGeom prst="rect">
+            <a:avLst/>
+          </a:prstGeom>
+          <a:solidFill>
+            <a:srgbClr val="DEEBF7"/>
+          </a:solidFill>
+          <a:ln>
+            <a:solidFill>
+              <a:srgbClr val="41719C"/>
+            </a:solidFill>
+          </a:ln>
+        </p:spPr>
+        <p:style>
+          <a:lnRef idx="2">
+            <a:schemeClr val="accent6"/>
+          </a:lnRef>
+          <a:fillRef idx="1">
+            <a:schemeClr val="lt1"/>
+          </a:fillRef>
+          <a:effectRef idx="0">
+            <a:schemeClr val="accent6"/>
+          </a:effectRef>
+          <a:fontRef idx="minor">
+            <a:schemeClr val="dk1"/>
+          </a:fontRef>
+        </p:style>
+        <p:txBody>
+          <a:bodyPr rtlCol="0" anchor="ctr"/>
+          <a:lstStyle/>
+          <a:p>
+            <a:pPr algn="ctr"/>
+            <a:r>
+              <a:rPr kumimoji="1" lang="ja-JP" altLang="en-US" sz="900" b="1" dirty="0" smtClean="0">
+                <a:solidFill>
+                  <a:srgbClr val="41719C"/>
+                </a:solidFill>
+              </a:rPr>
+              <a:t>計測結果を応答</a:t>
+            </a:r>
+            <a:r>
+              <a:rPr kumimoji="1" lang="ja-JP" altLang="en-US" sz="900" b="1" dirty="0">
+                <a:solidFill>
+                  <a:srgbClr val="41719C"/>
+                </a:solidFill>
+              </a:rPr>
+              <a:t>速度テーブル</a:t>
+            </a:r>
+            <a:r>
+              <a:rPr kumimoji="1" lang="ja-JP" altLang="en-US" sz="900" b="1" dirty="0" smtClean="0">
+                <a:solidFill>
+                  <a:srgbClr val="41719C"/>
+                </a:solidFill>
+              </a:rPr>
+              <a:t>へ挿入</a:t>
+            </a:r>
+            <a:endParaRPr kumimoji="1" lang="ja-JP" altLang="en-US" sz="900" b="1" dirty="0">
+              <a:solidFill>
+                <a:srgbClr val="41719C"/>
+              </a:solidFill>
+            </a:endParaRPr>
+          </a:p>
+        </p:txBody>
+      </p:sp>
+      <p:sp>
+        <p:nvSpPr>
+          <p:cNvPr id="19" name="正方形/長方形 18"/>
+          <p:cNvSpPr/>
+          <p:nvPr/>
+        </p:nvSpPr>
+        <p:spPr>
+          <a:xfrm>
+            <a:off x="5667437" y="1510247"/>
+            <a:ext cx="2208124" cy="245238"/>
+          </a:xfrm>
+          <a:prstGeom prst="rect">
+            <a:avLst/>
+          </a:prstGeom>
+          <a:solidFill>
+            <a:srgbClr val="DEEBF7"/>
+          </a:solidFill>
+          <a:ln>
+            <a:solidFill>
+              <a:srgbClr val="41719C"/>
+            </a:solidFill>
+          </a:ln>
+        </p:spPr>
+        <p:style>
+          <a:lnRef idx="2">
+            <a:schemeClr val="accent6"/>
+          </a:lnRef>
+          <a:fillRef idx="1">
+            <a:schemeClr val="lt1"/>
+          </a:fillRef>
+          <a:effectRef idx="0">
+            <a:schemeClr val="accent6"/>
+          </a:effectRef>
+          <a:fontRef idx="minor">
+            <a:schemeClr val="dk1"/>
+          </a:fontRef>
+        </p:style>
+        <p:txBody>
+          <a:bodyPr rtlCol="0" anchor="ctr"/>
+          <a:lstStyle/>
+          <a:p>
+            <a:pPr algn="ctr"/>
+            <a:r>
+              <a:rPr kumimoji="1" lang="ja-JP" altLang="en-US" sz="1000" b="1" dirty="0" smtClean="0">
+                <a:solidFill>
+                  <a:srgbClr val="41719C"/>
+                </a:solidFill>
+              </a:rPr>
+              <a:t>応答速度を評価</a:t>
+            </a:r>
+            <a:endParaRPr kumimoji="1" lang="ja-JP" altLang="en-US" sz="1000" b="1" dirty="0">
+              <a:solidFill>
+                <a:srgbClr val="41719C"/>
+              </a:solidFill>
+            </a:endParaRPr>
+          </a:p>
+        </p:txBody>
+      </p:sp>
+      <p:sp>
+        <p:nvSpPr>
+          <p:cNvPr id="20" name="正方形/長方形 19"/>
+          <p:cNvSpPr/>
+          <p:nvPr/>
+        </p:nvSpPr>
+        <p:spPr>
+          <a:xfrm>
+            <a:off x="5667437" y="1916493"/>
+            <a:ext cx="2208124" cy="264227"/>
+          </a:xfrm>
+          <a:prstGeom prst="rect">
+            <a:avLst/>
+          </a:prstGeom>
+          <a:solidFill>
+            <a:srgbClr val="DEEBF7"/>
+          </a:solidFill>
+          <a:ln>
+            <a:solidFill>
+              <a:srgbClr val="41719C"/>
+            </a:solidFill>
+          </a:ln>
+        </p:spPr>
+        <p:style>
+          <a:lnRef idx="2">
+            <a:schemeClr val="accent6"/>
+          </a:lnRef>
+          <a:fillRef idx="1">
+            <a:schemeClr val="lt1"/>
+          </a:fillRef>
+          <a:effectRef idx="0">
+            <a:schemeClr val="accent6"/>
+          </a:effectRef>
+          <a:fontRef idx="minor">
+            <a:schemeClr val="dk1"/>
+          </a:fontRef>
+        </p:style>
+        <p:txBody>
+          <a:bodyPr rtlCol="0" anchor="ctr"/>
+          <a:lstStyle/>
+          <a:p>
+            <a:pPr algn="ctr"/>
+            <a:r>
+              <a:rPr kumimoji="1" lang="ja-JP" altLang="en-US" sz="900" b="1" dirty="0" smtClean="0">
+                <a:solidFill>
+                  <a:srgbClr val="41719C"/>
+                </a:solidFill>
+              </a:rPr>
+              <a:t>評価済み速度を評価テーブルへ挿入</a:t>
+            </a:r>
+            <a:endParaRPr kumimoji="1" lang="ja-JP" altLang="en-US" sz="1000" b="1" dirty="0">
+              <a:solidFill>
+                <a:srgbClr val="41719C"/>
+              </a:solidFill>
+            </a:endParaRPr>
+          </a:p>
+        </p:txBody>
+      </p:sp>
+      <p:sp>
+        <p:nvSpPr>
+          <p:cNvPr id="22" name="正方形/長方形 21"/>
+          <p:cNvSpPr/>
+          <p:nvPr/>
+        </p:nvSpPr>
+        <p:spPr>
+          <a:xfrm>
+            <a:off x="5667437" y="2325969"/>
+            <a:ext cx="2208124" cy="397496"/>
+          </a:xfrm>
+          <a:prstGeom prst="rect">
+            <a:avLst/>
+          </a:prstGeom>
+          <a:solidFill>
+            <a:srgbClr val="DEEBF7"/>
+          </a:solidFill>
+          <a:ln>
+            <a:solidFill>
+              <a:srgbClr val="41719C"/>
+            </a:solidFill>
+          </a:ln>
+        </p:spPr>
+        <p:style>
+          <a:lnRef idx="2">
+            <a:schemeClr val="accent6"/>
+          </a:lnRef>
+          <a:fillRef idx="1">
+            <a:schemeClr val="lt1"/>
+          </a:fillRef>
+          <a:effectRef idx="0">
+            <a:schemeClr val="accent6"/>
+          </a:effectRef>
+          <a:fontRef idx="minor">
+            <a:schemeClr val="dk1"/>
+          </a:fontRef>
+        </p:style>
+        <p:txBody>
+          <a:bodyPr rtlCol="0" anchor="ctr"/>
+          <a:lstStyle/>
+          <a:p>
+            <a:pPr algn="ctr"/>
+            <a:r>
+              <a:rPr kumimoji="1" lang="ja-JP" altLang="en-US" sz="900" b="1" dirty="0" smtClean="0">
+                <a:solidFill>
+                  <a:srgbClr val="41719C"/>
+                </a:solidFill>
+              </a:rPr>
+              <a:t>応答速度テーブルから</a:t>
+            </a:r>
+            <a:r>
+              <a:rPr kumimoji="1" lang="en-US" altLang="ja-JP" sz="900" b="1" dirty="0" smtClean="0">
+                <a:solidFill>
+                  <a:srgbClr val="41719C"/>
+                </a:solidFill>
+              </a:rPr>
+              <a:t/>
+            </a:r>
+            <a:br>
+              <a:rPr kumimoji="1" lang="en-US" altLang="ja-JP" sz="900" b="1" dirty="0" smtClean="0">
+                <a:solidFill>
+                  <a:srgbClr val="41719C"/>
+                </a:solidFill>
+              </a:rPr>
+            </a:br>
+            <a:r>
+              <a:rPr kumimoji="1" lang="ja-JP" altLang="en-US" sz="900" b="1" dirty="0" smtClean="0">
+                <a:solidFill>
+                  <a:srgbClr val="41719C"/>
+                </a:solidFill>
+              </a:rPr>
+              <a:t>過去</a:t>
+            </a:r>
+            <a:r>
+              <a:rPr kumimoji="1" lang="en-US" altLang="ja-JP" sz="900" b="1" dirty="0" smtClean="0">
+                <a:solidFill>
+                  <a:srgbClr val="41719C"/>
+                </a:solidFill>
+              </a:rPr>
+              <a:t>24</a:t>
+            </a:r>
+            <a:r>
+              <a:rPr kumimoji="1" lang="ja-JP" altLang="en-US" sz="900" b="1" dirty="0" smtClean="0">
+                <a:solidFill>
+                  <a:srgbClr val="41719C"/>
+                </a:solidFill>
+              </a:rPr>
+              <a:t>時間の平均を取り出す</a:t>
+            </a:r>
+            <a:endParaRPr kumimoji="1" lang="ja-JP" altLang="en-US" sz="900" b="1" dirty="0">
+              <a:solidFill>
+                <a:srgbClr val="41719C"/>
+              </a:solidFill>
+            </a:endParaRPr>
+          </a:p>
+        </p:txBody>
+      </p:sp>
+      <p:sp>
+        <p:nvSpPr>
+          <p:cNvPr id="23" name="正方形/長方形 22"/>
+          <p:cNvSpPr/>
+          <p:nvPr/>
+        </p:nvSpPr>
+        <p:spPr>
+          <a:xfrm>
+            <a:off x="5667437" y="3452347"/>
+            <a:ext cx="2208124" cy="350108"/>
+          </a:xfrm>
+          <a:prstGeom prst="rect">
+            <a:avLst/>
+          </a:prstGeom>
+          <a:solidFill>
+            <a:srgbClr val="DEEBF7"/>
+          </a:solidFill>
+          <a:ln>
+            <a:solidFill>
+              <a:srgbClr val="41719C"/>
+            </a:solidFill>
+          </a:ln>
+        </p:spPr>
+        <p:style>
+          <a:lnRef idx="2">
+            <a:schemeClr val="accent6"/>
+          </a:lnRef>
+          <a:fillRef idx="1">
+            <a:schemeClr val="lt1"/>
+          </a:fillRef>
+          <a:effectRef idx="0">
+            <a:schemeClr val="accent6"/>
+          </a:effectRef>
+          <a:fontRef idx="minor">
+            <a:schemeClr val="dk1"/>
+          </a:fontRef>
+        </p:style>
+        <p:txBody>
+          <a:bodyPr rtlCol="0" anchor="ctr"/>
+          <a:lstStyle/>
+          <a:p>
+            <a:pPr algn="ctr"/>
+            <a:r>
+              <a:rPr kumimoji="1" lang="ja-JP" altLang="en-US" sz="1000" b="1" dirty="0" smtClean="0">
+                <a:solidFill>
+                  <a:srgbClr val="41719C"/>
+                </a:solidFill>
+              </a:rPr>
+              <a:t>平均を評価</a:t>
+            </a:r>
+            <a:endParaRPr kumimoji="1" lang="ja-JP" altLang="en-US" sz="1000" b="1" dirty="0">
+              <a:solidFill>
+                <a:srgbClr val="41719C"/>
+              </a:solidFill>
+            </a:endParaRPr>
+          </a:p>
+        </p:txBody>
+      </p:sp>
+      <p:sp>
+        <p:nvSpPr>
+          <p:cNvPr id="24" name="正方形/長方形 23"/>
+          <p:cNvSpPr/>
+          <p:nvPr/>
+        </p:nvSpPr>
+        <p:spPr>
+          <a:xfrm>
+            <a:off x="5667437" y="3967964"/>
+            <a:ext cx="2208124" cy="391479"/>
+          </a:xfrm>
+          <a:prstGeom prst="rect">
+            <a:avLst/>
+          </a:prstGeom>
+          <a:solidFill>
+            <a:srgbClr val="DEEBF7"/>
+          </a:solidFill>
+          <a:ln>
+            <a:solidFill>
+              <a:srgbClr val="41719C"/>
+            </a:solidFill>
+          </a:ln>
+        </p:spPr>
+        <p:style>
+          <a:lnRef idx="2">
+            <a:schemeClr val="accent6"/>
+          </a:lnRef>
+          <a:fillRef idx="1">
+            <a:schemeClr val="lt1"/>
+          </a:fillRef>
+          <a:effectRef idx="0">
+            <a:schemeClr val="accent6"/>
+          </a:effectRef>
+          <a:fontRef idx="minor">
+            <a:schemeClr val="dk1"/>
+          </a:fontRef>
+        </p:style>
+        <p:txBody>
+          <a:bodyPr rtlCol="0" anchor="ctr"/>
+          <a:lstStyle/>
+          <a:p>
+            <a:pPr algn="ctr"/>
+            <a:r>
+              <a:rPr kumimoji="1" lang="ja-JP" altLang="en-US" sz="1000" b="1" dirty="0" smtClean="0">
+                <a:solidFill>
+                  <a:srgbClr val="41719C"/>
+                </a:solidFill>
+              </a:rPr>
+              <a:t>評価済み平均速度を</a:t>
+            </a:r>
+            <a:endParaRPr kumimoji="1" lang="en-US" altLang="ja-JP" sz="1000" b="1" dirty="0" smtClean="0">
+              <a:solidFill>
+                <a:srgbClr val="41719C"/>
+              </a:solidFill>
+            </a:endParaRPr>
+          </a:p>
+          <a:p>
+            <a:pPr algn="ctr"/>
+            <a:r>
+              <a:rPr kumimoji="1" lang="ja-JP" altLang="en-US" sz="1000" b="1" dirty="0" smtClean="0">
+                <a:solidFill>
+                  <a:srgbClr val="41719C"/>
+                </a:solidFill>
+              </a:rPr>
+              <a:t>評価</a:t>
+            </a:r>
+            <a:r>
+              <a:rPr kumimoji="1" lang="ja-JP" altLang="en-US" sz="1000" b="1" dirty="0">
+                <a:solidFill>
+                  <a:srgbClr val="41719C"/>
+                </a:solidFill>
+              </a:rPr>
+              <a:t>テーブルへ挿入</a:t>
+            </a:r>
+            <a:endParaRPr kumimoji="1" lang="ja-JP" altLang="en-US" sz="1050" b="1" dirty="0">
+              <a:solidFill>
+                <a:srgbClr val="41719C"/>
+              </a:solidFill>
+            </a:endParaRPr>
+          </a:p>
+        </p:txBody>
+      </p:sp>
+      <p:sp>
+        <p:nvSpPr>
+          <p:cNvPr id="25" name="正方形/長方形 24"/>
+          <p:cNvSpPr/>
+          <p:nvPr/>
+        </p:nvSpPr>
+        <p:spPr>
+          <a:xfrm>
+            <a:off x="5667437" y="2869295"/>
+            <a:ext cx="2208124" cy="417543"/>
+          </a:xfrm>
+          <a:prstGeom prst="rect">
+            <a:avLst/>
+          </a:prstGeom>
+          <a:solidFill>
+            <a:srgbClr val="DEEBF7"/>
+          </a:solidFill>
+          <a:ln>
+            <a:solidFill>
+              <a:srgbClr val="41719C"/>
+            </a:solidFill>
+          </a:ln>
+        </p:spPr>
+        <p:style>
+          <a:lnRef idx="2">
+            <a:schemeClr val="accent6"/>
+          </a:lnRef>
+          <a:fillRef idx="1">
+            <a:schemeClr val="lt1"/>
+          </a:fillRef>
+          <a:effectRef idx="0">
+            <a:schemeClr val="accent6"/>
+          </a:effectRef>
+          <a:fontRef idx="minor">
+            <a:schemeClr val="dk1"/>
+          </a:fontRef>
+        </p:style>
+        <p:txBody>
+          <a:bodyPr rtlCol="0" anchor="ctr"/>
+          <a:lstStyle/>
+          <a:p>
+            <a:pPr algn="ctr"/>
+            <a:r>
+              <a:rPr kumimoji="1" lang="ja-JP" altLang="en-US" sz="1000" b="1" dirty="0" smtClean="0">
+                <a:solidFill>
+                  <a:srgbClr val="41719C"/>
+                </a:solidFill>
+              </a:rPr>
+              <a:t>抽出した平均を挿入</a:t>
+            </a:r>
+            <a:endParaRPr kumimoji="1" lang="ja-JP" altLang="en-US" sz="1000" b="1" dirty="0">
+              <a:solidFill>
+                <a:srgbClr val="41719C"/>
+              </a:solidFill>
+            </a:endParaRPr>
+          </a:p>
+        </p:txBody>
+      </p:sp>
+      <p:sp>
+        <p:nvSpPr>
+          <p:cNvPr id="26" name="下矢印 25"/>
+          <p:cNvSpPr/>
+          <p:nvPr/>
+        </p:nvSpPr>
+        <p:spPr>
+          <a:xfrm>
+            <a:off x="6673825" y="954207"/>
+            <a:ext cx="195345" cy="148651"/>
+          </a:xfrm>
+          <a:prstGeom prst="downArrow">
+            <a:avLst/>
+          </a:prstGeom>
+          <a:solidFill>
+            <a:schemeClr val="tx1">
+              <a:lumMod val="50000"/>
+              <a:lumOff val="50000"/>
+            </a:schemeClr>
+          </a:solidFill>
+          <a:ln>
+            <a:noFill/>
+          </a:ln>
+        </p:spPr>
+        <p:style>
+          <a:lnRef idx="2">
+            <a:schemeClr val="accent1">
+              <a:shade val="50000"/>
+            </a:schemeClr>
+          </a:lnRef>
+          <a:fillRef idx="1">
+            <a:schemeClr val="accent1"/>
+          </a:fillRef>
+          <a:effectRef idx="0">
+            <a:schemeClr val="accent1"/>
+          </a:effectRef>
+          <a:fontRef idx="minor">
+            <a:schemeClr val="lt1"/>
+          </a:fontRef>
+        </p:style>
+        <p:txBody>
+          <a:bodyPr rtlCol="0" anchor="ctr"/>
+          <a:lstStyle/>
+          <a:p>
+            <a:pPr algn="ctr"/>
+            <a:endParaRPr kumimoji="1" lang="ja-JP" altLang="en-US"/>
+          </a:p>
+        </p:txBody>
+      </p:sp>
+      <p:sp>
+        <p:nvSpPr>
+          <p:cNvPr id="27" name="下矢印 26"/>
+          <p:cNvSpPr/>
+          <p:nvPr/>
+        </p:nvSpPr>
+        <p:spPr>
+          <a:xfrm>
+            <a:off x="6673825" y="1338290"/>
+            <a:ext cx="195345" cy="148651"/>
+          </a:xfrm>
+          <a:prstGeom prst="downArrow">
+            <a:avLst/>
+          </a:prstGeom>
+          <a:solidFill>
+            <a:schemeClr val="tx1">
+              <a:lumMod val="50000"/>
+              <a:lumOff val="50000"/>
+            </a:schemeClr>
+          </a:solidFill>
+          <a:ln>
+            <a:noFill/>
+          </a:ln>
+        </p:spPr>
+        <p:style>
+          <a:lnRef idx="2">
+            <a:schemeClr val="accent1">
+              <a:shade val="50000"/>
+            </a:schemeClr>
+          </a:lnRef>
+          <a:fillRef idx="1">
+            <a:schemeClr val="accent1"/>
+          </a:fillRef>
+          <a:effectRef idx="0">
+            <a:schemeClr val="accent1"/>
+          </a:effectRef>
+          <a:fontRef idx="minor">
+            <a:schemeClr val="lt1"/>
+          </a:fontRef>
+        </p:style>
+        <p:txBody>
+          <a:bodyPr rtlCol="0" anchor="ctr"/>
+          <a:lstStyle/>
+          <a:p>
+            <a:pPr algn="ctr"/>
+            <a:endParaRPr kumimoji="1" lang="ja-JP" altLang="en-US"/>
+          </a:p>
+        </p:txBody>
+      </p:sp>
+      <p:sp>
+        <p:nvSpPr>
+          <p:cNvPr id="28" name="下矢印 27"/>
+          <p:cNvSpPr/>
+          <p:nvPr/>
+        </p:nvSpPr>
+        <p:spPr>
+          <a:xfrm>
+            <a:off x="6671142" y="1745118"/>
+            <a:ext cx="195345" cy="148651"/>
+          </a:xfrm>
+          <a:prstGeom prst="downArrow">
+            <a:avLst/>
+          </a:prstGeom>
+          <a:solidFill>
+            <a:schemeClr val="tx1">
+              <a:lumMod val="50000"/>
+              <a:lumOff val="50000"/>
+            </a:schemeClr>
+          </a:solidFill>
+          <a:ln>
+            <a:noFill/>
+          </a:ln>
+        </p:spPr>
+        <p:style>
+          <a:lnRef idx="2">
+            <a:schemeClr val="accent1">
+              <a:shade val="50000"/>
+            </a:schemeClr>
+          </a:lnRef>
+          <a:fillRef idx="1">
+            <a:schemeClr val="accent1"/>
+          </a:fillRef>
+          <a:effectRef idx="0">
+            <a:schemeClr val="accent1"/>
+          </a:effectRef>
+          <a:fontRef idx="minor">
+            <a:schemeClr val="lt1"/>
+          </a:fontRef>
+        </p:style>
+        <p:txBody>
+          <a:bodyPr rtlCol="0" anchor="ctr"/>
+          <a:lstStyle/>
+          <a:p>
+            <a:pPr algn="ctr"/>
+            <a:endParaRPr kumimoji="1" lang="ja-JP" altLang="en-US"/>
+          </a:p>
+        </p:txBody>
+      </p:sp>
+      <p:sp>
+        <p:nvSpPr>
+          <p:cNvPr id="29" name="下矢印 28"/>
+          <p:cNvSpPr/>
+          <p:nvPr/>
+        </p:nvSpPr>
+        <p:spPr>
+          <a:xfrm>
+            <a:off x="6671142" y="2147969"/>
+            <a:ext cx="195345" cy="148651"/>
+          </a:xfrm>
+          <a:prstGeom prst="downArrow">
+            <a:avLst/>
+          </a:prstGeom>
+          <a:solidFill>
+            <a:schemeClr val="tx1">
+              <a:lumMod val="50000"/>
+              <a:lumOff val="50000"/>
+            </a:schemeClr>
+          </a:solidFill>
+          <a:ln>
+            <a:noFill/>
+          </a:ln>
+        </p:spPr>
+        <p:style>
+          <a:lnRef idx="2">
+            <a:schemeClr val="accent1">
+              <a:shade val="50000"/>
+            </a:schemeClr>
+          </a:lnRef>
+          <a:fillRef idx="1">
+            <a:schemeClr val="accent1"/>
+          </a:fillRef>
+          <a:effectRef idx="0">
+            <a:schemeClr val="accent1"/>
+          </a:effectRef>
+          <a:fontRef idx="minor">
+            <a:schemeClr val="lt1"/>
+          </a:fontRef>
+        </p:style>
+        <p:txBody>
+          <a:bodyPr rtlCol="0" anchor="ctr"/>
+          <a:lstStyle/>
+          <a:p>
+            <a:pPr algn="ctr"/>
+            <a:endParaRPr kumimoji="1" lang="ja-JP" altLang="en-US"/>
+          </a:p>
+        </p:txBody>
+      </p:sp>
+      <p:sp>
+        <p:nvSpPr>
+          <p:cNvPr id="30" name="下矢印 29"/>
+          <p:cNvSpPr/>
+          <p:nvPr/>
+        </p:nvSpPr>
+        <p:spPr>
+          <a:xfrm>
+            <a:off x="6671142" y="2712215"/>
+            <a:ext cx="195345" cy="148651"/>
+          </a:xfrm>
+          <a:prstGeom prst="downArrow">
+            <a:avLst/>
+          </a:prstGeom>
+          <a:solidFill>
+            <a:schemeClr val="tx1">
+              <a:lumMod val="50000"/>
+              <a:lumOff val="50000"/>
+            </a:schemeClr>
+          </a:solidFill>
+          <a:ln>
+            <a:noFill/>
+          </a:ln>
+        </p:spPr>
+        <p:style>
+          <a:lnRef idx="2">
+            <a:schemeClr val="accent1">
+              <a:shade val="50000"/>
+            </a:schemeClr>
+          </a:lnRef>
+          <a:fillRef idx="1">
+            <a:schemeClr val="accent1"/>
+          </a:fillRef>
+          <a:effectRef idx="0">
+            <a:schemeClr val="accent1"/>
+          </a:effectRef>
+          <a:fontRef idx="minor">
+            <a:schemeClr val="lt1"/>
+          </a:fontRef>
+        </p:style>
+        <p:txBody>
+          <a:bodyPr rtlCol="0" anchor="ctr"/>
+          <a:lstStyle/>
+          <a:p>
+            <a:pPr algn="ctr"/>
+            <a:endParaRPr kumimoji="1" lang="ja-JP" altLang="en-US"/>
+          </a:p>
+        </p:txBody>
+      </p:sp>
+      <p:sp>
+        <p:nvSpPr>
+          <p:cNvPr id="31" name="下矢印 30"/>
+          <p:cNvSpPr/>
+          <p:nvPr/>
+        </p:nvSpPr>
+        <p:spPr>
+          <a:xfrm>
+            <a:off x="6671142" y="3284017"/>
+            <a:ext cx="195345" cy="148651"/>
+          </a:xfrm>
+          <a:prstGeom prst="downArrow">
+            <a:avLst/>
+          </a:prstGeom>
+          <a:solidFill>
+            <a:schemeClr val="tx1">
+              <a:lumMod val="50000"/>
+              <a:lumOff val="50000"/>
+            </a:schemeClr>
+          </a:solidFill>
+          <a:ln>
+            <a:noFill/>
+          </a:ln>
+        </p:spPr>
+        <p:style>
+          <a:lnRef idx="2">
+            <a:schemeClr val="accent1">
+              <a:shade val="50000"/>
+            </a:schemeClr>
+          </a:lnRef>
+          <a:fillRef idx="1">
+            <a:schemeClr val="accent1"/>
+          </a:fillRef>
+          <a:effectRef idx="0">
+            <a:schemeClr val="accent1"/>
+          </a:effectRef>
+          <a:fontRef idx="minor">
+            <a:schemeClr val="lt1"/>
+          </a:fontRef>
+        </p:style>
+        <p:txBody>
+          <a:bodyPr rtlCol="0" anchor="ctr"/>
+          <a:lstStyle/>
+          <a:p>
+            <a:pPr algn="ctr"/>
+            <a:endParaRPr kumimoji="1" lang="ja-JP" altLang="en-US"/>
+          </a:p>
+        </p:txBody>
+      </p:sp>
+      <p:sp>
+        <p:nvSpPr>
+          <p:cNvPr id="32" name="下矢印 31"/>
+          <p:cNvSpPr/>
+          <p:nvPr/>
+        </p:nvSpPr>
+        <p:spPr>
+          <a:xfrm>
+            <a:off x="6671141" y="3801892"/>
+            <a:ext cx="195345" cy="148651"/>
+          </a:xfrm>
+          <a:prstGeom prst="downArrow">
+            <a:avLst/>
+          </a:prstGeom>
+          <a:solidFill>
+            <a:schemeClr val="tx1">
+              <a:lumMod val="50000"/>
+              <a:lumOff val="50000"/>
+            </a:schemeClr>
+          </a:solidFill>
+          <a:ln>
+            <a:noFill/>
+          </a:ln>
+        </p:spPr>
+        <p:style>
+          <a:lnRef idx="2">
+            <a:schemeClr val="accent1">
+              <a:shade val="50000"/>
+            </a:schemeClr>
+          </a:lnRef>
+          <a:fillRef idx="1">
+            <a:schemeClr val="accent1"/>
+          </a:fillRef>
+          <a:effectRef idx="0">
+            <a:schemeClr val="accent1"/>
+          </a:effectRef>
+          <a:fontRef idx="minor">
+            <a:schemeClr val="lt1"/>
+          </a:fontRef>
+        </p:style>
+        <p:txBody>
+          <a:bodyPr rtlCol="0" anchor="ctr"/>
+          <a:lstStyle/>
+          <a:p>
+            <a:pPr algn="ctr"/>
+            <a:endParaRPr kumimoji="1" lang="ja-JP" altLang="en-US"/>
+          </a:p>
+        </p:txBody>
+      </p:sp>
+    </p:spTree>
+    <p:extLst>
+      <p:ext uri="{BB962C8B-B14F-4D97-AF65-F5344CB8AC3E}">
+        <p14:creationId xmlns:p14="http://schemas.microsoft.com/office/powerpoint/2010/main" val="1593612851"/>
+      </p:ext>
+    </p:extLst>
+  </p:cSld>
+  <p:clrMapOvr>
+    <a:masterClrMapping/>
+  </p:clrMapOvr>
+  <p:timing>
+    <p:tnLst>
+      <p:par>
+        <p:cTn id="1" dur="indefinite" restart="never" nodeType="tmRoot"/>
+      </p:par>
+    </p:tnLst>
+  </p:timing>
+</p:sld>
+</file>
+
+<file path=ppt/slides/slide13.xml><?xml version="1.0" encoding="utf-8"?>
+<p:sld xmlns:a="http://schemas.openxmlformats.org/drawingml/2006/main" xmlns:r="http://schemas.openxmlformats.org/officeDocument/2006/relationships" xmlns:p="http://schemas.openxmlformats.org/presentationml/2006/main">
+  <p:cSld>
+    <p:spTree>
+      <p:nvGrpSpPr>
+        <p:cNvPr id="1" name=""/>
+        <p:cNvGrpSpPr/>
+        <p:nvPr/>
+      </p:nvGrpSpPr>
+      <p:grpSpPr>
+        <a:xfrm>
+          <a:off x="0" y="0"/>
+          <a:ext cx="0" cy="0"/>
+          <a:chOff x="0" y="0"/>
+          <a:chExt cx="0" cy="0"/>
+        </a:xfrm>
+      </p:grpSpPr>
+      <p:pic>
+        <p:nvPicPr>
+          <p:cNvPr id="4" name="図 3"/>
+          <p:cNvPicPr>
+            <a:picLocks noChangeAspect="1"/>
+          </p:cNvPicPr>
+          <p:nvPr/>
+        </p:nvPicPr>
+        <p:blipFill>
+          <a:blip r:embed="rId2"/>
+          <a:stretch>
+            <a:fillRect/>
+          </a:stretch>
+        </p:blipFill>
+        <p:spPr>
+          <a:xfrm>
+            <a:off x="1903618" y="305276"/>
+            <a:ext cx="2692294" cy="1480762"/>
+          </a:xfrm>
+          <a:prstGeom prst="rect">
+            <a:avLst/>
+          </a:prstGeom>
+        </p:spPr>
+      </p:pic>
+      <p:pic>
+        <p:nvPicPr>
+          <p:cNvPr id="5" name="図 4"/>
+          <p:cNvPicPr>
+            <a:picLocks noChangeAspect="1"/>
+          </p:cNvPicPr>
+          <p:nvPr/>
+        </p:nvPicPr>
+        <p:blipFill>
+          <a:blip r:embed="rId3"/>
+          <a:stretch>
+            <a:fillRect/>
+          </a:stretch>
+        </p:blipFill>
+        <p:spPr>
+          <a:xfrm>
+            <a:off x="854407" y="3159384"/>
+            <a:ext cx="4585738" cy="1205455"/>
+          </a:xfrm>
+          <a:prstGeom prst="rect">
+            <a:avLst/>
+          </a:prstGeom>
+        </p:spPr>
+      </p:pic>
+      <p:pic>
+        <p:nvPicPr>
+          <p:cNvPr id="7" name="図 6"/>
+          <p:cNvPicPr>
+            <a:picLocks noChangeAspect="1"/>
+          </p:cNvPicPr>
+          <p:nvPr/>
+        </p:nvPicPr>
+        <p:blipFill>
+          <a:blip r:embed="rId4"/>
+          <a:stretch>
+            <a:fillRect/>
+          </a:stretch>
+        </p:blipFill>
+        <p:spPr>
+          <a:xfrm>
+            <a:off x="5670667" y="483287"/>
+            <a:ext cx="3151905" cy="4645555"/>
+          </a:xfrm>
+          <a:prstGeom prst="rect">
+            <a:avLst/>
+          </a:prstGeom>
+        </p:spPr>
+      </p:pic>
+    </p:spTree>
+    <p:extLst>
+      <p:ext uri="{BB962C8B-B14F-4D97-AF65-F5344CB8AC3E}">
+        <p14:creationId xmlns:p14="http://schemas.microsoft.com/office/powerpoint/2010/main" val="3658620502"/>
+      </p:ext>
+    </p:extLst>
+  </p:cSld>
+  <p:clrMapOvr>
+    <a:masterClrMapping/>
+  </p:clrMapOvr>
+  <p:timing>
+    <p:tnLst>
+      <p:par>
+        <p:cTn id="1" dur="indefinite" restart="never" nodeType="tmRoot"/>
+      </p:par>
+    </p:tnLst>
+  </p:timing>
+</p:sld>
+</file>
+
+<file path=ppt/slides/slide14.xml><?xml version="1.0" encoding="utf-8"?>
+<p:sld xmlns:a="http://schemas.openxmlformats.org/drawingml/2006/main" xmlns:r="http://schemas.openxmlformats.org/officeDocument/2006/relationships" xmlns:p="http://schemas.openxmlformats.org/presentationml/2006/main">
+  <p:cSld>
+    <p:spTree>
+      <p:nvGrpSpPr>
+        <p:cNvPr id="1" name=""/>
+        <p:cNvGrpSpPr/>
+        <p:nvPr/>
+      </p:nvGrpSpPr>
+      <p:grpSpPr>
+        <a:xfrm>
+          <a:off x="0" y="0"/>
+          <a:ext cx="0" cy="0"/>
+          <a:chOff x="0" y="0"/>
+          <a:chExt cx="0" cy="0"/>
+        </a:xfrm>
+      </p:grpSpPr>
+      <p:sp>
+        <p:nvSpPr>
+          <p:cNvPr id="209" name="右矢印 208"/>
+          <p:cNvSpPr/>
+          <p:nvPr/>
+        </p:nvSpPr>
+        <p:spPr>
+          <a:xfrm>
+            <a:off x="1001140" y="4634836"/>
+            <a:ext cx="1610193" cy="340584"/>
+          </a:xfrm>
+          <a:prstGeom prst="rightArrow">
+            <a:avLst/>
+          </a:prstGeom>
+          <a:solidFill>
+            <a:srgbClr val="92D050"/>
+          </a:solidFill>
+          <a:ln>
+            <a:noFill/>
+          </a:ln>
+        </p:spPr>
+        <p:style>
+          <a:lnRef idx="2">
+            <a:schemeClr val="accent1">
+              <a:shade val="50000"/>
+            </a:schemeClr>
+          </a:lnRef>
+          <a:fillRef idx="1">
+            <a:schemeClr val="accent1"/>
+          </a:fillRef>
+          <a:effectRef idx="0">
+            <a:schemeClr val="accent1"/>
+          </a:effectRef>
+          <a:fontRef idx="minor">
+            <a:schemeClr val="lt1"/>
+          </a:fontRef>
+        </p:style>
+        <p:txBody>
+          <a:bodyPr rtlCol="0" anchor="ctr"/>
+          <a:lstStyle/>
+          <a:p>
+            <a:pPr algn="ctr"/>
+            <a:endParaRPr kumimoji="1" lang="ja-JP" altLang="en-US">
+              <a:solidFill>
+                <a:schemeClr val="accent6"/>
+              </a:solidFill>
+            </a:endParaRPr>
+          </a:p>
+        </p:txBody>
+      </p:sp>
+      <p:sp>
+        <p:nvSpPr>
+          <p:cNvPr id="1025" name="屈折矢印 1024"/>
+          <p:cNvSpPr/>
+          <p:nvPr/>
+        </p:nvSpPr>
+        <p:spPr>
+          <a:xfrm rot="16200000">
+            <a:off x="6160299" y="603042"/>
+            <a:ext cx="1136510" cy="2036976"/>
+          </a:xfrm>
+          <a:prstGeom prst="bentUpArrow">
+            <a:avLst/>
+          </a:prstGeom>
+          <a:solidFill>
+            <a:schemeClr val="accent2"/>
+          </a:solidFill>
+          <a:ln>
+            <a:noFill/>
+          </a:ln>
+        </p:spPr>
+        <p:style>
+          <a:lnRef idx="2">
+            <a:schemeClr val="accent1">
+              <a:shade val="50000"/>
+            </a:schemeClr>
+          </a:lnRef>
+          <a:fillRef idx="1">
+            <a:schemeClr val="accent1"/>
+          </a:fillRef>
+          <a:effectRef idx="0">
+            <a:schemeClr val="accent1"/>
+          </a:effectRef>
+          <a:fontRef idx="minor">
+            <a:schemeClr val="lt1"/>
+          </a:fontRef>
+        </p:style>
+        <p:txBody>
+          <a:bodyPr rtlCol="0" anchor="ctr"/>
+          <a:lstStyle/>
+          <a:p>
+            <a:pPr algn="ctr"/>
+            <a:endParaRPr kumimoji="1" lang="ja-JP" altLang="en-US"/>
+          </a:p>
+        </p:txBody>
+      </p:sp>
+      <p:sp>
+        <p:nvSpPr>
+          <p:cNvPr id="30" name="角丸四角形 29"/>
+          <p:cNvSpPr/>
+          <p:nvPr/>
+        </p:nvSpPr>
+        <p:spPr>
+          <a:xfrm>
+            <a:off x="6400800" y="1744134"/>
+            <a:ext cx="2472266" cy="4656666"/>
+          </a:xfrm>
+          <a:prstGeom prst="roundRect">
+            <a:avLst/>
+          </a:prstGeom>
+          <a:solidFill>
+            <a:schemeClr val="accent5"/>
+          </a:solidFill>
+          <a:ln>
+            <a:solidFill>
+              <a:srgbClr val="41719C"/>
+            </a:solidFill>
+          </a:ln>
+        </p:spPr>
+        <p:style>
+          <a:lnRef idx="2">
+            <a:schemeClr val="accent6"/>
+          </a:lnRef>
+          <a:fillRef idx="1">
+            <a:schemeClr val="lt1"/>
+          </a:fillRef>
+          <a:effectRef idx="0">
+            <a:schemeClr val="accent6"/>
+          </a:effectRef>
+          <a:fontRef idx="minor">
+            <a:schemeClr val="dk1"/>
+          </a:fontRef>
+        </p:style>
+        <p:txBody>
+          <a:bodyPr rtlCol="0" anchor="ctr"/>
+          <a:lstStyle/>
+          <a:p>
+            <a:pPr algn="ctr"/>
+            <a:endParaRPr kumimoji="1" lang="ja-JP" altLang="en-US"/>
+          </a:p>
+        </p:txBody>
+      </p:sp>
+      <p:pic>
+        <p:nvPicPr>
+          <p:cNvPr id="1026" name="Picture 2" descr="プレゼン】見やすいプレゼン資料の作り方【初心者用】"/>
+          <p:cNvPicPr>
+            <a:picLocks noChangeAspect="1" noChangeArrowheads="1"/>
+          </p:cNvPicPr>
+          <p:nvPr/>
+        </p:nvPicPr>
+        <p:blipFill>
+          <a:blip r:embed="rId2">
+            <a:extLst>
+              <a:ext uri="{28A0092B-C50C-407E-A947-70E740481C1C}">
+                <a14:useLocalDpi xmlns:a14="http://schemas.microsoft.com/office/drawing/2010/main" val="0"/>
+              </a:ext>
+            </a:extLst>
+          </a:blip>
+          <a:srcRect/>
+          <a:stretch>
+            <a:fillRect/>
+          </a:stretch>
+        </p:blipFill>
+        <p:spPr bwMode="auto">
+          <a:xfrm>
+            <a:off x="1136454" y="-5977115"/>
+            <a:ext cx="6076950" cy="4562476"/>
+          </a:xfrm>
+          <a:prstGeom prst="rect">
+            <a:avLst/>
+          </a:prstGeom>
+          <a:noFill/>
+          <a:extLst>
+            <a:ext uri="{909E8E84-426E-40DD-AFC4-6F175D3DCCD1}">
+              <a14:hiddenFill xmlns:a14="http://schemas.microsoft.com/office/drawing/2010/main">
+                <a:solidFill>
+                  <a:srgbClr val="FFFFFF"/>
+                </a:solidFill>
+              </a14:hiddenFill>
+            </a:ext>
+          </a:extLst>
+        </p:spPr>
+      </p:pic>
+      <p:pic>
+        <p:nvPicPr>
+          <p:cNvPr id="11" name="図 10"/>
+          <p:cNvPicPr>
+            <a:picLocks noChangeAspect="1"/>
+          </p:cNvPicPr>
+          <p:nvPr/>
+        </p:nvPicPr>
+        <p:blipFill>
+          <a:blip r:embed="rId3"/>
+          <a:stretch>
+            <a:fillRect/>
+          </a:stretch>
+        </p:blipFill>
+        <p:spPr>
+          <a:xfrm>
+            <a:off x="6768465" y="1939131"/>
+            <a:ext cx="1753870" cy="4182006"/>
+          </a:xfrm>
+          <a:prstGeom prst="rect">
+            <a:avLst/>
+          </a:prstGeom>
+        </p:spPr>
+      </p:pic>
+      <p:pic>
+        <p:nvPicPr>
+          <p:cNvPr id="12" name="図 11"/>
+          <p:cNvPicPr>
+            <a:picLocks noChangeAspect="1"/>
+          </p:cNvPicPr>
+          <p:nvPr/>
+        </p:nvPicPr>
+        <p:blipFill>
+          <a:blip r:embed="rId4"/>
+          <a:stretch>
+            <a:fillRect/>
+          </a:stretch>
+        </p:blipFill>
+        <p:spPr>
+          <a:xfrm>
+            <a:off x="3355480" y="291982"/>
+            <a:ext cx="2337611" cy="3048902"/>
+          </a:xfrm>
+          <a:prstGeom prst="rect">
+            <a:avLst/>
+          </a:prstGeom>
+        </p:spPr>
+      </p:pic>
+      <p:pic>
+        <p:nvPicPr>
+          <p:cNvPr id="13" name="図 12"/>
+          <p:cNvPicPr>
+            <a:picLocks noChangeAspect="1"/>
+          </p:cNvPicPr>
+          <p:nvPr/>
+        </p:nvPicPr>
+        <p:blipFill>
+          <a:blip r:embed="rId5"/>
+          <a:stretch>
+            <a:fillRect/>
+          </a:stretch>
+        </p:blipFill>
+        <p:spPr>
+          <a:xfrm>
+            <a:off x="428266" y="291982"/>
+            <a:ext cx="2411738" cy="2976817"/>
+          </a:xfrm>
+          <a:prstGeom prst="rect">
+            <a:avLst/>
+          </a:prstGeom>
+        </p:spPr>
+      </p:pic>
+      <p:pic>
+        <p:nvPicPr>
+          <p:cNvPr id="14" name="図 13"/>
+          <p:cNvPicPr>
+            <a:picLocks noChangeAspect="1"/>
+          </p:cNvPicPr>
+          <p:nvPr/>
+        </p:nvPicPr>
+        <p:blipFill>
+          <a:blip r:embed="rId6"/>
+          <a:stretch>
+            <a:fillRect/>
+          </a:stretch>
+        </p:blipFill>
+        <p:spPr>
+          <a:xfrm>
+            <a:off x="1438618" y="4435956"/>
+            <a:ext cx="864014" cy="712052"/>
+          </a:xfrm>
+          <a:prstGeom prst="rect">
+            <a:avLst/>
+          </a:prstGeom>
+        </p:spPr>
+      </p:pic>
+      <p:pic>
+        <p:nvPicPr>
+          <p:cNvPr id="28" name="図 27"/>
+          <p:cNvPicPr>
+            <a:picLocks noChangeAspect="1"/>
+          </p:cNvPicPr>
+          <p:nvPr/>
+        </p:nvPicPr>
+        <p:blipFill>
+          <a:blip r:embed="rId7"/>
+          <a:stretch>
+            <a:fillRect/>
+          </a:stretch>
+        </p:blipFill>
+        <p:spPr>
+          <a:xfrm>
+            <a:off x="209933" y="4527078"/>
+            <a:ext cx="1017555" cy="620930"/>
+          </a:xfrm>
+          <a:prstGeom prst="rect">
+            <a:avLst/>
+          </a:prstGeom>
+        </p:spPr>
+      </p:pic>
+      <p:sp>
+        <p:nvSpPr>
+          <p:cNvPr id="1024" name="テキスト ボックス 1023"/>
+          <p:cNvSpPr txBox="1"/>
+          <p:nvPr/>
+        </p:nvSpPr>
+        <p:spPr>
+          <a:xfrm>
+            <a:off x="6439535" y="6411131"/>
+            <a:ext cx="2242922" cy="369332"/>
+          </a:xfrm>
+          <a:prstGeom prst="rect">
+            <a:avLst/>
+          </a:prstGeom>
+          <a:noFill/>
+        </p:spPr>
+        <p:txBody>
+          <a:bodyPr wrap="none" rtlCol="0">
+            <a:spAutoFit/>
+          </a:bodyPr>
+          <a:lstStyle/>
+          <a:p>
+            <a:r>
+              <a:rPr kumimoji="1" lang="ja-JP" altLang="en-US" b="1" dirty="0" smtClean="0"/>
+              <a:t>冗長的な</a:t>
+            </a:r>
+            <a:r>
+              <a:rPr kumimoji="1" lang="en-US" altLang="ja-JP" b="1" dirty="0" smtClean="0"/>
+              <a:t>WEB</a:t>
+            </a:r>
+            <a:r>
+              <a:rPr kumimoji="1" lang="ja-JP" altLang="en-US" b="1" dirty="0" smtClean="0"/>
+              <a:t>サーバ</a:t>
+            </a:r>
+            <a:endParaRPr kumimoji="1" lang="ja-JP" altLang="en-US" b="1" dirty="0"/>
+          </a:p>
+        </p:txBody>
+      </p:sp>
+      <p:sp>
+        <p:nvSpPr>
+          <p:cNvPr id="1027" name="右矢印 1026"/>
+          <p:cNvSpPr/>
+          <p:nvPr/>
+        </p:nvSpPr>
+        <p:spPr>
+          <a:xfrm rot="10800000">
+            <a:off x="2691653" y="1335814"/>
+            <a:ext cx="663827" cy="636978"/>
+          </a:xfrm>
+          <a:prstGeom prst="rightArrow">
+            <a:avLst/>
+          </a:prstGeom>
+          <a:solidFill>
+            <a:schemeClr val="accent2"/>
+          </a:solidFill>
+          <a:ln>
+            <a:noFill/>
+          </a:ln>
+        </p:spPr>
+        <p:style>
+          <a:lnRef idx="2">
+            <a:schemeClr val="accent1">
+              <a:shade val="50000"/>
+            </a:schemeClr>
+          </a:lnRef>
+          <a:fillRef idx="1">
+            <a:schemeClr val="accent1"/>
+          </a:fillRef>
+          <a:effectRef idx="0">
+            <a:schemeClr val="accent1"/>
+          </a:effectRef>
+          <a:fontRef idx="minor">
+            <a:schemeClr val="lt1"/>
+          </a:fontRef>
+        </p:style>
+        <p:txBody>
+          <a:bodyPr rtlCol="0" anchor="ctr"/>
+          <a:lstStyle/>
+          <a:p>
+            <a:pPr algn="ctr"/>
+            <a:endParaRPr kumimoji="1" lang="ja-JP" altLang="en-US"/>
+          </a:p>
+        </p:txBody>
+      </p:sp>
+      <p:sp>
+        <p:nvSpPr>
+          <p:cNvPr id="210" name="右矢印 209"/>
+          <p:cNvSpPr/>
+          <p:nvPr/>
+        </p:nvSpPr>
+        <p:spPr>
+          <a:xfrm rot="20104714">
+            <a:off x="5266929" y="4424942"/>
+            <a:ext cx="1755046" cy="189535"/>
+          </a:xfrm>
+          <a:prstGeom prst="rightArrow">
+            <a:avLst/>
+          </a:prstGeom>
+          <a:solidFill>
+            <a:srgbClr val="92D050"/>
+          </a:solidFill>
+          <a:ln>
+            <a:noFill/>
+          </a:ln>
+        </p:spPr>
+        <p:style>
+          <a:lnRef idx="2">
+            <a:schemeClr val="accent1">
+              <a:shade val="50000"/>
+            </a:schemeClr>
+          </a:lnRef>
+          <a:fillRef idx="1">
+            <a:schemeClr val="accent1"/>
+          </a:fillRef>
+          <a:effectRef idx="0">
+            <a:schemeClr val="accent1"/>
+          </a:effectRef>
+          <a:fontRef idx="minor">
+            <a:schemeClr val="lt1"/>
+          </a:fontRef>
+        </p:style>
+        <p:txBody>
+          <a:bodyPr rtlCol="0" anchor="ctr"/>
+          <a:lstStyle/>
+          <a:p>
+            <a:pPr algn="ctr"/>
+            <a:endParaRPr kumimoji="1" lang="ja-JP" altLang="en-US">
+              <a:solidFill>
+                <a:srgbClr val="41719C"/>
+              </a:solidFill>
+            </a:endParaRPr>
+          </a:p>
+        </p:txBody>
+      </p:sp>
+      <p:pic>
+        <p:nvPicPr>
+          <p:cNvPr id="8" name="図 7"/>
+          <p:cNvPicPr>
+            <a:picLocks noChangeAspect="1"/>
+          </p:cNvPicPr>
+          <p:nvPr/>
+        </p:nvPicPr>
+        <p:blipFill>
+          <a:blip r:embed="rId8"/>
+          <a:stretch>
+            <a:fillRect/>
+          </a:stretch>
+        </p:blipFill>
+        <p:spPr>
+          <a:xfrm>
+            <a:off x="2611333" y="3517477"/>
+            <a:ext cx="2754004" cy="2640132"/>
+          </a:xfrm>
+          <a:prstGeom prst="rect">
+            <a:avLst/>
+          </a:prstGeom>
+        </p:spPr>
+      </p:pic>
+      <p:sp>
+        <p:nvSpPr>
+          <p:cNvPr id="205" name="屈折矢印 204"/>
+          <p:cNvSpPr/>
+          <p:nvPr/>
+        </p:nvSpPr>
+        <p:spPr>
+          <a:xfrm rot="5400000">
+            <a:off x="1359691" y="3095551"/>
+            <a:ext cx="1419332" cy="1261479"/>
+          </a:xfrm>
+          <a:prstGeom prst="bentUpArrow">
+            <a:avLst>
+              <a:gd name="adj1" fmla="val 25000"/>
+              <a:gd name="adj2" fmla="val 25795"/>
+              <a:gd name="adj3" fmla="val 22929"/>
+            </a:avLst>
+          </a:prstGeom>
+          <a:solidFill>
+            <a:schemeClr val="accent2"/>
+          </a:solidFill>
+          <a:ln>
+            <a:noFill/>
+          </a:ln>
+        </p:spPr>
+        <p:style>
+          <a:lnRef idx="2">
+            <a:schemeClr val="accent1">
+              <a:shade val="50000"/>
+            </a:schemeClr>
+          </a:lnRef>
+          <a:fillRef idx="1">
+            <a:schemeClr val="accent1"/>
+          </a:fillRef>
+          <a:effectRef idx="0">
+            <a:schemeClr val="accent1"/>
+          </a:effectRef>
+          <a:fontRef idx="minor">
+            <a:schemeClr val="lt1"/>
+          </a:fontRef>
+        </p:style>
+        <p:txBody>
+          <a:bodyPr rtlCol="0" anchor="ctr"/>
+          <a:lstStyle/>
+          <a:p>
+            <a:pPr algn="ctr"/>
+            <a:endParaRPr kumimoji="1" lang="ja-JP" altLang="en-US"/>
+          </a:p>
+        </p:txBody>
+      </p:sp>
+      <p:sp>
+        <p:nvSpPr>
+          <p:cNvPr id="1030" name="正方形/長方形 1029"/>
+          <p:cNvSpPr/>
+          <p:nvPr/>
+        </p:nvSpPr>
+        <p:spPr>
+          <a:xfrm>
+            <a:off x="6400800" y="460607"/>
+            <a:ext cx="2243667" cy="592667"/>
+          </a:xfrm>
+          <a:prstGeom prst="rect">
+            <a:avLst/>
+          </a:prstGeom>
+          <a:ln w="28575">
+            <a:solidFill>
+              <a:srgbClr val="FF0000"/>
+            </a:solidFill>
+          </a:ln>
+        </p:spPr>
+        <p:style>
+          <a:lnRef idx="2">
+            <a:schemeClr val="accent6"/>
+          </a:lnRef>
+          <a:fillRef idx="1">
+            <a:schemeClr val="lt1"/>
+          </a:fillRef>
+          <a:effectRef idx="0">
+            <a:schemeClr val="accent6"/>
+          </a:effectRef>
+          <a:fontRef idx="minor">
+            <a:schemeClr val="dk1"/>
+          </a:fontRef>
+        </p:style>
+        <p:txBody>
+          <a:bodyPr rtlCol="0" anchor="ctr"/>
+          <a:lstStyle/>
+          <a:p>
+            <a:pPr algn="ctr"/>
+            <a:r>
+              <a:rPr kumimoji="1" lang="ja-JP" altLang="en-US" b="1" dirty="0" smtClean="0"/>
+              <a:t>各サーバの</a:t>
+            </a:r>
+            <a:r>
+              <a:rPr kumimoji="1" lang="en-US" altLang="ja-JP" b="1" dirty="0" smtClean="0"/>
+              <a:t/>
+            </a:r>
+            <a:br>
+              <a:rPr kumimoji="1" lang="en-US" altLang="ja-JP" b="1" dirty="0" smtClean="0"/>
+            </a:br>
+            <a:r>
+              <a:rPr kumimoji="1" lang="ja-JP" altLang="en-US" b="1" dirty="0" smtClean="0"/>
+              <a:t>応答速度を測る</a:t>
+            </a:r>
+            <a:endParaRPr kumimoji="1" lang="ja-JP" altLang="en-US" b="1" dirty="0"/>
+          </a:p>
+        </p:txBody>
+      </p:sp>
+      <p:sp>
+        <p:nvSpPr>
+          <p:cNvPr id="212" name="正方形/長方形 211"/>
+          <p:cNvSpPr/>
+          <p:nvPr/>
+        </p:nvSpPr>
+        <p:spPr>
+          <a:xfrm>
+            <a:off x="3900785" y="6003130"/>
+            <a:ext cx="2243667" cy="592667"/>
+          </a:xfrm>
+          <a:prstGeom prst="rect">
+            <a:avLst/>
+          </a:prstGeom>
+          <a:ln w="28575">
+            <a:solidFill>
+              <a:srgbClr val="FF0000"/>
+            </a:solidFill>
+          </a:ln>
+        </p:spPr>
+        <p:style>
+          <a:lnRef idx="2">
+            <a:schemeClr val="accent6"/>
+          </a:lnRef>
+          <a:fillRef idx="1">
+            <a:schemeClr val="lt1"/>
+          </a:fillRef>
+          <a:effectRef idx="0">
+            <a:schemeClr val="accent6"/>
+          </a:effectRef>
+          <a:fontRef idx="minor">
+            <a:schemeClr val="dk1"/>
+          </a:fontRef>
+        </p:style>
+        <p:txBody>
+          <a:bodyPr rtlCol="0" anchor="ctr"/>
+          <a:lstStyle/>
+          <a:p>
+            <a:pPr algn="ctr"/>
+            <a:r>
+              <a:rPr kumimoji="1" lang="ja-JP" altLang="en-US" b="1" dirty="0" smtClean="0"/>
+              <a:t>応答速度に基づいて</a:t>
+            </a:r>
+            <a:r>
+              <a:rPr kumimoji="1" lang="en-US" altLang="ja-JP" b="1" dirty="0" smtClean="0"/>
+              <a:t/>
+            </a:r>
+            <a:br>
+              <a:rPr kumimoji="1" lang="en-US" altLang="ja-JP" b="1" dirty="0" smtClean="0"/>
+            </a:br>
+            <a:r>
+              <a:rPr kumimoji="1" lang="ja-JP" altLang="en-US" b="1" dirty="0" smtClean="0"/>
+              <a:t>割り振りを行う</a:t>
+            </a:r>
+            <a:endParaRPr kumimoji="1" lang="ja-JP" altLang="en-US" b="1" dirty="0"/>
+          </a:p>
+        </p:txBody>
+      </p:sp>
+      <p:sp>
+        <p:nvSpPr>
+          <p:cNvPr id="213" name="正方形/長方形 212"/>
+          <p:cNvSpPr/>
+          <p:nvPr/>
+        </p:nvSpPr>
+        <p:spPr>
+          <a:xfrm>
+            <a:off x="196669" y="3240624"/>
+            <a:ext cx="2243667" cy="592667"/>
+          </a:xfrm>
+          <a:prstGeom prst="rect">
+            <a:avLst/>
+          </a:prstGeom>
+          <a:ln w="28575">
+            <a:solidFill>
+              <a:srgbClr val="FF0000"/>
+            </a:solidFill>
+          </a:ln>
+        </p:spPr>
+        <p:style>
+          <a:lnRef idx="2">
+            <a:schemeClr val="accent6"/>
+          </a:lnRef>
+          <a:fillRef idx="1">
+            <a:schemeClr val="lt1"/>
+          </a:fillRef>
+          <a:effectRef idx="0">
+            <a:schemeClr val="accent6"/>
+          </a:effectRef>
+          <a:fontRef idx="minor">
+            <a:schemeClr val="dk1"/>
+          </a:fontRef>
+        </p:style>
+        <p:txBody>
+          <a:bodyPr rtlCol="0" anchor="ctr"/>
+          <a:lstStyle/>
+          <a:p>
+            <a:pPr algn="ctr"/>
+            <a:r>
+              <a:rPr kumimoji="1" lang="ja-JP" altLang="en-US" b="1" dirty="0" smtClean="0"/>
+              <a:t>応答評価</a:t>
+            </a:r>
+            <a:r>
+              <a:rPr kumimoji="1" lang="en-US" altLang="ja-JP" b="1" dirty="0" smtClean="0"/>
+              <a:t>DB</a:t>
+            </a:r>
+            <a:r>
+              <a:rPr kumimoji="1" lang="ja-JP" altLang="en-US" b="1" dirty="0"/>
+              <a:t>を</a:t>
+            </a:r>
+            <a:r>
+              <a:rPr kumimoji="1" lang="en-US" altLang="ja-JP" b="1" dirty="0" smtClean="0"/>
+              <a:t/>
+            </a:r>
+            <a:br>
+              <a:rPr kumimoji="1" lang="en-US" altLang="ja-JP" b="1" dirty="0" smtClean="0"/>
+            </a:br>
+            <a:r>
+              <a:rPr kumimoji="1" lang="ja-JP" altLang="en-US" b="1" dirty="0" smtClean="0"/>
+              <a:t>割り振る指標にする</a:t>
+            </a:r>
+            <a:endParaRPr kumimoji="1" lang="ja-JP" altLang="en-US" b="1" dirty="0"/>
+          </a:p>
+        </p:txBody>
+      </p:sp>
+    </p:spTree>
+    <p:extLst>
+      <p:ext uri="{BB962C8B-B14F-4D97-AF65-F5344CB8AC3E}">
+        <p14:creationId xmlns:p14="http://schemas.microsoft.com/office/powerpoint/2010/main" val="2433094185"/>
+      </p:ext>
+    </p:extLst>
+  </p:cSld>
+  <p:clrMapOvr>
+    <a:masterClrMapping/>
+  </p:clrMapOvr>
+  <p:timing>
+    <p:tnLst>
+      <p:par>
+        <p:cTn id="1" dur="indefinite" restart="never" nodeType="tmRoot"/>
+      </p:par>
+    </p:tnLst>
+  </p:timing>
+</p:sld>
+</file>
+
+<file path=ppt/slides/slide15.xml><?xml version="1.0" encoding="utf-8"?>
+<p:sld xmlns:a="http://schemas.openxmlformats.org/drawingml/2006/main" xmlns:r="http://schemas.openxmlformats.org/officeDocument/2006/relationships" xmlns:p="http://schemas.openxmlformats.org/presentationml/2006/main">
+  <p:cSld>
+    <p:spTree>
+      <p:nvGrpSpPr>
+        <p:cNvPr id="1" name=""/>
+        <p:cNvGrpSpPr/>
+        <p:nvPr/>
+      </p:nvGrpSpPr>
+      <p:grpSpPr>
+        <a:xfrm>
+          <a:off x="0" y="0"/>
+          <a:ext cx="0" cy="0"/>
+          <a:chOff x="0" y="0"/>
+          <a:chExt cx="0" cy="0"/>
+        </a:xfrm>
+      </p:grpSpPr>
+      <p:sp>
+        <p:nvSpPr>
+          <p:cNvPr id="9" name="円柱 8"/>
+          <p:cNvSpPr/>
+          <p:nvPr/>
+        </p:nvSpPr>
+        <p:spPr>
+          <a:xfrm>
+            <a:off x="3598101" y="708660"/>
+            <a:ext cx="2487686" cy="1627332"/>
+          </a:xfrm>
+          <a:prstGeom prst="can">
+            <a:avLst/>
+          </a:prstGeom>
+          <a:solidFill>
+            <a:srgbClr val="FFD966"/>
+          </a:solidFill>
+          <a:ln w="19050"/>
+        </p:spPr>
+        <p:style>
+          <a:lnRef idx="1">
+            <a:schemeClr val="accent2"/>
+          </a:lnRef>
+          <a:fillRef idx="2">
+            <a:schemeClr val="accent2"/>
+          </a:fillRef>
+          <a:effectRef idx="1">
+            <a:schemeClr val="accent2"/>
+          </a:effectRef>
+          <a:fontRef idx="minor">
+            <a:schemeClr val="dk1"/>
+          </a:fontRef>
+        </p:style>
+        <p:txBody>
+          <a:bodyPr rtlCol="0" anchor="ctr"/>
+          <a:lstStyle/>
+          <a:p>
+            <a:pPr algn="ctr"/>
+            <a:r>
+              <a:rPr kumimoji="1" lang="ja-JP" altLang="en-US" b="1" dirty="0" smtClean="0">
+                <a:ln w="0"/>
+                <a:solidFill>
+                  <a:schemeClr val="tx1"/>
+                </a:solidFill>
+                <a:effectLst>
+                  <a:outerShdw blurRad="38100" dist="19050" dir="2700000" algn="tl" rotWithShape="0">
+                    <a:schemeClr val="dk1">
+                      <a:alpha val="40000"/>
+                    </a:schemeClr>
+                  </a:outerShdw>
+                </a:effectLst>
+              </a:rPr>
+              <a:t>応答速度</a:t>
+            </a:r>
+            <a:endParaRPr kumimoji="1" lang="en-US" altLang="ja-JP" b="1" dirty="0" smtClean="0">
+              <a:ln w="0"/>
+              <a:solidFill>
+                <a:schemeClr val="tx1"/>
+              </a:solidFill>
+              <a:effectLst>
+                <a:outerShdw blurRad="38100" dist="19050" dir="2700000" algn="tl" rotWithShape="0">
+                  <a:schemeClr val="dk1">
+                    <a:alpha val="40000"/>
+                  </a:schemeClr>
+                </a:outerShdw>
+              </a:effectLst>
+            </a:endParaRPr>
+          </a:p>
+          <a:p>
+            <a:pPr algn="ctr"/>
+            <a:r>
+              <a:rPr kumimoji="1" lang="ja-JP" altLang="en-US" b="1" dirty="0" smtClean="0">
+                <a:ln w="0"/>
+                <a:solidFill>
+                  <a:schemeClr val="tx1"/>
+                </a:solidFill>
+                <a:effectLst>
+                  <a:outerShdw blurRad="38100" dist="19050" dir="2700000" algn="tl" rotWithShape="0">
+                    <a:schemeClr val="dk1">
+                      <a:alpha val="40000"/>
+                    </a:schemeClr>
+                  </a:outerShdw>
+                </a:effectLst>
+              </a:rPr>
+              <a:t>データベース</a:t>
+            </a:r>
+            <a:endParaRPr kumimoji="1" lang="ja-JP" altLang="en-US" b="1" dirty="0">
+              <a:ln w="0"/>
+              <a:solidFill>
+                <a:schemeClr val="tx1"/>
+              </a:solidFill>
+              <a:effectLst>
+                <a:outerShdw blurRad="38100" dist="19050" dir="2700000" algn="tl" rotWithShape="0">
+                  <a:schemeClr val="dk1">
+                    <a:alpha val="40000"/>
+                  </a:schemeClr>
+                </a:outerShdw>
+              </a:effectLst>
+            </a:endParaRPr>
+          </a:p>
+        </p:txBody>
+      </p:sp>
+      <p:sp>
+        <p:nvSpPr>
+          <p:cNvPr id="7" name="四角形吹き出し 6"/>
+          <p:cNvSpPr/>
+          <p:nvPr/>
+        </p:nvSpPr>
+        <p:spPr>
+          <a:xfrm>
+            <a:off x="2023110" y="2680912"/>
+            <a:ext cx="5433060" cy="2948940"/>
+          </a:xfrm>
+          <a:prstGeom prst="wedgeRectCallout">
+            <a:avLst>
+              <a:gd name="adj1" fmla="val -7649"/>
+              <a:gd name="adj2" fmla="val -65407"/>
+            </a:avLst>
+          </a:prstGeom>
+          <a:solidFill>
+            <a:srgbClr val="BDEDFF"/>
+          </a:solidFill>
+          <a:ln>
+            <a:solidFill>
+              <a:schemeClr val="tx1"/>
+            </a:solidFill>
+          </a:ln>
+        </p:spPr>
+        <p:style>
+          <a:lnRef idx="2">
+            <a:schemeClr val="accent3">
+              <a:shade val="50000"/>
+            </a:schemeClr>
+          </a:lnRef>
+          <a:fillRef idx="1">
+            <a:schemeClr val="accent3"/>
+          </a:fillRef>
+          <a:effectRef idx="0">
+            <a:schemeClr val="accent3"/>
+          </a:effectRef>
+          <a:fontRef idx="minor">
+            <a:schemeClr val="lt1"/>
+          </a:fontRef>
+        </p:style>
+        <p:txBody>
+          <a:bodyPr rtlCol="0" anchor="ctr"/>
+          <a:lstStyle/>
+          <a:p>
+            <a:pPr algn="ctr"/>
+            <a:endParaRPr kumimoji="1" lang="ja-JP" altLang="en-US"/>
+          </a:p>
+        </p:txBody>
+      </p:sp>
+      <p:pic>
+        <p:nvPicPr>
+          <p:cNvPr id="4" name="図 3"/>
+          <p:cNvPicPr>
+            <a:picLocks noChangeAspect="1"/>
+          </p:cNvPicPr>
+          <p:nvPr/>
+        </p:nvPicPr>
+        <p:blipFill>
+          <a:blip r:embed="rId2"/>
+          <a:stretch>
+            <a:fillRect/>
+          </a:stretch>
+        </p:blipFill>
+        <p:spPr>
+          <a:xfrm>
+            <a:off x="3393493" y="2750820"/>
+            <a:ext cx="2692294" cy="1480762"/>
+          </a:xfrm>
+          <a:prstGeom prst="rect">
+            <a:avLst/>
+          </a:prstGeom>
+        </p:spPr>
+      </p:pic>
+      <p:pic>
+        <p:nvPicPr>
+          <p:cNvPr id="5" name="図 4"/>
+          <p:cNvPicPr>
+            <a:picLocks noChangeAspect="1"/>
+          </p:cNvPicPr>
+          <p:nvPr/>
+        </p:nvPicPr>
+        <p:blipFill>
+          <a:blip r:embed="rId3"/>
+          <a:stretch>
+            <a:fillRect/>
+          </a:stretch>
+        </p:blipFill>
+        <p:spPr>
+          <a:xfrm>
+            <a:off x="2446771" y="4231582"/>
+            <a:ext cx="4585738" cy="1205455"/>
+          </a:xfrm>
+          <a:prstGeom prst="rect">
+            <a:avLst/>
+          </a:prstGeom>
+        </p:spPr>
+      </p:pic>
+    </p:spTree>
+    <p:extLst>
+      <p:ext uri="{BB962C8B-B14F-4D97-AF65-F5344CB8AC3E}">
+        <p14:creationId xmlns:p14="http://schemas.microsoft.com/office/powerpoint/2010/main" val="897627651"/>
+      </p:ext>
+    </p:extLst>
+  </p:cSld>
+  <p:clrMapOvr>
+    <a:masterClrMapping/>
+  </p:clrMapOvr>
+  <p:timing>
+    <p:tnLst>
+      <p:par>
+        <p:cTn id="1" dur="indefinite" restart="never" nodeType="tmRoot"/>
+      </p:par>
+    </p:tnLst>
+  </p:timing>
 </p:sld>
 </file>
 
@@ -6990,7 +10421,7 @@
         </p:nvGrpSpPr>
         <p:grpSpPr>
           <a:xfrm>
-            <a:off x="1950061" y="569363"/>
+            <a:off x="2071981" y="622703"/>
             <a:ext cx="3984215" cy="4910667"/>
             <a:chOff x="385498" y="2245946"/>
             <a:chExt cx="3984215" cy="4910667"/>
@@ -7162,8 +10593,8 @@
             </p:nvSpPr>
             <p:spPr>
               <a:xfrm>
-                <a:off x="1431708" y="3826868"/>
-                <a:ext cx="1881651" cy="1286634"/>
+                <a:off x="1427291" y="3863246"/>
+                <a:ext cx="1881651" cy="1363980"/>
               </a:xfrm>
               <a:prstGeom prst="can">
                 <a:avLst/>
@@ -7191,85 +10622,6 @@
               <a:lstStyle/>
               <a:p>
                 <a:pPr algn="ctr"/>
-                <a:r>
-                  <a:rPr kumimoji="1" lang="ja-JP" altLang="en-US" b="1" dirty="0" smtClean="0">
-                    <a:ln w="0"/>
-                    <a:solidFill>
-                      <a:schemeClr val="tx1"/>
-                    </a:solidFill>
-                    <a:effectLst>
-                      <a:outerShdw blurRad="38100" dist="19050" dir="2700000" algn="tl" rotWithShape="0">
-                        <a:schemeClr val="dk1">
-                          <a:alpha val="40000"/>
-                        </a:schemeClr>
-                      </a:outerShdw>
-                    </a:effectLst>
-                  </a:rPr>
-                  <a:t>応答速度</a:t>
-                </a:r>
-                <a:r>
-                  <a:rPr kumimoji="1" lang="en-US" altLang="ja-JP" b="1" dirty="0" smtClean="0">
-                    <a:ln w="0"/>
-                    <a:solidFill>
-                      <a:schemeClr val="tx1"/>
-                    </a:solidFill>
-                    <a:effectLst>
-                      <a:outerShdw blurRad="38100" dist="19050" dir="2700000" algn="tl" rotWithShape="0">
-                        <a:schemeClr val="dk1">
-                          <a:alpha val="40000"/>
-                        </a:schemeClr>
-                      </a:outerShdw>
-                    </a:effectLst>
-                  </a:rPr>
-                  <a:t/>
-                </a:r>
-                <a:br>
-                  <a:rPr kumimoji="1" lang="en-US" altLang="ja-JP" b="1" dirty="0" smtClean="0">
-                    <a:ln w="0"/>
-                    <a:solidFill>
-                      <a:schemeClr val="tx1"/>
-                    </a:solidFill>
-                    <a:effectLst>
-                      <a:outerShdw blurRad="38100" dist="19050" dir="2700000" algn="tl" rotWithShape="0">
-                        <a:schemeClr val="dk1">
-                          <a:alpha val="40000"/>
-                        </a:schemeClr>
-                      </a:outerShdw>
-                    </a:effectLst>
-                  </a:rPr>
-                </a:br>
-                <a:r>
-                  <a:rPr kumimoji="1" lang="ja-JP" altLang="en-US" b="1" dirty="0" smtClean="0">
-                    <a:ln w="0"/>
-                    <a:solidFill>
-                      <a:schemeClr val="tx1"/>
-                    </a:solidFill>
-                    <a:effectLst>
-                      <a:outerShdw blurRad="38100" dist="19050" dir="2700000" algn="tl" rotWithShape="0">
-                        <a:schemeClr val="dk1">
-                          <a:alpha val="40000"/>
-                        </a:schemeClr>
-                      </a:outerShdw>
-                    </a:effectLst>
-                  </a:rPr>
-                  <a:t>評価済み</a:t>
-                </a:r>
-                <a:r>
-                  <a:rPr kumimoji="1" lang="en-US" altLang="ja-JP" b="1" dirty="0" smtClean="0">
-                    <a:ln w="0"/>
-                    <a:solidFill>
-                      <a:schemeClr val="tx1"/>
-                    </a:solidFill>
-                    <a:effectLst>
-                      <a:outerShdw blurRad="38100" dist="19050" dir="2700000" algn="tl" rotWithShape="0">
-                        <a:schemeClr val="dk1">
-                          <a:alpha val="40000"/>
-                        </a:schemeClr>
-                      </a:outerShdw>
-                    </a:effectLst>
-                  </a:rPr>
-                  <a:t>DB</a:t>
-                </a:r>
                 <a:endParaRPr kumimoji="1" lang="ja-JP" altLang="en-US" b="1" dirty="0">
                   <a:ln w="0"/>
                   <a:solidFill>
@@ -7721,6 +11073,125 @@
           </p:txBody>
         </p:sp>
       </p:grpSp>
+      <p:sp>
+        <p:nvSpPr>
+          <p:cNvPr id="2" name="テキスト ボックス 1"/>
+          <p:cNvSpPr txBox="1"/>
+          <p:nvPr/>
+        </p:nvSpPr>
+        <p:spPr>
+          <a:xfrm>
+            <a:off x="2870706" y="4231394"/>
+            <a:ext cx="2377914" cy="1200329"/>
+          </a:xfrm>
+          <a:prstGeom prst="rect">
+            <a:avLst/>
+          </a:prstGeom>
+          <a:noFill/>
+        </p:spPr>
+        <p:txBody>
+          <a:bodyPr wrap="square" rtlCol="0">
+            <a:spAutoFit/>
+          </a:bodyPr>
+          <a:lstStyle/>
+          <a:p>
+            <a:pPr algn="ctr"/>
+            <a:r>
+              <a:rPr kumimoji="1" lang="ja-JP" altLang="en-US" b="1" dirty="0">
+                <a:ln w="0"/>
+                <a:effectLst>
+                  <a:outerShdw blurRad="38100" dist="19050" dir="2700000" algn="tl" rotWithShape="0">
+                    <a:schemeClr val="dk1">
+                      <a:alpha val="40000"/>
+                    </a:schemeClr>
+                  </a:outerShdw>
+                </a:effectLst>
+              </a:rPr>
+              <a:t>評価済み</a:t>
+            </a:r>
+            <a:endParaRPr kumimoji="1" lang="en-US" altLang="ja-JP" b="1" dirty="0">
+              <a:ln w="0"/>
+              <a:effectLst>
+                <a:outerShdw blurRad="38100" dist="19050" dir="2700000" algn="tl" rotWithShape="0">
+                  <a:schemeClr val="dk1">
+                    <a:alpha val="40000"/>
+                  </a:schemeClr>
+                </a:outerShdw>
+              </a:effectLst>
+            </a:endParaRPr>
+          </a:p>
+          <a:p>
+            <a:pPr algn="ctr"/>
+            <a:r>
+              <a:rPr kumimoji="1" lang="ja-JP" altLang="en-US" b="1" dirty="0">
+                <a:ln w="0"/>
+                <a:effectLst>
+                  <a:outerShdw blurRad="38100" dist="19050" dir="2700000" algn="tl" rotWithShape="0">
+                    <a:schemeClr val="dk1">
+                      <a:alpha val="40000"/>
+                    </a:schemeClr>
+                  </a:outerShdw>
+                </a:effectLst>
+              </a:rPr>
+              <a:t>応答速度を</a:t>
+            </a:r>
+            <a:r>
+              <a:rPr kumimoji="1" lang="en-US" altLang="ja-JP" b="1" dirty="0">
+                <a:ln w="0"/>
+                <a:effectLst>
+                  <a:outerShdw blurRad="38100" dist="19050" dir="2700000" algn="tl" rotWithShape="0">
+                    <a:schemeClr val="dk1">
+                      <a:alpha val="40000"/>
+                    </a:schemeClr>
+                  </a:outerShdw>
+                </a:effectLst>
+              </a:rPr>
+              <a:t/>
+            </a:r>
+            <a:br>
+              <a:rPr kumimoji="1" lang="en-US" altLang="ja-JP" b="1" dirty="0">
+                <a:ln w="0"/>
+                <a:effectLst>
+                  <a:outerShdw blurRad="38100" dist="19050" dir="2700000" algn="tl" rotWithShape="0">
+                    <a:schemeClr val="dk1">
+                      <a:alpha val="40000"/>
+                    </a:schemeClr>
+                  </a:outerShdw>
+                </a:effectLst>
+              </a:rPr>
+            </a:br>
+            <a:r>
+              <a:rPr kumimoji="1" lang="en-US" altLang="ja-JP" b="1" dirty="0">
+                <a:ln w="0"/>
+                <a:effectLst>
+                  <a:outerShdw blurRad="38100" dist="19050" dir="2700000" algn="tl" rotWithShape="0">
+                    <a:schemeClr val="dk1">
+                      <a:alpha val="40000"/>
+                    </a:schemeClr>
+                  </a:outerShdw>
+                </a:effectLst>
+              </a:rPr>
+              <a:t>DB</a:t>
+            </a:r>
+            <a:r>
+              <a:rPr kumimoji="1" lang="ja-JP" altLang="en-US" b="1" dirty="0">
+                <a:ln w="0"/>
+                <a:effectLst>
+                  <a:outerShdw blurRad="38100" dist="19050" dir="2700000" algn="tl" rotWithShape="0">
+                    <a:schemeClr val="dk1">
+                      <a:alpha val="40000"/>
+                    </a:schemeClr>
+                  </a:outerShdw>
+                </a:effectLst>
+              </a:rPr>
+              <a:t>へ保管</a:t>
+            </a:r>
+          </a:p>
+          <a:p>
+            <a:endParaRPr kumimoji="1" lang="ja-JP" altLang="en-US" dirty="0"/>
+          </a:p>
+        </p:txBody>
+      </p:sp>
     </p:spTree>
     <p:extLst>
       <p:ext uri="{BB962C8B-B14F-4D97-AF65-F5344CB8AC3E}">
@@ -7731,6 +11202,13 @@
   <p:clrMapOvr>
     <a:masterClrMapping/>
   </p:clrMapOvr>
+  <p:timing>
+    <p:tnLst>
+      <p:par>
+        <p:cTn id="1" dur="indefinite" restart="never" nodeType="tmRoot"/>
+      </p:par>
+    </p:tnLst>
+  </p:timing>
 </p:sld>
 </file>
 
@@ -8207,7 +11685,7 @@
           </p:nvSpPr>
           <p:spPr>
             <a:xfrm>
-              <a:off x="6718499" y="4665832"/>
+              <a:off x="6718499" y="4757272"/>
               <a:ext cx="1467335" cy="657818"/>
             </a:xfrm>
             <a:prstGeom prst="rect">
@@ -8278,15 +11756,7 @@
             <a:p>
               <a:r>
                 <a:rPr kumimoji="1" lang="ja-JP" altLang="en-US" sz="2400" b="1" dirty="0" smtClean="0"/>
-                <a:t>応答</a:t>
-              </a:r>
-              <a:r>
-                <a:rPr kumimoji="1" lang="ja-JP" altLang="en-US" sz="2400" b="1" dirty="0" smtClean="0"/>
-                <a:t>速度の</a:t>
-              </a:r>
-              <a:r>
-                <a:rPr kumimoji="1" lang="ja-JP" altLang="en-US" sz="2400" b="1" dirty="0" smtClean="0"/>
-                <a:t>計測</a:t>
+                <a:t>応答速度の計測</a:t>
               </a:r>
               <a:endParaRPr kumimoji="1" lang="ja-JP" altLang="en-US" sz="2400" b="1" dirty="0"/>
             </a:p>
@@ -8300,7 +11770,7 @@
           </p:nvSpPr>
           <p:spPr>
             <a:xfrm>
-              <a:off x="4841379" y="4701280"/>
+              <a:off x="4841379" y="4754620"/>
               <a:ext cx="1467335" cy="657818"/>
             </a:xfrm>
             <a:prstGeom prst="rect">
@@ -8413,27 +11883,8 @@
                     </a:schemeClr>
                   </a:solidFill>
                 </a:rPr>
-                <a:t>答計測データ</a:t>
+                <a:t>答</a:t>
               </a:r>
-              <a:r>
-                <a:rPr kumimoji="1" lang="en-US" altLang="ja-JP" b="1" dirty="0" smtClean="0">
-                  <a:solidFill>
-                    <a:schemeClr val="accent1">
-                      <a:lumMod val="50000"/>
-                    </a:schemeClr>
-                  </a:solidFill>
-                </a:rPr>
-                <a:t/>
-              </a:r>
-              <a:br>
-                <a:rPr kumimoji="1" lang="en-US" altLang="ja-JP" b="1" dirty="0" smtClean="0">
-                  <a:solidFill>
-                    <a:schemeClr val="accent1">
-                      <a:lumMod val="50000"/>
-                    </a:schemeClr>
-                  </a:solidFill>
-                </a:rPr>
-              </a:br>
               <a:r>
                 <a:rPr kumimoji="1" lang="ja-JP" altLang="en-US" b="1" dirty="0" smtClean="0">
                   <a:solidFill>
@@ -8442,9 +11893,9 @@
                     </a:schemeClr>
                   </a:solidFill>
                 </a:rPr>
-                <a:t>更新</a:t>
+                <a:t>計測テーブルへ挿入</a:t>
               </a:r>
-              <a:endParaRPr kumimoji="1" lang="ja-JP" altLang="en-US" b="1" dirty="0">
+              <a:endParaRPr kumimoji="1" lang="en-US" altLang="ja-JP" b="1" dirty="0" smtClean="0">
                 <a:solidFill>
                   <a:schemeClr val="accent1">
                     <a:lumMod val="50000"/>
@@ -8609,7 +12060,7 @@
           </p:nvSpPr>
           <p:spPr>
             <a:xfrm>
-              <a:off x="7074394" y="4228426"/>
+              <a:off x="7074394" y="4289386"/>
               <a:ext cx="639774" cy="437406"/>
             </a:xfrm>
             <a:prstGeom prst="downArrow">
@@ -8658,7 +12109,7 @@
           </p:nvSpPr>
           <p:spPr>
             <a:xfrm>
-              <a:off x="5259156" y="4251482"/>
+              <a:off x="5259156" y="4289582"/>
               <a:ext cx="639774" cy="437406"/>
             </a:xfrm>
             <a:prstGeom prst="downArrow">
@@ -8710,10 +12161,899 @@
   <p:clrMapOvr>
     <a:masterClrMapping/>
   </p:clrMapOvr>
+  <p:timing>
+    <p:tnLst>
+      <p:par>
+        <p:cTn id="1" dur="indefinite" restart="never" nodeType="tmRoot"/>
+      </p:par>
+    </p:tnLst>
+  </p:timing>
 </p:sld>
 </file>
 
 <file path=ppt/slides/slide7.xml><?xml version="1.0" encoding="utf-8"?>
+<p:sld xmlns:a="http://schemas.openxmlformats.org/drawingml/2006/main" xmlns:r="http://schemas.openxmlformats.org/officeDocument/2006/relationships" xmlns:p="http://schemas.openxmlformats.org/presentationml/2006/main">
+  <p:cSld>
+    <p:spTree>
+      <p:nvGrpSpPr>
+        <p:cNvPr id="1" name=""/>
+        <p:cNvGrpSpPr/>
+        <p:nvPr/>
+      </p:nvGrpSpPr>
+      <p:grpSpPr>
+        <a:xfrm>
+          <a:off x="0" y="0"/>
+          <a:ext cx="0" cy="0"/>
+          <a:chOff x="0" y="0"/>
+          <a:chExt cx="0" cy="0"/>
+        </a:xfrm>
+      </p:grpSpPr>
+      <p:grpSp>
+        <p:nvGrpSpPr>
+          <p:cNvPr id="7" name="グループ化 6"/>
+          <p:cNvGrpSpPr/>
+          <p:nvPr/>
+        </p:nvGrpSpPr>
+        <p:grpSpPr>
+          <a:xfrm>
+            <a:off x="2635769" y="668866"/>
+            <a:ext cx="3984215" cy="5200819"/>
+            <a:chOff x="4591569" y="626533"/>
+            <a:chExt cx="3984215" cy="5200819"/>
+          </a:xfrm>
+        </p:grpSpPr>
+        <p:sp>
+          <p:nvSpPr>
+            <p:cNvPr id="23" name="正方形/長方形 22"/>
+            <p:cNvSpPr/>
+            <p:nvPr/>
+          </p:nvSpPr>
+          <p:spPr>
+            <a:xfrm>
+              <a:off x="4591569" y="626533"/>
+              <a:ext cx="3984215" cy="5200819"/>
+            </a:xfrm>
+            <a:prstGeom prst="rect">
+              <a:avLst/>
+            </a:prstGeom>
+            <a:solidFill>
+              <a:srgbClr val="BDEDFF"/>
+            </a:solidFill>
+            <a:ln>
+              <a:noFill/>
+            </a:ln>
+          </p:spPr>
+          <p:style>
+            <a:lnRef idx="2">
+              <a:schemeClr val="accent1">
+                <a:shade val="50000"/>
+              </a:schemeClr>
+            </a:lnRef>
+            <a:fillRef idx="1">
+              <a:schemeClr val="accent1"/>
+            </a:fillRef>
+            <a:effectRef idx="0">
+              <a:schemeClr val="accent1"/>
+            </a:effectRef>
+            <a:fontRef idx="minor">
+              <a:schemeClr val="lt1"/>
+            </a:fontRef>
+          </p:style>
+          <p:txBody>
+            <a:bodyPr rtlCol="0" anchor="ctr"/>
+            <a:lstStyle/>
+            <a:p>
+              <a:pPr algn="ctr"/>
+              <a:r>
+                <a:rPr kumimoji="1" lang="en-US" altLang="ja-JP" b="1" dirty="0" smtClean="0"/>
+                <a:t/>
+              </a:r>
+              <a:br>
+                <a:rPr kumimoji="1" lang="en-US" altLang="ja-JP" b="1" dirty="0" smtClean="0"/>
+              </a:br>
+              <a:r>
+                <a:rPr kumimoji="1" lang="en-US" altLang="ja-JP" b="1" dirty="0" smtClean="0"/>
+                <a:t/>
+              </a:r>
+              <a:br>
+                <a:rPr kumimoji="1" lang="en-US" altLang="ja-JP" b="1" dirty="0" smtClean="0"/>
+              </a:br>
+              <a:r>
+                <a:rPr kumimoji="1" lang="en-US" altLang="ja-JP" b="1" dirty="0" smtClean="0"/>
+                <a:t/>
+              </a:r>
+              <a:br>
+                <a:rPr kumimoji="1" lang="en-US" altLang="ja-JP" b="1" dirty="0" smtClean="0"/>
+              </a:br>
+              <a:r>
+                <a:rPr kumimoji="1" lang="en-US" altLang="ja-JP" b="1" dirty="0" smtClean="0"/>
+                <a:t/>
+              </a:r>
+              <a:br>
+                <a:rPr kumimoji="1" lang="en-US" altLang="ja-JP" b="1" dirty="0" smtClean="0"/>
+              </a:br>
+              <a:r>
+                <a:rPr kumimoji="1" lang="en-US" altLang="ja-JP" b="1" dirty="0" smtClean="0"/>
+                <a:t/>
+              </a:r>
+              <a:br>
+                <a:rPr kumimoji="1" lang="en-US" altLang="ja-JP" b="1" dirty="0" smtClean="0"/>
+              </a:br>
+              <a:r>
+                <a:rPr kumimoji="1" lang="en-US" altLang="ja-JP" b="1" dirty="0" smtClean="0"/>
+                <a:t/>
+              </a:r>
+              <a:br>
+                <a:rPr kumimoji="1" lang="en-US" altLang="ja-JP" b="1" dirty="0" smtClean="0"/>
+              </a:br>
+              <a:r>
+                <a:rPr kumimoji="1" lang="en-US" altLang="ja-JP" b="1" dirty="0" smtClean="0"/>
+                <a:t/>
+              </a:r>
+              <a:br>
+                <a:rPr kumimoji="1" lang="en-US" altLang="ja-JP" b="1" dirty="0" smtClean="0"/>
+              </a:br>
+              <a:r>
+                <a:rPr kumimoji="1" lang="en-US" altLang="ja-JP" b="1" dirty="0" smtClean="0"/>
+                <a:t/>
+              </a:r>
+              <a:br>
+                <a:rPr kumimoji="1" lang="en-US" altLang="ja-JP" b="1" dirty="0" smtClean="0"/>
+              </a:br>
+              <a:r>
+                <a:rPr kumimoji="1" lang="en-US" altLang="ja-JP" b="1" dirty="0" smtClean="0"/>
+                <a:t/>
+              </a:r>
+              <a:br>
+                <a:rPr kumimoji="1" lang="en-US" altLang="ja-JP" b="1" dirty="0" smtClean="0"/>
+              </a:br>
+              <a:r>
+                <a:rPr kumimoji="1" lang="en-US" altLang="ja-JP" b="1" dirty="0" smtClean="0"/>
+                <a:t/>
+              </a:r>
+              <a:br>
+                <a:rPr kumimoji="1" lang="en-US" altLang="ja-JP" b="1" dirty="0" smtClean="0"/>
+              </a:br>
+              <a:r>
+                <a:rPr kumimoji="1" lang="en-US" altLang="ja-JP" b="1" dirty="0" smtClean="0"/>
+                <a:t/>
+              </a:r>
+              <a:br>
+                <a:rPr kumimoji="1" lang="en-US" altLang="ja-JP" b="1" dirty="0" smtClean="0"/>
+              </a:br>
+              <a:r>
+                <a:rPr kumimoji="1" lang="en-US" altLang="ja-JP" b="1" dirty="0" smtClean="0"/>
+                <a:t/>
+              </a:r>
+              <a:br>
+                <a:rPr kumimoji="1" lang="en-US" altLang="ja-JP" b="1" dirty="0" smtClean="0"/>
+              </a:br>
+              <a:r>
+                <a:rPr kumimoji="1" lang="en-US" altLang="ja-JP" b="1" dirty="0" smtClean="0"/>
+                <a:t/>
+              </a:r>
+              <a:br>
+                <a:rPr kumimoji="1" lang="en-US" altLang="ja-JP" b="1" dirty="0" smtClean="0"/>
+              </a:br>
+              <a:r>
+                <a:rPr kumimoji="1" lang="en-US" altLang="ja-JP" b="1" dirty="0" smtClean="0"/>
+                <a:t/>
+              </a:r>
+              <a:br>
+                <a:rPr kumimoji="1" lang="en-US" altLang="ja-JP" b="1" dirty="0" smtClean="0"/>
+              </a:br>
+              <a:endParaRPr kumimoji="1" lang="ja-JP" altLang="en-US" b="1" dirty="0"/>
+            </a:p>
+          </p:txBody>
+        </p:sp>
+        <p:sp>
+          <p:nvSpPr>
+            <p:cNvPr id="24" name="正方形/長方形 23"/>
+            <p:cNvSpPr/>
+            <p:nvPr/>
+          </p:nvSpPr>
+          <p:spPr>
+            <a:xfrm>
+              <a:off x="4845376" y="1314565"/>
+              <a:ext cx="3591662" cy="1025505"/>
+            </a:xfrm>
+            <a:prstGeom prst="rect">
+              <a:avLst/>
+            </a:prstGeom>
+            <a:solidFill>
+              <a:schemeClr val="accent1">
+                <a:lumMod val="20000"/>
+                <a:lumOff val="80000"/>
+              </a:schemeClr>
+            </a:solidFill>
+          </p:spPr>
+          <p:style>
+            <a:lnRef idx="2">
+              <a:schemeClr val="accent1">
+                <a:shade val="50000"/>
+              </a:schemeClr>
+            </a:lnRef>
+            <a:fillRef idx="1">
+              <a:schemeClr val="accent1"/>
+            </a:fillRef>
+            <a:effectRef idx="0">
+              <a:schemeClr val="accent1"/>
+            </a:effectRef>
+            <a:fontRef idx="minor">
+              <a:schemeClr val="lt1"/>
+            </a:fontRef>
+          </p:style>
+          <p:txBody>
+            <a:bodyPr rtlCol="0" anchor="t" anchorCtr="0"/>
+            <a:lstStyle/>
+            <a:p>
+              <a:pPr algn="ctr"/>
+              <a:r>
+                <a:rPr kumimoji="1" lang="ja-JP" altLang="en-US" b="1" dirty="0" smtClean="0">
+                  <a:solidFill>
+                    <a:schemeClr val="accent1">
+                      <a:lumMod val="50000"/>
+                    </a:schemeClr>
+                  </a:solidFill>
+                </a:rPr>
+                <a:t>応答速度計測プログラム</a:t>
+              </a:r>
+              <a:endParaRPr kumimoji="1" lang="en-US" altLang="ja-JP" b="1" dirty="0" smtClean="0">
+                <a:solidFill>
+                  <a:schemeClr val="accent1">
+                    <a:lumMod val="50000"/>
+                  </a:schemeClr>
+                </a:solidFill>
+              </a:endParaRPr>
+            </a:p>
+          </p:txBody>
+        </p:sp>
+        <p:sp>
+          <p:nvSpPr>
+            <p:cNvPr id="25" name="正方形/長方形 24"/>
+            <p:cNvSpPr/>
+            <p:nvPr/>
+          </p:nvSpPr>
+          <p:spPr>
+            <a:xfrm>
+              <a:off x="6365787" y="3582829"/>
+              <a:ext cx="2056989" cy="657818"/>
+            </a:xfrm>
+            <a:prstGeom prst="rect">
+              <a:avLst/>
+            </a:prstGeom>
+            <a:solidFill>
+              <a:srgbClr val="DEEBF7"/>
+            </a:solidFill>
+          </p:spPr>
+          <p:style>
+            <a:lnRef idx="2">
+              <a:schemeClr val="accent1">
+                <a:shade val="50000"/>
+              </a:schemeClr>
+            </a:lnRef>
+            <a:fillRef idx="1">
+              <a:schemeClr val="accent1"/>
+            </a:fillRef>
+            <a:effectRef idx="0">
+              <a:schemeClr val="accent1"/>
+            </a:effectRef>
+            <a:fontRef idx="minor">
+              <a:schemeClr val="lt1"/>
+            </a:fontRef>
+          </p:style>
+          <p:txBody>
+            <a:bodyPr rtlCol="0" anchor="ctr"/>
+            <a:lstStyle/>
+            <a:p>
+              <a:pPr algn="ctr"/>
+              <a:r>
+                <a:rPr kumimoji="1" lang="ja-JP" altLang="en-US" sz="1400" b="1" dirty="0" smtClean="0">
+                  <a:solidFill>
+                    <a:schemeClr val="accent1">
+                      <a:lumMod val="50000"/>
+                    </a:schemeClr>
+                  </a:solidFill>
+                </a:rPr>
+                <a:t>過去</a:t>
+              </a:r>
+              <a:r>
+                <a:rPr kumimoji="1" lang="en-US" altLang="ja-JP" sz="1400" b="1" dirty="0" smtClean="0">
+                  <a:solidFill>
+                    <a:schemeClr val="accent1">
+                      <a:lumMod val="50000"/>
+                    </a:schemeClr>
+                  </a:solidFill>
+                </a:rPr>
+                <a:t>24</a:t>
+              </a:r>
+              <a:r>
+                <a:rPr kumimoji="1" lang="ja-JP" altLang="en-US" sz="1400" b="1" dirty="0" smtClean="0">
+                  <a:solidFill>
+                    <a:schemeClr val="accent1">
+                      <a:lumMod val="50000"/>
+                    </a:schemeClr>
+                  </a:solidFill>
+                </a:rPr>
+                <a:t>時間のデータを抽出</a:t>
+              </a:r>
+              <a:endParaRPr kumimoji="1" lang="en-US" altLang="ja-JP" sz="1400" b="1" dirty="0" smtClean="0">
+                <a:solidFill>
+                  <a:schemeClr val="accent1">
+                    <a:lumMod val="50000"/>
+                  </a:schemeClr>
+                </a:solidFill>
+              </a:endParaRPr>
+            </a:p>
+          </p:txBody>
+        </p:sp>
+        <p:sp>
+          <p:nvSpPr>
+            <p:cNvPr id="26" name="角丸四角形 25"/>
+            <p:cNvSpPr/>
+            <p:nvPr/>
+          </p:nvSpPr>
+          <p:spPr>
+            <a:xfrm>
+              <a:off x="5461951" y="1711633"/>
+              <a:ext cx="2358511" cy="462439"/>
+            </a:xfrm>
+            <a:prstGeom prst="roundRect">
+              <a:avLst/>
+            </a:prstGeom>
+            <a:solidFill>
+              <a:schemeClr val="accent6">
+                <a:lumMod val="40000"/>
+                <a:lumOff val="60000"/>
+              </a:schemeClr>
+            </a:solidFill>
+          </p:spPr>
+          <p:style>
+            <a:lnRef idx="2">
+              <a:schemeClr val="accent6"/>
+            </a:lnRef>
+            <a:fillRef idx="1">
+              <a:schemeClr val="lt1"/>
+            </a:fillRef>
+            <a:effectRef idx="0">
+              <a:schemeClr val="accent6"/>
+            </a:effectRef>
+            <a:fontRef idx="minor">
+              <a:schemeClr val="dk1"/>
+            </a:fontRef>
+          </p:style>
+          <p:txBody>
+            <a:bodyPr rtlCol="0" anchor="ctr"/>
+            <a:lstStyle/>
+            <a:p>
+              <a:pPr algn="ctr"/>
+              <a:r>
+                <a:rPr kumimoji="1" lang="en-US" altLang="ja-JP" b="1" dirty="0" smtClean="0">
+                  <a:solidFill>
+                    <a:schemeClr val="tx1"/>
+                  </a:solidFill>
+                </a:rPr>
+                <a:t>1</a:t>
+              </a:r>
+              <a:r>
+                <a:rPr kumimoji="1" lang="ja-JP" altLang="en-US" b="1" dirty="0" smtClean="0">
+                  <a:solidFill>
+                    <a:schemeClr val="tx1"/>
+                  </a:solidFill>
+                </a:rPr>
+                <a:t>分に</a:t>
+              </a:r>
+              <a:r>
+                <a:rPr kumimoji="1" lang="en-US" altLang="ja-JP" b="1" dirty="0" smtClean="0">
+                  <a:solidFill>
+                    <a:schemeClr val="tx1"/>
+                  </a:solidFill>
+                </a:rPr>
+                <a:t>1</a:t>
+              </a:r>
+              <a:r>
+                <a:rPr kumimoji="1" lang="ja-JP" altLang="en-US" b="1" dirty="0" smtClean="0">
+                  <a:solidFill>
+                    <a:schemeClr val="tx1"/>
+                  </a:solidFill>
+                </a:rPr>
+                <a:t>回計測</a:t>
+              </a:r>
+              <a:endParaRPr kumimoji="1" lang="en-US" altLang="ja-JP" b="1" dirty="0" smtClean="0">
+                <a:solidFill>
+                  <a:schemeClr val="tx1"/>
+                </a:solidFill>
+              </a:endParaRPr>
+            </a:p>
+          </p:txBody>
+        </p:sp>
+        <p:sp>
+          <p:nvSpPr>
+            <p:cNvPr id="27" name="正方形/長方形 26"/>
+            <p:cNvSpPr/>
+            <p:nvPr/>
+          </p:nvSpPr>
+          <p:spPr>
+            <a:xfrm>
+              <a:off x="4798085" y="3575208"/>
+              <a:ext cx="1461259" cy="657818"/>
+            </a:xfrm>
+            <a:prstGeom prst="rect">
+              <a:avLst/>
+            </a:prstGeom>
+            <a:solidFill>
+              <a:srgbClr val="DEEBF7"/>
+            </a:solidFill>
+          </p:spPr>
+          <p:style>
+            <a:lnRef idx="2">
+              <a:schemeClr val="accent1">
+                <a:shade val="50000"/>
+              </a:schemeClr>
+            </a:lnRef>
+            <a:fillRef idx="1">
+              <a:schemeClr val="accent1"/>
+            </a:fillRef>
+            <a:effectRef idx="0">
+              <a:schemeClr val="accent1"/>
+            </a:effectRef>
+            <a:fontRef idx="minor">
+              <a:schemeClr val="lt1"/>
+            </a:fontRef>
+          </p:style>
+          <p:txBody>
+            <a:bodyPr rtlCol="0" anchor="ctr"/>
+            <a:lstStyle/>
+            <a:p>
+              <a:pPr algn="ctr"/>
+              <a:r>
+                <a:rPr kumimoji="1" lang="ja-JP" altLang="en-US" sz="1400" b="1" dirty="0">
+                  <a:solidFill>
+                    <a:schemeClr val="accent1">
+                      <a:lumMod val="50000"/>
+                    </a:schemeClr>
+                  </a:solidFill>
+                </a:rPr>
+                <a:t>直近</a:t>
+              </a:r>
+              <a:r>
+                <a:rPr kumimoji="1" lang="ja-JP" altLang="en-US" sz="1400" b="1" dirty="0" smtClean="0">
+                  <a:solidFill>
+                    <a:schemeClr val="accent1">
+                      <a:lumMod val="50000"/>
+                    </a:schemeClr>
+                  </a:solidFill>
+                </a:rPr>
+                <a:t>の応答速度を抽出</a:t>
+              </a:r>
+              <a:endParaRPr kumimoji="1" lang="en-US" altLang="ja-JP" sz="1400" b="1" dirty="0" smtClean="0">
+                <a:solidFill>
+                  <a:schemeClr val="accent1">
+                    <a:lumMod val="50000"/>
+                  </a:schemeClr>
+                </a:solidFill>
+              </a:endParaRPr>
+            </a:p>
+          </p:txBody>
+        </p:sp>
+        <p:sp>
+          <p:nvSpPr>
+            <p:cNvPr id="28" name="正方形/長方形 27"/>
+            <p:cNvSpPr/>
+            <p:nvPr/>
+          </p:nvSpPr>
+          <p:spPr>
+            <a:xfrm>
+              <a:off x="6718499" y="4757272"/>
+              <a:ext cx="1467335" cy="657818"/>
+            </a:xfrm>
+            <a:prstGeom prst="rect">
+              <a:avLst/>
+            </a:prstGeom>
+            <a:solidFill>
+              <a:srgbClr val="FFD966"/>
+            </a:solidFill>
+          </p:spPr>
+          <p:style>
+            <a:lnRef idx="2">
+              <a:schemeClr val="accent1">
+                <a:shade val="50000"/>
+              </a:schemeClr>
+            </a:lnRef>
+            <a:fillRef idx="1">
+              <a:schemeClr val="accent1"/>
+            </a:fillRef>
+            <a:effectRef idx="0">
+              <a:schemeClr val="accent1"/>
+            </a:effectRef>
+            <a:fontRef idx="minor">
+              <a:schemeClr val="lt1"/>
+            </a:fontRef>
+          </p:style>
+          <p:txBody>
+            <a:bodyPr rtlCol="0" anchor="ctr"/>
+            <a:lstStyle/>
+            <a:p>
+              <a:pPr algn="ctr"/>
+              <a:r>
+                <a:rPr kumimoji="1" lang="ja-JP" altLang="en-US" sz="1400" b="1" dirty="0" smtClean="0">
+                  <a:solidFill>
+                    <a:schemeClr val="tx1"/>
+                  </a:solidFill>
+                </a:rPr>
+                <a:t>平均の応答速度</a:t>
+              </a:r>
+              <a:endParaRPr kumimoji="1" lang="en-US" altLang="ja-JP" sz="1400" b="1" dirty="0" smtClean="0">
+                <a:solidFill>
+                  <a:schemeClr val="tx1"/>
+                </a:solidFill>
+              </a:endParaRPr>
+            </a:p>
+          </p:txBody>
+        </p:sp>
+        <p:sp>
+          <p:nvSpPr>
+            <p:cNvPr id="29" name="テキスト ボックス 28"/>
+            <p:cNvSpPr txBox="1"/>
+            <p:nvPr/>
+          </p:nvSpPr>
+          <p:spPr>
+            <a:xfrm>
+              <a:off x="5414125" y="777831"/>
+              <a:ext cx="2339102" cy="461665"/>
+            </a:xfrm>
+            <a:prstGeom prst="rect">
+              <a:avLst/>
+            </a:prstGeom>
+            <a:noFill/>
+          </p:spPr>
+          <p:txBody>
+            <a:bodyPr wrap="none" rtlCol="0">
+              <a:spAutoFit/>
+            </a:bodyPr>
+            <a:lstStyle/>
+            <a:p>
+              <a:r>
+                <a:rPr kumimoji="1" lang="ja-JP" altLang="en-US" sz="2400" b="1" dirty="0" smtClean="0"/>
+                <a:t>応答速度の計測</a:t>
+              </a:r>
+              <a:endParaRPr kumimoji="1" lang="ja-JP" altLang="en-US" sz="2400" b="1" dirty="0"/>
+            </a:p>
+          </p:txBody>
+        </p:sp>
+        <p:sp>
+          <p:nvSpPr>
+            <p:cNvPr id="34" name="正方形/長方形 33"/>
+            <p:cNvSpPr/>
+            <p:nvPr/>
+          </p:nvSpPr>
+          <p:spPr>
+            <a:xfrm>
+              <a:off x="4841379" y="4754620"/>
+              <a:ext cx="1467335" cy="657818"/>
+            </a:xfrm>
+            <a:prstGeom prst="rect">
+              <a:avLst/>
+            </a:prstGeom>
+            <a:solidFill>
+              <a:schemeClr val="accent4">
+                <a:lumMod val="60000"/>
+                <a:lumOff val="40000"/>
+              </a:schemeClr>
+            </a:solidFill>
+          </p:spPr>
+          <p:style>
+            <a:lnRef idx="2">
+              <a:schemeClr val="accent1">
+                <a:shade val="50000"/>
+              </a:schemeClr>
+            </a:lnRef>
+            <a:fillRef idx="1">
+              <a:schemeClr val="accent1"/>
+            </a:fillRef>
+            <a:effectRef idx="0">
+              <a:schemeClr val="accent1"/>
+            </a:effectRef>
+            <a:fontRef idx="minor">
+              <a:schemeClr val="lt1"/>
+            </a:fontRef>
+          </p:style>
+          <p:txBody>
+            <a:bodyPr rtlCol="0" anchor="ctr"/>
+            <a:lstStyle/>
+            <a:p>
+              <a:pPr algn="ctr"/>
+              <a:r>
+                <a:rPr kumimoji="1" lang="ja-JP" altLang="en-US" sz="1400" b="1" dirty="0">
+                  <a:solidFill>
+                    <a:schemeClr val="tx1"/>
+                  </a:solidFill>
+                </a:rPr>
+                <a:t>現在</a:t>
+              </a:r>
+              <a:r>
+                <a:rPr kumimoji="1" lang="ja-JP" altLang="en-US" sz="1400" b="1" dirty="0" smtClean="0">
+                  <a:solidFill>
+                    <a:schemeClr val="tx1"/>
+                  </a:solidFill>
+                </a:rPr>
+                <a:t>の応答速度</a:t>
+              </a:r>
+              <a:endParaRPr kumimoji="1" lang="en-US" altLang="ja-JP" sz="1400" b="1" dirty="0" smtClean="0">
+                <a:solidFill>
+                  <a:schemeClr val="tx1"/>
+                </a:solidFill>
+              </a:endParaRPr>
+            </a:p>
+          </p:txBody>
+        </p:sp>
+        <p:sp>
+          <p:nvSpPr>
+            <p:cNvPr id="42" name="下矢印 41"/>
+            <p:cNvSpPr/>
+            <p:nvPr/>
+          </p:nvSpPr>
+          <p:spPr>
+            <a:xfrm>
+              <a:off x="6321319" y="2192087"/>
+              <a:ext cx="639774" cy="437406"/>
+            </a:xfrm>
+            <a:prstGeom prst="downArrow">
+              <a:avLst/>
+            </a:prstGeom>
+            <a:solidFill>
+              <a:schemeClr val="tx1">
+                <a:lumMod val="50000"/>
+                <a:lumOff val="50000"/>
+              </a:schemeClr>
+            </a:solidFill>
+            <a:ln>
+              <a:noFill/>
+            </a:ln>
+          </p:spPr>
+          <p:style>
+            <a:lnRef idx="2">
+              <a:schemeClr val="accent1">
+                <a:shade val="50000"/>
+              </a:schemeClr>
+            </a:lnRef>
+            <a:fillRef idx="1">
+              <a:schemeClr val="accent1"/>
+            </a:fillRef>
+            <a:effectRef idx="0">
+              <a:schemeClr val="accent1"/>
+            </a:effectRef>
+            <a:fontRef idx="minor">
+              <a:schemeClr val="lt1"/>
+            </a:fontRef>
+          </p:style>
+          <p:txBody>
+            <a:bodyPr rtlCol="0" anchor="ctr"/>
+            <a:lstStyle/>
+            <a:p>
+              <a:pPr algn="ctr"/>
+              <a:endParaRPr kumimoji="1" lang="ja-JP" altLang="en-US"/>
+            </a:p>
+          </p:txBody>
+        </p:sp>
+        <p:sp>
+          <p:nvSpPr>
+            <p:cNvPr id="43" name="下矢印 42"/>
+            <p:cNvSpPr/>
+            <p:nvPr/>
+          </p:nvSpPr>
+          <p:spPr>
+            <a:xfrm>
+              <a:off x="5262270" y="3191596"/>
+              <a:ext cx="639774" cy="437406"/>
+            </a:xfrm>
+            <a:prstGeom prst="downArrow">
+              <a:avLst/>
+            </a:prstGeom>
+            <a:solidFill>
+              <a:schemeClr val="tx1">
+                <a:lumMod val="50000"/>
+                <a:lumOff val="50000"/>
+              </a:schemeClr>
+            </a:solidFill>
+            <a:ln>
+              <a:noFill/>
+            </a:ln>
+          </p:spPr>
+          <p:style>
+            <a:lnRef idx="2">
+              <a:schemeClr val="accent1">
+                <a:shade val="50000"/>
+              </a:schemeClr>
+            </a:lnRef>
+            <a:fillRef idx="1">
+              <a:schemeClr val="accent1"/>
+            </a:fillRef>
+            <a:effectRef idx="0">
+              <a:schemeClr val="accent1"/>
+            </a:effectRef>
+            <a:fontRef idx="minor">
+              <a:schemeClr val="lt1"/>
+            </a:fontRef>
+          </p:style>
+          <p:txBody>
+            <a:bodyPr rtlCol="0" anchor="ctr"/>
+            <a:lstStyle/>
+            <a:p>
+              <a:pPr algn="ctr"/>
+              <a:endParaRPr kumimoji="1" lang="ja-JP" altLang="en-US"/>
+            </a:p>
+          </p:txBody>
+        </p:sp>
+        <p:sp>
+          <p:nvSpPr>
+            <p:cNvPr id="44" name="下矢印 43"/>
+            <p:cNvSpPr/>
+            <p:nvPr/>
+          </p:nvSpPr>
+          <p:spPr>
+            <a:xfrm>
+              <a:off x="7074394" y="3208671"/>
+              <a:ext cx="639774" cy="437406"/>
+            </a:xfrm>
+            <a:prstGeom prst="downArrow">
+              <a:avLst/>
+            </a:prstGeom>
+            <a:solidFill>
+              <a:schemeClr val="tx1">
+                <a:lumMod val="50000"/>
+                <a:lumOff val="50000"/>
+              </a:schemeClr>
+            </a:solidFill>
+            <a:ln>
+              <a:noFill/>
+            </a:ln>
+          </p:spPr>
+          <p:style>
+            <a:lnRef idx="2">
+              <a:schemeClr val="accent1">
+                <a:shade val="50000"/>
+              </a:schemeClr>
+            </a:lnRef>
+            <a:fillRef idx="1">
+              <a:schemeClr val="accent1"/>
+            </a:fillRef>
+            <a:effectRef idx="0">
+              <a:schemeClr val="accent1"/>
+            </a:effectRef>
+            <a:fontRef idx="minor">
+              <a:schemeClr val="lt1"/>
+            </a:fontRef>
+          </p:style>
+          <p:txBody>
+            <a:bodyPr rtlCol="0" anchor="ctr"/>
+            <a:lstStyle/>
+            <a:p>
+              <a:pPr algn="ctr"/>
+              <a:endParaRPr kumimoji="1" lang="ja-JP" altLang="en-US"/>
+            </a:p>
+          </p:txBody>
+        </p:sp>
+        <p:sp>
+          <p:nvSpPr>
+            <p:cNvPr id="45" name="下矢印 44"/>
+            <p:cNvSpPr/>
+            <p:nvPr/>
+          </p:nvSpPr>
+          <p:spPr>
+            <a:xfrm>
+              <a:off x="7074394" y="4289386"/>
+              <a:ext cx="639774" cy="437406"/>
+            </a:xfrm>
+            <a:prstGeom prst="downArrow">
+              <a:avLst/>
+            </a:prstGeom>
+            <a:solidFill>
+              <a:schemeClr val="tx1">
+                <a:lumMod val="50000"/>
+                <a:lumOff val="50000"/>
+              </a:schemeClr>
+            </a:solidFill>
+            <a:ln>
+              <a:noFill/>
+            </a:ln>
+          </p:spPr>
+          <p:style>
+            <a:lnRef idx="2">
+              <a:schemeClr val="accent1">
+                <a:shade val="50000"/>
+              </a:schemeClr>
+            </a:lnRef>
+            <a:fillRef idx="1">
+              <a:schemeClr val="accent1"/>
+            </a:fillRef>
+            <a:effectRef idx="0">
+              <a:schemeClr val="accent1"/>
+            </a:effectRef>
+            <a:fontRef idx="minor">
+              <a:schemeClr val="lt1"/>
+            </a:fontRef>
+          </p:style>
+          <p:txBody>
+            <a:bodyPr rtlCol="0" anchor="ctr"/>
+            <a:lstStyle/>
+            <a:p>
+              <a:pPr algn="ctr"/>
+              <a:endParaRPr kumimoji="1" lang="ja-JP" altLang="en-US"/>
+            </a:p>
+          </p:txBody>
+        </p:sp>
+        <p:sp>
+          <p:nvSpPr>
+            <p:cNvPr id="46" name="下矢印 45"/>
+            <p:cNvSpPr/>
+            <p:nvPr/>
+          </p:nvSpPr>
+          <p:spPr>
+            <a:xfrm>
+              <a:off x="5259156" y="4289582"/>
+              <a:ext cx="639774" cy="437406"/>
+            </a:xfrm>
+            <a:prstGeom prst="downArrow">
+              <a:avLst/>
+            </a:prstGeom>
+            <a:solidFill>
+              <a:schemeClr val="tx1">
+                <a:lumMod val="50000"/>
+                <a:lumOff val="50000"/>
+              </a:schemeClr>
+            </a:solidFill>
+            <a:ln>
+              <a:noFill/>
+            </a:ln>
+          </p:spPr>
+          <p:style>
+            <a:lnRef idx="2">
+              <a:schemeClr val="accent1">
+                <a:shade val="50000"/>
+              </a:schemeClr>
+            </a:lnRef>
+            <a:fillRef idx="1">
+              <a:schemeClr val="accent1"/>
+            </a:fillRef>
+            <a:effectRef idx="0">
+              <a:schemeClr val="accent1"/>
+            </a:effectRef>
+            <a:fontRef idx="minor">
+              <a:schemeClr val="lt1"/>
+            </a:fontRef>
+          </p:style>
+          <p:txBody>
+            <a:bodyPr rtlCol="0" anchor="ctr"/>
+            <a:lstStyle/>
+            <a:p>
+              <a:pPr algn="ctr"/>
+              <a:endParaRPr kumimoji="1" lang="ja-JP" altLang="en-US"/>
+            </a:p>
+          </p:txBody>
+        </p:sp>
+      </p:grpSp>
+    </p:spTree>
+    <p:extLst>
+      <p:ext uri="{BB962C8B-B14F-4D97-AF65-F5344CB8AC3E}">
+        <p14:creationId xmlns:p14="http://schemas.microsoft.com/office/powerpoint/2010/main" val="759773441"/>
+      </p:ext>
+    </p:extLst>
+  </p:cSld>
+  <p:clrMapOvr>
+    <a:masterClrMapping/>
+  </p:clrMapOvr>
+  <p:timing>
+    <p:tnLst>
+      <p:par>
+        <p:cTn id="1" dur="indefinite" restart="never" nodeType="tmRoot"/>
+      </p:par>
+    </p:tnLst>
+  </p:timing>
+</p:sld>
+</file>
+
+<file path=ppt/slides/slide8.xml><?xml version="1.0" encoding="utf-8"?>
 <p:sld xmlns:a="http://schemas.openxmlformats.org/drawingml/2006/main" xmlns:r="http://schemas.openxmlformats.org/officeDocument/2006/relationships" xmlns:p="http://schemas.openxmlformats.org/presentationml/2006/main">
   <p:cSld>
     <p:spTree>
@@ -9622,10 +13962,17 @@
   <p:clrMapOvr>
     <a:masterClrMapping/>
   </p:clrMapOvr>
+  <p:timing>
+    <p:tnLst>
+      <p:par>
+        <p:cTn id="1" dur="indefinite" restart="never" nodeType="tmRoot"/>
+      </p:par>
+    </p:tnLst>
+  </p:timing>
 </p:sld>
 </file>
 
-<file path=ppt/slides/slide8.xml><?xml version="1.0" encoding="utf-8"?>
+<file path=ppt/slides/slide9.xml><?xml version="1.0" encoding="utf-8"?>
 <p:sld xmlns:a="http://schemas.openxmlformats.org/drawingml/2006/main" xmlns:r="http://schemas.openxmlformats.org/officeDocument/2006/relationships" xmlns:p="http://schemas.openxmlformats.org/presentationml/2006/main">
   <p:cSld>
     <p:spTree>
@@ -10174,729 +14521,13 @@
   <p:clrMapOvr>
     <a:masterClrMapping/>
   </p:clrMapOvr>
-</p:sld>
-</file>
-
-<file path=ppt/slides/slide9.xml><?xml version="1.0" encoding="utf-8"?>
-<p:sld xmlns:a="http://schemas.openxmlformats.org/drawingml/2006/main" xmlns:r="http://schemas.openxmlformats.org/officeDocument/2006/relationships" xmlns:p="http://schemas.openxmlformats.org/presentationml/2006/main">
-  <p:cSld>
-    <p:spTree>
-      <p:nvGrpSpPr>
-        <p:cNvPr id="1" name=""/>
-        <p:cNvGrpSpPr/>
-        <p:nvPr/>
-      </p:nvGrpSpPr>
-      <p:grpSpPr>
-        <a:xfrm>
-          <a:off x="0" y="0"/>
-          <a:ext cx="0" cy="0"/>
-          <a:chOff x="0" y="0"/>
-          <a:chExt cx="0" cy="0"/>
-        </a:xfrm>
-      </p:grpSpPr>
-      <p:sp>
-        <p:nvSpPr>
-          <p:cNvPr id="209" name="右矢印 208"/>
-          <p:cNvSpPr/>
-          <p:nvPr/>
-        </p:nvSpPr>
-        <p:spPr>
-          <a:xfrm>
-            <a:off x="1001140" y="4634836"/>
-            <a:ext cx="1610193" cy="340584"/>
-          </a:xfrm>
-          <a:prstGeom prst="rightArrow">
-            <a:avLst/>
-          </a:prstGeom>
-          <a:solidFill>
-            <a:srgbClr val="92D050"/>
-          </a:solidFill>
-          <a:ln>
-            <a:noFill/>
-          </a:ln>
-        </p:spPr>
-        <p:style>
-          <a:lnRef idx="2">
-            <a:schemeClr val="accent1">
-              <a:shade val="50000"/>
-            </a:schemeClr>
-          </a:lnRef>
-          <a:fillRef idx="1">
-            <a:schemeClr val="accent1"/>
-          </a:fillRef>
-          <a:effectRef idx="0">
-            <a:schemeClr val="accent1"/>
-          </a:effectRef>
-          <a:fontRef idx="minor">
-            <a:schemeClr val="lt1"/>
-          </a:fontRef>
-        </p:style>
-        <p:txBody>
-          <a:bodyPr rtlCol="0" anchor="ctr"/>
-          <a:lstStyle/>
-          <a:p>
-            <a:pPr algn="ctr"/>
-            <a:endParaRPr kumimoji="1" lang="ja-JP" altLang="en-US">
-              <a:solidFill>
-                <a:schemeClr val="accent6"/>
-              </a:solidFill>
-            </a:endParaRPr>
-          </a:p>
-        </p:txBody>
-      </p:sp>
-      <p:sp>
-        <p:nvSpPr>
-          <p:cNvPr id="1025" name="屈折矢印 1024"/>
-          <p:cNvSpPr/>
-          <p:nvPr/>
-        </p:nvSpPr>
-        <p:spPr>
-          <a:xfrm rot="16200000">
-            <a:off x="6160299" y="603042"/>
-            <a:ext cx="1136510" cy="2036976"/>
-          </a:xfrm>
-          <a:prstGeom prst="bentUpArrow">
-            <a:avLst/>
-          </a:prstGeom>
-          <a:solidFill>
-            <a:schemeClr val="accent2"/>
-          </a:solidFill>
-          <a:ln>
-            <a:noFill/>
-          </a:ln>
-        </p:spPr>
-        <p:style>
-          <a:lnRef idx="2">
-            <a:schemeClr val="accent1">
-              <a:shade val="50000"/>
-            </a:schemeClr>
-          </a:lnRef>
-          <a:fillRef idx="1">
-            <a:schemeClr val="accent1"/>
-          </a:fillRef>
-          <a:effectRef idx="0">
-            <a:schemeClr val="accent1"/>
-          </a:effectRef>
-          <a:fontRef idx="minor">
-            <a:schemeClr val="lt1"/>
-          </a:fontRef>
-        </p:style>
-        <p:txBody>
-          <a:bodyPr rtlCol="0" anchor="ctr"/>
-          <a:lstStyle/>
-          <a:p>
-            <a:pPr algn="ctr"/>
-            <a:endParaRPr kumimoji="1" lang="ja-JP" altLang="en-US"/>
-          </a:p>
-        </p:txBody>
-      </p:sp>
-      <p:sp>
-        <p:nvSpPr>
-          <p:cNvPr id="30" name="角丸四角形 29"/>
-          <p:cNvSpPr/>
-          <p:nvPr/>
-        </p:nvSpPr>
-        <p:spPr>
-          <a:xfrm>
-            <a:off x="6400800" y="1744134"/>
-            <a:ext cx="2472266" cy="4656666"/>
-          </a:xfrm>
-          <a:prstGeom prst="roundRect">
-            <a:avLst/>
-          </a:prstGeom>
-          <a:solidFill>
-            <a:schemeClr val="accent5"/>
-          </a:solidFill>
-          <a:ln>
-            <a:solidFill>
-              <a:srgbClr val="41719C"/>
-            </a:solidFill>
-          </a:ln>
-        </p:spPr>
-        <p:style>
-          <a:lnRef idx="2">
-            <a:schemeClr val="accent6"/>
-          </a:lnRef>
-          <a:fillRef idx="1">
-            <a:schemeClr val="lt1"/>
-          </a:fillRef>
-          <a:effectRef idx="0">
-            <a:schemeClr val="accent6"/>
-          </a:effectRef>
-          <a:fontRef idx="minor">
-            <a:schemeClr val="dk1"/>
-          </a:fontRef>
-        </p:style>
-        <p:txBody>
-          <a:bodyPr rtlCol="0" anchor="ctr"/>
-          <a:lstStyle/>
-          <a:p>
-            <a:pPr algn="ctr"/>
-            <a:endParaRPr kumimoji="1" lang="ja-JP" altLang="en-US"/>
-          </a:p>
-        </p:txBody>
-      </p:sp>
-      <p:pic>
-        <p:nvPicPr>
-          <p:cNvPr id="1026" name="Picture 2" descr="プレゼン】見やすいプレゼン資料の作り方【初心者用】"/>
-          <p:cNvPicPr>
-            <a:picLocks noChangeAspect="1" noChangeArrowheads="1"/>
-          </p:cNvPicPr>
-          <p:nvPr/>
-        </p:nvPicPr>
-        <p:blipFill>
-          <a:blip r:embed="rId2">
-            <a:extLst>
-              <a:ext uri="{28A0092B-C50C-407E-A947-70E740481C1C}">
-                <a14:useLocalDpi xmlns:a14="http://schemas.microsoft.com/office/drawing/2010/main" val="0"/>
-              </a:ext>
-            </a:extLst>
-          </a:blip>
-          <a:srcRect/>
-          <a:stretch>
-            <a:fillRect/>
-          </a:stretch>
-        </p:blipFill>
-        <p:spPr bwMode="auto">
-          <a:xfrm>
-            <a:off x="1136454" y="-5977115"/>
-            <a:ext cx="6076950" cy="4562476"/>
-          </a:xfrm>
-          <a:prstGeom prst="rect">
-            <a:avLst/>
-          </a:prstGeom>
-          <a:noFill/>
-          <a:extLst>
-            <a:ext uri="{909E8E84-426E-40DD-AFC4-6F175D3DCCD1}">
-              <a14:hiddenFill xmlns:a14="http://schemas.microsoft.com/office/drawing/2010/main">
-                <a:solidFill>
-                  <a:srgbClr val="FFFFFF"/>
-                </a:solidFill>
-              </a14:hiddenFill>
-            </a:ext>
-          </a:extLst>
-        </p:spPr>
-      </p:pic>
-      <p:pic>
-        <p:nvPicPr>
-          <p:cNvPr id="11" name="図 10"/>
-          <p:cNvPicPr>
-            <a:picLocks noChangeAspect="1"/>
-          </p:cNvPicPr>
-          <p:nvPr/>
-        </p:nvPicPr>
-        <p:blipFill>
-          <a:blip r:embed="rId3"/>
-          <a:stretch>
-            <a:fillRect/>
-          </a:stretch>
-        </p:blipFill>
-        <p:spPr>
-          <a:xfrm>
-            <a:off x="6768465" y="1939131"/>
-            <a:ext cx="1753870" cy="4182006"/>
-          </a:xfrm>
-          <a:prstGeom prst="rect">
-            <a:avLst/>
-          </a:prstGeom>
-        </p:spPr>
-      </p:pic>
-      <p:pic>
-        <p:nvPicPr>
-          <p:cNvPr id="12" name="図 11"/>
-          <p:cNvPicPr>
-            <a:picLocks noChangeAspect="1"/>
-          </p:cNvPicPr>
-          <p:nvPr/>
-        </p:nvPicPr>
-        <p:blipFill>
-          <a:blip r:embed="rId4"/>
-          <a:stretch>
-            <a:fillRect/>
-          </a:stretch>
-        </p:blipFill>
-        <p:spPr>
-          <a:xfrm>
-            <a:off x="3355480" y="291982"/>
-            <a:ext cx="2337611" cy="3048902"/>
-          </a:xfrm>
-          <a:prstGeom prst="rect">
-            <a:avLst/>
-          </a:prstGeom>
-        </p:spPr>
-      </p:pic>
-      <p:pic>
-        <p:nvPicPr>
-          <p:cNvPr id="13" name="図 12"/>
-          <p:cNvPicPr>
-            <a:picLocks noChangeAspect="1"/>
-          </p:cNvPicPr>
-          <p:nvPr/>
-        </p:nvPicPr>
-        <p:blipFill>
-          <a:blip r:embed="rId5"/>
-          <a:stretch>
-            <a:fillRect/>
-          </a:stretch>
-        </p:blipFill>
-        <p:spPr>
-          <a:xfrm>
-            <a:off x="428266" y="291982"/>
-            <a:ext cx="2411738" cy="2976817"/>
-          </a:xfrm>
-          <a:prstGeom prst="rect">
-            <a:avLst/>
-          </a:prstGeom>
-        </p:spPr>
-      </p:pic>
-      <p:pic>
-        <p:nvPicPr>
-          <p:cNvPr id="14" name="図 13"/>
-          <p:cNvPicPr>
-            <a:picLocks noChangeAspect="1"/>
-          </p:cNvPicPr>
-          <p:nvPr/>
-        </p:nvPicPr>
-        <p:blipFill>
-          <a:blip r:embed="rId6"/>
-          <a:stretch>
-            <a:fillRect/>
-          </a:stretch>
-        </p:blipFill>
-        <p:spPr>
-          <a:xfrm>
-            <a:off x="1438618" y="4435956"/>
-            <a:ext cx="864014" cy="712052"/>
-          </a:xfrm>
-          <a:prstGeom prst="rect">
-            <a:avLst/>
-          </a:prstGeom>
-        </p:spPr>
-      </p:pic>
-      <p:pic>
-        <p:nvPicPr>
-          <p:cNvPr id="28" name="図 27"/>
-          <p:cNvPicPr>
-            <a:picLocks noChangeAspect="1"/>
-          </p:cNvPicPr>
-          <p:nvPr/>
-        </p:nvPicPr>
-        <p:blipFill>
-          <a:blip r:embed="rId7"/>
-          <a:stretch>
-            <a:fillRect/>
-          </a:stretch>
-        </p:blipFill>
-        <p:spPr>
-          <a:xfrm>
-            <a:off x="209933" y="4527078"/>
-            <a:ext cx="1017555" cy="620930"/>
-          </a:xfrm>
-          <a:prstGeom prst="rect">
-            <a:avLst/>
-          </a:prstGeom>
-        </p:spPr>
-      </p:pic>
-      <p:sp>
-        <p:nvSpPr>
-          <p:cNvPr id="1024" name="テキスト ボックス 1023"/>
-          <p:cNvSpPr txBox="1"/>
-          <p:nvPr/>
-        </p:nvSpPr>
-        <p:spPr>
-          <a:xfrm>
-            <a:off x="6439535" y="6411131"/>
-            <a:ext cx="2242922" cy="369332"/>
-          </a:xfrm>
-          <a:prstGeom prst="rect">
-            <a:avLst/>
-          </a:prstGeom>
-          <a:noFill/>
-        </p:spPr>
-        <p:txBody>
-          <a:bodyPr wrap="none" rtlCol="0">
-            <a:spAutoFit/>
-          </a:bodyPr>
-          <a:lstStyle/>
-          <a:p>
-            <a:r>
-              <a:rPr kumimoji="1" lang="ja-JP" altLang="en-US" b="1" dirty="0" smtClean="0"/>
-              <a:t>冗長的な</a:t>
-            </a:r>
-            <a:r>
-              <a:rPr kumimoji="1" lang="en-US" altLang="ja-JP" b="1" dirty="0" smtClean="0"/>
-              <a:t>WEB</a:t>
-            </a:r>
-            <a:r>
-              <a:rPr kumimoji="1" lang="ja-JP" altLang="en-US" b="1" dirty="0" smtClean="0"/>
-              <a:t>サーバ</a:t>
-            </a:r>
-            <a:endParaRPr kumimoji="1" lang="ja-JP" altLang="en-US" b="1" dirty="0"/>
-          </a:p>
-        </p:txBody>
-      </p:sp>
-      <p:sp>
-        <p:nvSpPr>
-          <p:cNvPr id="1027" name="右矢印 1026"/>
-          <p:cNvSpPr/>
-          <p:nvPr/>
-        </p:nvSpPr>
-        <p:spPr>
-          <a:xfrm rot="10800000">
-            <a:off x="2691653" y="1335814"/>
-            <a:ext cx="663827" cy="636978"/>
-          </a:xfrm>
-          <a:prstGeom prst="rightArrow">
-            <a:avLst/>
-          </a:prstGeom>
-          <a:solidFill>
-            <a:schemeClr val="accent2"/>
-          </a:solidFill>
-          <a:ln>
-            <a:noFill/>
-          </a:ln>
-        </p:spPr>
-        <p:style>
-          <a:lnRef idx="2">
-            <a:schemeClr val="accent1">
-              <a:shade val="50000"/>
-            </a:schemeClr>
-          </a:lnRef>
-          <a:fillRef idx="1">
-            <a:schemeClr val="accent1"/>
-          </a:fillRef>
-          <a:effectRef idx="0">
-            <a:schemeClr val="accent1"/>
-          </a:effectRef>
-          <a:fontRef idx="minor">
-            <a:schemeClr val="lt1"/>
-          </a:fontRef>
-        </p:style>
-        <p:txBody>
-          <a:bodyPr rtlCol="0" anchor="ctr"/>
-          <a:lstStyle/>
-          <a:p>
-            <a:pPr algn="ctr"/>
-            <a:endParaRPr kumimoji="1" lang="ja-JP" altLang="en-US"/>
-          </a:p>
-        </p:txBody>
-      </p:sp>
-      <p:sp>
-        <p:nvSpPr>
-          <p:cNvPr id="210" name="右矢印 209"/>
-          <p:cNvSpPr/>
-          <p:nvPr/>
-        </p:nvSpPr>
-        <p:spPr>
-          <a:xfrm rot="20104714">
-            <a:off x="5266929" y="4424942"/>
-            <a:ext cx="1755046" cy="189535"/>
-          </a:xfrm>
-          <a:prstGeom prst="rightArrow">
-            <a:avLst/>
-          </a:prstGeom>
-          <a:solidFill>
-            <a:srgbClr val="92D050"/>
-          </a:solidFill>
-          <a:ln>
-            <a:noFill/>
-          </a:ln>
-        </p:spPr>
-        <p:style>
-          <a:lnRef idx="2">
-            <a:schemeClr val="accent1">
-              <a:shade val="50000"/>
-            </a:schemeClr>
-          </a:lnRef>
-          <a:fillRef idx="1">
-            <a:schemeClr val="accent1"/>
-          </a:fillRef>
-          <a:effectRef idx="0">
-            <a:schemeClr val="accent1"/>
-          </a:effectRef>
-          <a:fontRef idx="minor">
-            <a:schemeClr val="lt1"/>
-          </a:fontRef>
-        </p:style>
-        <p:txBody>
-          <a:bodyPr rtlCol="0" anchor="ctr"/>
-          <a:lstStyle/>
-          <a:p>
-            <a:pPr algn="ctr"/>
-            <a:endParaRPr kumimoji="1" lang="ja-JP" altLang="en-US">
-              <a:solidFill>
-                <a:srgbClr val="41719C"/>
-              </a:solidFill>
-            </a:endParaRPr>
-          </a:p>
-        </p:txBody>
-      </p:sp>
-      <p:pic>
-        <p:nvPicPr>
-          <p:cNvPr id="8" name="図 7"/>
-          <p:cNvPicPr>
-            <a:picLocks noChangeAspect="1"/>
-          </p:cNvPicPr>
-          <p:nvPr/>
-        </p:nvPicPr>
-        <p:blipFill>
-          <a:blip r:embed="rId8"/>
-          <a:stretch>
-            <a:fillRect/>
-          </a:stretch>
-        </p:blipFill>
-        <p:spPr>
-          <a:xfrm>
-            <a:off x="2611333" y="3517477"/>
-            <a:ext cx="2754004" cy="2640132"/>
-          </a:xfrm>
-          <a:prstGeom prst="rect">
-            <a:avLst/>
-          </a:prstGeom>
-        </p:spPr>
-      </p:pic>
-      <p:sp>
-        <p:nvSpPr>
-          <p:cNvPr id="205" name="屈折矢印 204"/>
-          <p:cNvSpPr/>
-          <p:nvPr/>
-        </p:nvSpPr>
-        <p:spPr>
-          <a:xfrm rot="5400000">
-            <a:off x="1359691" y="3095551"/>
-            <a:ext cx="1419332" cy="1261479"/>
-          </a:xfrm>
-          <a:prstGeom prst="bentUpArrow">
-            <a:avLst>
-              <a:gd name="adj1" fmla="val 25000"/>
-              <a:gd name="adj2" fmla="val 25795"/>
-              <a:gd name="adj3" fmla="val 22929"/>
-            </a:avLst>
-          </a:prstGeom>
-          <a:solidFill>
-            <a:schemeClr val="accent2"/>
-          </a:solidFill>
-          <a:ln>
-            <a:noFill/>
-          </a:ln>
-        </p:spPr>
-        <p:style>
-          <a:lnRef idx="2">
-            <a:schemeClr val="accent1">
-              <a:shade val="50000"/>
-            </a:schemeClr>
-          </a:lnRef>
-          <a:fillRef idx="1">
-            <a:schemeClr val="accent1"/>
-          </a:fillRef>
-          <a:effectRef idx="0">
-            <a:schemeClr val="accent1"/>
-          </a:effectRef>
-          <a:fontRef idx="minor">
-            <a:schemeClr val="lt1"/>
-          </a:fontRef>
-        </p:style>
-        <p:txBody>
-          <a:bodyPr rtlCol="0" anchor="ctr"/>
-          <a:lstStyle/>
-          <a:p>
-            <a:pPr algn="ctr"/>
-            <a:endParaRPr kumimoji="1" lang="ja-JP" altLang="en-US"/>
-          </a:p>
-        </p:txBody>
-      </p:sp>
-      <p:sp>
-        <p:nvSpPr>
-          <p:cNvPr id="1030" name="正方形/長方形 1029"/>
-          <p:cNvSpPr/>
-          <p:nvPr/>
-        </p:nvSpPr>
-        <p:spPr>
-          <a:xfrm>
-            <a:off x="6400800" y="460607"/>
-            <a:ext cx="2243667" cy="592667"/>
-          </a:xfrm>
-          <a:prstGeom prst="rect">
-            <a:avLst/>
-          </a:prstGeom>
-          <a:ln w="28575">
-            <a:solidFill>
-              <a:srgbClr val="FF0000"/>
-            </a:solidFill>
-          </a:ln>
-        </p:spPr>
-        <p:style>
-          <a:lnRef idx="2">
-            <a:schemeClr val="accent6"/>
-          </a:lnRef>
-          <a:fillRef idx="1">
-            <a:schemeClr val="lt1"/>
-          </a:fillRef>
-          <a:effectRef idx="0">
-            <a:schemeClr val="accent6"/>
-          </a:effectRef>
-          <a:fontRef idx="minor">
-            <a:schemeClr val="dk1"/>
-          </a:fontRef>
-        </p:style>
-        <p:txBody>
-          <a:bodyPr rtlCol="0" anchor="ctr"/>
-          <a:lstStyle/>
-          <a:p>
-            <a:pPr algn="ctr"/>
-            <a:r>
-              <a:rPr kumimoji="1" lang="ja-JP" altLang="en-US" b="1" dirty="0" smtClean="0"/>
-              <a:t>各サーバの</a:t>
-            </a:r>
-            <a:r>
-              <a:rPr kumimoji="1" lang="en-US" altLang="ja-JP" b="1" dirty="0" smtClean="0"/>
-              <a:t/>
-            </a:r>
-            <a:br>
-              <a:rPr kumimoji="1" lang="en-US" altLang="ja-JP" b="1" dirty="0" smtClean="0"/>
-            </a:br>
-            <a:r>
-              <a:rPr kumimoji="1" lang="ja-JP" altLang="en-US" b="1" dirty="0" smtClean="0"/>
-              <a:t>応答速度を測る</a:t>
-            </a:r>
-            <a:endParaRPr kumimoji="1" lang="ja-JP" altLang="en-US" b="1" dirty="0"/>
-          </a:p>
-        </p:txBody>
-      </p:sp>
-      <p:sp>
-        <p:nvSpPr>
-          <p:cNvPr id="212" name="正方形/長方形 211"/>
-          <p:cNvSpPr/>
-          <p:nvPr/>
-        </p:nvSpPr>
-        <p:spPr>
-          <a:xfrm>
-            <a:off x="3900785" y="6003130"/>
-            <a:ext cx="2243667" cy="592667"/>
-          </a:xfrm>
-          <a:prstGeom prst="rect">
-            <a:avLst/>
-          </a:prstGeom>
-          <a:ln w="28575">
-            <a:solidFill>
-              <a:srgbClr val="FF0000"/>
-            </a:solidFill>
-          </a:ln>
-        </p:spPr>
-        <p:style>
-          <a:lnRef idx="2">
-            <a:schemeClr val="accent6"/>
-          </a:lnRef>
-          <a:fillRef idx="1">
-            <a:schemeClr val="lt1"/>
-          </a:fillRef>
-          <a:effectRef idx="0">
-            <a:schemeClr val="accent6"/>
-          </a:effectRef>
-          <a:fontRef idx="minor">
-            <a:schemeClr val="dk1"/>
-          </a:fontRef>
-        </p:style>
-        <p:txBody>
-          <a:bodyPr rtlCol="0" anchor="ctr"/>
-          <a:lstStyle/>
-          <a:p>
-            <a:pPr algn="ctr"/>
-            <a:r>
-              <a:rPr kumimoji="1" lang="ja-JP" altLang="en-US" b="1" dirty="0" smtClean="0"/>
-              <a:t>応答速度に基づいて</a:t>
-            </a:r>
-            <a:r>
-              <a:rPr kumimoji="1" lang="en-US" altLang="ja-JP" b="1" dirty="0" smtClean="0"/>
-              <a:t/>
-            </a:r>
-            <a:br>
-              <a:rPr kumimoji="1" lang="en-US" altLang="ja-JP" b="1" dirty="0" smtClean="0"/>
-            </a:br>
-            <a:r>
-              <a:rPr kumimoji="1" lang="ja-JP" altLang="en-US" b="1" dirty="0" smtClean="0"/>
-              <a:t>割り振りを行う</a:t>
-            </a:r>
-            <a:endParaRPr kumimoji="1" lang="ja-JP" altLang="en-US" b="1" dirty="0"/>
-          </a:p>
-        </p:txBody>
-      </p:sp>
-      <p:sp>
-        <p:nvSpPr>
-          <p:cNvPr id="213" name="正方形/長方形 212"/>
-          <p:cNvSpPr/>
-          <p:nvPr/>
-        </p:nvSpPr>
-        <p:spPr>
-          <a:xfrm>
-            <a:off x="196669" y="3240624"/>
-            <a:ext cx="2243667" cy="592667"/>
-          </a:xfrm>
-          <a:prstGeom prst="rect">
-            <a:avLst/>
-          </a:prstGeom>
-          <a:ln w="28575">
-            <a:solidFill>
-              <a:srgbClr val="FF0000"/>
-            </a:solidFill>
-          </a:ln>
-        </p:spPr>
-        <p:style>
-          <a:lnRef idx="2">
-            <a:schemeClr val="accent6"/>
-          </a:lnRef>
-          <a:fillRef idx="1">
-            <a:schemeClr val="lt1"/>
-          </a:fillRef>
-          <a:effectRef idx="0">
-            <a:schemeClr val="accent6"/>
-          </a:effectRef>
-          <a:fontRef idx="minor">
-            <a:schemeClr val="dk1"/>
-          </a:fontRef>
-        </p:style>
-        <p:txBody>
-          <a:bodyPr rtlCol="0" anchor="ctr"/>
-          <a:lstStyle/>
-          <a:p>
-            <a:pPr algn="ctr"/>
-            <a:r>
-              <a:rPr kumimoji="1" lang="ja-JP" altLang="en-US" b="1" dirty="0" smtClean="0"/>
-              <a:t>応答評価</a:t>
-            </a:r>
-            <a:r>
-              <a:rPr kumimoji="1" lang="en-US" altLang="ja-JP" b="1" dirty="0" smtClean="0"/>
-              <a:t>DB</a:t>
-            </a:r>
-            <a:r>
-              <a:rPr kumimoji="1" lang="ja-JP" altLang="en-US" b="1" dirty="0"/>
-              <a:t>を</a:t>
-            </a:r>
-            <a:r>
-              <a:rPr kumimoji="1" lang="en-US" altLang="ja-JP" b="1" dirty="0" smtClean="0"/>
-              <a:t/>
-            </a:r>
-            <a:br>
-              <a:rPr kumimoji="1" lang="en-US" altLang="ja-JP" b="1" dirty="0" smtClean="0"/>
-            </a:br>
-            <a:r>
-              <a:rPr kumimoji="1" lang="ja-JP" altLang="en-US" b="1" dirty="0" smtClean="0"/>
-              <a:t>割り振る指標にする</a:t>
-            </a:r>
-            <a:endParaRPr kumimoji="1" lang="ja-JP" altLang="en-US" b="1" dirty="0"/>
-          </a:p>
-        </p:txBody>
-      </p:sp>
-    </p:spTree>
-    <p:extLst>
-      <p:ext uri="{BB962C8B-B14F-4D97-AF65-F5344CB8AC3E}">
-        <p14:creationId xmlns:p14="http://schemas.microsoft.com/office/powerpoint/2010/main" val="504450354"/>
-      </p:ext>
-    </p:extLst>
-  </p:cSld>
-  <p:clrMapOvr>
-    <a:masterClrMapping/>
-  </p:clrMapOvr>
+  <p:timing>
+    <p:tnLst>
+      <p:par>
+        <p:cTn id="1" dur="indefinite" restart="never" nodeType="tmRoot"/>
+      </p:par>
+    </p:tnLst>
+  </p:timing>
 </p:sld>
 </file>
 

--- a/meeting/1821086_matsuo_Chart.pptx
+++ b/meeting/1821086_matsuo_Chart.pptx
@@ -5,7 +5,7 @@
     <p:sldMasterId id="2147483660" r:id="rId1"/>
   </p:sldMasterIdLst>
   <p:notesMasterIdLst>
-    <p:notesMasterId r:id="rId17"/>
+    <p:notesMasterId r:id="rId18"/>
   </p:notesMasterIdLst>
   <p:sldIdLst>
     <p:sldId id="276" r:id="rId2"/>
@@ -23,6 +23,7 @@
     <p:sldId id="289" r:id="rId14"/>
     <p:sldId id="291" r:id="rId15"/>
     <p:sldId id="290" r:id="rId16"/>
+    <p:sldId id="294" r:id="rId17"/>
   </p:sldIdLst>
   <p:sldSz cx="9144000" cy="6858000" type="screen4x3"/>
   <p:notesSz cx="6858000" cy="9144000"/>
@@ -211,7 +212,7 @@
           <a:p>
             <a:fld id="{869FDBD3-40C4-4F2A-82A8-38E5DBC6C4C1}" type="datetimeFigureOut">
               <a:rPr kumimoji="1" lang="ja-JP" altLang="en-US" smtClean="0"/>
-              <a:t>2021/7/8</a:t>
+              <a:t>2021/7/11</a:t>
             </a:fld>
             <a:endParaRPr kumimoji="1" lang="ja-JP" altLang="en-US"/>
           </a:p>
@@ -642,7 +643,7 @@
           <a:p>
             <a:fld id="{494AB2A1-E364-47CF-B5DC-53E264C607F6}" type="datetime1">
               <a:rPr kumimoji="1" lang="ja-JP" altLang="en-US" smtClean="0"/>
-              <a:t>2021/7/8</a:t>
+              <a:t>2021/7/11</a:t>
             </a:fld>
             <a:endParaRPr kumimoji="1" lang="ja-JP" altLang="en-US"/>
           </a:p>
@@ -844,7 +845,7 @@
           <a:p>
             <a:fld id="{493740D4-C406-4492-90E6-6432EEF92C60}" type="datetime1">
               <a:rPr kumimoji="1" lang="ja-JP" altLang="en-US" smtClean="0"/>
-              <a:t>2021/7/8</a:t>
+              <a:t>2021/7/11</a:t>
             </a:fld>
             <a:endParaRPr kumimoji="1" lang="ja-JP" altLang="en-US"/>
           </a:p>
@@ -1056,7 +1057,7 @@
           <a:p>
             <a:fld id="{ED69396B-CE42-4776-89F8-D39FC42CFB56}" type="datetime1">
               <a:rPr kumimoji="1" lang="ja-JP" altLang="en-US" smtClean="0"/>
-              <a:t>2021/7/8</a:t>
+              <a:t>2021/7/11</a:t>
             </a:fld>
             <a:endParaRPr kumimoji="1" lang="ja-JP" altLang="en-US"/>
           </a:p>
@@ -1258,7 +1259,7 @@
           <a:p>
             <a:fld id="{13625393-1B19-477D-ADB7-2A6386D3F149}" type="datetime1">
               <a:rPr kumimoji="1" lang="ja-JP" altLang="en-US" smtClean="0"/>
-              <a:t>2021/7/8</a:t>
+              <a:t>2021/7/11</a:t>
             </a:fld>
             <a:endParaRPr kumimoji="1" lang="ja-JP" altLang="en-US"/>
           </a:p>
@@ -1502,7 +1503,7 @@
           <a:p>
             <a:fld id="{E5FDA1EB-CBE3-4FB0-BB17-A44CDA0B54B3}" type="datetime1">
               <a:rPr kumimoji="1" lang="ja-JP" altLang="en-US" smtClean="0"/>
-              <a:t>2021/7/8</a:t>
+              <a:t>2021/7/11</a:t>
             </a:fld>
             <a:endParaRPr kumimoji="1" lang="ja-JP" altLang="en-US"/>
           </a:p>
@@ -1798,7 +1799,7 @@
           <a:p>
             <a:fld id="{C01EC069-9DC2-4DDB-AE63-C26A081803C1}" type="datetime1">
               <a:rPr kumimoji="1" lang="ja-JP" altLang="en-US" smtClean="0"/>
-              <a:t>2021/7/8</a:t>
+              <a:t>2021/7/11</a:t>
             </a:fld>
             <a:endParaRPr kumimoji="1" lang="ja-JP" altLang="en-US"/>
           </a:p>
@@ -2229,7 +2230,7 @@
           <a:p>
             <a:fld id="{FA16DDA6-9750-4222-A53D-9B2AFD4F7604}" type="datetime1">
               <a:rPr kumimoji="1" lang="ja-JP" altLang="en-US" smtClean="0"/>
-              <a:t>2021/7/8</a:t>
+              <a:t>2021/7/11</a:t>
             </a:fld>
             <a:endParaRPr kumimoji="1" lang="ja-JP" altLang="en-US"/>
           </a:p>
@@ -2347,7 +2348,7 @@
           <a:p>
             <a:fld id="{2A12A5DA-6757-4BE0-8138-B996B069D01C}" type="datetime1">
               <a:rPr kumimoji="1" lang="ja-JP" altLang="en-US" smtClean="0"/>
-              <a:t>2021/7/8</a:t>
+              <a:t>2021/7/11</a:t>
             </a:fld>
             <a:endParaRPr kumimoji="1" lang="ja-JP" altLang="en-US"/>
           </a:p>
@@ -2442,7 +2443,7 @@
           <a:p>
             <a:fld id="{80431E91-75F7-48C3-A2EB-716DBC94911B}" type="datetime1">
               <a:rPr kumimoji="1" lang="ja-JP" altLang="en-US" smtClean="0"/>
-              <a:t>2021/7/8</a:t>
+              <a:t>2021/7/11</a:t>
             </a:fld>
             <a:endParaRPr kumimoji="1" lang="ja-JP" altLang="en-US"/>
           </a:p>
@@ -2751,7 +2752,7 @@
           <a:p>
             <a:fld id="{2FD4BF64-4643-4F2F-9E14-ABA1F12A43DE}" type="datetime1">
               <a:rPr kumimoji="1" lang="ja-JP" altLang="en-US" smtClean="0"/>
-              <a:t>2021/7/8</a:t>
+              <a:t>2021/7/11</a:t>
             </a:fld>
             <a:endParaRPr kumimoji="1" lang="ja-JP" altLang="en-US"/>
           </a:p>
@@ -3008,7 +3009,7 @@
           <a:p>
             <a:fld id="{4775FF6E-0AC3-4CFF-BD5F-615BAFBBFB63}" type="datetime1">
               <a:rPr kumimoji="1" lang="ja-JP" altLang="en-US" smtClean="0"/>
-              <a:t>2021/7/8</a:t>
+              <a:t>2021/7/11</a:t>
             </a:fld>
             <a:endParaRPr kumimoji="1" lang="ja-JP" altLang="en-US"/>
           </a:p>
@@ -3253,7 +3254,7 @@
           <a:p>
             <a:fld id="{63DC7EF6-3FB0-4B29-8D75-11EE9B911EFB}" type="datetime1">
               <a:rPr kumimoji="1" lang="ja-JP" altLang="en-US" smtClean="0"/>
-              <a:t>2021/7/8</a:t>
+              <a:t>2021/7/11</a:t>
             </a:fld>
             <a:endParaRPr kumimoji="1" lang="ja-JP" altLang="en-US"/>
           </a:p>
@@ -4810,9 +4811,27 @@
                 <a:tableStyleId>{21E4AEA4-8DFA-4A89-87EB-49C32662AFE0}</a:tableStyleId>
               </a:tblPr>
               <a:tblGrid>
-                <a:gridCol w="1286985"/>
-                <a:gridCol w="1286985"/>
-                <a:gridCol w="1286985"/>
+                <a:gridCol w="1286985">
+                  <a:extLst>
+                    <a:ext uri="{9D8B030D-6E8A-4147-A177-3AD203B41FA5}">
+                      <a16:colId xmlns:a16="http://schemas.microsoft.com/office/drawing/2014/main" val="20000"/>
+                    </a:ext>
+                  </a:extLst>
+                </a:gridCol>
+                <a:gridCol w="1286985">
+                  <a:extLst>
+                    <a:ext uri="{9D8B030D-6E8A-4147-A177-3AD203B41FA5}">
+                      <a16:colId xmlns:a16="http://schemas.microsoft.com/office/drawing/2014/main" val="20001"/>
+                    </a:ext>
+                  </a:extLst>
+                </a:gridCol>
+                <a:gridCol w="1286985">
+                  <a:extLst>
+                    <a:ext uri="{9D8B030D-6E8A-4147-A177-3AD203B41FA5}">
+                      <a16:colId xmlns:a16="http://schemas.microsoft.com/office/drawing/2014/main" val="20002"/>
+                    </a:ext>
+                  </a:extLst>
+                </a:gridCol>
               </a:tblGrid>
               <a:tr h="362451">
                 <a:tc>
@@ -4860,6 +4879,11 @@
                   </a:txBody>
                   <a:tcPr anchor="ctr"/>
                 </a:tc>
+                <a:extLst>
+                  <a:ext uri="{0D108BD9-81ED-4DB2-BD59-A6C34878D82A}">
+                    <a16:rowId xmlns:a16="http://schemas.microsoft.com/office/drawing/2014/main" val="10000"/>
+                  </a:ext>
+                </a:extLst>
               </a:tr>
               <a:tr h="370840">
                 <a:tc>
@@ -4907,6 +4931,11 @@
                   </a:txBody>
                   <a:tcPr anchor="ctr"/>
                 </a:tc>
+                <a:extLst>
+                  <a:ext uri="{0D108BD9-81ED-4DB2-BD59-A6C34878D82A}">
+                    <a16:rowId xmlns:a16="http://schemas.microsoft.com/office/drawing/2014/main" val="10001"/>
+                  </a:ext>
+                </a:extLst>
               </a:tr>
               <a:tr h="370840">
                 <a:tc>
@@ -4954,6 +4983,11 @@
                   </a:txBody>
                   <a:tcPr anchor="ctr"/>
                 </a:tc>
+                <a:extLst>
+                  <a:ext uri="{0D108BD9-81ED-4DB2-BD59-A6C34878D82A}">
+                    <a16:rowId xmlns:a16="http://schemas.microsoft.com/office/drawing/2014/main" val="10002"/>
+                  </a:ext>
+                </a:extLst>
               </a:tr>
             </a:tbl>
           </a:graphicData>
@@ -4984,12 +5018,48 @@
                 <a:tableStyleId>{21E4AEA4-8DFA-4A89-87EB-49C32662AFE0}</a:tableStyleId>
               </a:tblPr>
               <a:tblGrid>
-                <a:gridCol w="1295655"/>
-                <a:gridCol w="1295655"/>
-                <a:gridCol w="1295655"/>
-                <a:gridCol w="1295655"/>
-                <a:gridCol w="1295655"/>
-                <a:gridCol w="1295655"/>
+                <a:gridCol w="1295655">
+                  <a:extLst>
+                    <a:ext uri="{9D8B030D-6E8A-4147-A177-3AD203B41FA5}">
+                      <a16:colId xmlns:a16="http://schemas.microsoft.com/office/drawing/2014/main" val="20000"/>
+                    </a:ext>
+                  </a:extLst>
+                </a:gridCol>
+                <a:gridCol w="1295655">
+                  <a:extLst>
+                    <a:ext uri="{9D8B030D-6E8A-4147-A177-3AD203B41FA5}">
+                      <a16:colId xmlns:a16="http://schemas.microsoft.com/office/drawing/2014/main" val="20001"/>
+                    </a:ext>
+                  </a:extLst>
+                </a:gridCol>
+                <a:gridCol w="1295655">
+                  <a:extLst>
+                    <a:ext uri="{9D8B030D-6E8A-4147-A177-3AD203B41FA5}">
+                      <a16:colId xmlns:a16="http://schemas.microsoft.com/office/drawing/2014/main" val="20002"/>
+                    </a:ext>
+                  </a:extLst>
+                </a:gridCol>
+                <a:gridCol w="1295655">
+                  <a:extLst>
+                    <a:ext uri="{9D8B030D-6E8A-4147-A177-3AD203B41FA5}">
+                      <a16:colId xmlns:a16="http://schemas.microsoft.com/office/drawing/2014/main" val="20003"/>
+                    </a:ext>
+                  </a:extLst>
+                </a:gridCol>
+                <a:gridCol w="1295655">
+                  <a:extLst>
+                    <a:ext uri="{9D8B030D-6E8A-4147-A177-3AD203B41FA5}">
+                      <a16:colId xmlns:a16="http://schemas.microsoft.com/office/drawing/2014/main" val="20004"/>
+                    </a:ext>
+                  </a:extLst>
+                </a:gridCol>
+                <a:gridCol w="1295655">
+                  <a:extLst>
+                    <a:ext uri="{9D8B030D-6E8A-4147-A177-3AD203B41FA5}">
+                      <a16:colId xmlns:a16="http://schemas.microsoft.com/office/drawing/2014/main" val="20005"/>
+                    </a:ext>
+                  </a:extLst>
+                </a:gridCol>
               </a:tblGrid>
               <a:tr h="191152">
                 <a:tc>
@@ -5130,6 +5200,11 @@
                   </a:txBody>
                   <a:tcPr anchor="ctr"/>
                 </a:tc>
+                <a:extLst>
+                  <a:ext uri="{0D108BD9-81ED-4DB2-BD59-A6C34878D82A}">
+                    <a16:rowId xmlns:a16="http://schemas.microsoft.com/office/drawing/2014/main" val="10000"/>
+                  </a:ext>
+                </a:extLst>
               </a:tr>
               <a:tr h="472258">
                 <a:tc>
@@ -5236,6 +5311,11 @@
                   </a:txBody>
                   <a:tcPr anchor="ctr"/>
                 </a:tc>
+                <a:extLst>
+                  <a:ext uri="{0D108BD9-81ED-4DB2-BD59-A6C34878D82A}">
+                    <a16:rowId xmlns:a16="http://schemas.microsoft.com/office/drawing/2014/main" val="10001"/>
+                  </a:ext>
+                </a:extLst>
               </a:tr>
               <a:tr h="674654">
                 <a:tc>
@@ -5343,6 +5423,11 @@
                   </a:txBody>
                   <a:tcPr anchor="ctr"/>
                 </a:tc>
+                <a:extLst>
+                  <a:ext uri="{0D108BD9-81ED-4DB2-BD59-A6C34878D82A}">
+                    <a16:rowId xmlns:a16="http://schemas.microsoft.com/office/drawing/2014/main" val="10002"/>
+                  </a:ext>
+                </a:extLst>
               </a:tr>
             </a:tbl>
           </a:graphicData>
@@ -5569,15 +5654,7 @@
                   <a:srgbClr val="41719C"/>
                 </a:solidFill>
               </a:rPr>
-              <a:t>応答速</a:t>
-            </a:r>
-            <a:r>
-              <a:rPr kumimoji="1" lang="ja-JP" altLang="en-US" sz="1000" b="1" dirty="0" smtClean="0">
-                <a:solidFill>
-                  <a:srgbClr val="41719C"/>
-                </a:solidFill>
-              </a:rPr>
-              <a:t>計測</a:t>
+              <a:t>応答速計測</a:t>
             </a:r>
             <a:endParaRPr kumimoji="1" lang="ja-JP" altLang="en-US" sz="1000" b="1" dirty="0">
               <a:solidFill>
@@ -7509,6 +7586,568 @@
       </p:par>
     </p:tnLst>
   </p:timing>
+</p:sld>
+</file>
+
+<file path=ppt/slides/slide16.xml><?xml version="1.0" encoding="utf-8"?>
+<p:sld xmlns:a="http://schemas.openxmlformats.org/drawingml/2006/main" xmlns:r="http://schemas.openxmlformats.org/officeDocument/2006/relationships" xmlns:p="http://schemas.openxmlformats.org/presentationml/2006/main">
+  <p:cSld>
+    <p:spTree>
+      <p:nvGrpSpPr>
+        <p:cNvPr id="1" name=""/>
+        <p:cNvGrpSpPr/>
+        <p:nvPr/>
+      </p:nvGrpSpPr>
+      <p:grpSpPr>
+        <a:xfrm>
+          <a:off x="0" y="0"/>
+          <a:ext cx="0" cy="0"/>
+          <a:chOff x="0" y="0"/>
+          <a:chExt cx="0" cy="0"/>
+        </a:xfrm>
+      </p:grpSpPr>
+      <p:sp>
+        <p:nvSpPr>
+          <p:cNvPr id="2" name="スライド番号プレースホルダー 1"/>
+          <p:cNvSpPr>
+            <a:spLocks noGrp="1"/>
+          </p:cNvSpPr>
+          <p:nvPr>
+            <p:ph type="sldNum" sz="quarter" idx="12"/>
+          </p:nvPr>
+        </p:nvSpPr>
+        <p:spPr/>
+        <p:txBody>
+          <a:bodyPr/>
+          <a:lstStyle/>
+          <a:p>
+            <a:fld id="{C1A4E16F-9CEB-47A6-B8DF-28924D05829B}" type="slidenum">
+              <a:rPr kumimoji="1" lang="ja-JP" altLang="en-US" smtClean="0"/>
+              <a:t>16</a:t>
+            </a:fld>
+            <a:endParaRPr kumimoji="1" lang="ja-JP" altLang="en-US"/>
+          </a:p>
+        </p:txBody>
+      </p:sp>
+      <p:pic>
+        <p:nvPicPr>
+          <p:cNvPr id="3" name="図 2"/>
+          <p:cNvPicPr>
+            <a:picLocks noChangeAspect="1"/>
+          </p:cNvPicPr>
+          <p:nvPr/>
+        </p:nvPicPr>
+        <p:blipFill rotWithShape="1">
+          <a:blip r:embed="rId2">
+            <a:extLst>
+              <a:ext uri="{28A0092B-C50C-407E-A947-70E740481C1C}">
+                <a14:useLocalDpi xmlns:a14="http://schemas.microsoft.com/office/drawing/2010/main" val="0"/>
+              </a:ext>
+            </a:extLst>
+          </a:blip>
+          <a:srcRect t="15196" b="10847"/>
+          <a:stretch/>
+        </p:blipFill>
+        <p:spPr>
+          <a:xfrm>
+            <a:off x="1394901" y="313867"/>
+            <a:ext cx="6347073" cy="2825841"/>
+          </a:xfrm>
+          <a:prstGeom prst="rect">
+            <a:avLst/>
+          </a:prstGeom>
+        </p:spPr>
+      </p:pic>
+      <p:sp>
+        <p:nvSpPr>
+          <p:cNvPr id="4" name="右矢印 3"/>
+          <p:cNvSpPr/>
+          <p:nvPr/>
+        </p:nvSpPr>
+        <p:spPr>
+          <a:xfrm>
+            <a:off x="1826528" y="4737296"/>
+            <a:ext cx="1638354" cy="340584"/>
+          </a:xfrm>
+          <a:prstGeom prst="rightArrow">
+            <a:avLst/>
+          </a:prstGeom>
+          <a:solidFill>
+            <a:srgbClr val="92D050"/>
+          </a:solidFill>
+          <a:ln>
+            <a:noFill/>
+          </a:ln>
+        </p:spPr>
+        <p:style>
+          <a:lnRef idx="2">
+            <a:schemeClr val="accent1">
+              <a:shade val="50000"/>
+            </a:schemeClr>
+          </a:lnRef>
+          <a:fillRef idx="1">
+            <a:schemeClr val="accent1"/>
+          </a:fillRef>
+          <a:effectRef idx="0">
+            <a:schemeClr val="accent1"/>
+          </a:effectRef>
+          <a:fontRef idx="minor">
+            <a:schemeClr val="lt1"/>
+          </a:fontRef>
+        </p:style>
+        <p:txBody>
+          <a:bodyPr rtlCol="0" anchor="ctr"/>
+          <a:lstStyle/>
+          <a:p>
+            <a:pPr algn="ctr"/>
+            <a:endParaRPr kumimoji="1" lang="ja-JP" altLang="en-US">
+              <a:solidFill>
+                <a:schemeClr val="accent6"/>
+              </a:solidFill>
+            </a:endParaRPr>
+          </a:p>
+        </p:txBody>
+      </p:sp>
+      <p:pic>
+        <p:nvPicPr>
+          <p:cNvPr id="5" name="図 4"/>
+          <p:cNvPicPr>
+            <a:picLocks noChangeAspect="1"/>
+          </p:cNvPicPr>
+          <p:nvPr/>
+        </p:nvPicPr>
+        <p:blipFill>
+          <a:blip r:embed="rId3"/>
+          <a:stretch>
+            <a:fillRect/>
+          </a:stretch>
+        </p:blipFill>
+        <p:spPr>
+          <a:xfrm>
+            <a:off x="2264006" y="4538416"/>
+            <a:ext cx="864014" cy="712052"/>
+          </a:xfrm>
+          <a:prstGeom prst="rect">
+            <a:avLst/>
+          </a:prstGeom>
+        </p:spPr>
+      </p:pic>
+      <p:pic>
+        <p:nvPicPr>
+          <p:cNvPr id="6" name="図 5"/>
+          <p:cNvPicPr>
+            <a:picLocks noChangeAspect="1"/>
+          </p:cNvPicPr>
+          <p:nvPr/>
+        </p:nvPicPr>
+        <p:blipFill>
+          <a:blip r:embed="rId4"/>
+          <a:stretch>
+            <a:fillRect/>
+          </a:stretch>
+        </p:blipFill>
+        <p:spPr>
+          <a:xfrm>
+            <a:off x="1035321" y="4629538"/>
+            <a:ext cx="1017555" cy="620930"/>
+          </a:xfrm>
+          <a:prstGeom prst="rect">
+            <a:avLst/>
+          </a:prstGeom>
+        </p:spPr>
+      </p:pic>
+      <p:sp>
+        <p:nvSpPr>
+          <p:cNvPr id="7" name="直方体 6"/>
+          <p:cNvSpPr/>
+          <p:nvPr/>
+        </p:nvSpPr>
+        <p:spPr>
+          <a:xfrm>
+            <a:off x="3464882" y="4590040"/>
+            <a:ext cx="1406523" cy="608803"/>
+          </a:xfrm>
+          <a:prstGeom prst="cube">
+            <a:avLst/>
+          </a:prstGeom>
+          <a:solidFill>
+            <a:srgbClr val="BDEDFF"/>
+          </a:solidFill>
+          <a:ln w="9525"/>
+        </p:spPr>
+        <p:style>
+          <a:lnRef idx="2">
+            <a:schemeClr val="accent1">
+              <a:shade val="50000"/>
+            </a:schemeClr>
+          </a:lnRef>
+          <a:fillRef idx="1">
+            <a:schemeClr val="accent1"/>
+          </a:fillRef>
+          <a:effectRef idx="0">
+            <a:schemeClr val="accent1"/>
+          </a:effectRef>
+          <a:fontRef idx="minor">
+            <a:schemeClr val="lt1"/>
+          </a:fontRef>
+        </p:style>
+        <p:txBody>
+          <a:bodyPr rtlCol="0" anchor="ctr"/>
+          <a:lstStyle/>
+          <a:p>
+            <a:pPr algn="ctr"/>
+            <a:r>
+              <a:rPr kumimoji="1" lang="ja-JP" altLang="en-US" sz="1200" b="1" dirty="0" smtClean="0">
+                <a:solidFill>
+                  <a:schemeClr val="tx1"/>
+                </a:solidFill>
+              </a:rPr>
+              <a:t>ロードバランサ</a:t>
+            </a:r>
+            <a:endParaRPr kumimoji="1" lang="ja-JP" altLang="en-US" sz="1200" b="1" dirty="0">
+              <a:solidFill>
+                <a:schemeClr val="tx1"/>
+              </a:solidFill>
+            </a:endParaRPr>
+          </a:p>
+        </p:txBody>
+      </p:sp>
+      <p:sp>
+        <p:nvSpPr>
+          <p:cNvPr id="12" name="直方体 11"/>
+          <p:cNvSpPr/>
+          <p:nvPr/>
+        </p:nvSpPr>
+        <p:spPr>
+          <a:xfrm>
+            <a:off x="6165518" y="3803278"/>
+            <a:ext cx="931197" cy="513173"/>
+          </a:xfrm>
+          <a:prstGeom prst="cube">
+            <a:avLst/>
+          </a:prstGeom>
+          <a:solidFill>
+            <a:srgbClr val="BDEDFF"/>
+          </a:solidFill>
+          <a:ln w="9525"/>
+        </p:spPr>
+        <p:style>
+          <a:lnRef idx="2">
+            <a:schemeClr val="accent1">
+              <a:shade val="50000"/>
+            </a:schemeClr>
+          </a:lnRef>
+          <a:fillRef idx="1">
+            <a:schemeClr val="accent1"/>
+          </a:fillRef>
+          <a:effectRef idx="0">
+            <a:schemeClr val="accent1"/>
+          </a:effectRef>
+          <a:fontRef idx="minor">
+            <a:schemeClr val="lt1"/>
+          </a:fontRef>
+        </p:style>
+        <p:txBody>
+          <a:bodyPr rtlCol="0" anchor="ctr"/>
+          <a:lstStyle/>
+          <a:p>
+            <a:pPr algn="ctr"/>
+            <a:r>
+              <a:rPr kumimoji="1" lang="ja-JP" altLang="en-US" sz="1200" b="1" dirty="0" smtClean="0">
+                <a:solidFill>
+                  <a:schemeClr val="tx1"/>
+                </a:solidFill>
+              </a:rPr>
+              <a:t>サーバ１</a:t>
+            </a:r>
+            <a:endParaRPr kumimoji="1" lang="ja-JP" altLang="en-US" sz="1200" b="1" dirty="0">
+              <a:solidFill>
+                <a:schemeClr val="tx1"/>
+              </a:solidFill>
+            </a:endParaRPr>
+          </a:p>
+        </p:txBody>
+      </p:sp>
+      <p:sp>
+        <p:nvSpPr>
+          <p:cNvPr id="13" name="直方体 12"/>
+          <p:cNvSpPr/>
+          <p:nvPr/>
+        </p:nvSpPr>
+        <p:spPr>
+          <a:xfrm>
+            <a:off x="6165517" y="4464025"/>
+            <a:ext cx="931197" cy="513173"/>
+          </a:xfrm>
+          <a:prstGeom prst="cube">
+            <a:avLst/>
+          </a:prstGeom>
+          <a:solidFill>
+            <a:srgbClr val="BDEDFF"/>
+          </a:solidFill>
+          <a:ln w="9525"/>
+        </p:spPr>
+        <p:style>
+          <a:lnRef idx="2">
+            <a:schemeClr val="accent1">
+              <a:shade val="50000"/>
+            </a:schemeClr>
+          </a:lnRef>
+          <a:fillRef idx="1">
+            <a:schemeClr val="accent1"/>
+          </a:fillRef>
+          <a:effectRef idx="0">
+            <a:schemeClr val="accent1"/>
+          </a:effectRef>
+          <a:fontRef idx="minor">
+            <a:schemeClr val="lt1"/>
+          </a:fontRef>
+        </p:style>
+        <p:txBody>
+          <a:bodyPr rtlCol="0" anchor="ctr"/>
+          <a:lstStyle/>
+          <a:p>
+            <a:pPr algn="ctr"/>
+            <a:r>
+              <a:rPr kumimoji="1" lang="ja-JP" altLang="en-US" sz="1200" b="1" dirty="0" smtClean="0">
+                <a:solidFill>
+                  <a:schemeClr val="tx1"/>
+                </a:solidFill>
+              </a:rPr>
+              <a:t>サーバ２</a:t>
+            </a:r>
+            <a:endParaRPr kumimoji="1" lang="ja-JP" altLang="en-US" sz="1200" b="1" dirty="0">
+              <a:solidFill>
+                <a:schemeClr val="tx1"/>
+              </a:solidFill>
+            </a:endParaRPr>
+          </a:p>
+        </p:txBody>
+      </p:sp>
+      <p:sp>
+        <p:nvSpPr>
+          <p:cNvPr id="14" name="直方体 13"/>
+          <p:cNvSpPr/>
+          <p:nvPr/>
+        </p:nvSpPr>
+        <p:spPr>
+          <a:xfrm>
+            <a:off x="6165516" y="5179607"/>
+            <a:ext cx="931197" cy="513173"/>
+          </a:xfrm>
+          <a:prstGeom prst="cube">
+            <a:avLst/>
+          </a:prstGeom>
+          <a:solidFill>
+            <a:srgbClr val="BDEDFF"/>
+          </a:solidFill>
+          <a:ln w="9525"/>
+        </p:spPr>
+        <p:style>
+          <a:lnRef idx="2">
+            <a:schemeClr val="accent1">
+              <a:shade val="50000"/>
+            </a:schemeClr>
+          </a:lnRef>
+          <a:fillRef idx="1">
+            <a:schemeClr val="accent1"/>
+          </a:fillRef>
+          <a:effectRef idx="0">
+            <a:schemeClr val="accent1"/>
+          </a:effectRef>
+          <a:fontRef idx="minor">
+            <a:schemeClr val="lt1"/>
+          </a:fontRef>
+        </p:style>
+        <p:txBody>
+          <a:bodyPr rtlCol="0" anchor="ctr"/>
+          <a:lstStyle/>
+          <a:p>
+            <a:pPr algn="ctr"/>
+            <a:r>
+              <a:rPr kumimoji="1" lang="ja-JP" altLang="en-US" sz="1200" b="1" dirty="0" smtClean="0">
+                <a:solidFill>
+                  <a:schemeClr val="tx1"/>
+                </a:solidFill>
+              </a:rPr>
+              <a:t>サーバ３</a:t>
+            </a:r>
+            <a:endParaRPr kumimoji="1" lang="ja-JP" altLang="en-US" sz="1200" b="1" dirty="0">
+              <a:solidFill>
+                <a:schemeClr val="tx1"/>
+              </a:solidFill>
+            </a:endParaRPr>
+          </a:p>
+        </p:txBody>
+      </p:sp>
+      <p:cxnSp>
+        <p:nvCxnSpPr>
+          <p:cNvPr id="17" name="直線矢印コネクタ 16"/>
+          <p:cNvCxnSpPr>
+            <a:stCxn id="7" idx="5"/>
+            <a:endCxn id="12" idx="2"/>
+          </p:cNvCxnSpPr>
+          <p:nvPr/>
+        </p:nvCxnSpPr>
+        <p:spPr>
+          <a:xfrm flipV="1">
+            <a:off x="4871405" y="4124011"/>
+            <a:ext cx="1294113" cy="694330"/>
+          </a:xfrm>
+          <a:prstGeom prst="straightConnector1">
+            <a:avLst/>
+          </a:prstGeom>
+          <a:ln w="38100">
+            <a:solidFill>
+              <a:srgbClr val="92D050"/>
+            </a:solidFill>
+            <a:tailEnd type="triangle"/>
+          </a:ln>
+        </p:spPr>
+        <p:style>
+          <a:lnRef idx="1">
+            <a:schemeClr val="accent1"/>
+          </a:lnRef>
+          <a:fillRef idx="0">
+            <a:schemeClr val="accent1"/>
+          </a:fillRef>
+          <a:effectRef idx="0">
+            <a:schemeClr val="accent1"/>
+          </a:effectRef>
+          <a:fontRef idx="minor">
+            <a:schemeClr val="tx1"/>
+          </a:fontRef>
+        </p:style>
+      </p:cxnSp>
+      <p:cxnSp>
+        <p:nvCxnSpPr>
+          <p:cNvPr id="18" name="直線矢印コネクタ 17"/>
+          <p:cNvCxnSpPr>
+            <a:stCxn id="7" idx="5"/>
+            <a:endCxn id="14" idx="2"/>
+          </p:cNvCxnSpPr>
+          <p:nvPr/>
+        </p:nvCxnSpPr>
+        <p:spPr>
+          <a:xfrm>
+            <a:off x="4871405" y="4818341"/>
+            <a:ext cx="1294111" cy="681999"/>
+          </a:xfrm>
+          <a:prstGeom prst="straightConnector1">
+            <a:avLst/>
+          </a:prstGeom>
+          <a:ln w="38100">
+            <a:solidFill>
+              <a:srgbClr val="92D050"/>
+            </a:solidFill>
+            <a:tailEnd type="triangle"/>
+          </a:ln>
+        </p:spPr>
+        <p:style>
+          <a:lnRef idx="1">
+            <a:schemeClr val="accent1"/>
+          </a:lnRef>
+          <a:fillRef idx="0">
+            <a:schemeClr val="accent1"/>
+          </a:fillRef>
+          <a:effectRef idx="0">
+            <a:schemeClr val="accent1"/>
+          </a:effectRef>
+          <a:fontRef idx="minor">
+            <a:schemeClr val="tx1"/>
+          </a:fontRef>
+        </p:style>
+      </p:cxnSp>
+      <p:cxnSp>
+        <p:nvCxnSpPr>
+          <p:cNvPr id="19" name="直線矢印コネクタ 18"/>
+          <p:cNvCxnSpPr>
+            <a:stCxn id="7" idx="5"/>
+            <a:endCxn id="13" idx="2"/>
+          </p:cNvCxnSpPr>
+          <p:nvPr/>
+        </p:nvCxnSpPr>
+        <p:spPr>
+          <a:xfrm flipV="1">
+            <a:off x="4871405" y="4784758"/>
+            <a:ext cx="1294112" cy="33583"/>
+          </a:xfrm>
+          <a:prstGeom prst="straightConnector1">
+            <a:avLst/>
+          </a:prstGeom>
+          <a:ln w="38100">
+            <a:solidFill>
+              <a:srgbClr val="92D050"/>
+            </a:solidFill>
+            <a:tailEnd type="triangle"/>
+          </a:ln>
+        </p:spPr>
+        <p:style>
+          <a:lnRef idx="1">
+            <a:schemeClr val="accent1"/>
+          </a:lnRef>
+          <a:fillRef idx="0">
+            <a:schemeClr val="accent1"/>
+          </a:fillRef>
+          <a:effectRef idx="0">
+            <a:schemeClr val="accent1"/>
+          </a:effectRef>
+          <a:fontRef idx="minor">
+            <a:schemeClr val="tx1"/>
+          </a:fontRef>
+        </p:style>
+      </p:cxnSp>
+      <p:sp>
+        <p:nvSpPr>
+          <p:cNvPr id="27" name="テキスト ボックス 26"/>
+          <p:cNvSpPr txBox="1"/>
+          <p:nvPr/>
+        </p:nvSpPr>
+        <p:spPr>
+          <a:xfrm>
+            <a:off x="4422131" y="5158355"/>
+            <a:ext cx="1796432" cy="646331"/>
+          </a:xfrm>
+          <a:prstGeom prst="rect">
+            <a:avLst/>
+          </a:prstGeom>
+          <a:noFill/>
+        </p:spPr>
+        <p:txBody>
+          <a:bodyPr wrap="square" rtlCol="0">
+            <a:spAutoFit/>
+          </a:bodyPr>
+          <a:lstStyle/>
+          <a:p>
+            <a:r>
+              <a:rPr kumimoji="1" lang="ja-JP" altLang="en-US" b="1" dirty="0" smtClean="0"/>
+              <a:t>ここが遅いと</a:t>
+            </a:r>
+            <a:r>
+              <a:rPr kumimoji="1" lang="en-US" altLang="ja-JP" b="1" dirty="0" smtClean="0"/>
+              <a:t/>
+            </a:r>
+            <a:br>
+              <a:rPr kumimoji="1" lang="en-US" altLang="ja-JP" b="1" dirty="0" smtClean="0"/>
+            </a:br>
+            <a:r>
+              <a:rPr kumimoji="1" lang="ja-JP" altLang="en-US" b="1" dirty="0" smtClean="0"/>
+              <a:t>ボトルネックに</a:t>
+            </a:r>
+            <a:endParaRPr kumimoji="1" lang="ja-JP" altLang="en-US" b="1" dirty="0"/>
+          </a:p>
+        </p:txBody>
+      </p:sp>
+    </p:spTree>
+    <p:extLst>
+      <p:ext uri="{BB962C8B-B14F-4D97-AF65-F5344CB8AC3E}">
+        <p14:creationId xmlns:p14="http://schemas.microsoft.com/office/powerpoint/2010/main" val="1302526844"/>
+      </p:ext>
+    </p:extLst>
+  </p:cSld>
+  <p:clrMapOvr>
+    <a:masterClrMapping/>
+  </p:clrMapOvr>
 </p:sld>
 </file>
 
@@ -11883,17 +12522,7 @@
                     </a:schemeClr>
                   </a:solidFill>
                 </a:rPr>
-                <a:t>答</a:t>
-              </a:r>
-              <a:r>
-                <a:rPr kumimoji="1" lang="ja-JP" altLang="en-US" b="1" dirty="0" smtClean="0">
-                  <a:solidFill>
-                    <a:schemeClr val="accent1">
-                      <a:lumMod val="50000"/>
-                    </a:schemeClr>
-                  </a:solidFill>
-                </a:rPr>
-                <a:t>計測テーブルへ挿入</a:t>
+                <a:t>答計測テーブルへ挿入</a:t>
               </a:r>
               <a:endParaRPr kumimoji="1" lang="en-US" altLang="ja-JP" b="1" dirty="0" smtClean="0">
                 <a:solidFill>

--- a/meeting/1821086_matsuo_Chart.pptx
+++ b/meeting/1821086_matsuo_Chart.pptx
@@ -5,7 +5,7 @@
     <p:sldMasterId id="2147483660" r:id="rId1"/>
   </p:sldMasterIdLst>
   <p:notesMasterIdLst>
-    <p:notesMasterId r:id="rId18"/>
+    <p:notesMasterId r:id="rId19"/>
   </p:notesMasterIdLst>
   <p:sldIdLst>
     <p:sldId id="276" r:id="rId2"/>
@@ -22,8 +22,9 @@
     <p:sldId id="288" r:id="rId13"/>
     <p:sldId id="289" r:id="rId14"/>
     <p:sldId id="291" r:id="rId15"/>
-    <p:sldId id="290" r:id="rId16"/>
-    <p:sldId id="294" r:id="rId17"/>
+    <p:sldId id="295" r:id="rId16"/>
+    <p:sldId id="290" r:id="rId17"/>
+    <p:sldId id="294" r:id="rId18"/>
   </p:sldIdLst>
   <p:sldSz cx="9144000" cy="6858000" type="screen4x3"/>
   <p:notesSz cx="6858000" cy="9144000"/>
@@ -212,7 +213,7 @@
           <a:p>
             <a:fld id="{869FDBD3-40C4-4F2A-82A8-38E5DBC6C4C1}" type="datetimeFigureOut">
               <a:rPr kumimoji="1" lang="ja-JP" altLang="en-US" smtClean="0"/>
-              <a:t>2021/7/11</a:t>
+              <a:t>2021/7/14</a:t>
             </a:fld>
             <a:endParaRPr kumimoji="1" lang="ja-JP" altLang="en-US"/>
           </a:p>
@@ -643,7 +644,7 @@
           <a:p>
             <a:fld id="{494AB2A1-E364-47CF-B5DC-53E264C607F6}" type="datetime1">
               <a:rPr kumimoji="1" lang="ja-JP" altLang="en-US" smtClean="0"/>
-              <a:t>2021/7/11</a:t>
+              <a:t>2021/7/14</a:t>
             </a:fld>
             <a:endParaRPr kumimoji="1" lang="ja-JP" altLang="en-US"/>
           </a:p>
@@ -845,7 +846,7 @@
           <a:p>
             <a:fld id="{493740D4-C406-4492-90E6-6432EEF92C60}" type="datetime1">
               <a:rPr kumimoji="1" lang="ja-JP" altLang="en-US" smtClean="0"/>
-              <a:t>2021/7/11</a:t>
+              <a:t>2021/7/14</a:t>
             </a:fld>
             <a:endParaRPr kumimoji="1" lang="ja-JP" altLang="en-US"/>
           </a:p>
@@ -1057,7 +1058,7 @@
           <a:p>
             <a:fld id="{ED69396B-CE42-4776-89F8-D39FC42CFB56}" type="datetime1">
               <a:rPr kumimoji="1" lang="ja-JP" altLang="en-US" smtClean="0"/>
-              <a:t>2021/7/11</a:t>
+              <a:t>2021/7/14</a:t>
             </a:fld>
             <a:endParaRPr kumimoji="1" lang="ja-JP" altLang="en-US"/>
           </a:p>
@@ -1259,7 +1260,7 @@
           <a:p>
             <a:fld id="{13625393-1B19-477D-ADB7-2A6386D3F149}" type="datetime1">
               <a:rPr kumimoji="1" lang="ja-JP" altLang="en-US" smtClean="0"/>
-              <a:t>2021/7/11</a:t>
+              <a:t>2021/7/14</a:t>
             </a:fld>
             <a:endParaRPr kumimoji="1" lang="ja-JP" altLang="en-US"/>
           </a:p>
@@ -1503,7 +1504,7 @@
           <a:p>
             <a:fld id="{E5FDA1EB-CBE3-4FB0-BB17-A44CDA0B54B3}" type="datetime1">
               <a:rPr kumimoji="1" lang="ja-JP" altLang="en-US" smtClean="0"/>
-              <a:t>2021/7/11</a:t>
+              <a:t>2021/7/14</a:t>
             </a:fld>
             <a:endParaRPr kumimoji="1" lang="ja-JP" altLang="en-US"/>
           </a:p>
@@ -1799,7 +1800,7 @@
           <a:p>
             <a:fld id="{C01EC069-9DC2-4DDB-AE63-C26A081803C1}" type="datetime1">
               <a:rPr kumimoji="1" lang="ja-JP" altLang="en-US" smtClean="0"/>
-              <a:t>2021/7/11</a:t>
+              <a:t>2021/7/14</a:t>
             </a:fld>
             <a:endParaRPr kumimoji="1" lang="ja-JP" altLang="en-US"/>
           </a:p>
@@ -2230,7 +2231,7 @@
           <a:p>
             <a:fld id="{FA16DDA6-9750-4222-A53D-9B2AFD4F7604}" type="datetime1">
               <a:rPr kumimoji="1" lang="ja-JP" altLang="en-US" smtClean="0"/>
-              <a:t>2021/7/11</a:t>
+              <a:t>2021/7/14</a:t>
             </a:fld>
             <a:endParaRPr kumimoji="1" lang="ja-JP" altLang="en-US"/>
           </a:p>
@@ -2348,7 +2349,7 @@
           <a:p>
             <a:fld id="{2A12A5DA-6757-4BE0-8138-B996B069D01C}" type="datetime1">
               <a:rPr kumimoji="1" lang="ja-JP" altLang="en-US" smtClean="0"/>
-              <a:t>2021/7/11</a:t>
+              <a:t>2021/7/14</a:t>
             </a:fld>
             <a:endParaRPr kumimoji="1" lang="ja-JP" altLang="en-US"/>
           </a:p>
@@ -2443,7 +2444,7 @@
           <a:p>
             <a:fld id="{80431E91-75F7-48C3-A2EB-716DBC94911B}" type="datetime1">
               <a:rPr kumimoji="1" lang="ja-JP" altLang="en-US" smtClean="0"/>
-              <a:t>2021/7/11</a:t>
+              <a:t>2021/7/14</a:t>
             </a:fld>
             <a:endParaRPr kumimoji="1" lang="ja-JP" altLang="en-US"/>
           </a:p>
@@ -2752,7 +2753,7 @@
           <a:p>
             <a:fld id="{2FD4BF64-4643-4F2F-9E14-ABA1F12A43DE}" type="datetime1">
               <a:rPr kumimoji="1" lang="ja-JP" altLang="en-US" smtClean="0"/>
-              <a:t>2021/7/11</a:t>
+              <a:t>2021/7/14</a:t>
             </a:fld>
             <a:endParaRPr kumimoji="1" lang="ja-JP" altLang="en-US"/>
           </a:p>
@@ -3009,7 +3010,7 @@
           <a:p>
             <a:fld id="{4775FF6E-0AC3-4CFF-BD5F-615BAFBBFB63}" type="datetime1">
               <a:rPr kumimoji="1" lang="ja-JP" altLang="en-US" smtClean="0"/>
-              <a:t>2021/7/11</a:t>
+              <a:t>2021/7/14</a:t>
             </a:fld>
             <a:endParaRPr kumimoji="1" lang="ja-JP" altLang="en-US"/>
           </a:p>
@@ -3254,7 +3255,7 @@
           <a:p>
             <a:fld id="{63DC7EF6-3FB0-4B29-8D75-11EE9B911EFB}" type="datetime1">
               <a:rPr kumimoji="1" lang="ja-JP" altLang="en-US" smtClean="0"/>
-              <a:t>2021/7/11</a:t>
+              <a:t>2021/7/14</a:t>
             </a:fld>
             <a:endParaRPr kumimoji="1" lang="ja-JP" altLang="en-US"/>
           </a:p>
@@ -7368,6 +7369,808 @@
           <a:chExt cx="0" cy="0"/>
         </a:xfrm>
       </p:grpSpPr>
+      <p:graphicFrame>
+        <p:nvGraphicFramePr>
+          <p:cNvPr id="10" name="表 9"/>
+          <p:cNvGraphicFramePr>
+            <a:graphicFrameLocks noGrp="1"/>
+          </p:cNvGraphicFramePr>
+          <p:nvPr>
+            <p:extLst>
+              <p:ext uri="{D42A27DB-BD31-4B8C-83A1-F6EECF244321}">
+                <p14:modId xmlns:p14="http://schemas.microsoft.com/office/powerpoint/2010/main" val="2153027979"/>
+              </p:ext>
+            </p:extLst>
+          </p:nvPr>
+        </p:nvGraphicFramePr>
+        <p:xfrm>
+          <a:off x="547225" y="2190259"/>
+          <a:ext cx="7884676" cy="2762070"/>
+        </p:xfrm>
+        <a:graphic>
+          <a:graphicData uri="http://schemas.openxmlformats.org/drawingml/2006/table">
+            <a:tbl>
+              <a:tblPr firstRow="1" bandRow="1">
+                <a:tableStyleId>{5C22544A-7EE6-4342-B048-85BDC9FD1C3A}</a:tableStyleId>
+              </a:tblPr>
+              <a:tblGrid>
+                <a:gridCol w="2245874">
+                  <a:extLst>
+                    <a:ext uri="{9D8B030D-6E8A-4147-A177-3AD203B41FA5}">
+                      <a16:colId xmlns:a16="http://schemas.microsoft.com/office/drawing/2014/main" val="3485652126"/>
+                    </a:ext>
+                  </a:extLst>
+                </a:gridCol>
+                <a:gridCol w="837309">
+                  <a:extLst>
+                    <a:ext uri="{9D8B030D-6E8A-4147-A177-3AD203B41FA5}">
+                      <a16:colId xmlns:a16="http://schemas.microsoft.com/office/drawing/2014/main" val="359627915"/>
+                    </a:ext>
+                  </a:extLst>
+                </a:gridCol>
+                <a:gridCol w="859154">
+                  <a:extLst>
+                    <a:ext uri="{9D8B030D-6E8A-4147-A177-3AD203B41FA5}">
+                      <a16:colId xmlns:a16="http://schemas.microsoft.com/office/drawing/2014/main" val="2145896562"/>
+                    </a:ext>
+                  </a:extLst>
+                </a:gridCol>
+                <a:gridCol w="1314113">
+                  <a:extLst>
+                    <a:ext uri="{9D8B030D-6E8A-4147-A177-3AD203B41FA5}">
+                      <a16:colId xmlns:a16="http://schemas.microsoft.com/office/drawing/2014/main" val="4221901698"/>
+                    </a:ext>
+                  </a:extLst>
+                </a:gridCol>
+                <a:gridCol w="1314113">
+                  <a:extLst>
+                    <a:ext uri="{9D8B030D-6E8A-4147-A177-3AD203B41FA5}">
+                      <a16:colId xmlns:a16="http://schemas.microsoft.com/office/drawing/2014/main" val="4025677375"/>
+                    </a:ext>
+                  </a:extLst>
+                </a:gridCol>
+                <a:gridCol w="1314113">
+                  <a:extLst>
+                    <a:ext uri="{9D8B030D-6E8A-4147-A177-3AD203B41FA5}">
+                      <a16:colId xmlns:a16="http://schemas.microsoft.com/office/drawing/2014/main" val="713905081"/>
+                    </a:ext>
+                  </a:extLst>
+                </a:gridCol>
+              </a:tblGrid>
+              <a:tr h="460345">
+                <a:tc>
+                  <a:txBody>
+                    <a:bodyPr/>
+                    <a:lstStyle/>
+                    <a:p>
+                      <a:endParaRPr kumimoji="1" lang="ja-JP" altLang="en-US" dirty="0"/>
+                    </a:p>
+                  </a:txBody>
+                  <a:tcPr/>
+                </a:tc>
+                <a:tc>
+                  <a:txBody>
+                    <a:bodyPr/>
+                    <a:lstStyle/>
+                    <a:p>
+                      <a:pPr algn="ctr"/>
+                      <a:r>
+                        <a:rPr kumimoji="1" lang="en-US" altLang="ja-JP" dirty="0" smtClean="0"/>
+                        <a:t>8</a:t>
+                      </a:r>
+                      <a:r>
+                        <a:rPr kumimoji="1" lang="ja-JP" altLang="en-US" dirty="0" smtClean="0"/>
+                        <a:t>月</a:t>
+                      </a:r>
+                      <a:endParaRPr kumimoji="1" lang="ja-JP" altLang="en-US" dirty="0"/>
+                    </a:p>
+                  </a:txBody>
+                  <a:tcPr anchor="ctr"/>
+                </a:tc>
+                <a:tc>
+                  <a:txBody>
+                    <a:bodyPr/>
+                    <a:lstStyle/>
+                    <a:p>
+                      <a:pPr algn="ctr"/>
+                      <a:r>
+                        <a:rPr kumimoji="1" lang="en-US" altLang="ja-JP" dirty="0" smtClean="0"/>
+                        <a:t>9</a:t>
+                      </a:r>
+                      <a:r>
+                        <a:rPr kumimoji="1" lang="ja-JP" altLang="en-US" dirty="0" smtClean="0"/>
+                        <a:t>月</a:t>
+                      </a:r>
+                      <a:endParaRPr kumimoji="1" lang="ja-JP" altLang="en-US" dirty="0"/>
+                    </a:p>
+                  </a:txBody>
+                  <a:tcPr anchor="ctr"/>
+                </a:tc>
+                <a:tc>
+                  <a:txBody>
+                    <a:bodyPr/>
+                    <a:lstStyle/>
+                    <a:p>
+                      <a:pPr algn="ctr"/>
+                      <a:r>
+                        <a:rPr kumimoji="1" lang="en-US" altLang="ja-JP" dirty="0" smtClean="0"/>
+                        <a:t>10</a:t>
+                      </a:r>
+                      <a:r>
+                        <a:rPr kumimoji="1" lang="ja-JP" altLang="en-US" dirty="0" smtClean="0"/>
+                        <a:t>月</a:t>
+                      </a:r>
+                      <a:endParaRPr kumimoji="1" lang="ja-JP" altLang="en-US" dirty="0"/>
+                    </a:p>
+                  </a:txBody>
+                  <a:tcPr anchor="ctr"/>
+                </a:tc>
+                <a:tc>
+                  <a:txBody>
+                    <a:bodyPr/>
+                    <a:lstStyle/>
+                    <a:p>
+                      <a:pPr algn="ctr"/>
+                      <a:r>
+                        <a:rPr kumimoji="1" lang="en-US" altLang="ja-JP" dirty="0" smtClean="0"/>
+                        <a:t>11</a:t>
+                      </a:r>
+                      <a:r>
+                        <a:rPr kumimoji="1" lang="ja-JP" altLang="en-US" dirty="0" smtClean="0"/>
+                        <a:t>月</a:t>
+                      </a:r>
+                      <a:endParaRPr kumimoji="1" lang="ja-JP" altLang="en-US" dirty="0"/>
+                    </a:p>
+                  </a:txBody>
+                  <a:tcPr anchor="ctr"/>
+                </a:tc>
+                <a:tc>
+                  <a:txBody>
+                    <a:bodyPr/>
+                    <a:lstStyle/>
+                    <a:p>
+                      <a:pPr algn="ctr"/>
+                      <a:r>
+                        <a:rPr kumimoji="1" lang="en-US" altLang="ja-JP" dirty="0" smtClean="0"/>
+                        <a:t>12</a:t>
+                      </a:r>
+                      <a:r>
+                        <a:rPr kumimoji="1" lang="ja-JP" altLang="en-US" dirty="0" smtClean="0"/>
+                        <a:t>月</a:t>
+                      </a:r>
+                      <a:endParaRPr kumimoji="1" lang="ja-JP" altLang="en-US" dirty="0"/>
+                    </a:p>
+                  </a:txBody>
+                  <a:tcPr anchor="ctr"/>
+                </a:tc>
+                <a:extLst>
+                  <a:ext uri="{0D108BD9-81ED-4DB2-BD59-A6C34878D82A}">
+                    <a16:rowId xmlns:a16="http://schemas.microsoft.com/office/drawing/2014/main" val="3039108592"/>
+                  </a:ext>
+                </a:extLst>
+              </a:tr>
+              <a:tr h="460345">
+                <a:tc>
+                  <a:txBody>
+                    <a:bodyPr/>
+                    <a:lstStyle/>
+                    <a:p>
+                      <a:pPr algn="ctr"/>
+                      <a:r>
+                        <a:rPr kumimoji="1" lang="ja-JP" altLang="en-US" b="1" dirty="0" smtClean="0"/>
+                        <a:t>計測システム作成</a:t>
+                      </a:r>
+                      <a:endParaRPr kumimoji="1" lang="ja-JP" altLang="en-US" b="1" dirty="0"/>
+                    </a:p>
+                  </a:txBody>
+                  <a:tcPr anchor="ctr"/>
+                </a:tc>
+                <a:tc>
+                  <a:txBody>
+                    <a:bodyPr/>
+                    <a:lstStyle/>
+                    <a:p>
+                      <a:endParaRPr kumimoji="1" lang="ja-JP" altLang="en-US"/>
+                    </a:p>
+                  </a:txBody>
+                  <a:tcPr/>
+                </a:tc>
+                <a:tc>
+                  <a:txBody>
+                    <a:bodyPr/>
+                    <a:lstStyle/>
+                    <a:p>
+                      <a:endParaRPr kumimoji="1" lang="ja-JP" altLang="en-US"/>
+                    </a:p>
+                  </a:txBody>
+                  <a:tcPr/>
+                </a:tc>
+                <a:tc>
+                  <a:txBody>
+                    <a:bodyPr/>
+                    <a:lstStyle/>
+                    <a:p>
+                      <a:endParaRPr kumimoji="1" lang="ja-JP" altLang="en-US"/>
+                    </a:p>
+                  </a:txBody>
+                  <a:tcPr/>
+                </a:tc>
+                <a:tc>
+                  <a:txBody>
+                    <a:bodyPr/>
+                    <a:lstStyle/>
+                    <a:p>
+                      <a:endParaRPr kumimoji="1" lang="ja-JP" altLang="en-US"/>
+                    </a:p>
+                  </a:txBody>
+                  <a:tcPr/>
+                </a:tc>
+                <a:tc>
+                  <a:txBody>
+                    <a:bodyPr/>
+                    <a:lstStyle/>
+                    <a:p>
+                      <a:endParaRPr kumimoji="1" lang="ja-JP" altLang="en-US"/>
+                    </a:p>
+                  </a:txBody>
+                  <a:tcPr/>
+                </a:tc>
+                <a:extLst>
+                  <a:ext uri="{0D108BD9-81ED-4DB2-BD59-A6C34878D82A}">
+                    <a16:rowId xmlns:a16="http://schemas.microsoft.com/office/drawing/2014/main" val="2768121953"/>
+                  </a:ext>
+                </a:extLst>
+              </a:tr>
+              <a:tr h="460345">
+                <a:tc>
+                  <a:txBody>
+                    <a:bodyPr/>
+                    <a:lstStyle/>
+                    <a:p>
+                      <a:pPr algn="ctr"/>
+                      <a:r>
+                        <a:rPr kumimoji="1" lang="ja-JP" altLang="en-US" b="1" dirty="0" smtClean="0"/>
+                        <a:t>評価システム作成</a:t>
+                      </a:r>
+                      <a:endParaRPr kumimoji="1" lang="ja-JP" altLang="en-US" b="1" dirty="0"/>
+                    </a:p>
+                  </a:txBody>
+                  <a:tcPr anchor="ctr"/>
+                </a:tc>
+                <a:tc>
+                  <a:txBody>
+                    <a:bodyPr/>
+                    <a:lstStyle/>
+                    <a:p>
+                      <a:endParaRPr kumimoji="1" lang="ja-JP" altLang="en-US"/>
+                    </a:p>
+                  </a:txBody>
+                  <a:tcPr/>
+                </a:tc>
+                <a:tc>
+                  <a:txBody>
+                    <a:bodyPr/>
+                    <a:lstStyle/>
+                    <a:p>
+                      <a:endParaRPr kumimoji="1" lang="ja-JP" altLang="en-US"/>
+                    </a:p>
+                  </a:txBody>
+                  <a:tcPr/>
+                </a:tc>
+                <a:tc>
+                  <a:txBody>
+                    <a:bodyPr/>
+                    <a:lstStyle/>
+                    <a:p>
+                      <a:endParaRPr kumimoji="1" lang="ja-JP" altLang="en-US"/>
+                    </a:p>
+                  </a:txBody>
+                  <a:tcPr/>
+                </a:tc>
+                <a:tc>
+                  <a:txBody>
+                    <a:bodyPr/>
+                    <a:lstStyle/>
+                    <a:p>
+                      <a:endParaRPr kumimoji="1" lang="ja-JP" altLang="en-US"/>
+                    </a:p>
+                  </a:txBody>
+                  <a:tcPr/>
+                </a:tc>
+                <a:tc>
+                  <a:txBody>
+                    <a:bodyPr/>
+                    <a:lstStyle/>
+                    <a:p>
+                      <a:endParaRPr kumimoji="1" lang="ja-JP" altLang="en-US" dirty="0"/>
+                    </a:p>
+                  </a:txBody>
+                  <a:tcPr/>
+                </a:tc>
+                <a:extLst>
+                  <a:ext uri="{0D108BD9-81ED-4DB2-BD59-A6C34878D82A}">
+                    <a16:rowId xmlns:a16="http://schemas.microsoft.com/office/drawing/2014/main" val="2296112469"/>
+                  </a:ext>
+                </a:extLst>
+              </a:tr>
+              <a:tr h="460345">
+                <a:tc>
+                  <a:txBody>
+                    <a:bodyPr/>
+                    <a:lstStyle/>
+                    <a:p>
+                      <a:pPr algn="ctr"/>
+                      <a:r>
+                        <a:rPr kumimoji="1" lang="ja-JP" altLang="en-US" b="1" dirty="0" smtClean="0"/>
+                        <a:t>ロードバランサ実装</a:t>
+                      </a:r>
+                      <a:endParaRPr kumimoji="1" lang="ja-JP" altLang="en-US" b="1" dirty="0"/>
+                    </a:p>
+                  </a:txBody>
+                  <a:tcPr anchor="ctr"/>
+                </a:tc>
+                <a:tc>
+                  <a:txBody>
+                    <a:bodyPr/>
+                    <a:lstStyle/>
+                    <a:p>
+                      <a:endParaRPr kumimoji="1" lang="ja-JP" altLang="en-US"/>
+                    </a:p>
+                  </a:txBody>
+                  <a:tcPr/>
+                </a:tc>
+                <a:tc>
+                  <a:txBody>
+                    <a:bodyPr/>
+                    <a:lstStyle/>
+                    <a:p>
+                      <a:endParaRPr kumimoji="1" lang="ja-JP" altLang="en-US"/>
+                    </a:p>
+                  </a:txBody>
+                  <a:tcPr/>
+                </a:tc>
+                <a:tc>
+                  <a:txBody>
+                    <a:bodyPr/>
+                    <a:lstStyle/>
+                    <a:p>
+                      <a:endParaRPr kumimoji="1" lang="ja-JP" altLang="en-US"/>
+                    </a:p>
+                  </a:txBody>
+                  <a:tcPr/>
+                </a:tc>
+                <a:tc>
+                  <a:txBody>
+                    <a:bodyPr/>
+                    <a:lstStyle/>
+                    <a:p>
+                      <a:endParaRPr kumimoji="1" lang="ja-JP" altLang="en-US"/>
+                    </a:p>
+                  </a:txBody>
+                  <a:tcPr/>
+                </a:tc>
+                <a:tc>
+                  <a:txBody>
+                    <a:bodyPr/>
+                    <a:lstStyle/>
+                    <a:p>
+                      <a:endParaRPr kumimoji="1" lang="ja-JP" altLang="en-US" dirty="0"/>
+                    </a:p>
+                  </a:txBody>
+                  <a:tcPr/>
+                </a:tc>
+                <a:extLst>
+                  <a:ext uri="{0D108BD9-81ED-4DB2-BD59-A6C34878D82A}">
+                    <a16:rowId xmlns:a16="http://schemas.microsoft.com/office/drawing/2014/main" val="4137083884"/>
+                  </a:ext>
+                </a:extLst>
+              </a:tr>
+              <a:tr h="460345">
+                <a:tc>
+                  <a:txBody>
+                    <a:bodyPr/>
+                    <a:lstStyle/>
+                    <a:p>
+                      <a:pPr algn="ctr"/>
+                      <a:r>
+                        <a:rPr kumimoji="1" lang="ja-JP" altLang="en-US" b="1" dirty="0" smtClean="0"/>
+                        <a:t>実験・評価</a:t>
+                      </a:r>
+                      <a:endParaRPr kumimoji="1" lang="ja-JP" altLang="en-US" b="1" dirty="0"/>
+                    </a:p>
+                  </a:txBody>
+                  <a:tcPr anchor="ctr"/>
+                </a:tc>
+                <a:tc>
+                  <a:txBody>
+                    <a:bodyPr/>
+                    <a:lstStyle/>
+                    <a:p>
+                      <a:endParaRPr kumimoji="1" lang="ja-JP" altLang="en-US"/>
+                    </a:p>
+                  </a:txBody>
+                  <a:tcPr/>
+                </a:tc>
+                <a:tc>
+                  <a:txBody>
+                    <a:bodyPr/>
+                    <a:lstStyle/>
+                    <a:p>
+                      <a:endParaRPr kumimoji="1" lang="ja-JP" altLang="en-US"/>
+                    </a:p>
+                  </a:txBody>
+                  <a:tcPr/>
+                </a:tc>
+                <a:tc>
+                  <a:txBody>
+                    <a:bodyPr/>
+                    <a:lstStyle/>
+                    <a:p>
+                      <a:endParaRPr kumimoji="1" lang="ja-JP" altLang="en-US"/>
+                    </a:p>
+                  </a:txBody>
+                  <a:tcPr/>
+                </a:tc>
+                <a:tc>
+                  <a:txBody>
+                    <a:bodyPr/>
+                    <a:lstStyle/>
+                    <a:p>
+                      <a:endParaRPr kumimoji="1" lang="ja-JP" altLang="en-US"/>
+                    </a:p>
+                  </a:txBody>
+                  <a:tcPr/>
+                </a:tc>
+                <a:tc>
+                  <a:txBody>
+                    <a:bodyPr/>
+                    <a:lstStyle/>
+                    <a:p>
+                      <a:endParaRPr kumimoji="1" lang="ja-JP" altLang="en-US" dirty="0"/>
+                    </a:p>
+                  </a:txBody>
+                  <a:tcPr/>
+                </a:tc>
+                <a:extLst>
+                  <a:ext uri="{0D108BD9-81ED-4DB2-BD59-A6C34878D82A}">
+                    <a16:rowId xmlns:a16="http://schemas.microsoft.com/office/drawing/2014/main" val="3831515737"/>
+                  </a:ext>
+                </a:extLst>
+              </a:tr>
+              <a:tr h="460345">
+                <a:tc>
+                  <a:txBody>
+                    <a:bodyPr/>
+                    <a:lstStyle/>
+                    <a:p>
+                      <a:pPr algn="ctr"/>
+                      <a:r>
+                        <a:rPr kumimoji="1" lang="ja-JP" altLang="en-US" b="1" dirty="0" smtClean="0"/>
+                        <a:t>論文執筆</a:t>
+                      </a:r>
+                      <a:endParaRPr kumimoji="1" lang="ja-JP" altLang="en-US" b="1" dirty="0"/>
+                    </a:p>
+                  </a:txBody>
+                  <a:tcPr anchor="ctr"/>
+                </a:tc>
+                <a:tc>
+                  <a:txBody>
+                    <a:bodyPr/>
+                    <a:lstStyle/>
+                    <a:p>
+                      <a:endParaRPr kumimoji="1" lang="ja-JP" altLang="en-US"/>
+                    </a:p>
+                  </a:txBody>
+                  <a:tcPr/>
+                </a:tc>
+                <a:tc>
+                  <a:txBody>
+                    <a:bodyPr/>
+                    <a:lstStyle/>
+                    <a:p>
+                      <a:endParaRPr kumimoji="1" lang="ja-JP" altLang="en-US"/>
+                    </a:p>
+                  </a:txBody>
+                  <a:tcPr/>
+                </a:tc>
+                <a:tc>
+                  <a:txBody>
+                    <a:bodyPr/>
+                    <a:lstStyle/>
+                    <a:p>
+                      <a:endParaRPr kumimoji="1" lang="ja-JP" altLang="en-US" dirty="0"/>
+                    </a:p>
+                  </a:txBody>
+                  <a:tcPr/>
+                </a:tc>
+                <a:tc>
+                  <a:txBody>
+                    <a:bodyPr/>
+                    <a:lstStyle/>
+                    <a:p>
+                      <a:endParaRPr kumimoji="1" lang="ja-JP" altLang="en-US" dirty="0"/>
+                    </a:p>
+                  </a:txBody>
+                  <a:tcPr/>
+                </a:tc>
+                <a:tc>
+                  <a:txBody>
+                    <a:bodyPr/>
+                    <a:lstStyle/>
+                    <a:p>
+                      <a:endParaRPr kumimoji="1" lang="ja-JP" altLang="en-US" dirty="0"/>
+                    </a:p>
+                  </a:txBody>
+                  <a:tcPr/>
+                </a:tc>
+                <a:extLst>
+                  <a:ext uri="{0D108BD9-81ED-4DB2-BD59-A6C34878D82A}">
+                    <a16:rowId xmlns:a16="http://schemas.microsoft.com/office/drawing/2014/main" val="2577077780"/>
+                  </a:ext>
+                </a:extLst>
+              </a:tr>
+            </a:tbl>
+          </a:graphicData>
+        </a:graphic>
+      </p:graphicFrame>
+      <p:sp>
+        <p:nvSpPr>
+          <p:cNvPr id="2" name="スライド番号プレースホルダー 1"/>
+          <p:cNvSpPr>
+            <a:spLocks noGrp="1"/>
+          </p:cNvSpPr>
+          <p:nvPr>
+            <p:ph type="sldNum" sz="quarter" idx="12"/>
+          </p:nvPr>
+        </p:nvSpPr>
+        <p:spPr>
+          <a:xfrm>
+            <a:off x="6457950" y="5991225"/>
+            <a:ext cx="2057400" cy="365125"/>
+          </a:xfrm>
+        </p:spPr>
+        <p:txBody>
+          <a:bodyPr/>
+          <a:lstStyle/>
+          <a:p>
+            <a:fld id="{C1A4E16F-9CEB-47A6-B8DF-28924D05829B}" type="slidenum">
+              <a:rPr kumimoji="1" lang="ja-JP" altLang="en-US" smtClean="0"/>
+              <a:t>15</a:t>
+            </a:fld>
+            <a:endParaRPr kumimoji="1" lang="ja-JP" altLang="en-US"/>
+          </a:p>
+        </p:txBody>
+      </p:sp>
+      <p:sp>
+        <p:nvSpPr>
+          <p:cNvPr id="11" name="右矢印 10"/>
+          <p:cNvSpPr/>
+          <p:nvPr/>
+        </p:nvSpPr>
+        <p:spPr>
+          <a:xfrm>
+            <a:off x="2913132" y="3195429"/>
+            <a:ext cx="1246173" cy="260335"/>
+          </a:xfrm>
+          <a:prstGeom prst="rightArrow">
+            <a:avLst/>
+          </a:prstGeom>
+        </p:spPr>
+        <p:style>
+          <a:lnRef idx="2">
+            <a:schemeClr val="accent1">
+              <a:shade val="50000"/>
+            </a:schemeClr>
+          </a:lnRef>
+          <a:fillRef idx="1">
+            <a:schemeClr val="accent1"/>
+          </a:fillRef>
+          <a:effectRef idx="0">
+            <a:schemeClr val="accent1"/>
+          </a:effectRef>
+          <a:fontRef idx="minor">
+            <a:schemeClr val="lt1"/>
+          </a:fontRef>
+        </p:style>
+        <p:txBody>
+          <a:bodyPr rtlCol="0" anchor="ctr"/>
+          <a:lstStyle/>
+          <a:p>
+            <a:pPr algn="ctr"/>
+            <a:endParaRPr kumimoji="1" lang="ja-JP" altLang="en-US" dirty="0"/>
+          </a:p>
+        </p:txBody>
+      </p:sp>
+      <p:sp>
+        <p:nvSpPr>
+          <p:cNvPr id="13" name="右矢印 12"/>
+          <p:cNvSpPr/>
+          <p:nvPr/>
+        </p:nvSpPr>
+        <p:spPr>
+          <a:xfrm>
+            <a:off x="4033667" y="3641203"/>
+            <a:ext cx="882464" cy="315802"/>
+          </a:xfrm>
+          <a:prstGeom prst="rightArrow">
+            <a:avLst/>
+          </a:prstGeom>
+        </p:spPr>
+        <p:style>
+          <a:lnRef idx="2">
+            <a:schemeClr val="accent1">
+              <a:shade val="50000"/>
+            </a:schemeClr>
+          </a:lnRef>
+          <a:fillRef idx="1">
+            <a:schemeClr val="accent1"/>
+          </a:fillRef>
+          <a:effectRef idx="0">
+            <a:schemeClr val="accent1"/>
+          </a:effectRef>
+          <a:fontRef idx="minor">
+            <a:schemeClr val="lt1"/>
+          </a:fontRef>
+        </p:style>
+        <p:txBody>
+          <a:bodyPr rtlCol="0" anchor="ctr"/>
+          <a:lstStyle/>
+          <a:p>
+            <a:pPr algn="ctr"/>
+            <a:endParaRPr kumimoji="1" lang="ja-JP" altLang="en-US"/>
+          </a:p>
+        </p:txBody>
+      </p:sp>
+      <p:sp>
+        <p:nvSpPr>
+          <p:cNvPr id="14" name="右矢印 13"/>
+          <p:cNvSpPr/>
+          <p:nvPr/>
+        </p:nvSpPr>
+        <p:spPr>
+          <a:xfrm>
+            <a:off x="4863752" y="4142444"/>
+            <a:ext cx="1594198" cy="300083"/>
+          </a:xfrm>
+          <a:prstGeom prst="rightArrow">
+            <a:avLst/>
+          </a:prstGeom>
+        </p:spPr>
+        <p:style>
+          <a:lnRef idx="2">
+            <a:schemeClr val="accent1">
+              <a:shade val="50000"/>
+            </a:schemeClr>
+          </a:lnRef>
+          <a:fillRef idx="1">
+            <a:schemeClr val="accent1"/>
+          </a:fillRef>
+          <a:effectRef idx="0">
+            <a:schemeClr val="accent1"/>
+          </a:effectRef>
+          <a:fontRef idx="minor">
+            <a:schemeClr val="lt1"/>
+          </a:fontRef>
+        </p:style>
+        <p:txBody>
+          <a:bodyPr rtlCol="0" anchor="ctr"/>
+          <a:lstStyle/>
+          <a:p>
+            <a:pPr algn="ctr"/>
+            <a:endParaRPr kumimoji="1" lang="ja-JP" altLang="en-US"/>
+          </a:p>
+        </p:txBody>
+      </p:sp>
+      <p:sp>
+        <p:nvSpPr>
+          <p:cNvPr id="15" name="右矢印 14"/>
+          <p:cNvSpPr/>
+          <p:nvPr/>
+        </p:nvSpPr>
+        <p:spPr>
+          <a:xfrm>
+            <a:off x="6627815" y="4571322"/>
+            <a:ext cx="1367116" cy="316267"/>
+          </a:xfrm>
+          <a:prstGeom prst="rightArrow">
+            <a:avLst/>
+          </a:prstGeom>
+        </p:spPr>
+        <p:style>
+          <a:lnRef idx="2">
+            <a:schemeClr val="accent1">
+              <a:shade val="50000"/>
+            </a:schemeClr>
+          </a:lnRef>
+          <a:fillRef idx="1">
+            <a:schemeClr val="accent1"/>
+          </a:fillRef>
+          <a:effectRef idx="0">
+            <a:schemeClr val="accent1"/>
+          </a:effectRef>
+          <a:fontRef idx="minor">
+            <a:schemeClr val="lt1"/>
+          </a:fontRef>
+        </p:style>
+        <p:txBody>
+          <a:bodyPr rtlCol="0" anchor="ctr"/>
+          <a:lstStyle/>
+          <a:p>
+            <a:pPr algn="ctr"/>
+            <a:endParaRPr kumimoji="1" lang="ja-JP" altLang="en-US"/>
+          </a:p>
+        </p:txBody>
+      </p:sp>
+      <p:sp>
+        <p:nvSpPr>
+          <p:cNvPr id="16" name="右矢印 15"/>
+          <p:cNvSpPr/>
+          <p:nvPr/>
+        </p:nvSpPr>
+        <p:spPr>
+          <a:xfrm>
+            <a:off x="2913131" y="2776507"/>
+            <a:ext cx="687825" cy="233483"/>
+          </a:xfrm>
+          <a:prstGeom prst="rightArrow">
+            <a:avLst/>
+          </a:prstGeom>
+        </p:spPr>
+        <p:style>
+          <a:lnRef idx="2">
+            <a:schemeClr val="accent1">
+              <a:shade val="50000"/>
+            </a:schemeClr>
+          </a:lnRef>
+          <a:fillRef idx="1">
+            <a:schemeClr val="accent1"/>
+          </a:fillRef>
+          <a:effectRef idx="0">
+            <a:schemeClr val="accent1"/>
+          </a:effectRef>
+          <a:fontRef idx="minor">
+            <a:schemeClr val="lt1"/>
+          </a:fontRef>
+        </p:style>
+        <p:txBody>
+          <a:bodyPr rtlCol="0" anchor="ctr"/>
+          <a:lstStyle/>
+          <a:p>
+            <a:pPr algn="ctr"/>
+            <a:endParaRPr kumimoji="1" lang="ja-JP" altLang="en-US" dirty="0"/>
+          </a:p>
+        </p:txBody>
+      </p:sp>
+    </p:spTree>
+    <p:extLst>
+      <p:ext uri="{BB962C8B-B14F-4D97-AF65-F5344CB8AC3E}">
+        <p14:creationId xmlns:p14="http://schemas.microsoft.com/office/powerpoint/2010/main" val="1673888659"/>
+      </p:ext>
+    </p:extLst>
+  </p:cSld>
+  <p:clrMapOvr>
+    <a:masterClrMapping/>
+  </p:clrMapOvr>
+</p:sld>
+</file>
+
+<file path=ppt/slides/slide16.xml><?xml version="1.0" encoding="utf-8"?>
+<p:sld xmlns:a="http://schemas.openxmlformats.org/drawingml/2006/main" xmlns:r="http://schemas.openxmlformats.org/officeDocument/2006/relationships" xmlns:p="http://schemas.openxmlformats.org/presentationml/2006/main">
+  <p:cSld>
+    <p:spTree>
+      <p:nvGrpSpPr>
+        <p:cNvPr id="1" name=""/>
+        <p:cNvGrpSpPr/>
+        <p:nvPr/>
+      </p:nvGrpSpPr>
+      <p:grpSpPr>
+        <a:xfrm>
+          <a:off x="0" y="0"/>
+          <a:ext cx="0" cy="0"/>
+          <a:chOff x="0" y="0"/>
+          <a:chExt cx="0" cy="0"/>
+        </a:xfrm>
+      </p:grpSpPr>
       <p:sp>
         <p:nvSpPr>
           <p:cNvPr id="9" name="円柱 8"/>
@@ -7589,7 +8392,7 @@
 </p:sld>
 </file>
 
-<file path=ppt/slides/slide16.xml><?xml version="1.0" encoding="utf-8"?>
+<file path=ppt/slides/slide17.xml><?xml version="1.0" encoding="utf-8"?>
 <p:sld xmlns:a="http://schemas.openxmlformats.org/drawingml/2006/main" xmlns:r="http://schemas.openxmlformats.org/officeDocument/2006/relationships" xmlns:p="http://schemas.openxmlformats.org/presentationml/2006/main">
   <p:cSld>
     <p:spTree>
@@ -7623,7 +8426,7 @@
           <a:p>
             <a:fld id="{C1A4E16F-9CEB-47A6-B8DF-28924D05829B}" type="slidenum">
               <a:rPr kumimoji="1" lang="ja-JP" altLang="en-US" smtClean="0"/>
-              <a:t>16</a:t>
+              <a:t>17</a:t>
             </a:fld>
             <a:endParaRPr kumimoji="1" lang="ja-JP" altLang="en-US"/>
           </a:p>

--- a/meeting/1821086_matsuo_Chart.pptx
+++ b/meeting/1821086_matsuo_Chart.pptx
@@ -213,7 +213,7 @@
           <a:p>
             <a:fld id="{869FDBD3-40C4-4F2A-82A8-38E5DBC6C4C1}" type="datetimeFigureOut">
               <a:rPr kumimoji="1" lang="ja-JP" altLang="en-US" smtClean="0"/>
-              <a:t>2021/7/14</a:t>
+              <a:t>2021/7/22</a:t>
             </a:fld>
             <a:endParaRPr kumimoji="1" lang="ja-JP" altLang="en-US"/>
           </a:p>
@@ -644,7 +644,7 @@
           <a:p>
             <a:fld id="{494AB2A1-E364-47CF-B5DC-53E264C607F6}" type="datetime1">
               <a:rPr kumimoji="1" lang="ja-JP" altLang="en-US" smtClean="0"/>
-              <a:t>2021/7/14</a:t>
+              <a:t>2021/7/22</a:t>
             </a:fld>
             <a:endParaRPr kumimoji="1" lang="ja-JP" altLang="en-US"/>
           </a:p>
@@ -846,7 +846,7 @@
           <a:p>
             <a:fld id="{493740D4-C406-4492-90E6-6432EEF92C60}" type="datetime1">
               <a:rPr kumimoji="1" lang="ja-JP" altLang="en-US" smtClean="0"/>
-              <a:t>2021/7/14</a:t>
+              <a:t>2021/7/22</a:t>
             </a:fld>
             <a:endParaRPr kumimoji="1" lang="ja-JP" altLang="en-US"/>
           </a:p>
@@ -1058,7 +1058,7 @@
           <a:p>
             <a:fld id="{ED69396B-CE42-4776-89F8-D39FC42CFB56}" type="datetime1">
               <a:rPr kumimoji="1" lang="ja-JP" altLang="en-US" smtClean="0"/>
-              <a:t>2021/7/14</a:t>
+              <a:t>2021/7/22</a:t>
             </a:fld>
             <a:endParaRPr kumimoji="1" lang="ja-JP" altLang="en-US"/>
           </a:p>
@@ -1260,7 +1260,7 @@
           <a:p>
             <a:fld id="{13625393-1B19-477D-ADB7-2A6386D3F149}" type="datetime1">
               <a:rPr kumimoji="1" lang="ja-JP" altLang="en-US" smtClean="0"/>
-              <a:t>2021/7/14</a:t>
+              <a:t>2021/7/22</a:t>
             </a:fld>
             <a:endParaRPr kumimoji="1" lang="ja-JP" altLang="en-US"/>
           </a:p>
@@ -1504,7 +1504,7 @@
           <a:p>
             <a:fld id="{E5FDA1EB-CBE3-4FB0-BB17-A44CDA0B54B3}" type="datetime1">
               <a:rPr kumimoji="1" lang="ja-JP" altLang="en-US" smtClean="0"/>
-              <a:t>2021/7/14</a:t>
+              <a:t>2021/7/22</a:t>
             </a:fld>
             <a:endParaRPr kumimoji="1" lang="ja-JP" altLang="en-US"/>
           </a:p>
@@ -1800,7 +1800,7 @@
           <a:p>
             <a:fld id="{C01EC069-9DC2-4DDB-AE63-C26A081803C1}" type="datetime1">
               <a:rPr kumimoji="1" lang="ja-JP" altLang="en-US" smtClean="0"/>
-              <a:t>2021/7/14</a:t>
+              <a:t>2021/7/22</a:t>
             </a:fld>
             <a:endParaRPr kumimoji="1" lang="ja-JP" altLang="en-US"/>
           </a:p>
@@ -2231,7 +2231,7 @@
           <a:p>
             <a:fld id="{FA16DDA6-9750-4222-A53D-9B2AFD4F7604}" type="datetime1">
               <a:rPr kumimoji="1" lang="ja-JP" altLang="en-US" smtClean="0"/>
-              <a:t>2021/7/14</a:t>
+              <a:t>2021/7/22</a:t>
             </a:fld>
             <a:endParaRPr kumimoji="1" lang="ja-JP" altLang="en-US"/>
           </a:p>
@@ -2349,7 +2349,7 @@
           <a:p>
             <a:fld id="{2A12A5DA-6757-4BE0-8138-B996B069D01C}" type="datetime1">
               <a:rPr kumimoji="1" lang="ja-JP" altLang="en-US" smtClean="0"/>
-              <a:t>2021/7/14</a:t>
+              <a:t>2021/7/22</a:t>
             </a:fld>
             <a:endParaRPr kumimoji="1" lang="ja-JP" altLang="en-US"/>
           </a:p>
@@ -2370,29 +2370,6 @@
           <a:bodyPr/>
           <a:lstStyle/>
           <a:p>
-            <a:endParaRPr kumimoji="1" lang="ja-JP" altLang="en-US"/>
-          </a:p>
-        </p:txBody>
-      </p:sp>
-      <p:sp>
-        <p:nvSpPr>
-          <p:cNvPr id="5" name="Slide Number Placeholder 4"/>
-          <p:cNvSpPr>
-            <a:spLocks noGrp="1"/>
-          </p:cNvSpPr>
-          <p:nvPr>
-            <p:ph type="sldNum" sz="quarter" idx="12"/>
-          </p:nvPr>
-        </p:nvSpPr>
-        <p:spPr/>
-        <p:txBody>
-          <a:bodyPr/>
-          <a:lstStyle/>
-          <a:p>
-            <a:fld id="{C1A4E16F-9CEB-47A6-B8DF-28924D05829B}" type="slidenum">
-              <a:rPr kumimoji="1" lang="ja-JP" altLang="en-US" smtClean="0"/>
-              <a:t>‹#›</a:t>
-            </a:fld>
             <a:endParaRPr kumimoji="1" lang="ja-JP" altLang="en-US"/>
           </a:p>
         </p:txBody>
@@ -2444,7 +2421,7 @@
           <a:p>
             <a:fld id="{80431E91-75F7-48C3-A2EB-716DBC94911B}" type="datetime1">
               <a:rPr kumimoji="1" lang="ja-JP" altLang="en-US" smtClean="0"/>
-              <a:t>2021/7/14</a:t>
+              <a:t>2021/7/22</a:t>
             </a:fld>
             <a:endParaRPr kumimoji="1" lang="ja-JP" altLang="en-US"/>
           </a:p>
@@ -2465,29 +2442,6 @@
           <a:bodyPr/>
           <a:lstStyle/>
           <a:p>
-            <a:endParaRPr kumimoji="1" lang="ja-JP" altLang="en-US"/>
-          </a:p>
-        </p:txBody>
-      </p:sp>
-      <p:sp>
-        <p:nvSpPr>
-          <p:cNvPr id="4" name="Slide Number Placeholder 3"/>
-          <p:cNvSpPr>
-            <a:spLocks noGrp="1"/>
-          </p:cNvSpPr>
-          <p:nvPr>
-            <p:ph type="sldNum" sz="quarter" idx="12"/>
-          </p:nvPr>
-        </p:nvSpPr>
-        <p:spPr/>
-        <p:txBody>
-          <a:bodyPr/>
-          <a:lstStyle/>
-          <a:p>
-            <a:fld id="{C1A4E16F-9CEB-47A6-B8DF-28924D05829B}" type="slidenum">
-              <a:rPr kumimoji="1" lang="ja-JP" altLang="en-US" smtClean="0"/>
-              <a:t>‹#›</a:t>
-            </a:fld>
             <a:endParaRPr kumimoji="1" lang="ja-JP" altLang="en-US"/>
           </a:p>
         </p:txBody>
@@ -2753,7 +2707,7 @@
           <a:p>
             <a:fld id="{2FD4BF64-4643-4F2F-9E14-ABA1F12A43DE}" type="datetime1">
               <a:rPr kumimoji="1" lang="ja-JP" altLang="en-US" smtClean="0"/>
-              <a:t>2021/7/14</a:t>
+              <a:t>2021/7/22</a:t>
             </a:fld>
             <a:endParaRPr kumimoji="1" lang="ja-JP" altLang="en-US"/>
           </a:p>
@@ -3010,7 +2964,7 @@
           <a:p>
             <a:fld id="{4775FF6E-0AC3-4CFF-BD5F-615BAFBBFB63}" type="datetime1">
               <a:rPr kumimoji="1" lang="ja-JP" altLang="en-US" smtClean="0"/>
-              <a:t>2021/7/14</a:t>
+              <a:t>2021/7/22</a:t>
             </a:fld>
             <a:endParaRPr kumimoji="1" lang="ja-JP" altLang="en-US"/>
           </a:p>
@@ -3255,7 +3209,7 @@
           <a:p>
             <a:fld id="{63DC7EF6-3FB0-4B29-8D75-11EE9B911EFB}" type="datetime1">
               <a:rPr kumimoji="1" lang="ja-JP" altLang="en-US" smtClean="0"/>
-              <a:t>2021/7/14</a:t>
+              <a:t>2021/7/22</a:t>
             </a:fld>
             <a:endParaRPr kumimoji="1" lang="ja-JP" altLang="en-US"/>
           </a:p>
@@ -3668,10 +3622,15 @@
             <a:spLocks noGrp="1"/>
           </p:cNvSpPr>
           <p:nvPr>
-            <p:ph type="sldNum" sz="quarter" idx="12"/>
+            <p:ph type="sldNum" sz="quarter" idx="4294967295"/>
           </p:nvPr>
         </p:nvSpPr>
-        <p:spPr/>
+        <p:spPr>
+          <a:xfrm>
+            <a:off x="6457950" y="6356351"/>
+            <a:ext cx="2057400" cy="365125"/>
+          </a:xfrm>
+        </p:spPr>
         <p:txBody>
           <a:bodyPr/>
           <a:lstStyle/>
@@ -7920,7 +7879,7 @@
             <a:spLocks noGrp="1"/>
           </p:cNvSpPr>
           <p:nvPr>
-            <p:ph type="sldNum" sz="quarter" idx="12"/>
+            <p:ph type="sldNum" sz="quarter" idx="4294967295"/>
           </p:nvPr>
         </p:nvSpPr>
         <p:spPr>
@@ -8411,23 +8370,53 @@
       </p:grpSpPr>
       <p:sp>
         <p:nvSpPr>
-          <p:cNvPr id="2" name="スライド番号プレースホルダー 1"/>
-          <p:cNvSpPr>
-            <a:spLocks noGrp="1"/>
-          </p:cNvSpPr>
-          <p:nvPr>
-            <p:ph type="sldNum" sz="quarter" idx="12"/>
-          </p:nvPr>
+          <p:cNvPr id="15" name="角丸四角形 14"/>
+          <p:cNvSpPr/>
+          <p:nvPr/>
         </p:nvSpPr>
-        <p:spPr/>
+        <p:spPr>
+          <a:xfrm>
+            <a:off x="3241902" y="4341702"/>
+            <a:ext cx="1629502" cy="1131772"/>
+          </a:xfrm>
+          <a:prstGeom prst="roundRect">
+            <a:avLst/>
+          </a:prstGeom>
+          <a:solidFill>
+            <a:schemeClr val="accent4">
+              <a:lumMod val="20000"/>
+              <a:lumOff val="80000"/>
+            </a:schemeClr>
+          </a:solidFill>
+          <a:ln>
+            <a:solidFill>
+              <a:schemeClr val="accent6">
+                <a:lumMod val="75000"/>
+              </a:schemeClr>
+            </a:solidFill>
+          </a:ln>
+        </p:spPr>
+        <p:style>
+          <a:lnRef idx="2">
+            <a:schemeClr val="accent1">
+              <a:shade val="50000"/>
+            </a:schemeClr>
+          </a:lnRef>
+          <a:fillRef idx="1">
+            <a:schemeClr val="accent1"/>
+          </a:fillRef>
+          <a:effectRef idx="0">
+            <a:schemeClr val="accent1"/>
+          </a:effectRef>
+          <a:fontRef idx="minor">
+            <a:schemeClr val="lt1"/>
+          </a:fontRef>
+        </p:style>
         <p:txBody>
-          <a:bodyPr/>
+          <a:bodyPr rtlCol="0" anchor="ctr"/>
           <a:lstStyle/>
           <a:p>
-            <a:fld id="{C1A4E16F-9CEB-47A6-B8DF-28924D05829B}" type="slidenum">
-              <a:rPr kumimoji="1" lang="ja-JP" altLang="en-US" smtClean="0"/>
-              <a:t>17</a:t>
-            </a:fld>
+            <a:pPr algn="ctr"/>
             <a:endParaRPr kumimoji="1" lang="ja-JP" altLang="en-US"/>
           </a:p>
         </p:txBody>
@@ -8470,7 +8459,7 @@
         <p:spPr>
           <a:xfrm>
             <a:off x="1826528" y="4737296"/>
-            <a:ext cx="1638354" cy="340584"/>
+            <a:ext cx="1415373" cy="340584"/>
           </a:xfrm>
           <a:prstGeom prst="rightArrow">
             <a:avLst/>
@@ -8527,7 +8516,7 @@
         </p:blipFill>
         <p:spPr>
           <a:xfrm>
-            <a:off x="2264006" y="4538416"/>
+            <a:off x="2033369" y="4551562"/>
             <a:ext cx="864014" cy="712052"/>
           </a:xfrm>
           <a:prstGeom prst="rect">
@@ -8551,7 +8540,7 @@
         </p:blipFill>
         <p:spPr>
           <a:xfrm>
-            <a:off x="1035321" y="4629538"/>
+            <a:off x="886123" y="4629538"/>
             <a:ext cx="1017555" cy="620930"/>
           </a:xfrm>
           <a:prstGeom prst="rect">
@@ -8567,7 +8556,7 @@
         </p:nvSpPr>
         <p:spPr>
           <a:xfrm>
-            <a:off x="3464882" y="4590040"/>
+            <a:off x="3359686" y="4719512"/>
             <a:ext cx="1406523" cy="608803"/>
           </a:xfrm>
           <a:prstGeom prst="cube">
@@ -8794,8 +8783,8 @@
         </p:nvCxnSpPr>
         <p:spPr>
           <a:xfrm flipV="1">
-            <a:off x="4871405" y="4124011"/>
-            <a:ext cx="1294113" cy="694330"/>
+            <a:off x="4766209" y="4124011"/>
+            <a:ext cx="1399309" cy="823802"/>
           </a:xfrm>
           <a:prstGeom prst="straightConnector1">
             <a:avLst/>
@@ -8833,8 +8822,8 @@
         </p:nvCxnSpPr>
         <p:spPr>
           <a:xfrm>
-            <a:off x="4871405" y="4818341"/>
-            <a:ext cx="1294111" cy="681999"/>
+            <a:off x="4766209" y="4947813"/>
+            <a:ext cx="1399307" cy="552527"/>
           </a:xfrm>
           <a:prstGeom prst="straightConnector1">
             <a:avLst/>
@@ -8872,8 +8861,8 @@
         </p:nvCxnSpPr>
         <p:spPr>
           <a:xfrm flipV="1">
-            <a:off x="4871405" y="4784758"/>
-            <a:ext cx="1294112" cy="33583"/>
+            <a:off x="4766209" y="4784758"/>
+            <a:ext cx="1399308" cy="163055"/>
           </a:xfrm>
           <a:prstGeom prst="straightConnector1">
             <a:avLst/>
@@ -8908,7 +8897,7 @@
         </p:nvSpPr>
         <p:spPr>
           <a:xfrm>
-            <a:off x="4422131" y="5158355"/>
+            <a:off x="4207243" y="3715986"/>
             <a:ext cx="1796432" cy="646331"/>
           </a:xfrm>
           <a:prstGeom prst="rect">
@@ -8936,6 +8925,40 @@
             <a:r>
               <a:rPr kumimoji="1" lang="ja-JP" altLang="en-US" b="1" dirty="0" smtClean="0"/>
               <a:t>ボトルネックに</a:t>
+            </a:r>
+            <a:endParaRPr kumimoji="1" lang="ja-JP" altLang="en-US" b="1" dirty="0"/>
+          </a:p>
+        </p:txBody>
+      </p:sp>
+      <p:sp>
+        <p:nvSpPr>
+          <p:cNvPr id="20" name="テキスト ボックス 19"/>
+          <p:cNvSpPr txBox="1"/>
+          <p:nvPr/>
+        </p:nvSpPr>
+        <p:spPr>
+          <a:xfrm>
+            <a:off x="3411399" y="4358175"/>
+            <a:ext cx="1346718" cy="369332"/>
+          </a:xfrm>
+          <a:prstGeom prst="rect">
+            <a:avLst/>
+          </a:prstGeom>
+          <a:noFill/>
+        </p:spPr>
+        <p:txBody>
+          <a:bodyPr wrap="square" rtlCol="0">
+            <a:spAutoFit/>
+          </a:bodyPr>
+          <a:lstStyle/>
+          <a:p>
+            <a:r>
+              <a:rPr kumimoji="1" lang="en-US" altLang="ja-JP" b="1" dirty="0" smtClean="0"/>
+              <a:t>WEB</a:t>
+            </a:r>
+            <a:r>
+              <a:rPr kumimoji="1" lang="ja-JP" altLang="en-US" b="1" dirty="0" smtClean="0"/>
+              <a:t>サーバ</a:t>
             </a:r>
             <a:endParaRPr kumimoji="1" lang="ja-JP" altLang="en-US" b="1" dirty="0"/>
           </a:p>
@@ -9952,10 +9975,15 @@
             <a:spLocks noGrp="1"/>
           </p:cNvSpPr>
           <p:nvPr>
-            <p:ph type="sldNum" sz="quarter" idx="12"/>
+            <p:ph type="sldNum" sz="quarter" idx="4294967295"/>
           </p:nvPr>
         </p:nvSpPr>
-        <p:spPr/>
+        <p:spPr>
+          <a:xfrm>
+            <a:off x="6457950" y="6356351"/>
+            <a:ext cx="2057400" cy="365125"/>
+          </a:xfrm>
+        </p:spPr>
         <p:txBody>
           <a:bodyPr/>
           <a:lstStyle/>
@@ -11333,10 +11361,15 @@
             <a:spLocks noGrp="1"/>
           </p:cNvSpPr>
           <p:nvPr>
-            <p:ph type="sldNum" sz="quarter" idx="12"/>
+            <p:ph type="sldNum" sz="quarter" idx="4294967295"/>
           </p:nvPr>
         </p:nvSpPr>
-        <p:spPr/>
+        <p:spPr>
+          <a:xfrm>
+            <a:off x="6457950" y="6356351"/>
+            <a:ext cx="2057400" cy="365125"/>
+          </a:xfrm>
+        </p:spPr>
         <p:txBody>
           <a:bodyPr/>
           <a:lstStyle/>

--- a/meeting/1821086_matsuo_Chart.pptx
+++ b/meeting/1821086_matsuo_Chart.pptx
@@ -5,7 +5,7 @@
     <p:sldMasterId id="2147483660" r:id="rId1"/>
   </p:sldMasterIdLst>
   <p:notesMasterIdLst>
-    <p:notesMasterId r:id="rId19"/>
+    <p:notesMasterId r:id="rId22"/>
   </p:notesMasterIdLst>
   <p:sldIdLst>
     <p:sldId id="276" r:id="rId2"/>
@@ -16,15 +16,18 @@
     <p:sldId id="286" r:id="rId7"/>
     <p:sldId id="292" r:id="rId8"/>
     <p:sldId id="282" r:id="rId9"/>
-    <p:sldId id="285" r:id="rId10"/>
-    <p:sldId id="284" r:id="rId11"/>
-    <p:sldId id="287" r:id="rId12"/>
-    <p:sldId id="288" r:id="rId13"/>
-    <p:sldId id="289" r:id="rId14"/>
-    <p:sldId id="291" r:id="rId15"/>
-    <p:sldId id="295" r:id="rId16"/>
-    <p:sldId id="290" r:id="rId17"/>
-    <p:sldId id="294" r:id="rId18"/>
+    <p:sldId id="297" r:id="rId10"/>
+    <p:sldId id="285" r:id="rId11"/>
+    <p:sldId id="298" r:id="rId12"/>
+    <p:sldId id="284" r:id="rId13"/>
+    <p:sldId id="296" r:id="rId14"/>
+    <p:sldId id="287" r:id="rId15"/>
+    <p:sldId id="288" r:id="rId16"/>
+    <p:sldId id="289" r:id="rId17"/>
+    <p:sldId id="291" r:id="rId18"/>
+    <p:sldId id="295" r:id="rId19"/>
+    <p:sldId id="290" r:id="rId20"/>
+    <p:sldId id="294" r:id="rId21"/>
   </p:sldIdLst>
   <p:sldSz cx="9144000" cy="6858000" type="screen4x3"/>
   <p:notesSz cx="6858000" cy="9144000"/>
@@ -213,7 +216,7 @@
           <a:p>
             <a:fld id="{869FDBD3-40C4-4F2A-82A8-38E5DBC6C4C1}" type="datetimeFigureOut">
               <a:rPr kumimoji="1" lang="ja-JP" altLang="en-US" smtClean="0"/>
-              <a:t>2021/7/22</a:t>
+              <a:t>2021/7/23</a:t>
             </a:fld>
             <a:endParaRPr kumimoji="1" lang="ja-JP" altLang="en-US"/>
           </a:p>
@@ -644,7 +647,7 @@
           <a:p>
             <a:fld id="{494AB2A1-E364-47CF-B5DC-53E264C607F6}" type="datetime1">
               <a:rPr kumimoji="1" lang="ja-JP" altLang="en-US" smtClean="0"/>
-              <a:t>2021/7/22</a:t>
+              <a:t>2021/7/23</a:t>
             </a:fld>
             <a:endParaRPr kumimoji="1" lang="ja-JP" altLang="en-US"/>
           </a:p>
@@ -846,7 +849,7 @@
           <a:p>
             <a:fld id="{493740D4-C406-4492-90E6-6432EEF92C60}" type="datetime1">
               <a:rPr kumimoji="1" lang="ja-JP" altLang="en-US" smtClean="0"/>
-              <a:t>2021/7/22</a:t>
+              <a:t>2021/7/23</a:t>
             </a:fld>
             <a:endParaRPr kumimoji="1" lang="ja-JP" altLang="en-US"/>
           </a:p>
@@ -1058,7 +1061,7 @@
           <a:p>
             <a:fld id="{ED69396B-CE42-4776-89F8-D39FC42CFB56}" type="datetime1">
               <a:rPr kumimoji="1" lang="ja-JP" altLang="en-US" smtClean="0"/>
-              <a:t>2021/7/22</a:t>
+              <a:t>2021/7/23</a:t>
             </a:fld>
             <a:endParaRPr kumimoji="1" lang="ja-JP" altLang="en-US"/>
           </a:p>
@@ -1260,7 +1263,7 @@
           <a:p>
             <a:fld id="{13625393-1B19-477D-ADB7-2A6386D3F149}" type="datetime1">
               <a:rPr kumimoji="1" lang="ja-JP" altLang="en-US" smtClean="0"/>
-              <a:t>2021/7/22</a:t>
+              <a:t>2021/7/23</a:t>
             </a:fld>
             <a:endParaRPr kumimoji="1" lang="ja-JP" altLang="en-US"/>
           </a:p>
@@ -1504,7 +1507,7 @@
           <a:p>
             <a:fld id="{E5FDA1EB-CBE3-4FB0-BB17-A44CDA0B54B3}" type="datetime1">
               <a:rPr kumimoji="1" lang="ja-JP" altLang="en-US" smtClean="0"/>
-              <a:t>2021/7/22</a:t>
+              <a:t>2021/7/23</a:t>
             </a:fld>
             <a:endParaRPr kumimoji="1" lang="ja-JP" altLang="en-US"/>
           </a:p>
@@ -1800,7 +1803,7 @@
           <a:p>
             <a:fld id="{C01EC069-9DC2-4DDB-AE63-C26A081803C1}" type="datetime1">
               <a:rPr kumimoji="1" lang="ja-JP" altLang="en-US" smtClean="0"/>
-              <a:t>2021/7/22</a:t>
+              <a:t>2021/7/23</a:t>
             </a:fld>
             <a:endParaRPr kumimoji="1" lang="ja-JP" altLang="en-US"/>
           </a:p>
@@ -2231,7 +2234,7 @@
           <a:p>
             <a:fld id="{FA16DDA6-9750-4222-A53D-9B2AFD4F7604}" type="datetime1">
               <a:rPr kumimoji="1" lang="ja-JP" altLang="en-US" smtClean="0"/>
-              <a:t>2021/7/22</a:t>
+              <a:t>2021/7/23</a:t>
             </a:fld>
             <a:endParaRPr kumimoji="1" lang="ja-JP" altLang="en-US"/>
           </a:p>
@@ -2349,7 +2352,7 @@
           <a:p>
             <a:fld id="{2A12A5DA-6757-4BE0-8138-B996B069D01C}" type="datetime1">
               <a:rPr kumimoji="1" lang="ja-JP" altLang="en-US" smtClean="0"/>
-              <a:t>2021/7/22</a:t>
+              <a:t>2021/7/23</a:t>
             </a:fld>
             <a:endParaRPr kumimoji="1" lang="ja-JP" altLang="en-US"/>
           </a:p>
@@ -2421,7 +2424,7 @@
           <a:p>
             <a:fld id="{80431E91-75F7-48C3-A2EB-716DBC94911B}" type="datetime1">
               <a:rPr kumimoji="1" lang="ja-JP" altLang="en-US" smtClean="0"/>
-              <a:t>2021/7/22</a:t>
+              <a:t>2021/7/23</a:t>
             </a:fld>
             <a:endParaRPr kumimoji="1" lang="ja-JP" altLang="en-US"/>
           </a:p>
@@ -2707,7 +2710,7 @@
           <a:p>
             <a:fld id="{2FD4BF64-4643-4F2F-9E14-ABA1F12A43DE}" type="datetime1">
               <a:rPr kumimoji="1" lang="ja-JP" altLang="en-US" smtClean="0"/>
-              <a:t>2021/7/22</a:t>
+              <a:t>2021/7/23</a:t>
             </a:fld>
             <a:endParaRPr kumimoji="1" lang="ja-JP" altLang="en-US"/>
           </a:p>
@@ -2964,7 +2967,7 @@
           <a:p>
             <a:fld id="{4775FF6E-0AC3-4CFF-BD5F-615BAFBBFB63}" type="datetime1">
               <a:rPr kumimoji="1" lang="ja-JP" altLang="en-US" smtClean="0"/>
-              <a:t>2021/7/22</a:t>
+              <a:t>2021/7/23</a:t>
             </a:fld>
             <a:endParaRPr kumimoji="1" lang="ja-JP" altLang="en-US"/>
           </a:p>
@@ -3209,7 +3212,7 @@
           <a:p>
             <a:fld id="{63DC7EF6-3FB0-4B29-8D75-11EE9B911EFB}" type="datetime1">
               <a:rPr kumimoji="1" lang="ja-JP" altLang="en-US" smtClean="0"/>
-              <a:t>2021/7/22</a:t>
+              <a:t>2021/7/23</a:t>
             </a:fld>
             <a:endParaRPr kumimoji="1" lang="ja-JP" altLang="en-US"/>
           </a:p>
@@ -4065,46 +4068,581 @@
           <a:chExt cx="0" cy="0"/>
         </a:xfrm>
       </p:grpSpPr>
-      <p:pic>
-        <p:nvPicPr>
-          <p:cNvPr id="5" name="図 4"/>
-          <p:cNvPicPr>
-            <a:picLocks noChangeAspect="1"/>
-          </p:cNvPicPr>
+      <p:grpSp>
+        <p:nvGrpSpPr>
+          <p:cNvPr id="6" name="グループ化 5"/>
+          <p:cNvGrpSpPr/>
           <p:nvPr/>
-        </p:nvPicPr>
-        <p:blipFill>
-          <a:blip r:embed="rId2"/>
-          <a:stretch>
-            <a:fillRect/>
-          </a:stretch>
-        </p:blipFill>
-        <p:spPr>
+        </p:nvGrpSpPr>
+        <p:grpSpPr>
           <a:xfrm>
-            <a:off x="400419" y="221171"/>
-            <a:ext cx="2415909" cy="2981964"/>
+            <a:off x="2035543" y="1351055"/>
+            <a:ext cx="3984215" cy="3819677"/>
+            <a:chOff x="2035543" y="1351055"/>
+            <a:chExt cx="3984215" cy="3819677"/>
+          </a:xfrm>
+        </p:grpSpPr>
+        <p:grpSp>
+          <p:nvGrpSpPr>
+            <p:cNvPr id="5" name="グループ化 4"/>
+            <p:cNvGrpSpPr/>
+            <p:nvPr/>
+          </p:nvGrpSpPr>
+          <p:grpSpPr>
+            <a:xfrm>
+              <a:off x="2035543" y="1351055"/>
+              <a:ext cx="3984215" cy="3819677"/>
+              <a:chOff x="4179634" y="893568"/>
+              <a:chExt cx="3984215" cy="3811749"/>
+            </a:xfrm>
+            <a:solidFill>
+              <a:srgbClr val="BDEDFF"/>
+            </a:solidFill>
+          </p:grpSpPr>
+          <p:sp>
+            <p:nvSpPr>
+              <p:cNvPr id="4" name="正方形/長方形 3"/>
+              <p:cNvSpPr/>
+              <p:nvPr/>
+            </p:nvSpPr>
+            <p:spPr>
+              <a:xfrm>
+                <a:off x="4179634" y="893568"/>
+                <a:ext cx="3984215" cy="3811749"/>
+              </a:xfrm>
+              <a:prstGeom prst="rect">
+                <a:avLst/>
+              </a:prstGeom>
+              <a:grpFill/>
+              <a:ln>
+                <a:noFill/>
+              </a:ln>
+            </p:spPr>
+            <p:style>
+              <a:lnRef idx="2">
+                <a:schemeClr val="accent1">
+                  <a:shade val="50000"/>
+                </a:schemeClr>
+              </a:lnRef>
+              <a:fillRef idx="1">
+                <a:schemeClr val="accent1"/>
+              </a:fillRef>
+              <a:effectRef idx="0">
+                <a:schemeClr val="accent1"/>
+              </a:effectRef>
+              <a:fontRef idx="minor">
+                <a:schemeClr val="lt1"/>
+              </a:fontRef>
+            </p:style>
+            <p:txBody>
+              <a:bodyPr rtlCol="0" anchor="ctr"/>
+              <a:lstStyle/>
+              <a:p>
+                <a:pPr algn="ctr"/>
+                <a:r>
+                  <a:rPr kumimoji="1" lang="en-US" altLang="ja-JP" dirty="0" smtClean="0"/>
+                  <a:t/>
+                </a:r>
+                <a:br>
+                  <a:rPr kumimoji="1" lang="en-US" altLang="ja-JP" dirty="0" smtClean="0"/>
+                </a:br>
+                <a:r>
+                  <a:rPr kumimoji="1" lang="en-US" altLang="ja-JP" dirty="0" smtClean="0"/>
+                  <a:t/>
+                </a:r>
+                <a:br>
+                  <a:rPr kumimoji="1" lang="en-US" altLang="ja-JP" dirty="0" smtClean="0"/>
+                </a:br>
+                <a:r>
+                  <a:rPr kumimoji="1" lang="en-US" altLang="ja-JP" dirty="0" smtClean="0"/>
+                  <a:t/>
+                </a:r>
+                <a:br>
+                  <a:rPr kumimoji="1" lang="en-US" altLang="ja-JP" dirty="0" smtClean="0"/>
+                </a:br>
+                <a:r>
+                  <a:rPr kumimoji="1" lang="en-US" altLang="ja-JP" dirty="0" smtClean="0"/>
+                  <a:t/>
+                </a:r>
+                <a:br>
+                  <a:rPr kumimoji="1" lang="en-US" altLang="ja-JP" dirty="0" smtClean="0"/>
+                </a:br>
+                <a:r>
+                  <a:rPr kumimoji="1" lang="en-US" altLang="ja-JP" dirty="0" smtClean="0"/>
+                  <a:t/>
+                </a:r>
+                <a:br>
+                  <a:rPr kumimoji="1" lang="en-US" altLang="ja-JP" dirty="0" smtClean="0"/>
+                </a:br>
+                <a:r>
+                  <a:rPr kumimoji="1" lang="en-US" altLang="ja-JP" dirty="0" smtClean="0"/>
+                  <a:t/>
+                </a:r>
+                <a:br>
+                  <a:rPr kumimoji="1" lang="en-US" altLang="ja-JP" dirty="0" smtClean="0"/>
+                </a:br>
+                <a:r>
+                  <a:rPr kumimoji="1" lang="en-US" altLang="ja-JP" dirty="0" smtClean="0"/>
+                  <a:t/>
+                </a:r>
+                <a:br>
+                  <a:rPr kumimoji="1" lang="en-US" altLang="ja-JP" dirty="0" smtClean="0"/>
+                </a:br>
+                <a:r>
+                  <a:rPr kumimoji="1" lang="en-US" altLang="ja-JP" dirty="0" smtClean="0"/>
+                  <a:t/>
+                </a:r>
+                <a:br>
+                  <a:rPr kumimoji="1" lang="en-US" altLang="ja-JP" dirty="0" smtClean="0"/>
+                </a:br>
+                <a:r>
+                  <a:rPr kumimoji="1" lang="en-US" altLang="ja-JP" dirty="0" smtClean="0"/>
+                  <a:t/>
+                </a:r>
+                <a:br>
+                  <a:rPr kumimoji="1" lang="en-US" altLang="ja-JP" dirty="0" smtClean="0"/>
+                </a:br>
+                <a:r>
+                  <a:rPr kumimoji="1" lang="en-US" altLang="ja-JP" dirty="0" smtClean="0"/>
+                  <a:t/>
+                </a:r>
+                <a:br>
+                  <a:rPr kumimoji="1" lang="en-US" altLang="ja-JP" dirty="0" smtClean="0"/>
+                </a:br>
+                <a:r>
+                  <a:rPr kumimoji="1" lang="en-US" altLang="ja-JP" dirty="0" smtClean="0"/>
+                  <a:t/>
+                </a:r>
+                <a:br>
+                  <a:rPr kumimoji="1" lang="en-US" altLang="ja-JP" dirty="0" smtClean="0"/>
+                </a:br>
+                <a:r>
+                  <a:rPr kumimoji="1" lang="en-US" altLang="ja-JP" dirty="0" smtClean="0"/>
+                  <a:t/>
+                </a:r>
+                <a:br>
+                  <a:rPr kumimoji="1" lang="en-US" altLang="ja-JP" dirty="0" smtClean="0"/>
+                </a:br>
+                <a:r>
+                  <a:rPr kumimoji="1" lang="en-US" altLang="ja-JP" dirty="0" smtClean="0"/>
+                  <a:t/>
+                </a:r>
+                <a:br>
+                  <a:rPr kumimoji="1" lang="en-US" altLang="ja-JP" dirty="0" smtClean="0"/>
+                </a:br>
+                <a:r>
+                  <a:rPr kumimoji="1" lang="en-US" altLang="ja-JP" dirty="0" smtClean="0"/>
+                  <a:t/>
+                </a:r>
+                <a:br>
+                  <a:rPr kumimoji="1" lang="en-US" altLang="ja-JP" dirty="0" smtClean="0"/>
+                </a:br>
+                <a:endParaRPr kumimoji="1" lang="ja-JP" altLang="en-US" dirty="0"/>
+              </a:p>
+            </p:txBody>
+          </p:sp>
+          <p:sp>
+            <p:nvSpPr>
+              <p:cNvPr id="33" name="テキスト ボックス 32"/>
+              <p:cNvSpPr txBox="1"/>
+              <p:nvPr/>
+            </p:nvSpPr>
+            <p:spPr>
+              <a:xfrm>
+                <a:off x="5002190" y="1093189"/>
+                <a:ext cx="2339102" cy="461665"/>
+              </a:xfrm>
+              <a:prstGeom prst="rect">
+                <a:avLst/>
+              </a:prstGeom>
+              <a:grpFill/>
+              <a:ln>
+                <a:noFill/>
+              </a:ln>
+            </p:spPr>
+            <p:txBody>
+              <a:bodyPr wrap="none" rtlCol="0">
+                <a:spAutoFit/>
+              </a:bodyPr>
+              <a:lstStyle/>
+              <a:p>
+                <a:r>
+                  <a:rPr kumimoji="1" lang="ja-JP" altLang="en-US" sz="2400" b="1" dirty="0" smtClean="0"/>
+                  <a:t>ロードバランサ</a:t>
+                </a:r>
+                <a:endParaRPr kumimoji="1" lang="ja-JP" altLang="en-US" sz="2400" b="1" dirty="0"/>
+              </a:p>
+            </p:txBody>
+          </p:sp>
+          <p:sp>
+            <p:nvSpPr>
+              <p:cNvPr id="14" name="テキスト ボックス 13"/>
+              <p:cNvSpPr txBox="1"/>
+              <p:nvPr/>
+            </p:nvSpPr>
+            <p:spPr>
+              <a:xfrm>
+                <a:off x="4274301" y="1599528"/>
+                <a:ext cx="3331361" cy="461665"/>
+              </a:xfrm>
+              <a:prstGeom prst="rect">
+                <a:avLst/>
+              </a:prstGeom>
+              <a:grpFill/>
+              <a:ln>
+                <a:noFill/>
+              </a:ln>
+            </p:spPr>
+            <p:txBody>
+              <a:bodyPr wrap="none" rtlCol="0">
+                <a:spAutoFit/>
+              </a:bodyPr>
+              <a:lstStyle/>
+              <a:p>
+                <a:r>
+                  <a:rPr kumimoji="1" lang="en-US" altLang="ja-JP" sz="2400" b="1" dirty="0" smtClean="0">
+                    <a:solidFill>
+                      <a:srgbClr val="41719C"/>
+                    </a:solidFill>
+                  </a:rPr>
+                  <a:t>If(</a:t>
+                </a:r>
+                <a:r>
+                  <a:rPr kumimoji="1" lang="ja-JP" altLang="en-US" sz="2400" b="1" dirty="0" smtClean="0">
+                    <a:solidFill>
+                      <a:srgbClr val="41719C"/>
+                    </a:solidFill>
+                  </a:rPr>
+                  <a:t>サーバ</a:t>
+                </a:r>
+                <a:r>
+                  <a:rPr kumimoji="1" lang="en-US" altLang="ja-JP" sz="2400" b="1" dirty="0" smtClean="0">
+                    <a:solidFill>
+                      <a:srgbClr val="41719C"/>
+                    </a:solidFill>
+                  </a:rPr>
+                  <a:t>1,2,3 &gt;= </a:t>
+                </a:r>
+                <a:r>
+                  <a:rPr kumimoji="1" lang="ja-JP" altLang="en-US" sz="2400" b="1" dirty="0" smtClean="0">
+                    <a:solidFill>
+                      <a:srgbClr val="41719C"/>
+                    </a:solidFill>
+                  </a:rPr>
+                  <a:t>評価</a:t>
+                </a:r>
+                <a:r>
+                  <a:rPr kumimoji="1" lang="en-US" altLang="ja-JP" sz="2400" b="1" dirty="0" smtClean="0">
+                    <a:solidFill>
+                      <a:srgbClr val="41719C"/>
+                    </a:solidFill>
+                  </a:rPr>
+                  <a:t>C)</a:t>
+                </a:r>
+                <a:endParaRPr kumimoji="1" lang="ja-JP" altLang="en-US" sz="2400" b="1" dirty="0">
+                  <a:solidFill>
+                    <a:srgbClr val="41719C"/>
+                  </a:solidFill>
+                </a:endParaRPr>
+              </a:p>
+            </p:txBody>
+          </p:sp>
+          <p:sp>
+            <p:nvSpPr>
+              <p:cNvPr id="15" name="テキスト ボックス 14"/>
+              <p:cNvSpPr txBox="1"/>
+              <p:nvPr/>
+            </p:nvSpPr>
+            <p:spPr>
+              <a:xfrm>
+                <a:off x="4437133" y="3003864"/>
+                <a:ext cx="3469219" cy="461665"/>
+              </a:xfrm>
+              <a:prstGeom prst="rect">
+                <a:avLst/>
+              </a:prstGeom>
+              <a:grpFill/>
+              <a:ln>
+                <a:noFill/>
+              </a:ln>
+            </p:spPr>
+            <p:txBody>
+              <a:bodyPr wrap="none" rtlCol="0">
+                <a:spAutoFit/>
+              </a:bodyPr>
+              <a:lstStyle/>
+              <a:p>
+                <a:r>
+                  <a:rPr kumimoji="1" lang="en-US" altLang="ja-JP" sz="2400" b="1" dirty="0">
+                    <a:solidFill>
+                      <a:srgbClr val="41719C"/>
+                    </a:solidFill>
+                  </a:rPr>
+                  <a:t>e</a:t>
+                </a:r>
+                <a:r>
+                  <a:rPr kumimoji="1" lang="en-US" altLang="ja-JP" sz="2400" b="1" dirty="0" smtClean="0">
+                    <a:solidFill>
+                      <a:srgbClr val="41719C"/>
+                    </a:solidFill>
+                  </a:rPr>
+                  <a:t>lse If(</a:t>
+                </a:r>
+                <a:r>
+                  <a:rPr kumimoji="1" lang="ja-JP" altLang="en-US" sz="2400" b="1" dirty="0" smtClean="0">
+                    <a:solidFill>
+                      <a:srgbClr val="41719C"/>
+                    </a:solidFill>
+                  </a:rPr>
+                  <a:t>サーバ</a:t>
+                </a:r>
+                <a:r>
+                  <a:rPr kumimoji="1" lang="en-US" altLang="ja-JP" sz="2400" b="1" dirty="0" smtClean="0">
+                    <a:solidFill>
+                      <a:srgbClr val="41719C"/>
+                    </a:solidFill>
+                  </a:rPr>
+                  <a:t>X</a:t>
+                </a:r>
+                <a:r>
+                  <a:rPr kumimoji="1" lang="ja-JP" altLang="en-US" sz="2400" b="1" dirty="0" smtClean="0">
+                    <a:solidFill>
+                      <a:srgbClr val="41719C"/>
+                    </a:solidFill>
+                  </a:rPr>
+                  <a:t> </a:t>
+                </a:r>
+                <a:r>
+                  <a:rPr kumimoji="1" lang="en-US" altLang="ja-JP" sz="2400" b="1" dirty="0" smtClean="0">
+                    <a:solidFill>
+                      <a:srgbClr val="41719C"/>
+                    </a:solidFill>
+                  </a:rPr>
+                  <a:t>== D</a:t>
+                </a:r>
+                <a:r>
+                  <a:rPr kumimoji="1" lang="ja-JP" altLang="en-US" sz="2400" b="1" dirty="0" smtClean="0">
+                    <a:solidFill>
+                      <a:srgbClr val="41719C"/>
+                    </a:solidFill>
+                  </a:rPr>
+                  <a:t>評価</a:t>
+                </a:r>
+                <a:r>
+                  <a:rPr kumimoji="1" lang="en-US" altLang="ja-JP" sz="2400" b="1" dirty="0" smtClean="0">
+                    <a:solidFill>
+                      <a:srgbClr val="41719C"/>
+                    </a:solidFill>
+                  </a:rPr>
+                  <a:t>)</a:t>
+                </a:r>
+                <a:endParaRPr kumimoji="1" lang="ja-JP" altLang="en-US" sz="2400" b="1" dirty="0">
+                  <a:solidFill>
+                    <a:srgbClr val="41719C"/>
+                  </a:solidFill>
+                </a:endParaRPr>
+              </a:p>
+            </p:txBody>
+          </p:sp>
+        </p:grpSp>
+        <p:sp>
+          <p:nvSpPr>
+            <p:cNvPr id="17" name="正方形/長方形 16"/>
+            <p:cNvSpPr/>
+            <p:nvPr/>
+          </p:nvSpPr>
+          <p:spPr>
+            <a:xfrm>
+              <a:off x="2243045" y="2543166"/>
+              <a:ext cx="3569216" cy="717728"/>
+            </a:xfrm>
+            <a:prstGeom prst="rect">
+              <a:avLst/>
+            </a:prstGeom>
+            <a:solidFill>
+              <a:srgbClr val="DEEBF7"/>
+            </a:solidFill>
+            <a:ln>
+              <a:solidFill>
+                <a:srgbClr val="41719C"/>
+              </a:solidFill>
+            </a:ln>
+          </p:spPr>
+          <p:style>
+            <a:lnRef idx="2">
+              <a:schemeClr val="accent6"/>
+            </a:lnRef>
+            <a:fillRef idx="1">
+              <a:schemeClr val="lt1"/>
+            </a:fillRef>
+            <a:effectRef idx="0">
+              <a:schemeClr val="accent6"/>
+            </a:effectRef>
+            <a:fontRef idx="minor">
+              <a:schemeClr val="dk1"/>
+            </a:fontRef>
+          </p:style>
+          <p:txBody>
+            <a:bodyPr rtlCol="0" anchor="ctr"/>
+            <a:lstStyle/>
+            <a:p>
+              <a:pPr algn="ctr"/>
+              <a:r>
+                <a:rPr kumimoji="1" lang="ja-JP" altLang="en-US" b="1" dirty="0">
+                  <a:solidFill>
+                    <a:srgbClr val="41719C"/>
+                  </a:solidFill>
+                </a:rPr>
+                <a:t>最小接続を使う</a:t>
+              </a:r>
+              <a:br>
+                <a:rPr kumimoji="1" lang="ja-JP" altLang="en-US" b="1" dirty="0">
+                  <a:solidFill>
+                    <a:srgbClr val="41719C"/>
+                  </a:solidFill>
+                </a:rPr>
+              </a:br>
+              <a:r>
+                <a:rPr kumimoji="1" lang="ja-JP" altLang="en-US" b="1" dirty="0">
+                  <a:solidFill>
+                    <a:srgbClr val="41719C"/>
+                  </a:solidFill>
+                </a:rPr>
+                <a:t>（リーストコネクション）</a:t>
+              </a:r>
+            </a:p>
+          </p:txBody>
+        </p:sp>
+        <p:sp>
+          <p:nvSpPr>
+            <p:cNvPr id="18" name="正方形/長方形 17"/>
+            <p:cNvSpPr/>
+            <p:nvPr/>
+          </p:nvSpPr>
+          <p:spPr>
+            <a:xfrm>
+              <a:off x="2243045" y="3945612"/>
+              <a:ext cx="3569216" cy="717728"/>
+            </a:xfrm>
+            <a:prstGeom prst="rect">
+              <a:avLst/>
+            </a:prstGeom>
+            <a:solidFill>
+              <a:srgbClr val="FFD966"/>
+            </a:solidFill>
+            <a:ln>
+              <a:solidFill>
+                <a:srgbClr val="41719C"/>
+              </a:solidFill>
+            </a:ln>
+          </p:spPr>
+          <p:style>
+            <a:lnRef idx="2">
+              <a:schemeClr val="accent6"/>
+            </a:lnRef>
+            <a:fillRef idx="1">
+              <a:schemeClr val="lt1"/>
+            </a:fillRef>
+            <a:effectRef idx="0">
+              <a:schemeClr val="accent6"/>
+            </a:effectRef>
+            <a:fontRef idx="minor">
+              <a:schemeClr val="dk1"/>
+            </a:fontRef>
+          </p:style>
+          <p:txBody>
+            <a:bodyPr rtlCol="0" anchor="ctr"/>
+            <a:lstStyle/>
+            <a:p>
+              <a:pPr algn="ctr"/>
+              <a:r>
+                <a:rPr kumimoji="1" lang="en-US" altLang="ja-JP" b="1" dirty="0">
+                  <a:solidFill>
+                    <a:srgbClr val="41719C"/>
+                  </a:solidFill>
+                </a:rPr>
+                <a:t>X</a:t>
+              </a:r>
+              <a:r>
+                <a:rPr kumimoji="1" lang="ja-JP" altLang="en-US" b="1" dirty="0">
+                  <a:solidFill>
+                    <a:srgbClr val="41719C"/>
+                  </a:solidFill>
+                </a:rPr>
+                <a:t>サーバの重みづけを下げる</a:t>
+              </a:r>
+              <a:br>
+                <a:rPr kumimoji="1" lang="ja-JP" altLang="en-US" b="1" dirty="0">
+                  <a:solidFill>
+                    <a:srgbClr val="41719C"/>
+                  </a:solidFill>
+                </a:rPr>
+              </a:br>
+              <a:r>
+                <a:rPr kumimoji="1" lang="ja-JP" altLang="en-US" b="1" dirty="0">
+                  <a:solidFill>
+                    <a:srgbClr val="41719C"/>
+                  </a:solidFill>
+                </a:rPr>
+                <a:t>（コンフィグの設定変更）</a:t>
+              </a:r>
+            </a:p>
+          </p:txBody>
+        </p:sp>
+      </p:grpSp>
+    </p:spTree>
+    <p:extLst>
+      <p:ext uri="{BB962C8B-B14F-4D97-AF65-F5344CB8AC3E}">
+        <p14:creationId xmlns:p14="http://schemas.microsoft.com/office/powerpoint/2010/main" val="4154888859"/>
+      </p:ext>
+    </p:extLst>
+  </p:cSld>
+  <p:clrMapOvr>
+    <a:masterClrMapping/>
+  </p:clrMapOvr>
+  <p:timing>
+    <p:tnLst>
+      <p:par>
+        <p:cTn id="1" dur="indefinite" restart="never" nodeType="tmRoot"/>
+      </p:par>
+    </p:tnLst>
+  </p:timing>
+</p:sld>
+</file>
+
+<file path=ppt/slides/slide11.xml><?xml version="1.0" encoding="utf-8"?>
+<p:sld xmlns:a="http://schemas.openxmlformats.org/drawingml/2006/main" xmlns:r="http://schemas.openxmlformats.org/officeDocument/2006/relationships" xmlns:p="http://schemas.openxmlformats.org/presentationml/2006/main">
+  <p:cSld>
+    <p:spTree>
+      <p:nvGrpSpPr>
+        <p:cNvPr id="1" name=""/>
+        <p:cNvGrpSpPr/>
+        <p:nvPr/>
+      </p:nvGrpSpPr>
+      <p:grpSpPr>
+        <a:xfrm>
+          <a:off x="0" y="0"/>
+          <a:ext cx="0" cy="0"/>
+          <a:chOff x="0" y="0"/>
+          <a:chExt cx="0" cy="0"/>
+        </a:xfrm>
+      </p:grpSpPr>
+      <p:sp>
+        <p:nvSpPr>
+          <p:cNvPr id="4" name="正方形/長方形 3"/>
+          <p:cNvSpPr/>
+          <p:nvPr/>
+        </p:nvSpPr>
+        <p:spPr>
+          <a:xfrm>
+            <a:off x="2035543" y="1351055"/>
+            <a:ext cx="2552641" cy="1626814"/>
           </a:xfrm>
           <a:prstGeom prst="rect">
             <a:avLst/>
           </a:prstGeom>
-        </p:spPr>
-      </p:pic>
-      <p:sp>
-        <p:nvSpPr>
-          <p:cNvPr id="209" name="右矢印 208"/>
-          <p:cNvSpPr/>
-          <p:nvPr/>
-        </p:nvSpPr>
-        <p:spPr>
-          <a:xfrm>
-            <a:off x="1001140" y="4634836"/>
-            <a:ext cx="1610193" cy="340584"/>
-          </a:xfrm>
-          <a:prstGeom prst="rightArrow">
-            <a:avLst/>
-          </a:prstGeom>
           <a:solidFill>
-            <a:srgbClr val="92D050"/>
+            <a:srgbClr val="BDEDFF"/>
           </a:solidFill>
           <a:ln>
             <a:noFill/>
@@ -4131,30 +4669,220 @@
           <a:lstStyle/>
           <a:p>
             <a:pPr algn="ctr"/>
-            <a:endParaRPr kumimoji="1" lang="ja-JP" altLang="en-US">
-              <a:solidFill>
-                <a:schemeClr val="accent6"/>
-              </a:solidFill>
-            </a:endParaRPr>
+            <a:r>
+              <a:rPr kumimoji="1" lang="en-US" altLang="ja-JP" dirty="0" smtClean="0"/>
+              <a:t/>
+            </a:r>
+            <a:br>
+              <a:rPr kumimoji="1" lang="en-US" altLang="ja-JP" dirty="0" smtClean="0"/>
+            </a:br>
+            <a:r>
+              <a:rPr kumimoji="1" lang="en-US" altLang="ja-JP" dirty="0" smtClean="0"/>
+              <a:t/>
+            </a:r>
+            <a:br>
+              <a:rPr kumimoji="1" lang="en-US" altLang="ja-JP" dirty="0" smtClean="0"/>
+            </a:br>
+            <a:r>
+              <a:rPr kumimoji="1" lang="en-US" altLang="ja-JP" dirty="0" smtClean="0"/>
+              <a:t/>
+            </a:r>
+            <a:br>
+              <a:rPr kumimoji="1" lang="en-US" altLang="ja-JP" dirty="0" smtClean="0"/>
+            </a:br>
+            <a:r>
+              <a:rPr kumimoji="1" lang="en-US" altLang="ja-JP" dirty="0" smtClean="0"/>
+              <a:t/>
+            </a:r>
+            <a:br>
+              <a:rPr kumimoji="1" lang="en-US" altLang="ja-JP" dirty="0" smtClean="0"/>
+            </a:br>
+            <a:r>
+              <a:rPr kumimoji="1" lang="en-US" altLang="ja-JP" dirty="0" smtClean="0"/>
+              <a:t/>
+            </a:r>
+            <a:br>
+              <a:rPr kumimoji="1" lang="en-US" altLang="ja-JP" dirty="0" smtClean="0"/>
+            </a:br>
+            <a:r>
+              <a:rPr kumimoji="1" lang="en-US" altLang="ja-JP" dirty="0" smtClean="0"/>
+              <a:t/>
+            </a:r>
+            <a:br>
+              <a:rPr kumimoji="1" lang="en-US" altLang="ja-JP" dirty="0" smtClean="0"/>
+            </a:br>
+            <a:r>
+              <a:rPr kumimoji="1" lang="en-US" altLang="ja-JP" dirty="0" smtClean="0"/>
+              <a:t/>
+            </a:r>
+            <a:br>
+              <a:rPr kumimoji="1" lang="en-US" altLang="ja-JP" dirty="0" smtClean="0"/>
+            </a:br>
+            <a:r>
+              <a:rPr kumimoji="1" lang="en-US" altLang="ja-JP" dirty="0" smtClean="0"/>
+              <a:t/>
+            </a:r>
+            <a:br>
+              <a:rPr kumimoji="1" lang="en-US" altLang="ja-JP" dirty="0" smtClean="0"/>
+            </a:br>
+            <a:r>
+              <a:rPr kumimoji="1" lang="en-US" altLang="ja-JP" dirty="0" smtClean="0"/>
+              <a:t/>
+            </a:r>
+            <a:br>
+              <a:rPr kumimoji="1" lang="en-US" altLang="ja-JP" dirty="0" smtClean="0"/>
+            </a:br>
+            <a:r>
+              <a:rPr kumimoji="1" lang="en-US" altLang="ja-JP" dirty="0" smtClean="0"/>
+              <a:t/>
+            </a:r>
+            <a:br>
+              <a:rPr kumimoji="1" lang="en-US" altLang="ja-JP" dirty="0" smtClean="0"/>
+            </a:br>
+            <a:r>
+              <a:rPr kumimoji="1" lang="en-US" altLang="ja-JP" dirty="0" smtClean="0"/>
+              <a:t/>
+            </a:r>
+            <a:br>
+              <a:rPr kumimoji="1" lang="en-US" altLang="ja-JP" dirty="0" smtClean="0"/>
+            </a:br>
+            <a:r>
+              <a:rPr kumimoji="1" lang="en-US" altLang="ja-JP" dirty="0" smtClean="0"/>
+              <a:t/>
+            </a:r>
+            <a:br>
+              <a:rPr kumimoji="1" lang="en-US" altLang="ja-JP" dirty="0" smtClean="0"/>
+            </a:br>
+            <a:r>
+              <a:rPr kumimoji="1" lang="en-US" altLang="ja-JP" dirty="0" smtClean="0"/>
+              <a:t/>
+            </a:r>
+            <a:br>
+              <a:rPr kumimoji="1" lang="en-US" altLang="ja-JP" dirty="0" smtClean="0"/>
+            </a:br>
+            <a:r>
+              <a:rPr kumimoji="1" lang="en-US" altLang="ja-JP" dirty="0" smtClean="0"/>
+              <a:t/>
+            </a:r>
+            <a:br>
+              <a:rPr kumimoji="1" lang="en-US" altLang="ja-JP" dirty="0" smtClean="0"/>
+            </a:br>
+            <a:endParaRPr kumimoji="1" lang="ja-JP" altLang="en-US" dirty="0"/>
           </a:p>
         </p:txBody>
       </p:sp>
       <p:sp>
         <p:nvSpPr>
-          <p:cNvPr id="1025" name="屈折矢印 1024"/>
+          <p:cNvPr id="33" name="テキスト ボックス 32"/>
+          <p:cNvSpPr txBox="1"/>
+          <p:nvPr/>
+        </p:nvSpPr>
+        <p:spPr>
+          <a:xfrm>
+            <a:off x="2136693" y="1933629"/>
+            <a:ext cx="2350340" cy="461665"/>
+          </a:xfrm>
+          <a:prstGeom prst="rect">
+            <a:avLst/>
+          </a:prstGeom>
+          <a:solidFill>
+            <a:srgbClr val="BDEDFF"/>
+          </a:solidFill>
+          <a:ln>
+            <a:noFill/>
+          </a:ln>
+        </p:spPr>
+        <p:txBody>
+          <a:bodyPr wrap="square" rtlCol="0">
+            <a:spAutoFit/>
+          </a:bodyPr>
+          <a:lstStyle/>
+          <a:p>
+            <a:r>
+              <a:rPr kumimoji="1" lang="ja-JP" altLang="en-US" sz="2400" b="1" dirty="0" smtClean="0"/>
+              <a:t>ロードバランサ</a:t>
+            </a:r>
+            <a:endParaRPr kumimoji="1" lang="ja-JP" altLang="en-US" sz="2400" b="1" dirty="0"/>
+          </a:p>
+        </p:txBody>
+      </p:sp>
+    </p:spTree>
+    <p:extLst>
+      <p:ext uri="{BB962C8B-B14F-4D97-AF65-F5344CB8AC3E}">
+        <p14:creationId xmlns:p14="http://schemas.microsoft.com/office/powerpoint/2010/main" val="206764247"/>
+      </p:ext>
+    </p:extLst>
+  </p:cSld>
+  <p:clrMapOvr>
+    <a:masterClrMapping/>
+  </p:clrMapOvr>
+  <p:timing>
+    <p:tnLst>
+      <p:par>
+        <p:cTn id="1" dur="indefinite" restart="never" nodeType="tmRoot"/>
+      </p:par>
+    </p:tnLst>
+  </p:timing>
+</p:sld>
+</file>
+
+<file path=ppt/slides/slide12.xml><?xml version="1.0" encoding="utf-8"?>
+<p:sld xmlns:a="http://schemas.openxmlformats.org/drawingml/2006/main" xmlns:r="http://schemas.openxmlformats.org/officeDocument/2006/relationships" xmlns:p="http://schemas.openxmlformats.org/presentationml/2006/main">
+  <p:cSld>
+    <p:spTree>
+      <p:nvGrpSpPr>
+        <p:cNvPr id="1" name=""/>
+        <p:cNvGrpSpPr/>
+        <p:nvPr/>
+      </p:nvGrpSpPr>
+      <p:grpSpPr>
+        <a:xfrm>
+          <a:off x="0" y="0"/>
+          <a:ext cx="0" cy="0"/>
+          <a:chOff x="0" y="0"/>
+          <a:chExt cx="0" cy="0"/>
+        </a:xfrm>
+      </p:grpSpPr>
+      <p:pic>
+        <p:nvPicPr>
+          <p:cNvPr id="5" name="図 4"/>
+          <p:cNvPicPr>
+            <a:picLocks noChangeAspect="1"/>
+          </p:cNvPicPr>
+          <p:nvPr/>
+        </p:nvPicPr>
+        <p:blipFill>
+          <a:blip r:embed="rId2"/>
+          <a:stretch>
+            <a:fillRect/>
+          </a:stretch>
+        </p:blipFill>
+        <p:spPr>
+          <a:xfrm>
+            <a:off x="400419" y="221171"/>
+            <a:ext cx="2415909" cy="2981964"/>
+          </a:xfrm>
+          <a:prstGeom prst="rect">
+            <a:avLst/>
+          </a:prstGeom>
+        </p:spPr>
+      </p:pic>
+      <p:sp>
+        <p:nvSpPr>
+          <p:cNvPr id="209" name="右矢印 208"/>
           <p:cNvSpPr/>
           <p:nvPr/>
         </p:nvSpPr>
         <p:spPr>
-          <a:xfrm rot="16200000">
-            <a:off x="6160299" y="603042"/>
-            <a:ext cx="1136510" cy="2036976"/>
-          </a:xfrm>
-          <a:prstGeom prst="bentUpArrow">
+          <a:xfrm>
+            <a:off x="1001140" y="4634836"/>
+            <a:ext cx="1610193" cy="340584"/>
+          </a:xfrm>
+          <a:prstGeom prst="rightArrow">
             <a:avLst/>
           </a:prstGeom>
           <a:solidFill>
-            <a:schemeClr val="accent2"/>
+            <a:srgbClr val="92D050"/>
           </a:solidFill>
           <a:ln>
             <a:noFill/>
@@ -4181,6 +4909,56 @@
           <a:lstStyle/>
           <a:p>
             <a:pPr algn="ctr"/>
+            <a:endParaRPr kumimoji="1" lang="ja-JP" altLang="en-US">
+              <a:solidFill>
+                <a:schemeClr val="accent6"/>
+              </a:solidFill>
+            </a:endParaRPr>
+          </a:p>
+        </p:txBody>
+      </p:sp>
+      <p:sp>
+        <p:nvSpPr>
+          <p:cNvPr id="1025" name="屈折矢印 1024"/>
+          <p:cNvSpPr/>
+          <p:nvPr/>
+        </p:nvSpPr>
+        <p:spPr>
+          <a:xfrm rot="16200000">
+            <a:off x="6160299" y="603042"/>
+            <a:ext cx="1136510" cy="2036976"/>
+          </a:xfrm>
+          <a:prstGeom prst="bentUpArrow">
+            <a:avLst/>
+          </a:prstGeom>
+          <a:solidFill>
+            <a:schemeClr val="accent2"/>
+          </a:solidFill>
+          <a:ln>
+            <a:noFill/>
+          </a:ln>
+        </p:spPr>
+        <p:style>
+          <a:lnRef idx="2">
+            <a:schemeClr val="accent1">
+              <a:shade val="50000"/>
+            </a:schemeClr>
+          </a:lnRef>
+          <a:fillRef idx="1">
+            <a:schemeClr val="accent1"/>
+          </a:fillRef>
+          <a:effectRef idx="0">
+            <a:schemeClr val="accent1"/>
+          </a:effectRef>
+          <a:fontRef idx="minor">
+            <a:schemeClr val="lt1"/>
+          </a:fontRef>
+        </p:style>
+        <p:txBody>
+          <a:bodyPr rtlCol="0" anchor="ctr"/>
+          <a:lstStyle/>
+          <a:p>
+            <a:pPr algn="ctr"/>
             <a:endParaRPr kumimoji="1" lang="ja-JP" altLang="en-US"/>
           </a:p>
         </p:txBody>
@@ -4311,8 +5089,8 @@
         </p:nvSpPr>
         <p:spPr>
           <a:xfrm>
-            <a:off x="6439535" y="6411131"/>
-            <a:ext cx="2242922" cy="369332"/>
+            <a:off x="6363304" y="6223141"/>
+            <a:ext cx="2723823" cy="646331"/>
           </a:xfrm>
           <a:prstGeom prst="rect">
             <a:avLst/>
@@ -4325,10 +5103,18 @@
           </a:bodyPr>
           <a:lstStyle/>
           <a:p>
+            <a:pPr algn="ctr"/>
             <a:r>
               <a:rPr kumimoji="1" lang="ja-JP" altLang="en-US" b="1" dirty="0" smtClean="0"/>
-              <a:t>冗長的な</a:t>
-            </a:r>
+              <a:t>冗長的で不均一な性能の</a:t>
+            </a:r>
+            <a:r>
+              <a:rPr kumimoji="1" lang="en-US" altLang="ja-JP" b="1" dirty="0" smtClean="0"/>
+              <a:t/>
+            </a:r>
+            <a:br>
+              <a:rPr kumimoji="1" lang="en-US" altLang="ja-JP" b="1" dirty="0" smtClean="0"/>
+            </a:br>
             <a:r>
               <a:rPr kumimoji="1" lang="en-US" altLang="ja-JP" b="1" dirty="0" smtClean="0"/>
               <a:t>WEB</a:t>
@@ -4729,7 +5515,993 @@
 </p:sld>
 </file>
 
-<file path=ppt/slides/slide11.xml><?xml version="1.0" encoding="utf-8"?>
+<file path=ppt/slides/slide13.xml><?xml version="1.0" encoding="utf-8"?>
+<p:sld xmlns:a="http://schemas.openxmlformats.org/drawingml/2006/main" xmlns:r="http://schemas.openxmlformats.org/officeDocument/2006/relationships" xmlns:p="http://schemas.openxmlformats.org/presentationml/2006/main">
+  <p:cSld>
+    <p:spTree>
+      <p:nvGrpSpPr>
+        <p:cNvPr id="1" name=""/>
+        <p:cNvGrpSpPr/>
+        <p:nvPr/>
+      </p:nvGrpSpPr>
+      <p:grpSpPr>
+        <a:xfrm>
+          <a:off x="0" y="0"/>
+          <a:ext cx="0" cy="0"/>
+          <a:chOff x="0" y="0"/>
+          <a:chExt cx="0" cy="0"/>
+        </a:xfrm>
+      </p:grpSpPr>
+      <p:pic>
+        <p:nvPicPr>
+          <p:cNvPr id="5" name="図 4"/>
+          <p:cNvPicPr>
+            <a:picLocks noChangeAspect="1"/>
+          </p:cNvPicPr>
+          <p:nvPr/>
+        </p:nvPicPr>
+        <p:blipFill>
+          <a:blip r:embed="rId2"/>
+          <a:stretch>
+            <a:fillRect/>
+          </a:stretch>
+        </p:blipFill>
+        <p:spPr>
+          <a:xfrm>
+            <a:off x="400419" y="221171"/>
+            <a:ext cx="2415909" cy="2981964"/>
+          </a:xfrm>
+          <a:prstGeom prst="rect">
+            <a:avLst/>
+          </a:prstGeom>
+          <a:ln w="12700">
+            <a:solidFill>
+              <a:srgbClr val="01B0F1"/>
+            </a:solidFill>
+          </a:ln>
+        </p:spPr>
+      </p:pic>
+      <p:sp>
+        <p:nvSpPr>
+          <p:cNvPr id="209" name="右矢印 208"/>
+          <p:cNvSpPr/>
+          <p:nvPr/>
+        </p:nvSpPr>
+        <p:spPr>
+          <a:xfrm>
+            <a:off x="1001140" y="4634836"/>
+            <a:ext cx="1682064" cy="340584"/>
+          </a:xfrm>
+          <a:prstGeom prst="rightArrow">
+            <a:avLst/>
+          </a:prstGeom>
+          <a:solidFill>
+            <a:srgbClr val="92D050"/>
+          </a:solidFill>
+          <a:ln>
+            <a:noFill/>
+          </a:ln>
+        </p:spPr>
+        <p:style>
+          <a:lnRef idx="2">
+            <a:schemeClr val="accent1">
+              <a:shade val="50000"/>
+            </a:schemeClr>
+          </a:lnRef>
+          <a:fillRef idx="1">
+            <a:schemeClr val="accent1"/>
+          </a:fillRef>
+          <a:effectRef idx="0">
+            <a:schemeClr val="accent1"/>
+          </a:effectRef>
+          <a:fontRef idx="minor">
+            <a:schemeClr val="lt1"/>
+          </a:fontRef>
+        </p:style>
+        <p:txBody>
+          <a:bodyPr rtlCol="0" anchor="ctr"/>
+          <a:lstStyle/>
+          <a:p>
+            <a:pPr algn="ctr"/>
+            <a:endParaRPr kumimoji="1" lang="ja-JP" altLang="en-US">
+              <a:solidFill>
+                <a:schemeClr val="accent6"/>
+              </a:solidFill>
+            </a:endParaRPr>
+          </a:p>
+        </p:txBody>
+      </p:sp>
+      <p:sp>
+        <p:nvSpPr>
+          <p:cNvPr id="1025" name="屈折矢印 1024"/>
+          <p:cNvSpPr/>
+          <p:nvPr/>
+        </p:nvSpPr>
+        <p:spPr>
+          <a:xfrm rot="16200000">
+            <a:off x="6160299" y="603042"/>
+            <a:ext cx="1136510" cy="2036976"/>
+          </a:xfrm>
+          <a:prstGeom prst="bentUpArrow">
+            <a:avLst/>
+          </a:prstGeom>
+          <a:solidFill>
+            <a:schemeClr val="accent2"/>
+          </a:solidFill>
+          <a:ln>
+            <a:noFill/>
+          </a:ln>
+        </p:spPr>
+        <p:style>
+          <a:lnRef idx="2">
+            <a:schemeClr val="accent1">
+              <a:shade val="50000"/>
+            </a:schemeClr>
+          </a:lnRef>
+          <a:fillRef idx="1">
+            <a:schemeClr val="accent1"/>
+          </a:fillRef>
+          <a:effectRef idx="0">
+            <a:schemeClr val="accent1"/>
+          </a:effectRef>
+          <a:fontRef idx="minor">
+            <a:schemeClr val="lt1"/>
+          </a:fontRef>
+        </p:style>
+        <p:txBody>
+          <a:bodyPr rtlCol="0" anchor="ctr"/>
+          <a:lstStyle/>
+          <a:p>
+            <a:pPr algn="ctr"/>
+            <a:endParaRPr kumimoji="1" lang="ja-JP" altLang="en-US"/>
+          </a:p>
+        </p:txBody>
+      </p:sp>
+      <p:sp>
+        <p:nvSpPr>
+          <p:cNvPr id="30" name="角丸四角形 29"/>
+          <p:cNvSpPr/>
+          <p:nvPr/>
+        </p:nvSpPr>
+        <p:spPr>
+          <a:xfrm>
+            <a:off x="6400800" y="1744133"/>
+            <a:ext cx="2472266" cy="3231287"/>
+          </a:xfrm>
+          <a:prstGeom prst="roundRect">
+            <a:avLst/>
+          </a:prstGeom>
+          <a:solidFill>
+            <a:schemeClr val="accent5"/>
+          </a:solidFill>
+          <a:ln>
+            <a:solidFill>
+              <a:srgbClr val="41719C"/>
+            </a:solidFill>
+          </a:ln>
+        </p:spPr>
+        <p:style>
+          <a:lnRef idx="2">
+            <a:schemeClr val="accent6"/>
+          </a:lnRef>
+          <a:fillRef idx="1">
+            <a:schemeClr val="lt1"/>
+          </a:fillRef>
+          <a:effectRef idx="0">
+            <a:schemeClr val="accent6"/>
+          </a:effectRef>
+          <a:fontRef idx="minor">
+            <a:schemeClr val="dk1"/>
+          </a:fontRef>
+        </p:style>
+        <p:txBody>
+          <a:bodyPr rtlCol="0" anchor="ctr"/>
+          <a:lstStyle/>
+          <a:p>
+            <a:pPr algn="ctr"/>
+            <a:endParaRPr kumimoji="1" lang="ja-JP" altLang="en-US"/>
+          </a:p>
+        </p:txBody>
+      </p:sp>
+      <p:pic>
+        <p:nvPicPr>
+          <p:cNvPr id="14" name="図 13"/>
+          <p:cNvPicPr>
+            <a:picLocks noChangeAspect="1"/>
+          </p:cNvPicPr>
+          <p:nvPr/>
+        </p:nvPicPr>
+        <p:blipFill>
+          <a:blip r:embed="rId3"/>
+          <a:stretch>
+            <a:fillRect/>
+          </a:stretch>
+        </p:blipFill>
+        <p:spPr>
+          <a:xfrm>
+            <a:off x="1438618" y="4435956"/>
+            <a:ext cx="864014" cy="712052"/>
+          </a:xfrm>
+          <a:prstGeom prst="rect">
+            <a:avLst/>
+          </a:prstGeom>
+        </p:spPr>
+      </p:pic>
+      <p:pic>
+        <p:nvPicPr>
+          <p:cNvPr id="28" name="図 27"/>
+          <p:cNvPicPr>
+            <a:picLocks noChangeAspect="1"/>
+          </p:cNvPicPr>
+          <p:nvPr/>
+        </p:nvPicPr>
+        <p:blipFill>
+          <a:blip r:embed="rId4"/>
+          <a:stretch>
+            <a:fillRect/>
+          </a:stretch>
+        </p:blipFill>
+        <p:spPr>
+          <a:xfrm>
+            <a:off x="209933" y="4527078"/>
+            <a:ext cx="1017555" cy="620930"/>
+          </a:xfrm>
+          <a:prstGeom prst="rect">
+            <a:avLst/>
+          </a:prstGeom>
+        </p:spPr>
+      </p:pic>
+      <p:sp>
+        <p:nvSpPr>
+          <p:cNvPr id="1024" name="テキスト ボックス 1023"/>
+          <p:cNvSpPr txBox="1"/>
+          <p:nvPr/>
+        </p:nvSpPr>
+        <p:spPr>
+          <a:xfrm>
+            <a:off x="6275020" y="5008147"/>
+            <a:ext cx="2723823" cy="646331"/>
+          </a:xfrm>
+          <a:prstGeom prst="rect">
+            <a:avLst/>
+          </a:prstGeom>
+          <a:noFill/>
+        </p:spPr>
+        <p:txBody>
+          <a:bodyPr wrap="none" rtlCol="0">
+            <a:spAutoFit/>
+          </a:bodyPr>
+          <a:lstStyle/>
+          <a:p>
+            <a:pPr algn="ctr"/>
+            <a:r>
+              <a:rPr kumimoji="1" lang="ja-JP" altLang="en-US" b="1" dirty="0" smtClean="0"/>
+              <a:t>冗長的で不均一な性能の</a:t>
+            </a:r>
+            <a:r>
+              <a:rPr kumimoji="1" lang="en-US" altLang="ja-JP" b="1" dirty="0" smtClean="0"/>
+              <a:t/>
+            </a:r>
+            <a:br>
+              <a:rPr kumimoji="1" lang="en-US" altLang="ja-JP" b="1" dirty="0" smtClean="0"/>
+            </a:br>
+            <a:r>
+              <a:rPr kumimoji="1" lang="en-US" altLang="ja-JP" b="1" dirty="0" smtClean="0"/>
+              <a:t>WEB</a:t>
+            </a:r>
+            <a:r>
+              <a:rPr kumimoji="1" lang="ja-JP" altLang="en-US" b="1" dirty="0" smtClean="0"/>
+              <a:t>サーバ</a:t>
+            </a:r>
+            <a:endParaRPr kumimoji="1" lang="ja-JP" altLang="en-US" b="1" dirty="0"/>
+          </a:p>
+        </p:txBody>
+      </p:sp>
+      <p:sp>
+        <p:nvSpPr>
+          <p:cNvPr id="1027" name="右矢印 1026"/>
+          <p:cNvSpPr/>
+          <p:nvPr/>
+        </p:nvSpPr>
+        <p:spPr>
+          <a:xfrm rot="10800000">
+            <a:off x="2691652" y="1335814"/>
+            <a:ext cx="767827" cy="636978"/>
+          </a:xfrm>
+          <a:prstGeom prst="rightArrow">
+            <a:avLst/>
+          </a:prstGeom>
+          <a:solidFill>
+            <a:schemeClr val="accent2"/>
+          </a:solidFill>
+          <a:ln>
+            <a:noFill/>
+          </a:ln>
+        </p:spPr>
+        <p:style>
+          <a:lnRef idx="2">
+            <a:schemeClr val="accent1">
+              <a:shade val="50000"/>
+            </a:schemeClr>
+          </a:lnRef>
+          <a:fillRef idx="1">
+            <a:schemeClr val="accent1"/>
+          </a:fillRef>
+          <a:effectRef idx="0">
+            <a:schemeClr val="accent1"/>
+          </a:effectRef>
+          <a:fontRef idx="minor">
+            <a:schemeClr val="lt1"/>
+          </a:fontRef>
+        </p:style>
+        <p:txBody>
+          <a:bodyPr rtlCol="0" anchor="ctr"/>
+          <a:lstStyle/>
+          <a:p>
+            <a:pPr algn="ctr"/>
+            <a:endParaRPr kumimoji="1" lang="ja-JP" altLang="en-US"/>
+          </a:p>
+        </p:txBody>
+      </p:sp>
+      <p:sp>
+        <p:nvSpPr>
+          <p:cNvPr id="205" name="屈折矢印 204"/>
+          <p:cNvSpPr/>
+          <p:nvPr/>
+        </p:nvSpPr>
+        <p:spPr>
+          <a:xfrm rot="5400000">
+            <a:off x="1359691" y="3095551"/>
+            <a:ext cx="1419332" cy="1261479"/>
+          </a:xfrm>
+          <a:prstGeom prst="bentUpArrow">
+            <a:avLst>
+              <a:gd name="adj1" fmla="val 25000"/>
+              <a:gd name="adj2" fmla="val 25795"/>
+              <a:gd name="adj3" fmla="val 22929"/>
+            </a:avLst>
+          </a:prstGeom>
+          <a:solidFill>
+            <a:schemeClr val="accent2"/>
+          </a:solidFill>
+          <a:ln>
+            <a:noFill/>
+          </a:ln>
+        </p:spPr>
+        <p:style>
+          <a:lnRef idx="2">
+            <a:schemeClr val="accent1">
+              <a:shade val="50000"/>
+            </a:schemeClr>
+          </a:lnRef>
+          <a:fillRef idx="1">
+            <a:schemeClr val="accent1"/>
+          </a:fillRef>
+          <a:effectRef idx="0">
+            <a:schemeClr val="accent1"/>
+          </a:effectRef>
+          <a:fontRef idx="minor">
+            <a:schemeClr val="lt1"/>
+          </a:fontRef>
+        </p:style>
+        <p:txBody>
+          <a:bodyPr rtlCol="0" anchor="ctr"/>
+          <a:lstStyle/>
+          <a:p>
+            <a:pPr algn="ctr"/>
+            <a:endParaRPr kumimoji="1" lang="ja-JP" altLang="en-US"/>
+          </a:p>
+        </p:txBody>
+      </p:sp>
+      <p:sp>
+        <p:nvSpPr>
+          <p:cNvPr id="1030" name="正方形/長方形 1029"/>
+          <p:cNvSpPr/>
+          <p:nvPr/>
+        </p:nvSpPr>
+        <p:spPr>
+          <a:xfrm>
+            <a:off x="6400800" y="460607"/>
+            <a:ext cx="2243667" cy="592667"/>
+          </a:xfrm>
+          <a:prstGeom prst="rect">
+            <a:avLst/>
+          </a:prstGeom>
+          <a:ln w="28575">
+            <a:solidFill>
+              <a:srgbClr val="FF0000"/>
+            </a:solidFill>
+          </a:ln>
+        </p:spPr>
+        <p:style>
+          <a:lnRef idx="2">
+            <a:schemeClr val="accent6"/>
+          </a:lnRef>
+          <a:fillRef idx="1">
+            <a:schemeClr val="lt1"/>
+          </a:fillRef>
+          <a:effectRef idx="0">
+            <a:schemeClr val="accent6"/>
+          </a:effectRef>
+          <a:fontRef idx="minor">
+            <a:schemeClr val="dk1"/>
+          </a:fontRef>
+        </p:style>
+        <p:txBody>
+          <a:bodyPr rtlCol="0" anchor="ctr"/>
+          <a:lstStyle/>
+          <a:p>
+            <a:pPr algn="ctr"/>
+            <a:r>
+              <a:rPr kumimoji="1" lang="ja-JP" altLang="en-US" b="1" dirty="0" smtClean="0"/>
+              <a:t>各サーバの</a:t>
+            </a:r>
+            <a:r>
+              <a:rPr kumimoji="1" lang="en-US" altLang="ja-JP" b="1" dirty="0" smtClean="0"/>
+              <a:t/>
+            </a:r>
+            <a:br>
+              <a:rPr kumimoji="1" lang="en-US" altLang="ja-JP" b="1" dirty="0" smtClean="0"/>
+            </a:br>
+            <a:r>
+              <a:rPr kumimoji="1" lang="ja-JP" altLang="en-US" b="1" dirty="0" smtClean="0"/>
+              <a:t>応答速度を測る</a:t>
+            </a:r>
+            <a:endParaRPr kumimoji="1" lang="ja-JP" altLang="en-US" b="1" dirty="0"/>
+          </a:p>
+        </p:txBody>
+      </p:sp>
+      <p:sp>
+        <p:nvSpPr>
+          <p:cNvPr id="213" name="正方形/長方形 212"/>
+          <p:cNvSpPr/>
+          <p:nvPr/>
+        </p:nvSpPr>
+        <p:spPr>
+          <a:xfrm>
+            <a:off x="183833" y="3174960"/>
+            <a:ext cx="2243667" cy="592667"/>
+          </a:xfrm>
+          <a:prstGeom prst="rect">
+            <a:avLst/>
+          </a:prstGeom>
+          <a:ln w="28575">
+            <a:solidFill>
+              <a:srgbClr val="FF0000"/>
+            </a:solidFill>
+          </a:ln>
+        </p:spPr>
+        <p:style>
+          <a:lnRef idx="2">
+            <a:schemeClr val="accent6"/>
+          </a:lnRef>
+          <a:fillRef idx="1">
+            <a:schemeClr val="lt1"/>
+          </a:fillRef>
+          <a:effectRef idx="0">
+            <a:schemeClr val="accent6"/>
+          </a:effectRef>
+          <a:fontRef idx="minor">
+            <a:schemeClr val="dk1"/>
+          </a:fontRef>
+        </p:style>
+        <p:txBody>
+          <a:bodyPr rtlCol="0" anchor="ctr"/>
+          <a:lstStyle/>
+          <a:p>
+            <a:pPr algn="ctr"/>
+            <a:r>
+              <a:rPr kumimoji="1" lang="ja-JP" altLang="en-US" b="1" dirty="0" smtClean="0"/>
+              <a:t>保存された評価で</a:t>
+            </a:r>
+            <a:r>
+              <a:rPr kumimoji="1" lang="en-US" altLang="ja-JP" b="1" dirty="0" smtClean="0"/>
+              <a:t/>
+            </a:r>
+            <a:br>
+              <a:rPr kumimoji="1" lang="en-US" altLang="ja-JP" b="1" dirty="0" smtClean="0"/>
+            </a:br>
+            <a:r>
+              <a:rPr kumimoji="1" lang="ja-JP" altLang="en-US" b="1" dirty="0" smtClean="0"/>
+              <a:t>割り振る指標にする</a:t>
+            </a:r>
+            <a:endParaRPr kumimoji="1" lang="ja-JP" altLang="en-US" b="1" dirty="0"/>
+          </a:p>
+        </p:txBody>
+      </p:sp>
+      <p:pic>
+        <p:nvPicPr>
+          <p:cNvPr id="4" name="図 3"/>
+          <p:cNvPicPr>
+            <a:picLocks noChangeAspect="1"/>
+          </p:cNvPicPr>
+          <p:nvPr/>
+        </p:nvPicPr>
+        <p:blipFill>
+          <a:blip r:embed="rId5"/>
+          <a:stretch>
+            <a:fillRect/>
+          </a:stretch>
+        </p:blipFill>
+        <p:spPr>
+          <a:xfrm>
+            <a:off x="3403719" y="291982"/>
+            <a:ext cx="2293458" cy="2991314"/>
+          </a:xfrm>
+          <a:prstGeom prst="rect">
+            <a:avLst/>
+          </a:prstGeom>
+          <a:ln w="12700">
+            <a:solidFill>
+              <a:srgbClr val="01B0F1"/>
+            </a:solidFill>
+          </a:ln>
+        </p:spPr>
+      </p:pic>
+      <p:pic>
+        <p:nvPicPr>
+          <p:cNvPr id="2" name="図 1"/>
+          <p:cNvPicPr>
+            <a:picLocks noChangeAspect="1"/>
+          </p:cNvPicPr>
+          <p:nvPr/>
+        </p:nvPicPr>
+        <p:blipFill>
+          <a:blip r:embed="rId6"/>
+          <a:stretch>
+            <a:fillRect/>
+          </a:stretch>
+        </p:blipFill>
+        <p:spPr>
+          <a:xfrm>
+            <a:off x="6589791" y="2001979"/>
+            <a:ext cx="2094283" cy="2284673"/>
+          </a:xfrm>
+          <a:prstGeom prst="rect">
+            <a:avLst/>
+          </a:prstGeom>
+        </p:spPr>
+      </p:pic>
+      <p:cxnSp>
+        <p:nvCxnSpPr>
+          <p:cNvPr id="9" name="直線矢印コネクタ 8"/>
+          <p:cNvCxnSpPr>
+            <a:stCxn id="33" idx="3"/>
+          </p:cNvCxnSpPr>
+          <p:nvPr/>
+        </p:nvCxnSpPr>
+        <p:spPr>
+          <a:xfrm flipV="1">
+            <a:off x="5139845" y="2459979"/>
+            <a:ext cx="1588709" cy="1944025"/>
+          </a:xfrm>
+          <a:prstGeom prst="straightConnector1">
+            <a:avLst/>
+          </a:prstGeom>
+          <a:ln w="76200">
+            <a:solidFill>
+              <a:srgbClr val="92D050"/>
+            </a:solidFill>
+            <a:tailEnd type="triangle"/>
+          </a:ln>
+        </p:spPr>
+        <p:style>
+          <a:lnRef idx="1">
+            <a:schemeClr val="accent1"/>
+          </a:lnRef>
+          <a:fillRef idx="0">
+            <a:schemeClr val="accent1"/>
+          </a:fillRef>
+          <a:effectRef idx="0">
+            <a:schemeClr val="accent1"/>
+          </a:effectRef>
+          <a:fontRef idx="minor">
+            <a:schemeClr val="tx1"/>
+          </a:fontRef>
+        </p:style>
+      </p:cxnSp>
+      <p:cxnSp>
+        <p:nvCxnSpPr>
+          <p:cNvPr id="38" name="直線矢印コネクタ 37"/>
+          <p:cNvCxnSpPr>
+            <a:stCxn id="33" idx="3"/>
+          </p:cNvCxnSpPr>
+          <p:nvPr/>
+        </p:nvCxnSpPr>
+        <p:spPr>
+          <a:xfrm flipV="1">
+            <a:off x="5139845" y="3299277"/>
+            <a:ext cx="1520922" cy="1104727"/>
+          </a:xfrm>
+          <a:prstGeom prst="straightConnector1">
+            <a:avLst/>
+          </a:prstGeom>
+          <a:ln w="76200">
+            <a:solidFill>
+              <a:srgbClr val="92D050"/>
+            </a:solidFill>
+            <a:tailEnd type="triangle"/>
+          </a:ln>
+        </p:spPr>
+        <p:style>
+          <a:lnRef idx="1">
+            <a:schemeClr val="accent1"/>
+          </a:lnRef>
+          <a:fillRef idx="0">
+            <a:schemeClr val="accent1"/>
+          </a:fillRef>
+          <a:effectRef idx="0">
+            <a:schemeClr val="accent1"/>
+          </a:effectRef>
+          <a:fontRef idx="minor">
+            <a:schemeClr val="tx1"/>
+          </a:fontRef>
+        </p:style>
+      </p:cxnSp>
+      <p:cxnSp>
+        <p:nvCxnSpPr>
+          <p:cNvPr id="41" name="直線矢印コネクタ 40"/>
+          <p:cNvCxnSpPr>
+            <a:stCxn id="33" idx="3"/>
+          </p:cNvCxnSpPr>
+          <p:nvPr/>
+        </p:nvCxnSpPr>
+        <p:spPr>
+          <a:xfrm flipV="1">
+            <a:off x="5139845" y="3931152"/>
+            <a:ext cx="1520922" cy="472852"/>
+          </a:xfrm>
+          <a:prstGeom prst="straightConnector1">
+            <a:avLst/>
+          </a:prstGeom>
+          <a:ln w="76200">
+            <a:solidFill>
+              <a:srgbClr val="92D050"/>
+            </a:solidFill>
+            <a:tailEnd type="triangle"/>
+          </a:ln>
+        </p:spPr>
+        <p:style>
+          <a:lnRef idx="1">
+            <a:schemeClr val="accent1"/>
+          </a:lnRef>
+          <a:fillRef idx="0">
+            <a:schemeClr val="accent1"/>
+          </a:fillRef>
+          <a:effectRef idx="0">
+            <a:schemeClr val="accent1"/>
+          </a:effectRef>
+          <a:fontRef idx="minor">
+            <a:schemeClr val="tx1"/>
+          </a:fontRef>
+        </p:style>
+      </p:cxnSp>
+      <p:sp>
+        <p:nvSpPr>
+          <p:cNvPr id="32" name="正方形/長方形 31"/>
+          <p:cNvSpPr/>
+          <p:nvPr/>
+        </p:nvSpPr>
+        <p:spPr>
+          <a:xfrm>
+            <a:off x="2700097" y="3685071"/>
+            <a:ext cx="2552641" cy="1367900"/>
+          </a:xfrm>
+          <a:prstGeom prst="rect">
+            <a:avLst/>
+          </a:prstGeom>
+          <a:solidFill>
+            <a:srgbClr val="BDEDFF"/>
+          </a:solidFill>
+          <a:ln>
+            <a:solidFill>
+              <a:srgbClr val="01B0F1"/>
+            </a:solidFill>
+          </a:ln>
+        </p:spPr>
+        <p:style>
+          <a:lnRef idx="2">
+            <a:schemeClr val="accent1">
+              <a:shade val="50000"/>
+            </a:schemeClr>
+          </a:lnRef>
+          <a:fillRef idx="1">
+            <a:schemeClr val="accent1"/>
+          </a:fillRef>
+          <a:effectRef idx="0">
+            <a:schemeClr val="accent1"/>
+          </a:effectRef>
+          <a:fontRef idx="minor">
+            <a:schemeClr val="lt1"/>
+          </a:fontRef>
+        </p:style>
+        <p:txBody>
+          <a:bodyPr rtlCol="0" anchor="ctr"/>
+          <a:lstStyle/>
+          <a:p>
+            <a:pPr algn="ctr"/>
+            <a:r>
+              <a:rPr kumimoji="1" lang="en-US" altLang="ja-JP" dirty="0" smtClean="0"/>
+              <a:t/>
+            </a:r>
+            <a:br>
+              <a:rPr kumimoji="1" lang="en-US" altLang="ja-JP" dirty="0" smtClean="0"/>
+            </a:br>
+            <a:r>
+              <a:rPr kumimoji="1" lang="en-US" altLang="ja-JP" dirty="0" smtClean="0"/>
+              <a:t/>
+            </a:r>
+            <a:br>
+              <a:rPr kumimoji="1" lang="en-US" altLang="ja-JP" dirty="0" smtClean="0"/>
+            </a:br>
+            <a:r>
+              <a:rPr kumimoji="1" lang="en-US" altLang="ja-JP" dirty="0" smtClean="0"/>
+              <a:t/>
+            </a:r>
+            <a:br>
+              <a:rPr kumimoji="1" lang="en-US" altLang="ja-JP" dirty="0" smtClean="0"/>
+            </a:br>
+            <a:r>
+              <a:rPr kumimoji="1" lang="en-US" altLang="ja-JP" dirty="0" smtClean="0"/>
+              <a:t/>
+            </a:r>
+            <a:br>
+              <a:rPr kumimoji="1" lang="en-US" altLang="ja-JP" dirty="0" smtClean="0"/>
+            </a:br>
+            <a:r>
+              <a:rPr kumimoji="1" lang="en-US" altLang="ja-JP" dirty="0" smtClean="0"/>
+              <a:t/>
+            </a:r>
+            <a:br>
+              <a:rPr kumimoji="1" lang="en-US" altLang="ja-JP" dirty="0" smtClean="0"/>
+            </a:br>
+            <a:r>
+              <a:rPr kumimoji="1" lang="en-US" altLang="ja-JP" dirty="0" smtClean="0"/>
+              <a:t/>
+            </a:r>
+            <a:br>
+              <a:rPr kumimoji="1" lang="en-US" altLang="ja-JP" dirty="0" smtClean="0"/>
+            </a:br>
+            <a:r>
+              <a:rPr kumimoji="1" lang="en-US" altLang="ja-JP" dirty="0" smtClean="0"/>
+              <a:t/>
+            </a:r>
+            <a:br>
+              <a:rPr kumimoji="1" lang="en-US" altLang="ja-JP" dirty="0" smtClean="0"/>
+            </a:br>
+            <a:r>
+              <a:rPr kumimoji="1" lang="en-US" altLang="ja-JP" dirty="0" smtClean="0"/>
+              <a:t/>
+            </a:r>
+            <a:br>
+              <a:rPr kumimoji="1" lang="en-US" altLang="ja-JP" dirty="0" smtClean="0"/>
+            </a:br>
+            <a:r>
+              <a:rPr kumimoji="1" lang="en-US" altLang="ja-JP" dirty="0" smtClean="0"/>
+              <a:t/>
+            </a:r>
+            <a:br>
+              <a:rPr kumimoji="1" lang="en-US" altLang="ja-JP" dirty="0" smtClean="0"/>
+            </a:br>
+            <a:r>
+              <a:rPr kumimoji="1" lang="en-US" altLang="ja-JP" dirty="0" smtClean="0"/>
+              <a:t/>
+            </a:r>
+            <a:br>
+              <a:rPr kumimoji="1" lang="en-US" altLang="ja-JP" dirty="0" smtClean="0"/>
+            </a:br>
+            <a:r>
+              <a:rPr kumimoji="1" lang="en-US" altLang="ja-JP" dirty="0" smtClean="0"/>
+              <a:t/>
+            </a:r>
+            <a:br>
+              <a:rPr kumimoji="1" lang="en-US" altLang="ja-JP" dirty="0" smtClean="0"/>
+            </a:br>
+            <a:r>
+              <a:rPr kumimoji="1" lang="en-US" altLang="ja-JP" dirty="0" smtClean="0"/>
+              <a:t/>
+            </a:r>
+            <a:br>
+              <a:rPr kumimoji="1" lang="en-US" altLang="ja-JP" dirty="0" smtClean="0"/>
+            </a:br>
+            <a:r>
+              <a:rPr kumimoji="1" lang="en-US" altLang="ja-JP" dirty="0" smtClean="0"/>
+              <a:t/>
+            </a:r>
+            <a:br>
+              <a:rPr kumimoji="1" lang="en-US" altLang="ja-JP" dirty="0" smtClean="0"/>
+            </a:br>
+            <a:r>
+              <a:rPr kumimoji="1" lang="en-US" altLang="ja-JP" dirty="0" smtClean="0"/>
+              <a:t/>
+            </a:r>
+            <a:br>
+              <a:rPr kumimoji="1" lang="en-US" altLang="ja-JP" dirty="0" smtClean="0"/>
+            </a:br>
+            <a:endParaRPr kumimoji="1" lang="ja-JP" altLang="en-US" dirty="0"/>
+          </a:p>
+        </p:txBody>
+      </p:sp>
+      <p:sp>
+        <p:nvSpPr>
+          <p:cNvPr id="33" name="テキスト ボックス 32"/>
+          <p:cNvSpPr txBox="1"/>
+          <p:nvPr/>
+        </p:nvSpPr>
+        <p:spPr>
+          <a:xfrm>
+            <a:off x="2789505" y="4173171"/>
+            <a:ext cx="2350340" cy="461665"/>
+          </a:xfrm>
+          <a:prstGeom prst="rect">
+            <a:avLst/>
+          </a:prstGeom>
+          <a:solidFill>
+            <a:srgbClr val="BDEDFF"/>
+          </a:solidFill>
+          <a:ln>
+            <a:noFill/>
+          </a:ln>
+        </p:spPr>
+        <p:txBody>
+          <a:bodyPr wrap="square" rtlCol="0">
+            <a:spAutoFit/>
+          </a:bodyPr>
+          <a:lstStyle/>
+          <a:p>
+            <a:r>
+              <a:rPr kumimoji="1" lang="ja-JP" altLang="en-US" sz="2400" b="1" dirty="0" smtClean="0"/>
+              <a:t>ロードバランサ</a:t>
+            </a:r>
+            <a:endParaRPr kumimoji="1" lang="ja-JP" altLang="en-US" sz="2400" b="1" dirty="0"/>
+          </a:p>
+        </p:txBody>
+      </p:sp>
+      <p:sp>
+        <p:nvSpPr>
+          <p:cNvPr id="35" name="テキスト ボックス 34"/>
+          <p:cNvSpPr txBox="1"/>
+          <p:nvPr/>
+        </p:nvSpPr>
+        <p:spPr>
+          <a:xfrm>
+            <a:off x="7490185" y="4293933"/>
+            <a:ext cx="473519" cy="923330"/>
+          </a:xfrm>
+          <a:prstGeom prst="rect">
+            <a:avLst/>
+          </a:prstGeom>
+          <a:noFill/>
+        </p:spPr>
+        <p:txBody>
+          <a:bodyPr wrap="square" rtlCol="0">
+            <a:spAutoFit/>
+          </a:bodyPr>
+          <a:lstStyle/>
+          <a:p>
+            <a:r>
+              <a:rPr kumimoji="1" lang="ja-JP" altLang="en-US" sz="1200" b="1" dirty="0" smtClean="0">
+                <a:solidFill>
+                  <a:schemeClr val="bg1"/>
+                </a:solidFill>
+              </a:rPr>
+              <a:t>・</a:t>
+            </a:r>
+            <a:endParaRPr kumimoji="1" lang="en-US" altLang="ja-JP" sz="1200" b="1" dirty="0" smtClean="0">
+              <a:solidFill>
+                <a:schemeClr val="bg1"/>
+              </a:solidFill>
+            </a:endParaRPr>
+          </a:p>
+          <a:p>
+            <a:r>
+              <a:rPr kumimoji="1" lang="ja-JP" altLang="en-US" sz="1200" b="1" dirty="0" smtClean="0">
+                <a:solidFill>
+                  <a:schemeClr val="bg1"/>
+                </a:solidFill>
+              </a:rPr>
+              <a:t>・</a:t>
+            </a:r>
+            <a:endParaRPr kumimoji="1" lang="ja-JP" altLang="en-US" sz="1200" b="1" dirty="0">
+              <a:solidFill>
+                <a:schemeClr val="bg1"/>
+              </a:solidFill>
+            </a:endParaRPr>
+          </a:p>
+          <a:p>
+            <a:r>
+              <a:rPr kumimoji="1" lang="ja-JP" altLang="en-US" sz="1200" b="1" dirty="0">
+                <a:solidFill>
+                  <a:schemeClr val="bg1"/>
+                </a:solidFill>
+              </a:rPr>
+              <a:t>・</a:t>
+            </a:r>
+          </a:p>
+          <a:p>
+            <a:endParaRPr kumimoji="1" lang="ja-JP" altLang="en-US" b="1" dirty="0"/>
+          </a:p>
+        </p:txBody>
+      </p:sp>
+      <p:sp>
+        <p:nvSpPr>
+          <p:cNvPr id="212" name="正方形/長方形 211"/>
+          <p:cNvSpPr/>
+          <p:nvPr/>
+        </p:nvSpPr>
+        <p:spPr>
+          <a:xfrm>
+            <a:off x="3898369" y="4837543"/>
+            <a:ext cx="2243667" cy="592667"/>
+          </a:xfrm>
+          <a:prstGeom prst="rect">
+            <a:avLst/>
+          </a:prstGeom>
+          <a:ln w="28575">
+            <a:solidFill>
+              <a:srgbClr val="FF0000"/>
+            </a:solidFill>
+          </a:ln>
+        </p:spPr>
+        <p:style>
+          <a:lnRef idx="2">
+            <a:schemeClr val="accent6"/>
+          </a:lnRef>
+          <a:fillRef idx="1">
+            <a:schemeClr val="lt1"/>
+          </a:fillRef>
+          <a:effectRef idx="0">
+            <a:schemeClr val="accent6"/>
+          </a:effectRef>
+          <a:fontRef idx="minor">
+            <a:schemeClr val="dk1"/>
+          </a:fontRef>
+        </p:style>
+        <p:txBody>
+          <a:bodyPr rtlCol="0" anchor="ctr"/>
+          <a:lstStyle/>
+          <a:p>
+            <a:pPr algn="ctr"/>
+            <a:r>
+              <a:rPr kumimoji="1" lang="ja-JP" altLang="en-US" b="1" dirty="0" smtClean="0"/>
+              <a:t>応答速度に基づいて</a:t>
+            </a:r>
+            <a:r>
+              <a:rPr kumimoji="1" lang="en-US" altLang="ja-JP" b="1" dirty="0" smtClean="0"/>
+              <a:t/>
+            </a:r>
+            <a:br>
+              <a:rPr kumimoji="1" lang="en-US" altLang="ja-JP" b="1" dirty="0" smtClean="0"/>
+            </a:br>
+            <a:r>
+              <a:rPr kumimoji="1" lang="ja-JP" altLang="en-US" b="1" dirty="0" smtClean="0"/>
+              <a:t>割り振りを行う</a:t>
+            </a:r>
+            <a:endParaRPr kumimoji="1" lang="ja-JP" altLang="en-US" b="1" dirty="0"/>
+          </a:p>
+        </p:txBody>
+      </p:sp>
+    </p:spTree>
+    <p:extLst>
+      <p:ext uri="{BB962C8B-B14F-4D97-AF65-F5344CB8AC3E}">
+        <p14:creationId xmlns:p14="http://schemas.microsoft.com/office/powerpoint/2010/main" val="3866740255"/>
+      </p:ext>
+    </p:extLst>
+  </p:cSld>
+  <p:clrMapOvr>
+    <a:masterClrMapping/>
+  </p:clrMapOvr>
+  <p:timing>
+    <p:tnLst>
+      <p:par>
+        <p:cTn id="1" dur="indefinite" restart="never" nodeType="tmRoot"/>
+      </p:par>
+    </p:tnLst>
+  </p:timing>
+</p:sld>
+</file>
+
+<file path=ppt/slides/slide14.xml><?xml version="1.0" encoding="utf-8"?>
 <p:sld xmlns:a="http://schemas.openxmlformats.org/drawingml/2006/main" xmlns:r="http://schemas.openxmlformats.org/officeDocument/2006/relationships" xmlns:p="http://schemas.openxmlformats.org/presentationml/2006/main">
   <p:cSld>
     <p:spTree>
@@ -5473,7 +7245,7 @@
 </p:sld>
 </file>
 
-<file path=ppt/slides/slide12.xml><?xml version="1.0" encoding="utf-8"?>
+<file path=ppt/slides/slide15.xml><?xml version="1.0" encoding="utf-8"?>
 <p:sld xmlns:a="http://schemas.openxmlformats.org/drawingml/2006/main" xmlns:r="http://schemas.openxmlformats.org/officeDocument/2006/relationships" xmlns:p="http://schemas.openxmlformats.org/presentationml/2006/main">
   <p:cSld>
     <p:spTree>
@@ -6472,7 +8244,7 @@
 </p:sld>
 </file>
 
-<file path=ppt/slides/slide13.xml><?xml version="1.0" encoding="utf-8"?>
+<file path=ppt/slides/slide16.xml><?xml version="1.0" encoding="utf-8"?>
 <p:sld xmlns:a="http://schemas.openxmlformats.org/drawingml/2006/main" xmlns:r="http://schemas.openxmlformats.org/officeDocument/2006/relationships" xmlns:p="http://schemas.openxmlformats.org/presentationml/2006/main">
   <p:cSld>
     <p:spTree>
@@ -6581,7 +8353,7 @@
 </p:sld>
 </file>
 
-<file path=ppt/slides/slide14.xml><?xml version="1.0" encoding="utf-8"?>
+<file path=ppt/slides/slide17.xml><?xml version="1.0" encoding="utf-8"?>
 <p:sld xmlns:a="http://schemas.openxmlformats.org/drawingml/2006/main" xmlns:r="http://schemas.openxmlformats.org/officeDocument/2006/relationships" xmlns:p="http://schemas.openxmlformats.org/presentationml/2006/main">
   <p:cSld>
     <p:spTree>
@@ -7311,7 +9083,7 @@
 </p:sld>
 </file>
 
-<file path=ppt/slides/slide15.xml><?xml version="1.0" encoding="utf-8"?>
+<file path=ppt/slides/slide18.xml><?xml version="1.0" encoding="utf-8"?>
 <p:sld xmlns:a="http://schemas.openxmlformats.org/drawingml/2006/main" xmlns:r="http://schemas.openxmlformats.org/officeDocument/2006/relationships" xmlns:p="http://schemas.openxmlformats.org/presentationml/2006/main">
   <p:cSld>
     <p:spTree>
@@ -7894,7 +9666,7 @@
           <a:p>
             <a:fld id="{C1A4E16F-9CEB-47A6-B8DF-28924D05829B}" type="slidenum">
               <a:rPr kumimoji="1" lang="ja-JP" altLang="en-US" smtClean="0"/>
-              <a:t>15</a:t>
+              <a:t>18</a:t>
             </a:fld>
             <a:endParaRPr kumimoji="1" lang="ja-JP" altLang="en-US"/>
           </a:p>
@@ -8113,7 +9885,7 @@
 </p:sld>
 </file>
 
-<file path=ppt/slides/slide16.xml><?xml version="1.0" encoding="utf-8"?>
+<file path=ppt/slides/slide19.xml><?xml version="1.0" encoding="utf-8"?>
 <p:sld xmlns:a="http://schemas.openxmlformats.org/drawingml/2006/main" xmlns:r="http://schemas.openxmlformats.org/officeDocument/2006/relationships" xmlns:p="http://schemas.openxmlformats.org/presentationml/2006/main">
   <p:cSld>
     <p:spTree>
@@ -8348,632 +10120,6 @@
       </p:par>
     </p:tnLst>
   </p:timing>
-</p:sld>
-</file>
-
-<file path=ppt/slides/slide17.xml><?xml version="1.0" encoding="utf-8"?>
-<p:sld xmlns:a="http://schemas.openxmlformats.org/drawingml/2006/main" xmlns:r="http://schemas.openxmlformats.org/officeDocument/2006/relationships" xmlns:p="http://schemas.openxmlformats.org/presentationml/2006/main">
-  <p:cSld>
-    <p:spTree>
-      <p:nvGrpSpPr>
-        <p:cNvPr id="1" name=""/>
-        <p:cNvGrpSpPr/>
-        <p:nvPr/>
-      </p:nvGrpSpPr>
-      <p:grpSpPr>
-        <a:xfrm>
-          <a:off x="0" y="0"/>
-          <a:ext cx="0" cy="0"/>
-          <a:chOff x="0" y="0"/>
-          <a:chExt cx="0" cy="0"/>
-        </a:xfrm>
-      </p:grpSpPr>
-      <p:sp>
-        <p:nvSpPr>
-          <p:cNvPr id="15" name="角丸四角形 14"/>
-          <p:cNvSpPr/>
-          <p:nvPr/>
-        </p:nvSpPr>
-        <p:spPr>
-          <a:xfrm>
-            <a:off x="3241902" y="4341702"/>
-            <a:ext cx="1629502" cy="1131772"/>
-          </a:xfrm>
-          <a:prstGeom prst="roundRect">
-            <a:avLst/>
-          </a:prstGeom>
-          <a:solidFill>
-            <a:schemeClr val="accent4">
-              <a:lumMod val="20000"/>
-              <a:lumOff val="80000"/>
-            </a:schemeClr>
-          </a:solidFill>
-          <a:ln>
-            <a:solidFill>
-              <a:schemeClr val="accent6">
-                <a:lumMod val="75000"/>
-              </a:schemeClr>
-            </a:solidFill>
-          </a:ln>
-        </p:spPr>
-        <p:style>
-          <a:lnRef idx="2">
-            <a:schemeClr val="accent1">
-              <a:shade val="50000"/>
-            </a:schemeClr>
-          </a:lnRef>
-          <a:fillRef idx="1">
-            <a:schemeClr val="accent1"/>
-          </a:fillRef>
-          <a:effectRef idx="0">
-            <a:schemeClr val="accent1"/>
-          </a:effectRef>
-          <a:fontRef idx="minor">
-            <a:schemeClr val="lt1"/>
-          </a:fontRef>
-        </p:style>
-        <p:txBody>
-          <a:bodyPr rtlCol="0" anchor="ctr"/>
-          <a:lstStyle/>
-          <a:p>
-            <a:pPr algn="ctr"/>
-            <a:endParaRPr kumimoji="1" lang="ja-JP" altLang="en-US"/>
-          </a:p>
-        </p:txBody>
-      </p:sp>
-      <p:pic>
-        <p:nvPicPr>
-          <p:cNvPr id="3" name="図 2"/>
-          <p:cNvPicPr>
-            <a:picLocks noChangeAspect="1"/>
-          </p:cNvPicPr>
-          <p:nvPr/>
-        </p:nvPicPr>
-        <p:blipFill rotWithShape="1">
-          <a:blip r:embed="rId2">
-            <a:extLst>
-              <a:ext uri="{28A0092B-C50C-407E-A947-70E740481C1C}">
-                <a14:useLocalDpi xmlns:a14="http://schemas.microsoft.com/office/drawing/2010/main" val="0"/>
-              </a:ext>
-            </a:extLst>
-          </a:blip>
-          <a:srcRect t="15196" b="10847"/>
-          <a:stretch/>
-        </p:blipFill>
-        <p:spPr>
-          <a:xfrm>
-            <a:off x="1394901" y="313867"/>
-            <a:ext cx="6347073" cy="2825841"/>
-          </a:xfrm>
-          <a:prstGeom prst="rect">
-            <a:avLst/>
-          </a:prstGeom>
-        </p:spPr>
-      </p:pic>
-      <p:sp>
-        <p:nvSpPr>
-          <p:cNvPr id="4" name="右矢印 3"/>
-          <p:cNvSpPr/>
-          <p:nvPr/>
-        </p:nvSpPr>
-        <p:spPr>
-          <a:xfrm>
-            <a:off x="1826528" y="4737296"/>
-            <a:ext cx="1415373" cy="340584"/>
-          </a:xfrm>
-          <a:prstGeom prst="rightArrow">
-            <a:avLst/>
-          </a:prstGeom>
-          <a:solidFill>
-            <a:srgbClr val="92D050"/>
-          </a:solidFill>
-          <a:ln>
-            <a:noFill/>
-          </a:ln>
-        </p:spPr>
-        <p:style>
-          <a:lnRef idx="2">
-            <a:schemeClr val="accent1">
-              <a:shade val="50000"/>
-            </a:schemeClr>
-          </a:lnRef>
-          <a:fillRef idx="1">
-            <a:schemeClr val="accent1"/>
-          </a:fillRef>
-          <a:effectRef idx="0">
-            <a:schemeClr val="accent1"/>
-          </a:effectRef>
-          <a:fontRef idx="minor">
-            <a:schemeClr val="lt1"/>
-          </a:fontRef>
-        </p:style>
-        <p:txBody>
-          <a:bodyPr rtlCol="0" anchor="ctr"/>
-          <a:lstStyle/>
-          <a:p>
-            <a:pPr algn="ctr"/>
-            <a:endParaRPr kumimoji="1" lang="ja-JP" altLang="en-US">
-              <a:solidFill>
-                <a:schemeClr val="accent6"/>
-              </a:solidFill>
-            </a:endParaRPr>
-          </a:p>
-        </p:txBody>
-      </p:sp>
-      <p:pic>
-        <p:nvPicPr>
-          <p:cNvPr id="5" name="図 4"/>
-          <p:cNvPicPr>
-            <a:picLocks noChangeAspect="1"/>
-          </p:cNvPicPr>
-          <p:nvPr/>
-        </p:nvPicPr>
-        <p:blipFill>
-          <a:blip r:embed="rId3"/>
-          <a:stretch>
-            <a:fillRect/>
-          </a:stretch>
-        </p:blipFill>
-        <p:spPr>
-          <a:xfrm>
-            <a:off x="2033369" y="4551562"/>
-            <a:ext cx="864014" cy="712052"/>
-          </a:xfrm>
-          <a:prstGeom prst="rect">
-            <a:avLst/>
-          </a:prstGeom>
-        </p:spPr>
-      </p:pic>
-      <p:pic>
-        <p:nvPicPr>
-          <p:cNvPr id="6" name="図 5"/>
-          <p:cNvPicPr>
-            <a:picLocks noChangeAspect="1"/>
-          </p:cNvPicPr>
-          <p:nvPr/>
-        </p:nvPicPr>
-        <p:blipFill>
-          <a:blip r:embed="rId4"/>
-          <a:stretch>
-            <a:fillRect/>
-          </a:stretch>
-        </p:blipFill>
-        <p:spPr>
-          <a:xfrm>
-            <a:off x="886123" y="4629538"/>
-            <a:ext cx="1017555" cy="620930"/>
-          </a:xfrm>
-          <a:prstGeom prst="rect">
-            <a:avLst/>
-          </a:prstGeom>
-        </p:spPr>
-      </p:pic>
-      <p:sp>
-        <p:nvSpPr>
-          <p:cNvPr id="7" name="直方体 6"/>
-          <p:cNvSpPr/>
-          <p:nvPr/>
-        </p:nvSpPr>
-        <p:spPr>
-          <a:xfrm>
-            <a:off x="3359686" y="4719512"/>
-            <a:ext cx="1406523" cy="608803"/>
-          </a:xfrm>
-          <a:prstGeom prst="cube">
-            <a:avLst/>
-          </a:prstGeom>
-          <a:solidFill>
-            <a:srgbClr val="BDEDFF"/>
-          </a:solidFill>
-          <a:ln w="9525"/>
-        </p:spPr>
-        <p:style>
-          <a:lnRef idx="2">
-            <a:schemeClr val="accent1">
-              <a:shade val="50000"/>
-            </a:schemeClr>
-          </a:lnRef>
-          <a:fillRef idx="1">
-            <a:schemeClr val="accent1"/>
-          </a:fillRef>
-          <a:effectRef idx="0">
-            <a:schemeClr val="accent1"/>
-          </a:effectRef>
-          <a:fontRef idx="minor">
-            <a:schemeClr val="lt1"/>
-          </a:fontRef>
-        </p:style>
-        <p:txBody>
-          <a:bodyPr rtlCol="0" anchor="ctr"/>
-          <a:lstStyle/>
-          <a:p>
-            <a:pPr algn="ctr"/>
-            <a:r>
-              <a:rPr kumimoji="1" lang="ja-JP" altLang="en-US" sz="1200" b="1" dirty="0" smtClean="0">
-                <a:solidFill>
-                  <a:schemeClr val="tx1"/>
-                </a:solidFill>
-              </a:rPr>
-              <a:t>ロードバランサ</a:t>
-            </a:r>
-            <a:endParaRPr kumimoji="1" lang="ja-JP" altLang="en-US" sz="1200" b="1" dirty="0">
-              <a:solidFill>
-                <a:schemeClr val="tx1"/>
-              </a:solidFill>
-            </a:endParaRPr>
-          </a:p>
-        </p:txBody>
-      </p:sp>
-      <p:sp>
-        <p:nvSpPr>
-          <p:cNvPr id="12" name="直方体 11"/>
-          <p:cNvSpPr/>
-          <p:nvPr/>
-        </p:nvSpPr>
-        <p:spPr>
-          <a:xfrm>
-            <a:off x="6165518" y="3803278"/>
-            <a:ext cx="931197" cy="513173"/>
-          </a:xfrm>
-          <a:prstGeom prst="cube">
-            <a:avLst/>
-          </a:prstGeom>
-          <a:solidFill>
-            <a:srgbClr val="BDEDFF"/>
-          </a:solidFill>
-          <a:ln w="9525"/>
-        </p:spPr>
-        <p:style>
-          <a:lnRef idx="2">
-            <a:schemeClr val="accent1">
-              <a:shade val="50000"/>
-            </a:schemeClr>
-          </a:lnRef>
-          <a:fillRef idx="1">
-            <a:schemeClr val="accent1"/>
-          </a:fillRef>
-          <a:effectRef idx="0">
-            <a:schemeClr val="accent1"/>
-          </a:effectRef>
-          <a:fontRef idx="minor">
-            <a:schemeClr val="lt1"/>
-          </a:fontRef>
-        </p:style>
-        <p:txBody>
-          <a:bodyPr rtlCol="0" anchor="ctr"/>
-          <a:lstStyle/>
-          <a:p>
-            <a:pPr algn="ctr"/>
-            <a:r>
-              <a:rPr kumimoji="1" lang="ja-JP" altLang="en-US" sz="1200" b="1" dirty="0" smtClean="0">
-                <a:solidFill>
-                  <a:schemeClr val="tx1"/>
-                </a:solidFill>
-              </a:rPr>
-              <a:t>サーバ１</a:t>
-            </a:r>
-            <a:endParaRPr kumimoji="1" lang="ja-JP" altLang="en-US" sz="1200" b="1" dirty="0">
-              <a:solidFill>
-                <a:schemeClr val="tx1"/>
-              </a:solidFill>
-            </a:endParaRPr>
-          </a:p>
-        </p:txBody>
-      </p:sp>
-      <p:sp>
-        <p:nvSpPr>
-          <p:cNvPr id="13" name="直方体 12"/>
-          <p:cNvSpPr/>
-          <p:nvPr/>
-        </p:nvSpPr>
-        <p:spPr>
-          <a:xfrm>
-            <a:off x="6165517" y="4464025"/>
-            <a:ext cx="931197" cy="513173"/>
-          </a:xfrm>
-          <a:prstGeom prst="cube">
-            <a:avLst/>
-          </a:prstGeom>
-          <a:solidFill>
-            <a:srgbClr val="BDEDFF"/>
-          </a:solidFill>
-          <a:ln w="9525"/>
-        </p:spPr>
-        <p:style>
-          <a:lnRef idx="2">
-            <a:schemeClr val="accent1">
-              <a:shade val="50000"/>
-            </a:schemeClr>
-          </a:lnRef>
-          <a:fillRef idx="1">
-            <a:schemeClr val="accent1"/>
-          </a:fillRef>
-          <a:effectRef idx="0">
-            <a:schemeClr val="accent1"/>
-          </a:effectRef>
-          <a:fontRef idx="minor">
-            <a:schemeClr val="lt1"/>
-          </a:fontRef>
-        </p:style>
-        <p:txBody>
-          <a:bodyPr rtlCol="0" anchor="ctr"/>
-          <a:lstStyle/>
-          <a:p>
-            <a:pPr algn="ctr"/>
-            <a:r>
-              <a:rPr kumimoji="1" lang="ja-JP" altLang="en-US" sz="1200" b="1" dirty="0" smtClean="0">
-                <a:solidFill>
-                  <a:schemeClr val="tx1"/>
-                </a:solidFill>
-              </a:rPr>
-              <a:t>サーバ２</a:t>
-            </a:r>
-            <a:endParaRPr kumimoji="1" lang="ja-JP" altLang="en-US" sz="1200" b="1" dirty="0">
-              <a:solidFill>
-                <a:schemeClr val="tx1"/>
-              </a:solidFill>
-            </a:endParaRPr>
-          </a:p>
-        </p:txBody>
-      </p:sp>
-      <p:sp>
-        <p:nvSpPr>
-          <p:cNvPr id="14" name="直方体 13"/>
-          <p:cNvSpPr/>
-          <p:nvPr/>
-        </p:nvSpPr>
-        <p:spPr>
-          <a:xfrm>
-            <a:off x="6165516" y="5179607"/>
-            <a:ext cx="931197" cy="513173"/>
-          </a:xfrm>
-          <a:prstGeom prst="cube">
-            <a:avLst/>
-          </a:prstGeom>
-          <a:solidFill>
-            <a:srgbClr val="BDEDFF"/>
-          </a:solidFill>
-          <a:ln w="9525"/>
-        </p:spPr>
-        <p:style>
-          <a:lnRef idx="2">
-            <a:schemeClr val="accent1">
-              <a:shade val="50000"/>
-            </a:schemeClr>
-          </a:lnRef>
-          <a:fillRef idx="1">
-            <a:schemeClr val="accent1"/>
-          </a:fillRef>
-          <a:effectRef idx="0">
-            <a:schemeClr val="accent1"/>
-          </a:effectRef>
-          <a:fontRef idx="minor">
-            <a:schemeClr val="lt1"/>
-          </a:fontRef>
-        </p:style>
-        <p:txBody>
-          <a:bodyPr rtlCol="0" anchor="ctr"/>
-          <a:lstStyle/>
-          <a:p>
-            <a:pPr algn="ctr"/>
-            <a:r>
-              <a:rPr kumimoji="1" lang="ja-JP" altLang="en-US" sz="1200" b="1" dirty="0" smtClean="0">
-                <a:solidFill>
-                  <a:schemeClr val="tx1"/>
-                </a:solidFill>
-              </a:rPr>
-              <a:t>サーバ３</a:t>
-            </a:r>
-            <a:endParaRPr kumimoji="1" lang="ja-JP" altLang="en-US" sz="1200" b="1" dirty="0">
-              <a:solidFill>
-                <a:schemeClr val="tx1"/>
-              </a:solidFill>
-            </a:endParaRPr>
-          </a:p>
-        </p:txBody>
-      </p:sp>
-      <p:cxnSp>
-        <p:nvCxnSpPr>
-          <p:cNvPr id="17" name="直線矢印コネクタ 16"/>
-          <p:cNvCxnSpPr>
-            <a:stCxn id="7" idx="5"/>
-            <a:endCxn id="12" idx="2"/>
-          </p:cNvCxnSpPr>
-          <p:nvPr/>
-        </p:nvCxnSpPr>
-        <p:spPr>
-          <a:xfrm flipV="1">
-            <a:off x="4766209" y="4124011"/>
-            <a:ext cx="1399309" cy="823802"/>
-          </a:xfrm>
-          <a:prstGeom prst="straightConnector1">
-            <a:avLst/>
-          </a:prstGeom>
-          <a:ln w="38100">
-            <a:solidFill>
-              <a:srgbClr val="92D050"/>
-            </a:solidFill>
-            <a:tailEnd type="triangle"/>
-          </a:ln>
-        </p:spPr>
-        <p:style>
-          <a:lnRef idx="1">
-            <a:schemeClr val="accent1"/>
-          </a:lnRef>
-          <a:fillRef idx="0">
-            <a:schemeClr val="accent1"/>
-          </a:fillRef>
-          <a:effectRef idx="0">
-            <a:schemeClr val="accent1"/>
-          </a:effectRef>
-          <a:fontRef idx="minor">
-            <a:schemeClr val="tx1"/>
-          </a:fontRef>
-        </p:style>
-      </p:cxnSp>
-      <p:cxnSp>
-        <p:nvCxnSpPr>
-          <p:cNvPr id="18" name="直線矢印コネクタ 17"/>
-          <p:cNvCxnSpPr>
-            <a:stCxn id="7" idx="5"/>
-            <a:endCxn id="14" idx="2"/>
-          </p:cNvCxnSpPr>
-          <p:nvPr/>
-        </p:nvCxnSpPr>
-        <p:spPr>
-          <a:xfrm>
-            <a:off x="4766209" y="4947813"/>
-            <a:ext cx="1399307" cy="552527"/>
-          </a:xfrm>
-          <a:prstGeom prst="straightConnector1">
-            <a:avLst/>
-          </a:prstGeom>
-          <a:ln w="38100">
-            <a:solidFill>
-              <a:srgbClr val="92D050"/>
-            </a:solidFill>
-            <a:tailEnd type="triangle"/>
-          </a:ln>
-        </p:spPr>
-        <p:style>
-          <a:lnRef idx="1">
-            <a:schemeClr val="accent1"/>
-          </a:lnRef>
-          <a:fillRef idx="0">
-            <a:schemeClr val="accent1"/>
-          </a:fillRef>
-          <a:effectRef idx="0">
-            <a:schemeClr val="accent1"/>
-          </a:effectRef>
-          <a:fontRef idx="minor">
-            <a:schemeClr val="tx1"/>
-          </a:fontRef>
-        </p:style>
-      </p:cxnSp>
-      <p:cxnSp>
-        <p:nvCxnSpPr>
-          <p:cNvPr id="19" name="直線矢印コネクタ 18"/>
-          <p:cNvCxnSpPr>
-            <a:stCxn id="7" idx="5"/>
-            <a:endCxn id="13" idx="2"/>
-          </p:cNvCxnSpPr>
-          <p:nvPr/>
-        </p:nvCxnSpPr>
-        <p:spPr>
-          <a:xfrm flipV="1">
-            <a:off x="4766209" y="4784758"/>
-            <a:ext cx="1399308" cy="163055"/>
-          </a:xfrm>
-          <a:prstGeom prst="straightConnector1">
-            <a:avLst/>
-          </a:prstGeom>
-          <a:ln w="38100">
-            <a:solidFill>
-              <a:srgbClr val="92D050"/>
-            </a:solidFill>
-            <a:tailEnd type="triangle"/>
-          </a:ln>
-        </p:spPr>
-        <p:style>
-          <a:lnRef idx="1">
-            <a:schemeClr val="accent1"/>
-          </a:lnRef>
-          <a:fillRef idx="0">
-            <a:schemeClr val="accent1"/>
-          </a:fillRef>
-          <a:effectRef idx="0">
-            <a:schemeClr val="accent1"/>
-          </a:effectRef>
-          <a:fontRef idx="minor">
-            <a:schemeClr val="tx1"/>
-          </a:fontRef>
-        </p:style>
-      </p:cxnSp>
-      <p:sp>
-        <p:nvSpPr>
-          <p:cNvPr id="27" name="テキスト ボックス 26"/>
-          <p:cNvSpPr txBox="1"/>
-          <p:nvPr/>
-        </p:nvSpPr>
-        <p:spPr>
-          <a:xfrm>
-            <a:off x="4207243" y="3715986"/>
-            <a:ext cx="1796432" cy="646331"/>
-          </a:xfrm>
-          <a:prstGeom prst="rect">
-            <a:avLst/>
-          </a:prstGeom>
-          <a:noFill/>
-        </p:spPr>
-        <p:txBody>
-          <a:bodyPr wrap="square" rtlCol="0">
-            <a:spAutoFit/>
-          </a:bodyPr>
-          <a:lstStyle/>
-          <a:p>
-            <a:r>
-              <a:rPr kumimoji="1" lang="ja-JP" altLang="en-US" b="1" dirty="0" smtClean="0"/>
-              <a:t>ここが遅いと</a:t>
-            </a:r>
-            <a:r>
-              <a:rPr kumimoji="1" lang="en-US" altLang="ja-JP" b="1" dirty="0" smtClean="0"/>
-              <a:t/>
-            </a:r>
-            <a:br>
-              <a:rPr kumimoji="1" lang="en-US" altLang="ja-JP" b="1" dirty="0" smtClean="0"/>
-            </a:br>
-            <a:r>
-              <a:rPr kumimoji="1" lang="ja-JP" altLang="en-US" b="1" dirty="0" smtClean="0"/>
-              <a:t>ボトルネックに</a:t>
-            </a:r>
-            <a:endParaRPr kumimoji="1" lang="ja-JP" altLang="en-US" b="1" dirty="0"/>
-          </a:p>
-        </p:txBody>
-      </p:sp>
-      <p:sp>
-        <p:nvSpPr>
-          <p:cNvPr id="20" name="テキスト ボックス 19"/>
-          <p:cNvSpPr txBox="1"/>
-          <p:nvPr/>
-        </p:nvSpPr>
-        <p:spPr>
-          <a:xfrm>
-            <a:off x="3411399" y="4358175"/>
-            <a:ext cx="1346718" cy="369332"/>
-          </a:xfrm>
-          <a:prstGeom prst="rect">
-            <a:avLst/>
-          </a:prstGeom>
-          <a:noFill/>
-        </p:spPr>
-        <p:txBody>
-          <a:bodyPr wrap="square" rtlCol="0">
-            <a:spAutoFit/>
-          </a:bodyPr>
-          <a:lstStyle/>
-          <a:p>
-            <a:r>
-              <a:rPr kumimoji="1" lang="en-US" altLang="ja-JP" b="1" dirty="0" smtClean="0"/>
-              <a:t>WEB</a:t>
-            </a:r>
-            <a:r>
-              <a:rPr kumimoji="1" lang="ja-JP" altLang="en-US" b="1" dirty="0" smtClean="0"/>
-              <a:t>サーバ</a:t>
-            </a:r>
-            <a:endParaRPr kumimoji="1" lang="ja-JP" altLang="en-US" b="1" dirty="0"/>
-          </a:p>
-        </p:txBody>
-      </p:sp>
-    </p:spTree>
-    <p:extLst>
-      <p:ext uri="{BB962C8B-B14F-4D97-AF65-F5344CB8AC3E}">
-        <p14:creationId xmlns:p14="http://schemas.microsoft.com/office/powerpoint/2010/main" val="1302526844"/>
-      </p:ext>
-    </p:extLst>
-  </p:cSld>
-  <p:clrMapOvr>
-    <a:masterClrMapping/>
-  </p:clrMapOvr>
 </p:sld>
 </file>
 
@@ -9942,6 +11088,632 @@
     <p:extLst>
       <p:ext uri="{BB962C8B-B14F-4D97-AF65-F5344CB8AC3E}">
         <p14:creationId xmlns:p14="http://schemas.microsoft.com/office/powerpoint/2010/main" val="3795616461"/>
+      </p:ext>
+    </p:extLst>
+  </p:cSld>
+  <p:clrMapOvr>
+    <a:masterClrMapping/>
+  </p:clrMapOvr>
+</p:sld>
+</file>
+
+<file path=ppt/slides/slide20.xml><?xml version="1.0" encoding="utf-8"?>
+<p:sld xmlns:a="http://schemas.openxmlformats.org/drawingml/2006/main" xmlns:r="http://schemas.openxmlformats.org/officeDocument/2006/relationships" xmlns:p="http://schemas.openxmlformats.org/presentationml/2006/main">
+  <p:cSld>
+    <p:spTree>
+      <p:nvGrpSpPr>
+        <p:cNvPr id="1" name=""/>
+        <p:cNvGrpSpPr/>
+        <p:nvPr/>
+      </p:nvGrpSpPr>
+      <p:grpSpPr>
+        <a:xfrm>
+          <a:off x="0" y="0"/>
+          <a:ext cx="0" cy="0"/>
+          <a:chOff x="0" y="0"/>
+          <a:chExt cx="0" cy="0"/>
+        </a:xfrm>
+      </p:grpSpPr>
+      <p:sp>
+        <p:nvSpPr>
+          <p:cNvPr id="15" name="角丸四角形 14"/>
+          <p:cNvSpPr/>
+          <p:nvPr/>
+        </p:nvSpPr>
+        <p:spPr>
+          <a:xfrm>
+            <a:off x="3241902" y="4341702"/>
+            <a:ext cx="1629502" cy="1131772"/>
+          </a:xfrm>
+          <a:prstGeom prst="roundRect">
+            <a:avLst/>
+          </a:prstGeom>
+          <a:solidFill>
+            <a:schemeClr val="accent4">
+              <a:lumMod val="20000"/>
+              <a:lumOff val="80000"/>
+            </a:schemeClr>
+          </a:solidFill>
+          <a:ln>
+            <a:solidFill>
+              <a:schemeClr val="accent6">
+                <a:lumMod val="75000"/>
+              </a:schemeClr>
+            </a:solidFill>
+          </a:ln>
+        </p:spPr>
+        <p:style>
+          <a:lnRef idx="2">
+            <a:schemeClr val="accent1">
+              <a:shade val="50000"/>
+            </a:schemeClr>
+          </a:lnRef>
+          <a:fillRef idx="1">
+            <a:schemeClr val="accent1"/>
+          </a:fillRef>
+          <a:effectRef idx="0">
+            <a:schemeClr val="accent1"/>
+          </a:effectRef>
+          <a:fontRef idx="minor">
+            <a:schemeClr val="lt1"/>
+          </a:fontRef>
+        </p:style>
+        <p:txBody>
+          <a:bodyPr rtlCol="0" anchor="ctr"/>
+          <a:lstStyle/>
+          <a:p>
+            <a:pPr algn="ctr"/>
+            <a:endParaRPr kumimoji="1" lang="ja-JP" altLang="en-US"/>
+          </a:p>
+        </p:txBody>
+      </p:sp>
+      <p:pic>
+        <p:nvPicPr>
+          <p:cNvPr id="3" name="図 2"/>
+          <p:cNvPicPr>
+            <a:picLocks noChangeAspect="1"/>
+          </p:cNvPicPr>
+          <p:nvPr/>
+        </p:nvPicPr>
+        <p:blipFill rotWithShape="1">
+          <a:blip r:embed="rId2">
+            <a:extLst>
+              <a:ext uri="{28A0092B-C50C-407E-A947-70E740481C1C}">
+                <a14:useLocalDpi xmlns:a14="http://schemas.microsoft.com/office/drawing/2010/main" val="0"/>
+              </a:ext>
+            </a:extLst>
+          </a:blip>
+          <a:srcRect t="15196" b="10847"/>
+          <a:stretch/>
+        </p:blipFill>
+        <p:spPr>
+          <a:xfrm>
+            <a:off x="1394901" y="313867"/>
+            <a:ext cx="6347073" cy="2825841"/>
+          </a:xfrm>
+          <a:prstGeom prst="rect">
+            <a:avLst/>
+          </a:prstGeom>
+        </p:spPr>
+      </p:pic>
+      <p:sp>
+        <p:nvSpPr>
+          <p:cNvPr id="4" name="右矢印 3"/>
+          <p:cNvSpPr/>
+          <p:nvPr/>
+        </p:nvSpPr>
+        <p:spPr>
+          <a:xfrm>
+            <a:off x="1826528" y="4737296"/>
+            <a:ext cx="1415373" cy="340584"/>
+          </a:xfrm>
+          <a:prstGeom prst="rightArrow">
+            <a:avLst/>
+          </a:prstGeom>
+          <a:solidFill>
+            <a:srgbClr val="92D050"/>
+          </a:solidFill>
+          <a:ln>
+            <a:noFill/>
+          </a:ln>
+        </p:spPr>
+        <p:style>
+          <a:lnRef idx="2">
+            <a:schemeClr val="accent1">
+              <a:shade val="50000"/>
+            </a:schemeClr>
+          </a:lnRef>
+          <a:fillRef idx="1">
+            <a:schemeClr val="accent1"/>
+          </a:fillRef>
+          <a:effectRef idx="0">
+            <a:schemeClr val="accent1"/>
+          </a:effectRef>
+          <a:fontRef idx="minor">
+            <a:schemeClr val="lt1"/>
+          </a:fontRef>
+        </p:style>
+        <p:txBody>
+          <a:bodyPr rtlCol="0" anchor="ctr"/>
+          <a:lstStyle/>
+          <a:p>
+            <a:pPr algn="ctr"/>
+            <a:endParaRPr kumimoji="1" lang="ja-JP" altLang="en-US">
+              <a:solidFill>
+                <a:schemeClr val="accent6"/>
+              </a:solidFill>
+            </a:endParaRPr>
+          </a:p>
+        </p:txBody>
+      </p:sp>
+      <p:pic>
+        <p:nvPicPr>
+          <p:cNvPr id="5" name="図 4"/>
+          <p:cNvPicPr>
+            <a:picLocks noChangeAspect="1"/>
+          </p:cNvPicPr>
+          <p:nvPr/>
+        </p:nvPicPr>
+        <p:blipFill>
+          <a:blip r:embed="rId3"/>
+          <a:stretch>
+            <a:fillRect/>
+          </a:stretch>
+        </p:blipFill>
+        <p:spPr>
+          <a:xfrm>
+            <a:off x="2033369" y="4551562"/>
+            <a:ext cx="864014" cy="712052"/>
+          </a:xfrm>
+          <a:prstGeom prst="rect">
+            <a:avLst/>
+          </a:prstGeom>
+        </p:spPr>
+      </p:pic>
+      <p:pic>
+        <p:nvPicPr>
+          <p:cNvPr id="6" name="図 5"/>
+          <p:cNvPicPr>
+            <a:picLocks noChangeAspect="1"/>
+          </p:cNvPicPr>
+          <p:nvPr/>
+        </p:nvPicPr>
+        <p:blipFill>
+          <a:blip r:embed="rId4"/>
+          <a:stretch>
+            <a:fillRect/>
+          </a:stretch>
+        </p:blipFill>
+        <p:spPr>
+          <a:xfrm>
+            <a:off x="886123" y="4629538"/>
+            <a:ext cx="1017555" cy="620930"/>
+          </a:xfrm>
+          <a:prstGeom prst="rect">
+            <a:avLst/>
+          </a:prstGeom>
+        </p:spPr>
+      </p:pic>
+      <p:sp>
+        <p:nvSpPr>
+          <p:cNvPr id="7" name="直方体 6"/>
+          <p:cNvSpPr/>
+          <p:nvPr/>
+        </p:nvSpPr>
+        <p:spPr>
+          <a:xfrm>
+            <a:off x="3359686" y="4719512"/>
+            <a:ext cx="1406523" cy="608803"/>
+          </a:xfrm>
+          <a:prstGeom prst="cube">
+            <a:avLst/>
+          </a:prstGeom>
+          <a:solidFill>
+            <a:srgbClr val="BDEDFF"/>
+          </a:solidFill>
+          <a:ln w="9525"/>
+        </p:spPr>
+        <p:style>
+          <a:lnRef idx="2">
+            <a:schemeClr val="accent1">
+              <a:shade val="50000"/>
+            </a:schemeClr>
+          </a:lnRef>
+          <a:fillRef idx="1">
+            <a:schemeClr val="accent1"/>
+          </a:fillRef>
+          <a:effectRef idx="0">
+            <a:schemeClr val="accent1"/>
+          </a:effectRef>
+          <a:fontRef idx="minor">
+            <a:schemeClr val="lt1"/>
+          </a:fontRef>
+        </p:style>
+        <p:txBody>
+          <a:bodyPr rtlCol="0" anchor="ctr"/>
+          <a:lstStyle/>
+          <a:p>
+            <a:pPr algn="ctr"/>
+            <a:r>
+              <a:rPr kumimoji="1" lang="ja-JP" altLang="en-US" sz="1200" b="1" dirty="0" smtClean="0">
+                <a:solidFill>
+                  <a:schemeClr val="tx1"/>
+                </a:solidFill>
+              </a:rPr>
+              <a:t>ロードバランサ</a:t>
+            </a:r>
+            <a:endParaRPr kumimoji="1" lang="ja-JP" altLang="en-US" sz="1200" b="1" dirty="0">
+              <a:solidFill>
+                <a:schemeClr val="tx1"/>
+              </a:solidFill>
+            </a:endParaRPr>
+          </a:p>
+        </p:txBody>
+      </p:sp>
+      <p:sp>
+        <p:nvSpPr>
+          <p:cNvPr id="12" name="直方体 11"/>
+          <p:cNvSpPr/>
+          <p:nvPr/>
+        </p:nvSpPr>
+        <p:spPr>
+          <a:xfrm>
+            <a:off x="6165518" y="3803278"/>
+            <a:ext cx="931197" cy="513173"/>
+          </a:xfrm>
+          <a:prstGeom prst="cube">
+            <a:avLst/>
+          </a:prstGeom>
+          <a:solidFill>
+            <a:srgbClr val="BDEDFF"/>
+          </a:solidFill>
+          <a:ln w="9525"/>
+        </p:spPr>
+        <p:style>
+          <a:lnRef idx="2">
+            <a:schemeClr val="accent1">
+              <a:shade val="50000"/>
+            </a:schemeClr>
+          </a:lnRef>
+          <a:fillRef idx="1">
+            <a:schemeClr val="accent1"/>
+          </a:fillRef>
+          <a:effectRef idx="0">
+            <a:schemeClr val="accent1"/>
+          </a:effectRef>
+          <a:fontRef idx="minor">
+            <a:schemeClr val="lt1"/>
+          </a:fontRef>
+        </p:style>
+        <p:txBody>
+          <a:bodyPr rtlCol="0" anchor="ctr"/>
+          <a:lstStyle/>
+          <a:p>
+            <a:pPr algn="ctr"/>
+            <a:r>
+              <a:rPr kumimoji="1" lang="ja-JP" altLang="en-US" sz="1200" b="1" dirty="0" smtClean="0">
+                <a:solidFill>
+                  <a:schemeClr val="tx1"/>
+                </a:solidFill>
+              </a:rPr>
+              <a:t>サーバ１</a:t>
+            </a:r>
+            <a:endParaRPr kumimoji="1" lang="ja-JP" altLang="en-US" sz="1200" b="1" dirty="0">
+              <a:solidFill>
+                <a:schemeClr val="tx1"/>
+              </a:solidFill>
+            </a:endParaRPr>
+          </a:p>
+        </p:txBody>
+      </p:sp>
+      <p:sp>
+        <p:nvSpPr>
+          <p:cNvPr id="13" name="直方体 12"/>
+          <p:cNvSpPr/>
+          <p:nvPr/>
+        </p:nvSpPr>
+        <p:spPr>
+          <a:xfrm>
+            <a:off x="6165517" y="4464025"/>
+            <a:ext cx="931197" cy="513173"/>
+          </a:xfrm>
+          <a:prstGeom prst="cube">
+            <a:avLst/>
+          </a:prstGeom>
+          <a:solidFill>
+            <a:srgbClr val="BDEDFF"/>
+          </a:solidFill>
+          <a:ln w="9525"/>
+        </p:spPr>
+        <p:style>
+          <a:lnRef idx="2">
+            <a:schemeClr val="accent1">
+              <a:shade val="50000"/>
+            </a:schemeClr>
+          </a:lnRef>
+          <a:fillRef idx="1">
+            <a:schemeClr val="accent1"/>
+          </a:fillRef>
+          <a:effectRef idx="0">
+            <a:schemeClr val="accent1"/>
+          </a:effectRef>
+          <a:fontRef idx="minor">
+            <a:schemeClr val="lt1"/>
+          </a:fontRef>
+        </p:style>
+        <p:txBody>
+          <a:bodyPr rtlCol="0" anchor="ctr"/>
+          <a:lstStyle/>
+          <a:p>
+            <a:pPr algn="ctr"/>
+            <a:r>
+              <a:rPr kumimoji="1" lang="ja-JP" altLang="en-US" sz="1200" b="1" dirty="0" smtClean="0">
+                <a:solidFill>
+                  <a:schemeClr val="tx1"/>
+                </a:solidFill>
+              </a:rPr>
+              <a:t>サーバ２</a:t>
+            </a:r>
+            <a:endParaRPr kumimoji="1" lang="ja-JP" altLang="en-US" sz="1200" b="1" dirty="0">
+              <a:solidFill>
+                <a:schemeClr val="tx1"/>
+              </a:solidFill>
+            </a:endParaRPr>
+          </a:p>
+        </p:txBody>
+      </p:sp>
+      <p:sp>
+        <p:nvSpPr>
+          <p:cNvPr id="14" name="直方体 13"/>
+          <p:cNvSpPr/>
+          <p:nvPr/>
+        </p:nvSpPr>
+        <p:spPr>
+          <a:xfrm>
+            <a:off x="6165516" y="5179607"/>
+            <a:ext cx="931197" cy="513173"/>
+          </a:xfrm>
+          <a:prstGeom prst="cube">
+            <a:avLst/>
+          </a:prstGeom>
+          <a:solidFill>
+            <a:srgbClr val="BDEDFF"/>
+          </a:solidFill>
+          <a:ln w="9525"/>
+        </p:spPr>
+        <p:style>
+          <a:lnRef idx="2">
+            <a:schemeClr val="accent1">
+              <a:shade val="50000"/>
+            </a:schemeClr>
+          </a:lnRef>
+          <a:fillRef idx="1">
+            <a:schemeClr val="accent1"/>
+          </a:fillRef>
+          <a:effectRef idx="0">
+            <a:schemeClr val="accent1"/>
+          </a:effectRef>
+          <a:fontRef idx="minor">
+            <a:schemeClr val="lt1"/>
+          </a:fontRef>
+        </p:style>
+        <p:txBody>
+          <a:bodyPr rtlCol="0" anchor="ctr"/>
+          <a:lstStyle/>
+          <a:p>
+            <a:pPr algn="ctr"/>
+            <a:r>
+              <a:rPr kumimoji="1" lang="ja-JP" altLang="en-US" sz="1200" b="1" dirty="0" smtClean="0">
+                <a:solidFill>
+                  <a:schemeClr val="tx1"/>
+                </a:solidFill>
+              </a:rPr>
+              <a:t>サーバ３</a:t>
+            </a:r>
+            <a:endParaRPr kumimoji="1" lang="ja-JP" altLang="en-US" sz="1200" b="1" dirty="0">
+              <a:solidFill>
+                <a:schemeClr val="tx1"/>
+              </a:solidFill>
+            </a:endParaRPr>
+          </a:p>
+        </p:txBody>
+      </p:sp>
+      <p:cxnSp>
+        <p:nvCxnSpPr>
+          <p:cNvPr id="17" name="直線矢印コネクタ 16"/>
+          <p:cNvCxnSpPr>
+            <a:stCxn id="7" idx="5"/>
+            <a:endCxn id="12" idx="2"/>
+          </p:cNvCxnSpPr>
+          <p:nvPr/>
+        </p:nvCxnSpPr>
+        <p:spPr>
+          <a:xfrm flipV="1">
+            <a:off x="4766209" y="4124011"/>
+            <a:ext cx="1399309" cy="823802"/>
+          </a:xfrm>
+          <a:prstGeom prst="straightConnector1">
+            <a:avLst/>
+          </a:prstGeom>
+          <a:ln w="38100">
+            <a:solidFill>
+              <a:srgbClr val="92D050"/>
+            </a:solidFill>
+            <a:tailEnd type="triangle"/>
+          </a:ln>
+        </p:spPr>
+        <p:style>
+          <a:lnRef idx="1">
+            <a:schemeClr val="accent1"/>
+          </a:lnRef>
+          <a:fillRef idx="0">
+            <a:schemeClr val="accent1"/>
+          </a:fillRef>
+          <a:effectRef idx="0">
+            <a:schemeClr val="accent1"/>
+          </a:effectRef>
+          <a:fontRef idx="minor">
+            <a:schemeClr val="tx1"/>
+          </a:fontRef>
+        </p:style>
+      </p:cxnSp>
+      <p:cxnSp>
+        <p:nvCxnSpPr>
+          <p:cNvPr id="18" name="直線矢印コネクタ 17"/>
+          <p:cNvCxnSpPr>
+            <a:stCxn id="7" idx="5"/>
+            <a:endCxn id="14" idx="2"/>
+          </p:cNvCxnSpPr>
+          <p:nvPr/>
+        </p:nvCxnSpPr>
+        <p:spPr>
+          <a:xfrm>
+            <a:off x="4766209" y="4947813"/>
+            <a:ext cx="1399307" cy="552527"/>
+          </a:xfrm>
+          <a:prstGeom prst="straightConnector1">
+            <a:avLst/>
+          </a:prstGeom>
+          <a:ln w="38100">
+            <a:solidFill>
+              <a:srgbClr val="92D050"/>
+            </a:solidFill>
+            <a:tailEnd type="triangle"/>
+          </a:ln>
+        </p:spPr>
+        <p:style>
+          <a:lnRef idx="1">
+            <a:schemeClr val="accent1"/>
+          </a:lnRef>
+          <a:fillRef idx="0">
+            <a:schemeClr val="accent1"/>
+          </a:fillRef>
+          <a:effectRef idx="0">
+            <a:schemeClr val="accent1"/>
+          </a:effectRef>
+          <a:fontRef idx="minor">
+            <a:schemeClr val="tx1"/>
+          </a:fontRef>
+        </p:style>
+      </p:cxnSp>
+      <p:cxnSp>
+        <p:nvCxnSpPr>
+          <p:cNvPr id="19" name="直線矢印コネクタ 18"/>
+          <p:cNvCxnSpPr>
+            <a:stCxn id="7" idx="5"/>
+            <a:endCxn id="13" idx="2"/>
+          </p:cNvCxnSpPr>
+          <p:nvPr/>
+        </p:nvCxnSpPr>
+        <p:spPr>
+          <a:xfrm flipV="1">
+            <a:off x="4766209" y="4784758"/>
+            <a:ext cx="1399308" cy="163055"/>
+          </a:xfrm>
+          <a:prstGeom prst="straightConnector1">
+            <a:avLst/>
+          </a:prstGeom>
+          <a:ln w="38100">
+            <a:solidFill>
+              <a:srgbClr val="92D050"/>
+            </a:solidFill>
+            <a:tailEnd type="triangle"/>
+          </a:ln>
+        </p:spPr>
+        <p:style>
+          <a:lnRef idx="1">
+            <a:schemeClr val="accent1"/>
+          </a:lnRef>
+          <a:fillRef idx="0">
+            <a:schemeClr val="accent1"/>
+          </a:fillRef>
+          <a:effectRef idx="0">
+            <a:schemeClr val="accent1"/>
+          </a:effectRef>
+          <a:fontRef idx="minor">
+            <a:schemeClr val="tx1"/>
+          </a:fontRef>
+        </p:style>
+      </p:cxnSp>
+      <p:sp>
+        <p:nvSpPr>
+          <p:cNvPr id="27" name="テキスト ボックス 26"/>
+          <p:cNvSpPr txBox="1"/>
+          <p:nvPr/>
+        </p:nvSpPr>
+        <p:spPr>
+          <a:xfrm>
+            <a:off x="4207243" y="3715986"/>
+            <a:ext cx="1796432" cy="646331"/>
+          </a:xfrm>
+          <a:prstGeom prst="rect">
+            <a:avLst/>
+          </a:prstGeom>
+          <a:noFill/>
+        </p:spPr>
+        <p:txBody>
+          <a:bodyPr wrap="square" rtlCol="0">
+            <a:spAutoFit/>
+          </a:bodyPr>
+          <a:lstStyle/>
+          <a:p>
+            <a:r>
+              <a:rPr kumimoji="1" lang="ja-JP" altLang="en-US" b="1" dirty="0" smtClean="0"/>
+              <a:t>ここが遅いと</a:t>
+            </a:r>
+            <a:r>
+              <a:rPr kumimoji="1" lang="en-US" altLang="ja-JP" b="1" dirty="0" smtClean="0"/>
+              <a:t/>
+            </a:r>
+            <a:br>
+              <a:rPr kumimoji="1" lang="en-US" altLang="ja-JP" b="1" dirty="0" smtClean="0"/>
+            </a:br>
+            <a:r>
+              <a:rPr kumimoji="1" lang="ja-JP" altLang="en-US" b="1" dirty="0" smtClean="0"/>
+              <a:t>ボトルネックに</a:t>
+            </a:r>
+            <a:endParaRPr kumimoji="1" lang="ja-JP" altLang="en-US" b="1" dirty="0"/>
+          </a:p>
+        </p:txBody>
+      </p:sp>
+      <p:sp>
+        <p:nvSpPr>
+          <p:cNvPr id="20" name="テキスト ボックス 19"/>
+          <p:cNvSpPr txBox="1"/>
+          <p:nvPr/>
+        </p:nvSpPr>
+        <p:spPr>
+          <a:xfrm>
+            <a:off x="3411399" y="4358175"/>
+            <a:ext cx="1346718" cy="369332"/>
+          </a:xfrm>
+          <a:prstGeom prst="rect">
+            <a:avLst/>
+          </a:prstGeom>
+          <a:noFill/>
+        </p:spPr>
+        <p:txBody>
+          <a:bodyPr wrap="square" rtlCol="0">
+            <a:spAutoFit/>
+          </a:bodyPr>
+          <a:lstStyle/>
+          <a:p>
+            <a:r>
+              <a:rPr kumimoji="1" lang="en-US" altLang="ja-JP" b="1" dirty="0" smtClean="0"/>
+              <a:t>WEB</a:t>
+            </a:r>
+            <a:r>
+              <a:rPr kumimoji="1" lang="ja-JP" altLang="en-US" b="1" dirty="0" smtClean="0"/>
+              <a:t>サーバ</a:t>
+            </a:r>
+            <a:endParaRPr kumimoji="1" lang="ja-JP" altLang="en-US" b="1" dirty="0"/>
+          </a:p>
+        </p:txBody>
+      </p:sp>
+    </p:spTree>
+    <p:extLst>
+      <p:ext uri="{BB962C8B-B14F-4D97-AF65-F5344CB8AC3E}">
+        <p14:creationId xmlns:p14="http://schemas.microsoft.com/office/powerpoint/2010/main" val="1302526844"/>
       </p:ext>
     </p:extLst>
   </p:cSld>
@@ -15454,532 +17226,824 @@
           <a:chExt cx="0" cy="0"/>
         </a:xfrm>
       </p:grpSpPr>
-      <p:grpSp>
-        <p:nvGrpSpPr>
-          <p:cNvPr id="6" name="グループ化 5"/>
-          <p:cNvGrpSpPr/>
+      <p:sp>
+        <p:nvSpPr>
+          <p:cNvPr id="36" name="正方形/長方形 35"/>
+          <p:cNvSpPr/>
           <p:nvPr/>
-        </p:nvGrpSpPr>
-        <p:grpSpPr>
+        </p:nvSpPr>
+        <p:spPr>
           <a:xfrm>
-            <a:off x="2035543" y="1351055"/>
-            <a:ext cx="3984215" cy="3819677"/>
-            <a:chOff x="2035543" y="1351055"/>
-            <a:chExt cx="3984215" cy="3819677"/>
-          </a:xfrm>
-        </p:grpSpPr>
-        <p:grpSp>
-          <p:nvGrpSpPr>
-            <p:cNvPr id="5" name="グループ化 4"/>
-            <p:cNvGrpSpPr/>
-            <p:nvPr/>
-          </p:nvGrpSpPr>
-          <p:grpSpPr>
-            <a:xfrm>
-              <a:off x="2035543" y="1351055"/>
-              <a:ext cx="3984215" cy="3819677"/>
-              <a:chOff x="4179634" y="893568"/>
-              <a:chExt cx="3984215" cy="3811749"/>
-            </a:xfrm>
-            <a:solidFill>
-              <a:srgbClr val="BDEDFF"/>
-            </a:solidFill>
-          </p:grpSpPr>
-          <p:sp>
-            <p:nvSpPr>
-              <p:cNvPr id="4" name="正方形/長方形 3"/>
-              <p:cNvSpPr/>
-              <p:nvPr/>
-            </p:nvSpPr>
-            <p:spPr>
-              <a:xfrm>
-                <a:off x="4179634" y="893568"/>
-                <a:ext cx="3984215" cy="3811749"/>
-              </a:xfrm>
-              <a:prstGeom prst="rect">
-                <a:avLst/>
-              </a:prstGeom>
-              <a:grpFill/>
-              <a:ln>
-                <a:noFill/>
-              </a:ln>
-            </p:spPr>
-            <p:style>
-              <a:lnRef idx="2">
-                <a:schemeClr val="accent1">
-                  <a:shade val="50000"/>
-                </a:schemeClr>
-              </a:lnRef>
-              <a:fillRef idx="1">
-                <a:schemeClr val="accent1"/>
-              </a:fillRef>
-              <a:effectRef idx="0">
-                <a:schemeClr val="accent1"/>
-              </a:effectRef>
-              <a:fontRef idx="minor">
-                <a:schemeClr val="lt1"/>
-              </a:fontRef>
-            </p:style>
-            <p:txBody>
-              <a:bodyPr rtlCol="0" anchor="ctr"/>
-              <a:lstStyle/>
-              <a:p>
-                <a:pPr algn="ctr"/>
-                <a:r>
-                  <a:rPr kumimoji="1" lang="en-US" altLang="ja-JP" dirty="0" smtClean="0"/>
-                  <a:t/>
-                </a:r>
-                <a:br>
-                  <a:rPr kumimoji="1" lang="en-US" altLang="ja-JP" dirty="0" smtClean="0"/>
-                </a:br>
-                <a:r>
-                  <a:rPr kumimoji="1" lang="en-US" altLang="ja-JP" dirty="0" smtClean="0"/>
-                  <a:t/>
-                </a:r>
-                <a:br>
-                  <a:rPr kumimoji="1" lang="en-US" altLang="ja-JP" dirty="0" smtClean="0"/>
-                </a:br>
-                <a:r>
-                  <a:rPr kumimoji="1" lang="en-US" altLang="ja-JP" dirty="0" smtClean="0"/>
-                  <a:t/>
-                </a:r>
-                <a:br>
-                  <a:rPr kumimoji="1" lang="en-US" altLang="ja-JP" dirty="0" smtClean="0"/>
-                </a:br>
-                <a:r>
-                  <a:rPr kumimoji="1" lang="en-US" altLang="ja-JP" dirty="0" smtClean="0"/>
-                  <a:t/>
-                </a:r>
-                <a:br>
-                  <a:rPr kumimoji="1" lang="en-US" altLang="ja-JP" dirty="0" smtClean="0"/>
-                </a:br>
-                <a:r>
-                  <a:rPr kumimoji="1" lang="en-US" altLang="ja-JP" dirty="0" smtClean="0"/>
-                  <a:t/>
-                </a:r>
-                <a:br>
-                  <a:rPr kumimoji="1" lang="en-US" altLang="ja-JP" dirty="0" smtClean="0"/>
-                </a:br>
-                <a:r>
-                  <a:rPr kumimoji="1" lang="en-US" altLang="ja-JP" dirty="0" smtClean="0"/>
-                  <a:t/>
-                </a:r>
-                <a:br>
-                  <a:rPr kumimoji="1" lang="en-US" altLang="ja-JP" dirty="0" smtClean="0"/>
-                </a:br>
-                <a:r>
-                  <a:rPr kumimoji="1" lang="en-US" altLang="ja-JP" dirty="0" smtClean="0"/>
-                  <a:t/>
-                </a:r>
-                <a:br>
-                  <a:rPr kumimoji="1" lang="en-US" altLang="ja-JP" dirty="0" smtClean="0"/>
-                </a:br>
-                <a:r>
-                  <a:rPr kumimoji="1" lang="en-US" altLang="ja-JP" dirty="0" smtClean="0"/>
-                  <a:t/>
-                </a:r>
-                <a:br>
-                  <a:rPr kumimoji="1" lang="en-US" altLang="ja-JP" dirty="0" smtClean="0"/>
-                </a:br>
-                <a:r>
-                  <a:rPr kumimoji="1" lang="en-US" altLang="ja-JP" dirty="0" smtClean="0"/>
-                  <a:t/>
-                </a:r>
-                <a:br>
-                  <a:rPr kumimoji="1" lang="en-US" altLang="ja-JP" dirty="0" smtClean="0"/>
-                </a:br>
-                <a:r>
-                  <a:rPr kumimoji="1" lang="en-US" altLang="ja-JP" dirty="0" smtClean="0"/>
-                  <a:t/>
-                </a:r>
-                <a:br>
-                  <a:rPr kumimoji="1" lang="en-US" altLang="ja-JP" dirty="0" smtClean="0"/>
-                </a:br>
-                <a:r>
-                  <a:rPr kumimoji="1" lang="en-US" altLang="ja-JP" dirty="0" smtClean="0"/>
-                  <a:t/>
-                </a:r>
-                <a:br>
-                  <a:rPr kumimoji="1" lang="en-US" altLang="ja-JP" dirty="0" smtClean="0"/>
-                </a:br>
-                <a:r>
-                  <a:rPr kumimoji="1" lang="en-US" altLang="ja-JP" dirty="0" smtClean="0"/>
-                  <a:t/>
-                </a:r>
-                <a:br>
-                  <a:rPr kumimoji="1" lang="en-US" altLang="ja-JP" dirty="0" smtClean="0"/>
-                </a:br>
-                <a:r>
-                  <a:rPr kumimoji="1" lang="en-US" altLang="ja-JP" dirty="0" smtClean="0"/>
-                  <a:t/>
-                </a:r>
-                <a:br>
-                  <a:rPr kumimoji="1" lang="en-US" altLang="ja-JP" dirty="0" smtClean="0"/>
-                </a:br>
-                <a:r>
-                  <a:rPr kumimoji="1" lang="en-US" altLang="ja-JP" dirty="0" smtClean="0"/>
-                  <a:t/>
-                </a:r>
-                <a:br>
-                  <a:rPr kumimoji="1" lang="en-US" altLang="ja-JP" dirty="0" smtClean="0"/>
-                </a:br>
-                <a:endParaRPr kumimoji="1" lang="ja-JP" altLang="en-US" dirty="0"/>
-              </a:p>
-            </p:txBody>
-          </p:sp>
-          <p:sp>
-            <p:nvSpPr>
-              <p:cNvPr id="33" name="テキスト ボックス 32"/>
-              <p:cNvSpPr txBox="1"/>
-              <p:nvPr/>
-            </p:nvSpPr>
-            <p:spPr>
-              <a:xfrm>
-                <a:off x="5002190" y="1093189"/>
-                <a:ext cx="2339102" cy="461665"/>
-              </a:xfrm>
-              <a:prstGeom prst="rect">
-                <a:avLst/>
-              </a:prstGeom>
-              <a:grpFill/>
-              <a:ln>
-                <a:noFill/>
-              </a:ln>
-            </p:spPr>
-            <p:txBody>
-              <a:bodyPr wrap="none" rtlCol="0">
-                <a:spAutoFit/>
-              </a:bodyPr>
-              <a:lstStyle/>
-              <a:p>
-                <a:r>
-                  <a:rPr kumimoji="1" lang="ja-JP" altLang="en-US" sz="2400" b="1" dirty="0" smtClean="0"/>
-                  <a:t>ロードバランサ</a:t>
-                </a:r>
-                <a:endParaRPr kumimoji="1" lang="ja-JP" altLang="en-US" sz="2400" b="1" dirty="0"/>
-              </a:p>
-            </p:txBody>
-          </p:sp>
-          <p:sp>
-            <p:nvSpPr>
-              <p:cNvPr id="14" name="テキスト ボックス 13"/>
-              <p:cNvSpPr txBox="1"/>
-              <p:nvPr/>
-            </p:nvSpPr>
-            <p:spPr>
-              <a:xfrm>
-                <a:off x="4274301" y="1599528"/>
-                <a:ext cx="3331361" cy="461665"/>
-              </a:xfrm>
-              <a:prstGeom prst="rect">
-                <a:avLst/>
-              </a:prstGeom>
-              <a:grpFill/>
-              <a:ln>
-                <a:noFill/>
-              </a:ln>
-            </p:spPr>
-            <p:txBody>
-              <a:bodyPr wrap="none" rtlCol="0">
-                <a:spAutoFit/>
-              </a:bodyPr>
-              <a:lstStyle/>
-              <a:p>
-                <a:r>
-                  <a:rPr kumimoji="1" lang="en-US" altLang="ja-JP" sz="2400" b="1" dirty="0" smtClean="0">
-                    <a:solidFill>
-                      <a:srgbClr val="41719C"/>
-                    </a:solidFill>
-                  </a:rPr>
-                  <a:t>If(</a:t>
-                </a:r>
-                <a:r>
-                  <a:rPr kumimoji="1" lang="ja-JP" altLang="en-US" sz="2400" b="1" dirty="0" smtClean="0">
-                    <a:solidFill>
-                      <a:srgbClr val="41719C"/>
-                    </a:solidFill>
-                  </a:rPr>
-                  <a:t>サーバ</a:t>
-                </a:r>
-                <a:r>
-                  <a:rPr kumimoji="1" lang="en-US" altLang="ja-JP" sz="2400" b="1" dirty="0" smtClean="0">
-                    <a:solidFill>
-                      <a:srgbClr val="41719C"/>
-                    </a:solidFill>
-                  </a:rPr>
-                  <a:t>1,2,3 &gt;= </a:t>
-                </a:r>
-                <a:r>
-                  <a:rPr kumimoji="1" lang="ja-JP" altLang="en-US" sz="2400" b="1" dirty="0" smtClean="0">
-                    <a:solidFill>
-                      <a:srgbClr val="41719C"/>
-                    </a:solidFill>
-                  </a:rPr>
-                  <a:t>評価</a:t>
-                </a:r>
-                <a:r>
-                  <a:rPr kumimoji="1" lang="en-US" altLang="ja-JP" sz="2400" b="1" dirty="0" smtClean="0">
-                    <a:solidFill>
-                      <a:srgbClr val="41719C"/>
-                    </a:solidFill>
-                  </a:rPr>
-                  <a:t>C)</a:t>
-                </a:r>
-                <a:endParaRPr kumimoji="1" lang="ja-JP" altLang="en-US" sz="2400" b="1" dirty="0">
-                  <a:solidFill>
-                    <a:srgbClr val="41719C"/>
-                  </a:solidFill>
-                </a:endParaRPr>
-              </a:p>
-            </p:txBody>
-          </p:sp>
-          <p:sp>
-            <p:nvSpPr>
-              <p:cNvPr id="15" name="テキスト ボックス 14"/>
-              <p:cNvSpPr txBox="1"/>
-              <p:nvPr/>
-            </p:nvSpPr>
-            <p:spPr>
-              <a:xfrm>
-                <a:off x="4437133" y="3003864"/>
-                <a:ext cx="3469219" cy="461665"/>
-              </a:xfrm>
-              <a:prstGeom prst="rect">
-                <a:avLst/>
-              </a:prstGeom>
-              <a:grpFill/>
-              <a:ln>
-                <a:noFill/>
-              </a:ln>
-            </p:spPr>
-            <p:txBody>
-              <a:bodyPr wrap="none" rtlCol="0">
-                <a:spAutoFit/>
-              </a:bodyPr>
-              <a:lstStyle/>
-              <a:p>
-                <a:r>
-                  <a:rPr kumimoji="1" lang="en-US" altLang="ja-JP" sz="2400" b="1" dirty="0">
-                    <a:solidFill>
-                      <a:srgbClr val="41719C"/>
-                    </a:solidFill>
-                  </a:rPr>
-                  <a:t>e</a:t>
-                </a:r>
-                <a:r>
-                  <a:rPr kumimoji="1" lang="en-US" altLang="ja-JP" sz="2400" b="1" dirty="0" smtClean="0">
-                    <a:solidFill>
-                      <a:srgbClr val="41719C"/>
-                    </a:solidFill>
-                  </a:rPr>
-                  <a:t>lse If(</a:t>
-                </a:r>
-                <a:r>
-                  <a:rPr kumimoji="1" lang="ja-JP" altLang="en-US" sz="2400" b="1" dirty="0" smtClean="0">
-                    <a:solidFill>
-                      <a:srgbClr val="41719C"/>
-                    </a:solidFill>
-                  </a:rPr>
-                  <a:t>サーバ</a:t>
-                </a:r>
-                <a:r>
-                  <a:rPr kumimoji="1" lang="en-US" altLang="ja-JP" sz="2400" b="1" dirty="0" smtClean="0">
-                    <a:solidFill>
-                      <a:srgbClr val="41719C"/>
-                    </a:solidFill>
-                  </a:rPr>
-                  <a:t>X</a:t>
-                </a:r>
-                <a:r>
-                  <a:rPr kumimoji="1" lang="ja-JP" altLang="en-US" sz="2400" b="1" dirty="0" smtClean="0">
-                    <a:solidFill>
-                      <a:srgbClr val="41719C"/>
-                    </a:solidFill>
-                  </a:rPr>
-                  <a:t> </a:t>
-                </a:r>
-                <a:r>
-                  <a:rPr kumimoji="1" lang="en-US" altLang="ja-JP" sz="2400" b="1" dirty="0" smtClean="0">
-                    <a:solidFill>
-                      <a:srgbClr val="41719C"/>
-                    </a:solidFill>
-                  </a:rPr>
-                  <a:t>== D</a:t>
-                </a:r>
-                <a:r>
-                  <a:rPr kumimoji="1" lang="ja-JP" altLang="en-US" sz="2400" b="1" dirty="0" smtClean="0">
-                    <a:solidFill>
-                      <a:srgbClr val="41719C"/>
-                    </a:solidFill>
-                  </a:rPr>
-                  <a:t>評価</a:t>
-                </a:r>
-                <a:r>
-                  <a:rPr kumimoji="1" lang="en-US" altLang="ja-JP" sz="2400" b="1" dirty="0" smtClean="0">
-                    <a:solidFill>
-                      <a:srgbClr val="41719C"/>
-                    </a:solidFill>
-                  </a:rPr>
-                  <a:t>)</a:t>
-                </a:r>
-                <a:endParaRPr kumimoji="1" lang="ja-JP" altLang="en-US" sz="2400" b="1" dirty="0">
-                  <a:solidFill>
-                    <a:srgbClr val="41719C"/>
-                  </a:solidFill>
-                </a:endParaRPr>
-              </a:p>
-            </p:txBody>
-          </p:sp>
-        </p:grpSp>
-        <p:sp>
-          <p:nvSpPr>
-            <p:cNvPr id="17" name="正方形/長方形 16"/>
-            <p:cNvSpPr/>
-            <p:nvPr/>
-          </p:nvSpPr>
-          <p:spPr>
-            <a:xfrm>
-              <a:off x="2243045" y="2543166"/>
-              <a:ext cx="3569216" cy="717728"/>
-            </a:xfrm>
-            <a:prstGeom prst="rect">
-              <a:avLst/>
-            </a:prstGeom>
-            <a:solidFill>
-              <a:srgbClr val="DEEBF7"/>
-            </a:solidFill>
-            <a:ln>
+            <a:off x="5012799" y="994187"/>
+            <a:ext cx="2744465" cy="883165"/>
+          </a:xfrm>
+          <a:prstGeom prst="rect">
+            <a:avLst/>
+          </a:prstGeom>
+          <a:solidFill>
+            <a:srgbClr val="BDEDFF"/>
+          </a:solidFill>
+          <a:ln>
+            <a:noFill/>
+          </a:ln>
+        </p:spPr>
+        <p:style>
+          <a:lnRef idx="2">
+            <a:schemeClr val="accent1">
+              <a:shade val="50000"/>
+            </a:schemeClr>
+          </a:lnRef>
+          <a:fillRef idx="1">
+            <a:schemeClr val="accent1"/>
+          </a:fillRef>
+          <a:effectRef idx="0">
+            <a:schemeClr val="accent1"/>
+          </a:effectRef>
+          <a:fontRef idx="minor">
+            <a:schemeClr val="lt1"/>
+          </a:fontRef>
+        </p:style>
+        <p:txBody>
+          <a:bodyPr rtlCol="0" anchor="ctr"/>
+          <a:lstStyle/>
+          <a:p>
+            <a:pPr algn="ctr"/>
+            <a:r>
+              <a:rPr kumimoji="1" lang="en-US" altLang="ja-JP" b="1" dirty="0" smtClean="0">
+                <a:solidFill>
+                  <a:schemeClr val="tx1"/>
+                </a:solidFill>
+              </a:rPr>
+              <a:t>192.168.1.81</a:t>
+            </a:r>
+            <a:endParaRPr kumimoji="1" lang="en-US" altLang="ja-JP" b="1" dirty="0">
+              <a:solidFill>
+                <a:schemeClr val="tx1"/>
+              </a:solidFill>
+            </a:endParaRPr>
+          </a:p>
+          <a:p>
+            <a:pPr algn="ctr"/>
+            <a:r>
+              <a:rPr kumimoji="1" lang="en-US" altLang="ja-JP" b="1" dirty="0" smtClean="0">
+                <a:solidFill>
+                  <a:schemeClr val="tx1"/>
+                </a:solidFill>
+              </a:rPr>
+              <a:t>WEB</a:t>
+            </a:r>
+            <a:r>
+              <a:rPr kumimoji="1" lang="ja-JP" altLang="en-US" b="1" dirty="0" smtClean="0">
+                <a:solidFill>
+                  <a:schemeClr val="tx1"/>
+                </a:solidFill>
+              </a:rPr>
+              <a:t>サービス</a:t>
+            </a:r>
+            <a:endParaRPr kumimoji="1" lang="en-US" altLang="ja-JP" b="1" dirty="0">
+              <a:solidFill>
+                <a:schemeClr val="tx1"/>
+              </a:solidFill>
+            </a:endParaRPr>
+          </a:p>
+        </p:txBody>
+      </p:sp>
+      <p:sp>
+        <p:nvSpPr>
+          <p:cNvPr id="39" name="正方形/長方形 38"/>
+          <p:cNvSpPr/>
+          <p:nvPr/>
+        </p:nvSpPr>
+        <p:spPr>
+          <a:xfrm>
+            <a:off x="1533224" y="2374866"/>
+            <a:ext cx="2744465" cy="2015462"/>
+          </a:xfrm>
+          <a:prstGeom prst="rect">
+            <a:avLst/>
+          </a:prstGeom>
+          <a:solidFill>
+            <a:srgbClr val="BDEDFF"/>
+          </a:solidFill>
+          <a:ln>
+            <a:noFill/>
+          </a:ln>
+        </p:spPr>
+        <p:style>
+          <a:lnRef idx="2">
+            <a:schemeClr val="accent1">
+              <a:shade val="50000"/>
+            </a:schemeClr>
+          </a:lnRef>
+          <a:fillRef idx="1">
+            <a:schemeClr val="accent1"/>
+          </a:fillRef>
+          <a:effectRef idx="0">
+            <a:schemeClr val="accent1"/>
+          </a:effectRef>
+          <a:fontRef idx="minor">
+            <a:schemeClr val="lt1"/>
+          </a:fontRef>
+        </p:style>
+        <p:txBody>
+          <a:bodyPr rtlCol="0" anchor="ctr"/>
+          <a:lstStyle/>
+          <a:p>
+            <a:pPr algn="ctr"/>
+            <a:r>
+              <a:rPr kumimoji="1" lang="en-US" altLang="ja-JP" b="1" dirty="0" smtClean="0">
+                <a:solidFill>
+                  <a:schemeClr val="tx1"/>
+                </a:solidFill>
+              </a:rPr>
+              <a:t>192.168.1.82</a:t>
+            </a:r>
+            <a:r>
+              <a:rPr kumimoji="1" lang="ja-JP" altLang="en-US" b="1" dirty="0" smtClean="0">
+                <a:solidFill>
+                  <a:schemeClr val="tx1"/>
+                </a:solidFill>
+              </a:rPr>
+              <a:t>ラズパイ</a:t>
+            </a:r>
+            <a:endParaRPr kumimoji="1" lang="en-US" altLang="ja-JP" b="1" dirty="0">
+              <a:solidFill>
+                <a:schemeClr val="tx1"/>
+              </a:solidFill>
+            </a:endParaRPr>
+          </a:p>
+          <a:p>
+            <a:pPr algn="ctr"/>
+            <a:endParaRPr kumimoji="1" lang="en-US" altLang="ja-JP" b="1" dirty="0" smtClean="0">
+              <a:solidFill>
+                <a:schemeClr val="tx1"/>
+              </a:solidFill>
+            </a:endParaRPr>
+          </a:p>
+          <a:p>
+            <a:pPr algn="ctr"/>
+            <a:endParaRPr kumimoji="1" lang="en-US" altLang="ja-JP" b="1" dirty="0">
+              <a:solidFill>
+                <a:schemeClr val="tx1"/>
+              </a:solidFill>
+            </a:endParaRPr>
+          </a:p>
+          <a:p>
+            <a:pPr algn="ctr"/>
+            <a:endParaRPr kumimoji="1" lang="en-US" altLang="ja-JP" b="1" dirty="0" smtClean="0">
+              <a:solidFill>
+                <a:schemeClr val="tx1"/>
+              </a:solidFill>
+            </a:endParaRPr>
+          </a:p>
+          <a:p>
+            <a:pPr algn="ctr"/>
+            <a:endParaRPr kumimoji="1" lang="en-US" altLang="ja-JP" b="1" dirty="0">
+              <a:solidFill>
+                <a:schemeClr val="tx1"/>
+              </a:solidFill>
+            </a:endParaRPr>
+          </a:p>
+          <a:p>
+            <a:pPr algn="ctr"/>
+            <a:endParaRPr kumimoji="1" lang="en-US" altLang="ja-JP" b="1" dirty="0" smtClean="0">
+              <a:solidFill>
+                <a:schemeClr val="tx1"/>
+              </a:solidFill>
+            </a:endParaRPr>
+          </a:p>
+          <a:p>
+            <a:pPr algn="ctr"/>
+            <a:endParaRPr kumimoji="1" lang="ja-JP" altLang="en-US" b="1" dirty="0">
+              <a:solidFill>
+                <a:schemeClr val="tx1"/>
+              </a:solidFill>
+            </a:endParaRPr>
+          </a:p>
+        </p:txBody>
+      </p:sp>
+      <p:sp>
+        <p:nvSpPr>
+          <p:cNvPr id="40" name="正方形/長方形 39"/>
+          <p:cNvSpPr/>
+          <p:nvPr/>
+        </p:nvSpPr>
+        <p:spPr>
+          <a:xfrm>
+            <a:off x="2073410" y="2796971"/>
+            <a:ext cx="1570276" cy="622799"/>
+          </a:xfrm>
+          <a:prstGeom prst="rect">
+            <a:avLst/>
+          </a:prstGeom>
+          <a:solidFill>
+            <a:srgbClr val="DEEBF7"/>
+          </a:solidFill>
+        </p:spPr>
+        <p:style>
+          <a:lnRef idx="2">
+            <a:schemeClr val="accent1">
+              <a:shade val="50000"/>
+            </a:schemeClr>
+          </a:lnRef>
+          <a:fillRef idx="1">
+            <a:schemeClr val="accent1"/>
+          </a:fillRef>
+          <a:effectRef idx="0">
+            <a:schemeClr val="accent1"/>
+          </a:effectRef>
+          <a:fontRef idx="minor">
+            <a:schemeClr val="lt1"/>
+          </a:fontRef>
+        </p:style>
+        <p:txBody>
+          <a:bodyPr rtlCol="0" anchor="ctr"/>
+          <a:lstStyle/>
+          <a:p>
+            <a:pPr algn="ctr"/>
+            <a:r>
+              <a:rPr kumimoji="1" lang="ja-JP" altLang="en-US" b="1" dirty="0" smtClean="0">
+                <a:solidFill>
+                  <a:srgbClr val="41719C"/>
+                </a:solidFill>
+              </a:rPr>
+              <a:t>検索システム</a:t>
+            </a:r>
+            <a:endParaRPr kumimoji="1" lang="ja-JP" altLang="en-US" b="1" dirty="0">
               <a:solidFill>
                 <a:srgbClr val="41719C"/>
               </a:solidFill>
-            </a:ln>
-          </p:spPr>
-          <p:style>
-            <a:lnRef idx="2">
-              <a:schemeClr val="accent6"/>
-            </a:lnRef>
-            <a:fillRef idx="1">
-              <a:schemeClr val="lt1"/>
-            </a:fillRef>
-            <a:effectRef idx="0">
-              <a:schemeClr val="accent6"/>
-            </a:effectRef>
-            <a:fontRef idx="minor">
-              <a:schemeClr val="dk1"/>
-            </a:fontRef>
-          </p:style>
-          <p:txBody>
-            <a:bodyPr rtlCol="0" anchor="ctr"/>
-            <a:lstStyle/>
-            <a:p>
-              <a:pPr algn="ctr"/>
-              <a:r>
-                <a:rPr kumimoji="1" lang="ja-JP" altLang="en-US" b="1" dirty="0">
-                  <a:solidFill>
-                    <a:srgbClr val="41719C"/>
-                  </a:solidFill>
-                </a:rPr>
-                <a:t>最小接続を使う</a:t>
-              </a:r>
-              <a:br>
-                <a:rPr kumimoji="1" lang="ja-JP" altLang="en-US" b="1" dirty="0">
-                  <a:solidFill>
-                    <a:srgbClr val="41719C"/>
-                  </a:solidFill>
-                </a:rPr>
-              </a:br>
-              <a:r>
-                <a:rPr kumimoji="1" lang="ja-JP" altLang="en-US" b="1" dirty="0">
-                  <a:solidFill>
-                    <a:srgbClr val="41719C"/>
-                  </a:solidFill>
-                </a:rPr>
-                <a:t>（リーストコネクション）</a:t>
-              </a:r>
-            </a:p>
-          </p:txBody>
-        </p:sp>
-        <p:sp>
-          <p:nvSpPr>
-            <p:cNvPr id="18" name="正方形/長方形 17"/>
-            <p:cNvSpPr/>
-            <p:nvPr/>
-          </p:nvSpPr>
-          <p:spPr>
-            <a:xfrm>
-              <a:off x="2243045" y="3945612"/>
-              <a:ext cx="3569216" cy="717728"/>
-            </a:xfrm>
-            <a:prstGeom prst="rect">
-              <a:avLst/>
-            </a:prstGeom>
-            <a:solidFill>
-              <a:srgbClr val="FFD966"/>
-            </a:solidFill>
-            <a:ln>
+            </a:endParaRPr>
+          </a:p>
+        </p:txBody>
+      </p:sp>
+      <p:sp>
+        <p:nvSpPr>
+          <p:cNvPr id="41" name="フローチャート: 磁気ディスク 40"/>
+          <p:cNvSpPr/>
+          <p:nvPr/>
+        </p:nvSpPr>
+        <p:spPr>
+          <a:xfrm>
+            <a:off x="2271348" y="3513730"/>
+            <a:ext cx="1174399" cy="782637"/>
+          </a:xfrm>
+          <a:prstGeom prst="flowChartMagneticDisk">
+            <a:avLst/>
+          </a:prstGeom>
+          <a:solidFill>
+            <a:schemeClr val="accent6">
+              <a:lumMod val="20000"/>
+              <a:lumOff val="80000"/>
+            </a:schemeClr>
+          </a:solidFill>
+        </p:spPr>
+        <p:style>
+          <a:lnRef idx="2">
+            <a:schemeClr val="accent1">
+              <a:shade val="50000"/>
+            </a:schemeClr>
+          </a:lnRef>
+          <a:fillRef idx="1">
+            <a:schemeClr val="accent1"/>
+          </a:fillRef>
+          <a:effectRef idx="0">
+            <a:schemeClr val="accent1"/>
+          </a:effectRef>
+          <a:fontRef idx="minor">
+            <a:schemeClr val="lt1"/>
+          </a:fontRef>
+        </p:style>
+        <p:txBody>
+          <a:bodyPr rtlCol="0" anchor="ctr"/>
+          <a:lstStyle/>
+          <a:p>
+            <a:pPr algn="ctr"/>
+            <a:r>
+              <a:rPr kumimoji="1" lang="ja-JP" altLang="en-US" b="1" dirty="0" smtClean="0">
+                <a:solidFill>
+                  <a:srgbClr val="41719C"/>
+                </a:solidFill>
+              </a:rPr>
+              <a:t>観光地</a:t>
+            </a:r>
+            <a:r>
+              <a:rPr kumimoji="1" lang="en-US" altLang="ja-JP" b="1" dirty="0" smtClean="0">
+                <a:solidFill>
+                  <a:srgbClr val="41719C"/>
+                </a:solidFill>
+              </a:rPr>
+              <a:t>DB</a:t>
+            </a:r>
+            <a:endParaRPr kumimoji="1" lang="ja-JP" altLang="en-US" b="1" dirty="0">
               <a:solidFill>
                 <a:srgbClr val="41719C"/>
               </a:solidFill>
-            </a:ln>
-          </p:spPr>
-          <p:style>
-            <a:lnRef idx="2">
-              <a:schemeClr val="accent6"/>
-            </a:lnRef>
-            <a:fillRef idx="1">
-              <a:schemeClr val="lt1"/>
-            </a:fillRef>
-            <a:effectRef idx="0">
-              <a:schemeClr val="accent6"/>
-            </a:effectRef>
-            <a:fontRef idx="minor">
-              <a:schemeClr val="dk1"/>
-            </a:fontRef>
-          </p:style>
-          <p:txBody>
-            <a:bodyPr rtlCol="0" anchor="ctr"/>
-            <a:lstStyle/>
-            <a:p>
-              <a:pPr algn="ctr"/>
-              <a:r>
-                <a:rPr kumimoji="1" lang="en-US" altLang="ja-JP" b="1" dirty="0">
-                  <a:solidFill>
-                    <a:srgbClr val="41719C"/>
-                  </a:solidFill>
-                </a:rPr>
-                <a:t>X</a:t>
-              </a:r>
-              <a:r>
-                <a:rPr kumimoji="1" lang="ja-JP" altLang="en-US" b="1" dirty="0">
-                  <a:solidFill>
-                    <a:srgbClr val="41719C"/>
-                  </a:solidFill>
-                </a:rPr>
-                <a:t>サーバの重みづけを下げる</a:t>
-              </a:r>
-              <a:br>
-                <a:rPr kumimoji="1" lang="ja-JP" altLang="en-US" b="1" dirty="0">
-                  <a:solidFill>
-                    <a:srgbClr val="41719C"/>
-                  </a:solidFill>
-                </a:rPr>
-              </a:br>
-              <a:r>
-                <a:rPr kumimoji="1" lang="ja-JP" altLang="en-US" b="1" dirty="0">
-                  <a:solidFill>
-                    <a:srgbClr val="41719C"/>
-                  </a:solidFill>
-                </a:rPr>
-                <a:t>（コンフィグの設定変更）</a:t>
-              </a:r>
-            </a:p>
-          </p:txBody>
-        </p:sp>
-      </p:grpSp>
+            </a:endParaRPr>
+          </a:p>
+        </p:txBody>
+      </p:sp>
+      <p:sp>
+        <p:nvSpPr>
+          <p:cNvPr id="42" name="正方形/長方形 41"/>
+          <p:cNvSpPr/>
+          <p:nvPr/>
+        </p:nvSpPr>
+        <p:spPr>
+          <a:xfrm>
+            <a:off x="1533223" y="4621392"/>
+            <a:ext cx="2744465" cy="2015462"/>
+          </a:xfrm>
+          <a:prstGeom prst="rect">
+            <a:avLst/>
+          </a:prstGeom>
+          <a:solidFill>
+            <a:srgbClr val="BDEDFF"/>
+          </a:solidFill>
+          <a:ln>
+            <a:noFill/>
+          </a:ln>
+        </p:spPr>
+        <p:style>
+          <a:lnRef idx="2">
+            <a:schemeClr val="accent1">
+              <a:shade val="50000"/>
+            </a:schemeClr>
+          </a:lnRef>
+          <a:fillRef idx="1">
+            <a:schemeClr val="accent1"/>
+          </a:fillRef>
+          <a:effectRef idx="0">
+            <a:schemeClr val="accent1"/>
+          </a:effectRef>
+          <a:fontRef idx="minor">
+            <a:schemeClr val="lt1"/>
+          </a:fontRef>
+        </p:style>
+        <p:txBody>
+          <a:bodyPr rtlCol="0" anchor="ctr"/>
+          <a:lstStyle/>
+          <a:p>
+            <a:pPr algn="ctr"/>
+            <a:r>
+              <a:rPr kumimoji="1" lang="en-US" altLang="ja-JP" b="1" dirty="0" smtClean="0">
+                <a:solidFill>
+                  <a:schemeClr val="tx1"/>
+                </a:solidFill>
+              </a:rPr>
+              <a:t>192.168.1.83</a:t>
+            </a:r>
+            <a:r>
+              <a:rPr kumimoji="1" lang="ja-JP" altLang="en-US" b="1" dirty="0" smtClean="0">
+                <a:solidFill>
+                  <a:schemeClr val="tx1"/>
+                </a:solidFill>
+              </a:rPr>
+              <a:t>ラズパイ</a:t>
+            </a:r>
+            <a:endParaRPr kumimoji="1" lang="en-US" altLang="ja-JP" b="1" dirty="0">
+              <a:solidFill>
+                <a:schemeClr val="tx1"/>
+              </a:solidFill>
+            </a:endParaRPr>
+          </a:p>
+          <a:p>
+            <a:pPr algn="ctr"/>
+            <a:endParaRPr kumimoji="1" lang="en-US" altLang="ja-JP" b="1" dirty="0" smtClean="0">
+              <a:solidFill>
+                <a:schemeClr val="tx1"/>
+              </a:solidFill>
+            </a:endParaRPr>
+          </a:p>
+          <a:p>
+            <a:pPr algn="ctr"/>
+            <a:endParaRPr kumimoji="1" lang="en-US" altLang="ja-JP" b="1" dirty="0">
+              <a:solidFill>
+                <a:schemeClr val="tx1"/>
+              </a:solidFill>
+            </a:endParaRPr>
+          </a:p>
+          <a:p>
+            <a:pPr algn="ctr"/>
+            <a:endParaRPr kumimoji="1" lang="en-US" altLang="ja-JP" b="1" dirty="0" smtClean="0">
+              <a:solidFill>
+                <a:schemeClr val="tx1"/>
+              </a:solidFill>
+            </a:endParaRPr>
+          </a:p>
+          <a:p>
+            <a:pPr algn="ctr"/>
+            <a:endParaRPr kumimoji="1" lang="en-US" altLang="ja-JP" b="1" dirty="0">
+              <a:solidFill>
+                <a:schemeClr val="tx1"/>
+              </a:solidFill>
+            </a:endParaRPr>
+          </a:p>
+          <a:p>
+            <a:pPr algn="ctr"/>
+            <a:endParaRPr kumimoji="1" lang="en-US" altLang="ja-JP" b="1" dirty="0" smtClean="0">
+              <a:solidFill>
+                <a:schemeClr val="tx1"/>
+              </a:solidFill>
+            </a:endParaRPr>
+          </a:p>
+          <a:p>
+            <a:pPr algn="ctr"/>
+            <a:endParaRPr kumimoji="1" lang="ja-JP" altLang="en-US" b="1" dirty="0">
+              <a:solidFill>
+                <a:schemeClr val="tx1"/>
+              </a:solidFill>
+            </a:endParaRPr>
+          </a:p>
+        </p:txBody>
+      </p:sp>
+      <p:sp>
+        <p:nvSpPr>
+          <p:cNvPr id="43" name="正方形/長方形 42"/>
+          <p:cNvSpPr/>
+          <p:nvPr/>
+        </p:nvSpPr>
+        <p:spPr>
+          <a:xfrm>
+            <a:off x="2073409" y="5043497"/>
+            <a:ext cx="1570276" cy="622799"/>
+          </a:xfrm>
+          <a:prstGeom prst="rect">
+            <a:avLst/>
+          </a:prstGeom>
+          <a:solidFill>
+            <a:srgbClr val="DEEBF7"/>
+          </a:solidFill>
+        </p:spPr>
+        <p:style>
+          <a:lnRef idx="2">
+            <a:schemeClr val="accent1">
+              <a:shade val="50000"/>
+            </a:schemeClr>
+          </a:lnRef>
+          <a:fillRef idx="1">
+            <a:schemeClr val="accent1"/>
+          </a:fillRef>
+          <a:effectRef idx="0">
+            <a:schemeClr val="accent1"/>
+          </a:effectRef>
+          <a:fontRef idx="minor">
+            <a:schemeClr val="lt1"/>
+          </a:fontRef>
+        </p:style>
+        <p:txBody>
+          <a:bodyPr rtlCol="0" anchor="ctr"/>
+          <a:lstStyle/>
+          <a:p>
+            <a:pPr algn="ctr"/>
+            <a:r>
+              <a:rPr kumimoji="1" lang="ja-JP" altLang="en-US" b="1" dirty="0" smtClean="0">
+                <a:solidFill>
+                  <a:srgbClr val="41719C"/>
+                </a:solidFill>
+              </a:rPr>
+              <a:t>検索システム</a:t>
+            </a:r>
+            <a:endParaRPr kumimoji="1" lang="ja-JP" altLang="en-US" b="1" dirty="0">
+              <a:solidFill>
+                <a:srgbClr val="41719C"/>
+              </a:solidFill>
+            </a:endParaRPr>
+          </a:p>
+        </p:txBody>
+      </p:sp>
+      <p:sp>
+        <p:nvSpPr>
+          <p:cNvPr id="44" name="フローチャート: 磁気ディスク 43"/>
+          <p:cNvSpPr/>
+          <p:nvPr/>
+        </p:nvSpPr>
+        <p:spPr>
+          <a:xfrm>
+            <a:off x="2271348" y="5760256"/>
+            <a:ext cx="1174399" cy="782637"/>
+          </a:xfrm>
+          <a:prstGeom prst="flowChartMagneticDisk">
+            <a:avLst/>
+          </a:prstGeom>
+          <a:solidFill>
+            <a:schemeClr val="accent6">
+              <a:lumMod val="20000"/>
+              <a:lumOff val="80000"/>
+            </a:schemeClr>
+          </a:solidFill>
+        </p:spPr>
+        <p:style>
+          <a:lnRef idx="2">
+            <a:schemeClr val="accent1">
+              <a:shade val="50000"/>
+            </a:schemeClr>
+          </a:lnRef>
+          <a:fillRef idx="1">
+            <a:schemeClr val="accent1"/>
+          </a:fillRef>
+          <a:effectRef idx="0">
+            <a:schemeClr val="accent1"/>
+          </a:effectRef>
+          <a:fontRef idx="minor">
+            <a:schemeClr val="lt1"/>
+          </a:fontRef>
+        </p:style>
+        <p:txBody>
+          <a:bodyPr rtlCol="0" anchor="ctr"/>
+          <a:lstStyle/>
+          <a:p>
+            <a:pPr algn="ctr"/>
+            <a:r>
+              <a:rPr kumimoji="1" lang="ja-JP" altLang="en-US" b="1" dirty="0" smtClean="0">
+                <a:solidFill>
+                  <a:srgbClr val="41719C"/>
+                </a:solidFill>
+              </a:rPr>
+              <a:t>観光地</a:t>
+            </a:r>
+            <a:r>
+              <a:rPr kumimoji="1" lang="en-US" altLang="ja-JP" b="1" dirty="0" smtClean="0">
+                <a:solidFill>
+                  <a:srgbClr val="41719C"/>
+                </a:solidFill>
+              </a:rPr>
+              <a:t>DB</a:t>
+            </a:r>
+            <a:endParaRPr kumimoji="1" lang="ja-JP" altLang="en-US" b="1" dirty="0">
+              <a:solidFill>
+                <a:srgbClr val="41719C"/>
+              </a:solidFill>
+            </a:endParaRPr>
+          </a:p>
+        </p:txBody>
+      </p:sp>
+      <p:sp>
+        <p:nvSpPr>
+          <p:cNvPr id="66" name="下矢印 65"/>
+          <p:cNvSpPr/>
+          <p:nvPr/>
+        </p:nvSpPr>
+        <p:spPr>
+          <a:xfrm rot="10800000">
+            <a:off x="2681233" y="3290652"/>
+            <a:ext cx="354627" cy="403202"/>
+          </a:xfrm>
+          <a:prstGeom prst="downArrow">
+            <a:avLst/>
+          </a:prstGeom>
+          <a:solidFill>
+            <a:schemeClr val="tx1">
+              <a:lumMod val="50000"/>
+              <a:lumOff val="50000"/>
+            </a:schemeClr>
+          </a:solidFill>
+          <a:ln>
+            <a:noFill/>
+          </a:ln>
+        </p:spPr>
+        <p:style>
+          <a:lnRef idx="2">
+            <a:schemeClr val="accent1">
+              <a:shade val="50000"/>
+            </a:schemeClr>
+          </a:lnRef>
+          <a:fillRef idx="1">
+            <a:schemeClr val="accent1"/>
+          </a:fillRef>
+          <a:effectRef idx="0">
+            <a:schemeClr val="accent1"/>
+          </a:effectRef>
+          <a:fontRef idx="minor">
+            <a:schemeClr val="lt1"/>
+          </a:fontRef>
+        </p:style>
+        <p:txBody>
+          <a:bodyPr rtlCol="0" anchor="ctr"/>
+          <a:lstStyle/>
+          <a:p>
+            <a:pPr algn="ctr"/>
+            <a:endParaRPr kumimoji="1" lang="ja-JP" altLang="en-US"/>
+          </a:p>
+        </p:txBody>
+      </p:sp>
+      <p:sp>
+        <p:nvSpPr>
+          <p:cNvPr id="68" name="下矢印 67"/>
+          <p:cNvSpPr/>
+          <p:nvPr/>
+        </p:nvSpPr>
+        <p:spPr>
+          <a:xfrm rot="10800000">
+            <a:off x="2681233" y="5464694"/>
+            <a:ext cx="354627" cy="403202"/>
+          </a:xfrm>
+          <a:prstGeom prst="downArrow">
+            <a:avLst/>
+          </a:prstGeom>
+          <a:solidFill>
+            <a:schemeClr val="tx1">
+              <a:lumMod val="50000"/>
+              <a:lumOff val="50000"/>
+            </a:schemeClr>
+          </a:solidFill>
+          <a:ln>
+            <a:noFill/>
+          </a:ln>
+        </p:spPr>
+        <p:style>
+          <a:lnRef idx="2">
+            <a:schemeClr val="accent1">
+              <a:shade val="50000"/>
+            </a:schemeClr>
+          </a:lnRef>
+          <a:fillRef idx="1">
+            <a:schemeClr val="accent1"/>
+          </a:fillRef>
+          <a:effectRef idx="0">
+            <a:schemeClr val="accent1"/>
+          </a:effectRef>
+          <a:fontRef idx="minor">
+            <a:schemeClr val="lt1"/>
+          </a:fontRef>
+        </p:style>
+        <p:txBody>
+          <a:bodyPr rtlCol="0" anchor="ctr"/>
+          <a:lstStyle/>
+          <a:p>
+            <a:pPr algn="ctr"/>
+            <a:endParaRPr kumimoji="1" lang="ja-JP" altLang="en-US"/>
+          </a:p>
+        </p:txBody>
+      </p:sp>
+      <p:sp>
+        <p:nvSpPr>
+          <p:cNvPr id="16" name="正方形/長方形 15"/>
+          <p:cNvSpPr/>
+          <p:nvPr/>
+        </p:nvSpPr>
+        <p:spPr>
+          <a:xfrm>
+            <a:off x="5012798" y="2054244"/>
+            <a:ext cx="2744465" cy="883165"/>
+          </a:xfrm>
+          <a:prstGeom prst="rect">
+            <a:avLst/>
+          </a:prstGeom>
+          <a:solidFill>
+            <a:srgbClr val="BDEDFF"/>
+          </a:solidFill>
+          <a:ln>
+            <a:noFill/>
+          </a:ln>
+        </p:spPr>
+        <p:style>
+          <a:lnRef idx="2">
+            <a:schemeClr val="accent1">
+              <a:shade val="50000"/>
+            </a:schemeClr>
+          </a:lnRef>
+          <a:fillRef idx="1">
+            <a:schemeClr val="accent1"/>
+          </a:fillRef>
+          <a:effectRef idx="0">
+            <a:schemeClr val="accent1"/>
+          </a:effectRef>
+          <a:fontRef idx="minor">
+            <a:schemeClr val="lt1"/>
+          </a:fontRef>
+        </p:style>
+        <p:txBody>
+          <a:bodyPr rtlCol="0" anchor="ctr"/>
+          <a:lstStyle/>
+          <a:p>
+            <a:pPr algn="ctr"/>
+            <a:r>
+              <a:rPr kumimoji="1" lang="en-US" altLang="ja-JP" b="1" dirty="0" smtClean="0">
+                <a:solidFill>
+                  <a:schemeClr val="tx1"/>
+                </a:solidFill>
+              </a:rPr>
+              <a:t>192.168.1.82</a:t>
+            </a:r>
+            <a:endParaRPr kumimoji="1" lang="en-US" altLang="ja-JP" b="1" dirty="0">
+              <a:solidFill>
+                <a:schemeClr val="tx1"/>
+              </a:solidFill>
+            </a:endParaRPr>
+          </a:p>
+          <a:p>
+            <a:pPr algn="ctr"/>
+            <a:r>
+              <a:rPr kumimoji="1" lang="en-US" altLang="ja-JP" b="1" dirty="0" smtClean="0">
+                <a:solidFill>
+                  <a:schemeClr val="tx1"/>
+                </a:solidFill>
+              </a:rPr>
+              <a:t>WEB</a:t>
+            </a:r>
+            <a:r>
+              <a:rPr kumimoji="1" lang="ja-JP" altLang="en-US" b="1" dirty="0" smtClean="0">
+                <a:solidFill>
+                  <a:schemeClr val="tx1"/>
+                </a:solidFill>
+              </a:rPr>
+              <a:t>サービス</a:t>
+            </a:r>
+            <a:endParaRPr kumimoji="1" lang="en-US" altLang="ja-JP" b="1" dirty="0">
+              <a:solidFill>
+                <a:schemeClr val="tx1"/>
+              </a:solidFill>
+            </a:endParaRPr>
+          </a:p>
+        </p:txBody>
+      </p:sp>
+      <p:sp>
+        <p:nvSpPr>
+          <p:cNvPr id="17" name="正方形/長方形 16"/>
+          <p:cNvSpPr/>
+          <p:nvPr/>
+        </p:nvSpPr>
+        <p:spPr>
+          <a:xfrm>
+            <a:off x="5012797" y="3108370"/>
+            <a:ext cx="2744465" cy="883165"/>
+          </a:xfrm>
+          <a:prstGeom prst="rect">
+            <a:avLst/>
+          </a:prstGeom>
+          <a:solidFill>
+            <a:srgbClr val="BDEDFF"/>
+          </a:solidFill>
+          <a:ln>
+            <a:noFill/>
+          </a:ln>
+        </p:spPr>
+        <p:style>
+          <a:lnRef idx="2">
+            <a:schemeClr val="accent1">
+              <a:shade val="50000"/>
+            </a:schemeClr>
+          </a:lnRef>
+          <a:fillRef idx="1">
+            <a:schemeClr val="accent1"/>
+          </a:fillRef>
+          <a:effectRef idx="0">
+            <a:schemeClr val="accent1"/>
+          </a:effectRef>
+          <a:fontRef idx="minor">
+            <a:schemeClr val="lt1"/>
+          </a:fontRef>
+        </p:style>
+        <p:txBody>
+          <a:bodyPr rtlCol="0" anchor="ctr"/>
+          <a:lstStyle/>
+          <a:p>
+            <a:pPr algn="ctr"/>
+            <a:r>
+              <a:rPr kumimoji="1" lang="en-US" altLang="ja-JP" b="1" dirty="0" smtClean="0">
+                <a:solidFill>
+                  <a:schemeClr val="tx1"/>
+                </a:solidFill>
+              </a:rPr>
+              <a:t>192.168.1.83</a:t>
+            </a:r>
+            <a:endParaRPr kumimoji="1" lang="en-US" altLang="ja-JP" b="1" dirty="0">
+              <a:solidFill>
+                <a:schemeClr val="tx1"/>
+              </a:solidFill>
+            </a:endParaRPr>
+          </a:p>
+          <a:p>
+            <a:pPr algn="ctr"/>
+            <a:r>
+              <a:rPr kumimoji="1" lang="en-US" altLang="ja-JP" b="1" dirty="0" smtClean="0">
+                <a:solidFill>
+                  <a:schemeClr val="tx1"/>
+                </a:solidFill>
+              </a:rPr>
+              <a:t>WEB</a:t>
+            </a:r>
+            <a:r>
+              <a:rPr kumimoji="1" lang="ja-JP" altLang="en-US" b="1" dirty="0" smtClean="0">
+                <a:solidFill>
+                  <a:schemeClr val="tx1"/>
+                </a:solidFill>
+              </a:rPr>
+              <a:t>サービス</a:t>
+            </a:r>
+            <a:endParaRPr kumimoji="1" lang="en-US" altLang="ja-JP" b="1" dirty="0">
+              <a:solidFill>
+                <a:schemeClr val="tx1"/>
+              </a:solidFill>
+            </a:endParaRPr>
+          </a:p>
+        </p:txBody>
+      </p:sp>
     </p:spTree>
     <p:extLst>
       <p:ext uri="{BB962C8B-B14F-4D97-AF65-F5344CB8AC3E}">
-        <p14:creationId xmlns:p14="http://schemas.microsoft.com/office/powerpoint/2010/main" val="4154888859"/>
+        <p14:creationId xmlns:p14="http://schemas.microsoft.com/office/powerpoint/2010/main" val="279066782"/>
       </p:ext>
     </p:extLst>
   </p:cSld>

--- a/meeting/1821086_matsuo_Chart.pptx
+++ b/meeting/1821086_matsuo_Chart.pptx
@@ -216,7 +216,7 @@
           <a:p>
             <a:fld id="{869FDBD3-40C4-4F2A-82A8-38E5DBC6C4C1}" type="datetimeFigureOut">
               <a:rPr kumimoji="1" lang="ja-JP" altLang="en-US" smtClean="0"/>
-              <a:t>2021/7/23</a:t>
+              <a:t>2021/7/27</a:t>
             </a:fld>
             <a:endParaRPr kumimoji="1" lang="ja-JP" altLang="en-US"/>
           </a:p>
@@ -647,7 +647,7 @@
           <a:p>
             <a:fld id="{494AB2A1-E364-47CF-B5DC-53E264C607F6}" type="datetime1">
               <a:rPr kumimoji="1" lang="ja-JP" altLang="en-US" smtClean="0"/>
-              <a:t>2021/7/23</a:t>
+              <a:t>2021/7/27</a:t>
             </a:fld>
             <a:endParaRPr kumimoji="1" lang="ja-JP" altLang="en-US"/>
           </a:p>
@@ -849,7 +849,7 @@
           <a:p>
             <a:fld id="{493740D4-C406-4492-90E6-6432EEF92C60}" type="datetime1">
               <a:rPr kumimoji="1" lang="ja-JP" altLang="en-US" smtClean="0"/>
-              <a:t>2021/7/23</a:t>
+              <a:t>2021/7/27</a:t>
             </a:fld>
             <a:endParaRPr kumimoji="1" lang="ja-JP" altLang="en-US"/>
           </a:p>
@@ -1061,7 +1061,7 @@
           <a:p>
             <a:fld id="{ED69396B-CE42-4776-89F8-D39FC42CFB56}" type="datetime1">
               <a:rPr kumimoji="1" lang="ja-JP" altLang="en-US" smtClean="0"/>
-              <a:t>2021/7/23</a:t>
+              <a:t>2021/7/27</a:t>
             </a:fld>
             <a:endParaRPr kumimoji="1" lang="ja-JP" altLang="en-US"/>
           </a:p>
@@ -1263,7 +1263,7 @@
           <a:p>
             <a:fld id="{13625393-1B19-477D-ADB7-2A6386D3F149}" type="datetime1">
               <a:rPr kumimoji="1" lang="ja-JP" altLang="en-US" smtClean="0"/>
-              <a:t>2021/7/23</a:t>
+              <a:t>2021/7/27</a:t>
             </a:fld>
             <a:endParaRPr kumimoji="1" lang="ja-JP" altLang="en-US"/>
           </a:p>
@@ -1507,7 +1507,7 @@
           <a:p>
             <a:fld id="{E5FDA1EB-CBE3-4FB0-BB17-A44CDA0B54B3}" type="datetime1">
               <a:rPr kumimoji="1" lang="ja-JP" altLang="en-US" smtClean="0"/>
-              <a:t>2021/7/23</a:t>
+              <a:t>2021/7/27</a:t>
             </a:fld>
             <a:endParaRPr kumimoji="1" lang="ja-JP" altLang="en-US"/>
           </a:p>
@@ -1803,7 +1803,7 @@
           <a:p>
             <a:fld id="{C01EC069-9DC2-4DDB-AE63-C26A081803C1}" type="datetime1">
               <a:rPr kumimoji="1" lang="ja-JP" altLang="en-US" smtClean="0"/>
-              <a:t>2021/7/23</a:t>
+              <a:t>2021/7/27</a:t>
             </a:fld>
             <a:endParaRPr kumimoji="1" lang="ja-JP" altLang="en-US"/>
           </a:p>
@@ -2234,7 +2234,7 @@
           <a:p>
             <a:fld id="{FA16DDA6-9750-4222-A53D-9B2AFD4F7604}" type="datetime1">
               <a:rPr kumimoji="1" lang="ja-JP" altLang="en-US" smtClean="0"/>
-              <a:t>2021/7/23</a:t>
+              <a:t>2021/7/27</a:t>
             </a:fld>
             <a:endParaRPr kumimoji="1" lang="ja-JP" altLang="en-US"/>
           </a:p>
@@ -2352,7 +2352,7 @@
           <a:p>
             <a:fld id="{2A12A5DA-6757-4BE0-8138-B996B069D01C}" type="datetime1">
               <a:rPr kumimoji="1" lang="ja-JP" altLang="en-US" smtClean="0"/>
-              <a:t>2021/7/23</a:t>
+              <a:t>2021/7/27</a:t>
             </a:fld>
             <a:endParaRPr kumimoji="1" lang="ja-JP" altLang="en-US"/>
           </a:p>
@@ -2424,7 +2424,7 @@
           <a:p>
             <a:fld id="{80431E91-75F7-48C3-A2EB-716DBC94911B}" type="datetime1">
               <a:rPr kumimoji="1" lang="ja-JP" altLang="en-US" smtClean="0"/>
-              <a:t>2021/7/23</a:t>
+              <a:t>2021/7/27</a:t>
             </a:fld>
             <a:endParaRPr kumimoji="1" lang="ja-JP" altLang="en-US"/>
           </a:p>
@@ -2710,7 +2710,7 @@
           <a:p>
             <a:fld id="{2FD4BF64-4643-4F2F-9E14-ABA1F12A43DE}" type="datetime1">
               <a:rPr kumimoji="1" lang="ja-JP" altLang="en-US" smtClean="0"/>
-              <a:t>2021/7/23</a:t>
+              <a:t>2021/7/27</a:t>
             </a:fld>
             <a:endParaRPr kumimoji="1" lang="ja-JP" altLang="en-US"/>
           </a:p>
@@ -2967,7 +2967,7 @@
           <a:p>
             <a:fld id="{4775FF6E-0AC3-4CFF-BD5F-615BAFBBFB63}" type="datetime1">
               <a:rPr kumimoji="1" lang="ja-JP" altLang="en-US" smtClean="0"/>
-              <a:t>2021/7/23</a:t>
+              <a:t>2021/7/27</a:t>
             </a:fld>
             <a:endParaRPr kumimoji="1" lang="ja-JP" altLang="en-US"/>
           </a:p>
@@ -3212,7 +3212,7 @@
           <a:p>
             <a:fld id="{63DC7EF6-3FB0-4B29-8D75-11EE9B911EFB}" type="datetime1">
               <a:rPr kumimoji="1" lang="ja-JP" altLang="en-US" smtClean="0"/>
-              <a:t>2021/7/23</a:t>
+              <a:t>2021/7/27</a:t>
             </a:fld>
             <a:endParaRPr kumimoji="1" lang="ja-JP" altLang="en-US"/>
           </a:p>
@@ -5959,8 +5959,8 @@
         </p:nvSpPr>
         <p:spPr>
           <a:xfrm>
-            <a:off x="183833" y="3174960"/>
-            <a:ext cx="2243667" cy="592667"/>
+            <a:off x="254887" y="3163071"/>
+            <a:ext cx="2291158" cy="610913"/>
           </a:xfrm>
           <a:prstGeom prst="rect">
             <a:avLst/>
@@ -5991,21 +5991,48 @@
           <a:p>
             <a:pPr algn="ctr"/>
             <a:r>
-              <a:rPr kumimoji="1" lang="ja-JP" altLang="en-US" b="1" dirty="0" smtClean="0"/>
-              <a:t>保存された評価で</a:t>
-            </a:r>
-            <a:r>
-              <a:rPr kumimoji="1" lang="en-US" altLang="ja-JP" b="1" dirty="0" smtClean="0"/>
-              <a:t/>
-            </a:r>
-            <a:br>
-              <a:rPr kumimoji="1" lang="en-US" altLang="ja-JP" b="1" dirty="0" smtClean="0"/>
-            </a:br>
-            <a:r>
-              <a:rPr kumimoji="1" lang="ja-JP" altLang="en-US" b="1" dirty="0" smtClean="0"/>
-              <a:t>割り振る指標にする</a:t>
-            </a:r>
-            <a:endParaRPr kumimoji="1" lang="ja-JP" altLang="en-US" b="1" dirty="0"/>
+              <a:rPr lang="ja-JP" altLang="en-US" b="1" dirty="0">
+                <a:latin typeface="ＭＳ Ｐゴシック" panose="020B0600070205080204" pitchFamily="50" charset="-128"/>
+              </a:rPr>
+              <a:t>応答速度について</a:t>
+            </a:r>
+            <a:r>
+              <a:rPr lang="ja-JP" altLang="en-US" b="1" dirty="0" smtClean="0">
+                <a:latin typeface="ＭＳ Ｐゴシック" panose="020B0600070205080204" pitchFamily="50" charset="-128"/>
+              </a:rPr>
+              <a:t>の</a:t>
+            </a:r>
+            <a:endParaRPr lang="en-US" altLang="ja-JP" b="1" dirty="0" smtClean="0">
+              <a:latin typeface="ＭＳ Ｐゴシック" panose="020B0600070205080204" pitchFamily="50" charset="-128"/>
+            </a:endParaRPr>
+          </a:p>
+          <a:p>
+            <a:pPr algn="ctr"/>
+            <a:r>
+              <a:rPr lang="en-US" altLang="ja-JP" b="1" dirty="0" smtClean="0">
+                <a:latin typeface="ＭＳ Ｐゴシック" panose="020B0600070205080204" pitchFamily="50" charset="-128"/>
+              </a:rPr>
+              <a:t>S</a:t>
+            </a:r>
+            <a:r>
+              <a:rPr lang="ja-JP" altLang="en-US" b="1" dirty="0">
+                <a:latin typeface="ＭＳ Ｐゴシック" panose="020B0600070205080204" pitchFamily="50" charset="-128"/>
+              </a:rPr>
+              <a:t>～</a:t>
+            </a:r>
+            <a:r>
+              <a:rPr lang="en-US" altLang="ja-JP" b="1" dirty="0">
+                <a:latin typeface="ＭＳ Ｐゴシック" panose="020B0600070205080204" pitchFamily="50" charset="-128"/>
+              </a:rPr>
+              <a:t>D</a:t>
+            </a:r>
+            <a:r>
+              <a:rPr lang="ja-JP" altLang="en-US" b="1" dirty="0">
+                <a:latin typeface="ＭＳ Ｐゴシック" panose="020B0600070205080204" pitchFamily="50" charset="-128"/>
+              </a:rPr>
+              <a:t>評価</a:t>
+            </a:r>
+            <a:endParaRPr lang="en-US" altLang="ja-JP" b="1" dirty="0"/>
           </a:p>
         </p:txBody>
       </p:sp>
@@ -6474,8 +6501,20 @@
               <a:rPr kumimoji="1" lang="en-US" altLang="ja-JP" b="1" dirty="0" smtClean="0"/>
             </a:br>
             <a:r>
+              <a:rPr kumimoji="1" lang="ja-JP" altLang="en-US" b="1" dirty="0" smtClean="0">
+                <a:solidFill>
+                  <a:srgbClr val="FF0000"/>
+                </a:solidFill>
+              </a:rPr>
+              <a:t>動的</a:t>
+            </a:r>
+            <a:r>
               <a:rPr kumimoji="1" lang="ja-JP" altLang="en-US" b="1" dirty="0" smtClean="0"/>
-              <a:t>割り振りを行う</a:t>
+              <a:t>割り振り</a:t>
+            </a:r>
+            <a:r>
+              <a:rPr kumimoji="1" lang="ja-JP" altLang="en-US" b="1" dirty="0" smtClean="0"/>
+              <a:t>を行う</a:t>
             </a:r>
             <a:endParaRPr kumimoji="1" lang="ja-JP" altLang="en-US" b="1" dirty="0"/>
           </a:p>

--- a/meeting/1821086_matsuo_Chart.pptx
+++ b/meeting/1821086_matsuo_Chart.pptx
@@ -5,37 +5,38 @@
     <p:sldMasterId id="2147483660" r:id="rId1"/>
   </p:sldMasterIdLst>
   <p:notesMasterIdLst>
-    <p:notesMasterId r:id="rId30"/>
+    <p:notesMasterId r:id="rId31"/>
   </p:notesMasterIdLst>
   <p:sldIdLst>
     <p:sldId id="276" r:id="rId2"/>
-    <p:sldId id="303" r:id="rId3"/>
-    <p:sldId id="305" r:id="rId4"/>
-    <p:sldId id="306" r:id="rId5"/>
-    <p:sldId id="304" r:id="rId6"/>
-    <p:sldId id="301" r:id="rId7"/>
-    <p:sldId id="302" r:id="rId8"/>
-    <p:sldId id="275" r:id="rId9"/>
-    <p:sldId id="299" r:id="rId10"/>
-    <p:sldId id="277" r:id="rId11"/>
-    <p:sldId id="300" r:id="rId12"/>
-    <p:sldId id="278" r:id="rId13"/>
-    <p:sldId id="281" r:id="rId14"/>
-    <p:sldId id="286" r:id="rId15"/>
-    <p:sldId id="292" r:id="rId16"/>
-    <p:sldId id="282" r:id="rId17"/>
-    <p:sldId id="297" r:id="rId18"/>
-    <p:sldId id="285" r:id="rId19"/>
-    <p:sldId id="298" r:id="rId20"/>
-    <p:sldId id="284" r:id="rId21"/>
-    <p:sldId id="296" r:id="rId22"/>
-    <p:sldId id="287" r:id="rId23"/>
-    <p:sldId id="288" r:id="rId24"/>
-    <p:sldId id="289" r:id="rId25"/>
-    <p:sldId id="291" r:id="rId26"/>
-    <p:sldId id="295" r:id="rId27"/>
-    <p:sldId id="290" r:id="rId28"/>
-    <p:sldId id="294" r:id="rId29"/>
+    <p:sldId id="307" r:id="rId3"/>
+    <p:sldId id="303" r:id="rId4"/>
+    <p:sldId id="305" r:id="rId5"/>
+    <p:sldId id="306" r:id="rId6"/>
+    <p:sldId id="304" r:id="rId7"/>
+    <p:sldId id="301" r:id="rId8"/>
+    <p:sldId id="302" r:id="rId9"/>
+    <p:sldId id="275" r:id="rId10"/>
+    <p:sldId id="299" r:id="rId11"/>
+    <p:sldId id="277" r:id="rId12"/>
+    <p:sldId id="300" r:id="rId13"/>
+    <p:sldId id="278" r:id="rId14"/>
+    <p:sldId id="281" r:id="rId15"/>
+    <p:sldId id="286" r:id="rId16"/>
+    <p:sldId id="292" r:id="rId17"/>
+    <p:sldId id="282" r:id="rId18"/>
+    <p:sldId id="297" r:id="rId19"/>
+    <p:sldId id="285" r:id="rId20"/>
+    <p:sldId id="298" r:id="rId21"/>
+    <p:sldId id="284" r:id="rId22"/>
+    <p:sldId id="296" r:id="rId23"/>
+    <p:sldId id="287" r:id="rId24"/>
+    <p:sldId id="288" r:id="rId25"/>
+    <p:sldId id="289" r:id="rId26"/>
+    <p:sldId id="291" r:id="rId27"/>
+    <p:sldId id="295" r:id="rId28"/>
+    <p:sldId id="290" r:id="rId29"/>
+    <p:sldId id="294" r:id="rId30"/>
   </p:sldIdLst>
   <p:sldSz cx="9144000" cy="6858000" type="screen4x3"/>
   <p:notesSz cx="6858000" cy="9144000"/>
@@ -224,7 +225,7 @@
           <a:p>
             <a:fld id="{869FDBD3-40C4-4F2A-82A8-38E5DBC6C4C1}" type="datetimeFigureOut">
               <a:rPr kumimoji="1" lang="ja-JP" altLang="en-US" smtClean="0"/>
-              <a:t>2021/10/8</a:t>
+              <a:t>2021/10/24</a:t>
             </a:fld>
             <a:endParaRPr kumimoji="1" lang="ja-JP" altLang="en-US"/>
           </a:p>
@@ -655,7 +656,7 @@
           <a:p>
             <a:fld id="{494AB2A1-E364-47CF-B5DC-53E264C607F6}" type="datetime1">
               <a:rPr kumimoji="1" lang="ja-JP" altLang="en-US" smtClean="0"/>
-              <a:t>2021/10/8</a:t>
+              <a:t>2021/10/24</a:t>
             </a:fld>
             <a:endParaRPr kumimoji="1" lang="ja-JP" altLang="en-US"/>
           </a:p>
@@ -857,7 +858,7 @@
           <a:p>
             <a:fld id="{493740D4-C406-4492-90E6-6432EEF92C60}" type="datetime1">
               <a:rPr kumimoji="1" lang="ja-JP" altLang="en-US" smtClean="0"/>
-              <a:t>2021/10/8</a:t>
+              <a:t>2021/10/24</a:t>
             </a:fld>
             <a:endParaRPr kumimoji="1" lang="ja-JP" altLang="en-US"/>
           </a:p>
@@ -1069,7 +1070,7 @@
           <a:p>
             <a:fld id="{ED69396B-CE42-4776-89F8-D39FC42CFB56}" type="datetime1">
               <a:rPr kumimoji="1" lang="ja-JP" altLang="en-US" smtClean="0"/>
-              <a:t>2021/10/8</a:t>
+              <a:t>2021/10/24</a:t>
             </a:fld>
             <a:endParaRPr kumimoji="1" lang="ja-JP" altLang="en-US"/>
           </a:p>
@@ -1271,7 +1272,7 @@
           <a:p>
             <a:fld id="{13625393-1B19-477D-ADB7-2A6386D3F149}" type="datetime1">
               <a:rPr kumimoji="1" lang="ja-JP" altLang="en-US" smtClean="0"/>
-              <a:t>2021/10/8</a:t>
+              <a:t>2021/10/24</a:t>
             </a:fld>
             <a:endParaRPr kumimoji="1" lang="ja-JP" altLang="en-US"/>
           </a:p>
@@ -1515,7 +1516,7 @@
           <a:p>
             <a:fld id="{E5FDA1EB-CBE3-4FB0-BB17-A44CDA0B54B3}" type="datetime1">
               <a:rPr kumimoji="1" lang="ja-JP" altLang="en-US" smtClean="0"/>
-              <a:t>2021/10/8</a:t>
+              <a:t>2021/10/24</a:t>
             </a:fld>
             <a:endParaRPr kumimoji="1" lang="ja-JP" altLang="en-US"/>
           </a:p>
@@ -1811,7 +1812,7 @@
           <a:p>
             <a:fld id="{C01EC069-9DC2-4DDB-AE63-C26A081803C1}" type="datetime1">
               <a:rPr kumimoji="1" lang="ja-JP" altLang="en-US" smtClean="0"/>
-              <a:t>2021/10/8</a:t>
+              <a:t>2021/10/24</a:t>
             </a:fld>
             <a:endParaRPr kumimoji="1" lang="ja-JP" altLang="en-US"/>
           </a:p>
@@ -2242,7 +2243,7 @@
           <a:p>
             <a:fld id="{FA16DDA6-9750-4222-A53D-9B2AFD4F7604}" type="datetime1">
               <a:rPr kumimoji="1" lang="ja-JP" altLang="en-US" smtClean="0"/>
-              <a:t>2021/10/8</a:t>
+              <a:t>2021/10/24</a:t>
             </a:fld>
             <a:endParaRPr kumimoji="1" lang="ja-JP" altLang="en-US"/>
           </a:p>
@@ -2360,7 +2361,7 @@
           <a:p>
             <a:fld id="{2A12A5DA-6757-4BE0-8138-B996B069D01C}" type="datetime1">
               <a:rPr kumimoji="1" lang="ja-JP" altLang="en-US" smtClean="0"/>
-              <a:t>2021/10/8</a:t>
+              <a:t>2021/10/24</a:t>
             </a:fld>
             <a:endParaRPr kumimoji="1" lang="ja-JP" altLang="en-US"/>
           </a:p>
@@ -2432,7 +2433,7 @@
           <a:p>
             <a:fld id="{80431E91-75F7-48C3-A2EB-716DBC94911B}" type="datetime1">
               <a:rPr kumimoji="1" lang="ja-JP" altLang="en-US" smtClean="0"/>
-              <a:t>2021/10/8</a:t>
+              <a:t>2021/10/24</a:t>
             </a:fld>
             <a:endParaRPr kumimoji="1" lang="ja-JP" altLang="en-US"/>
           </a:p>
@@ -2718,7 +2719,7 @@
           <a:p>
             <a:fld id="{2FD4BF64-4643-4F2F-9E14-ABA1F12A43DE}" type="datetime1">
               <a:rPr kumimoji="1" lang="ja-JP" altLang="en-US" smtClean="0"/>
-              <a:t>2021/10/8</a:t>
+              <a:t>2021/10/24</a:t>
             </a:fld>
             <a:endParaRPr kumimoji="1" lang="ja-JP" altLang="en-US"/>
           </a:p>
@@ -2975,7 +2976,7 @@
           <a:p>
             <a:fld id="{4775FF6E-0AC3-4CFF-BD5F-615BAFBBFB63}" type="datetime1">
               <a:rPr kumimoji="1" lang="ja-JP" altLang="en-US" smtClean="0"/>
-              <a:t>2021/10/8</a:t>
+              <a:t>2021/10/24</a:t>
             </a:fld>
             <a:endParaRPr kumimoji="1" lang="ja-JP" altLang="en-US"/>
           </a:p>
@@ -3220,7 +3221,7 @@
           <a:p>
             <a:fld id="{63DC7EF6-3FB0-4B29-8D75-11EE9B911EFB}" type="datetime1">
               <a:rPr kumimoji="1" lang="ja-JP" altLang="en-US" smtClean="0"/>
-              <a:t>2021/10/8</a:t>
+              <a:t>2021/10/24</a:t>
             </a:fld>
             <a:endParaRPr kumimoji="1" lang="ja-JP" altLang="en-US"/>
           </a:p>
@@ -4078,6 +4079,1009 @@
       </p:grpSpPr>
       <p:sp>
         <p:nvSpPr>
+          <p:cNvPr id="31" name="直方体 30"/>
+          <p:cNvSpPr/>
+          <p:nvPr/>
+        </p:nvSpPr>
+        <p:spPr>
+          <a:xfrm>
+            <a:off x="4856207" y="1719683"/>
+            <a:ext cx="1359462" cy="772790"/>
+          </a:xfrm>
+          <a:prstGeom prst="cube">
+            <a:avLst/>
+          </a:prstGeom>
+          <a:solidFill>
+            <a:schemeClr val="accent2">
+              <a:lumMod val="20000"/>
+              <a:lumOff val="80000"/>
+            </a:schemeClr>
+          </a:solidFill>
+          <a:ln>
+            <a:solidFill>
+              <a:schemeClr val="bg1">
+                <a:lumMod val="50000"/>
+              </a:schemeClr>
+            </a:solidFill>
+          </a:ln>
+        </p:spPr>
+        <p:style>
+          <a:lnRef idx="2">
+            <a:schemeClr val="accent1">
+              <a:shade val="50000"/>
+            </a:schemeClr>
+          </a:lnRef>
+          <a:fillRef idx="1">
+            <a:schemeClr val="accent1"/>
+          </a:fillRef>
+          <a:effectRef idx="0">
+            <a:schemeClr val="accent1"/>
+          </a:effectRef>
+          <a:fontRef idx="minor">
+            <a:schemeClr val="lt1"/>
+          </a:fontRef>
+        </p:style>
+        <p:txBody>
+          <a:bodyPr rtlCol="0" anchor="ctr"/>
+          <a:lstStyle/>
+          <a:p>
+            <a:pPr algn="ctr"/>
+            <a:endParaRPr kumimoji="1" lang="ja-JP" altLang="en-US" dirty="0">
+              <a:solidFill>
+                <a:schemeClr val="tx1"/>
+              </a:solidFill>
+            </a:endParaRPr>
+          </a:p>
+        </p:txBody>
+      </p:sp>
+      <p:cxnSp>
+        <p:nvCxnSpPr>
+          <p:cNvPr id="15" name="直線コネクタ 14"/>
+          <p:cNvCxnSpPr/>
+          <p:nvPr/>
+        </p:nvCxnSpPr>
+        <p:spPr>
+          <a:xfrm flipV="1">
+            <a:off x="2039252" y="3555451"/>
+            <a:ext cx="2520558" cy="20231"/>
+          </a:xfrm>
+          <a:prstGeom prst="line">
+            <a:avLst/>
+          </a:prstGeom>
+          <a:ln w="28575"/>
+        </p:spPr>
+        <p:style>
+          <a:lnRef idx="1">
+            <a:schemeClr val="accent2"/>
+          </a:lnRef>
+          <a:fillRef idx="0">
+            <a:schemeClr val="accent2"/>
+          </a:fillRef>
+          <a:effectRef idx="0">
+            <a:schemeClr val="accent2"/>
+          </a:effectRef>
+          <a:fontRef idx="minor">
+            <a:schemeClr val="tx1"/>
+          </a:fontRef>
+        </p:style>
+      </p:cxnSp>
+      <p:sp>
+        <p:nvSpPr>
+          <p:cNvPr id="4" name="雲 3"/>
+          <p:cNvSpPr/>
+          <p:nvPr/>
+        </p:nvSpPr>
+        <p:spPr>
+          <a:xfrm>
+            <a:off x="547730" y="3102298"/>
+            <a:ext cx="1691235" cy="946768"/>
+          </a:xfrm>
+          <a:prstGeom prst="cloud">
+            <a:avLst/>
+          </a:prstGeom>
+          <a:solidFill>
+            <a:schemeClr val="accent2">
+              <a:lumMod val="20000"/>
+              <a:lumOff val="80000"/>
+            </a:schemeClr>
+          </a:solidFill>
+          <a:ln>
+            <a:solidFill>
+              <a:schemeClr val="bg1">
+                <a:lumMod val="50000"/>
+              </a:schemeClr>
+            </a:solidFill>
+          </a:ln>
+        </p:spPr>
+        <p:style>
+          <a:lnRef idx="2">
+            <a:schemeClr val="accent1">
+              <a:shade val="50000"/>
+            </a:schemeClr>
+          </a:lnRef>
+          <a:fillRef idx="1">
+            <a:schemeClr val="accent1"/>
+          </a:fillRef>
+          <a:effectRef idx="0">
+            <a:schemeClr val="accent1"/>
+          </a:effectRef>
+          <a:fontRef idx="minor">
+            <a:schemeClr val="lt1"/>
+          </a:fontRef>
+        </p:style>
+        <p:txBody>
+          <a:bodyPr rtlCol="0" anchor="ctr"/>
+          <a:lstStyle/>
+          <a:p>
+            <a:pPr algn="ctr"/>
+            <a:endParaRPr kumimoji="1" lang="ja-JP" altLang="en-US"/>
+          </a:p>
+        </p:txBody>
+      </p:sp>
+      <p:sp>
+        <p:nvSpPr>
+          <p:cNvPr id="5" name="フローチャート: 磁気ディスク 4"/>
+          <p:cNvSpPr/>
+          <p:nvPr/>
+        </p:nvSpPr>
+        <p:spPr>
+          <a:xfrm>
+            <a:off x="2538371" y="3061837"/>
+            <a:ext cx="1124793" cy="987229"/>
+          </a:xfrm>
+          <a:prstGeom prst="flowChartMagneticDisk">
+            <a:avLst/>
+          </a:prstGeom>
+          <a:solidFill>
+            <a:schemeClr val="accent2">
+              <a:lumMod val="20000"/>
+              <a:lumOff val="80000"/>
+            </a:schemeClr>
+          </a:solidFill>
+          <a:ln>
+            <a:solidFill>
+              <a:schemeClr val="bg1">
+                <a:lumMod val="50000"/>
+              </a:schemeClr>
+            </a:solidFill>
+          </a:ln>
+        </p:spPr>
+        <p:style>
+          <a:lnRef idx="2">
+            <a:schemeClr val="accent1">
+              <a:shade val="50000"/>
+            </a:schemeClr>
+          </a:lnRef>
+          <a:fillRef idx="1">
+            <a:schemeClr val="accent1"/>
+          </a:fillRef>
+          <a:effectRef idx="0">
+            <a:schemeClr val="accent1"/>
+          </a:effectRef>
+          <a:fontRef idx="minor">
+            <a:schemeClr val="lt1"/>
+          </a:fontRef>
+        </p:style>
+        <p:txBody>
+          <a:bodyPr rtlCol="0" anchor="ctr"/>
+          <a:lstStyle/>
+          <a:p>
+            <a:pPr algn="ctr"/>
+            <a:endParaRPr kumimoji="1" lang="ja-JP" altLang="en-US"/>
+          </a:p>
+        </p:txBody>
+      </p:sp>
+      <p:sp>
+        <p:nvSpPr>
+          <p:cNvPr id="7" name="直方体 6"/>
+          <p:cNvSpPr/>
+          <p:nvPr/>
+        </p:nvSpPr>
+        <p:spPr>
+          <a:xfrm>
+            <a:off x="4078384" y="3169056"/>
+            <a:ext cx="1359462" cy="772790"/>
+          </a:xfrm>
+          <a:prstGeom prst="cube">
+            <a:avLst/>
+          </a:prstGeom>
+          <a:solidFill>
+            <a:schemeClr val="accent2">
+              <a:lumMod val="20000"/>
+              <a:lumOff val="80000"/>
+            </a:schemeClr>
+          </a:solidFill>
+          <a:ln>
+            <a:solidFill>
+              <a:schemeClr val="bg1">
+                <a:lumMod val="50000"/>
+              </a:schemeClr>
+            </a:solidFill>
+          </a:ln>
+        </p:spPr>
+        <p:style>
+          <a:lnRef idx="2">
+            <a:schemeClr val="accent1">
+              <a:shade val="50000"/>
+            </a:schemeClr>
+          </a:lnRef>
+          <a:fillRef idx="1">
+            <a:schemeClr val="accent1"/>
+          </a:fillRef>
+          <a:effectRef idx="0">
+            <a:schemeClr val="accent1"/>
+          </a:effectRef>
+          <a:fontRef idx="minor">
+            <a:schemeClr val="lt1"/>
+          </a:fontRef>
+        </p:style>
+        <p:txBody>
+          <a:bodyPr rtlCol="0" anchor="ctr"/>
+          <a:lstStyle/>
+          <a:p>
+            <a:pPr algn="ctr"/>
+            <a:endParaRPr kumimoji="1" lang="ja-JP" altLang="en-US" dirty="0">
+              <a:solidFill>
+                <a:schemeClr val="tx1"/>
+              </a:solidFill>
+            </a:endParaRPr>
+          </a:p>
+        </p:txBody>
+      </p:sp>
+      <p:sp>
+        <p:nvSpPr>
+          <p:cNvPr id="8" name="フローチャート: 代替処理 7"/>
+          <p:cNvSpPr/>
+          <p:nvPr/>
+        </p:nvSpPr>
+        <p:spPr>
+          <a:xfrm>
+            <a:off x="7013266" y="2236449"/>
+            <a:ext cx="679730" cy="825388"/>
+          </a:xfrm>
+          <a:prstGeom prst="flowChartAlternateProcess">
+            <a:avLst/>
+          </a:prstGeom>
+          <a:solidFill>
+            <a:schemeClr val="accent2">
+              <a:lumMod val="20000"/>
+              <a:lumOff val="80000"/>
+            </a:schemeClr>
+          </a:solidFill>
+          <a:ln>
+            <a:solidFill>
+              <a:schemeClr val="bg1">
+                <a:lumMod val="50000"/>
+              </a:schemeClr>
+            </a:solidFill>
+          </a:ln>
+        </p:spPr>
+        <p:style>
+          <a:lnRef idx="2">
+            <a:schemeClr val="accent1">
+              <a:shade val="50000"/>
+            </a:schemeClr>
+          </a:lnRef>
+          <a:fillRef idx="1">
+            <a:schemeClr val="accent1"/>
+          </a:fillRef>
+          <a:effectRef idx="0">
+            <a:schemeClr val="accent1"/>
+          </a:effectRef>
+          <a:fontRef idx="minor">
+            <a:schemeClr val="lt1"/>
+          </a:fontRef>
+        </p:style>
+        <p:txBody>
+          <a:bodyPr rtlCol="0" anchor="ctr"/>
+          <a:lstStyle/>
+          <a:p>
+            <a:pPr algn="ctr"/>
+            <a:endParaRPr kumimoji="1" lang="ja-JP" altLang="en-US"/>
+          </a:p>
+        </p:txBody>
+      </p:sp>
+      <p:sp>
+        <p:nvSpPr>
+          <p:cNvPr id="9" name="フローチャート: 代替処理 8"/>
+          <p:cNvSpPr/>
+          <p:nvPr/>
+        </p:nvSpPr>
+        <p:spPr>
+          <a:xfrm>
+            <a:off x="7013266" y="3223677"/>
+            <a:ext cx="679730" cy="825388"/>
+          </a:xfrm>
+          <a:prstGeom prst="flowChartAlternateProcess">
+            <a:avLst/>
+          </a:prstGeom>
+          <a:solidFill>
+            <a:schemeClr val="accent2">
+              <a:lumMod val="20000"/>
+              <a:lumOff val="80000"/>
+            </a:schemeClr>
+          </a:solidFill>
+          <a:ln>
+            <a:solidFill>
+              <a:schemeClr val="bg1">
+                <a:lumMod val="50000"/>
+              </a:schemeClr>
+            </a:solidFill>
+          </a:ln>
+        </p:spPr>
+        <p:style>
+          <a:lnRef idx="2">
+            <a:schemeClr val="accent1">
+              <a:shade val="50000"/>
+            </a:schemeClr>
+          </a:lnRef>
+          <a:fillRef idx="1">
+            <a:schemeClr val="accent1"/>
+          </a:fillRef>
+          <a:effectRef idx="0">
+            <a:schemeClr val="accent1"/>
+          </a:effectRef>
+          <a:fontRef idx="minor">
+            <a:schemeClr val="lt1"/>
+          </a:fontRef>
+        </p:style>
+        <p:txBody>
+          <a:bodyPr rtlCol="0" anchor="ctr"/>
+          <a:lstStyle/>
+          <a:p>
+            <a:pPr algn="ctr"/>
+            <a:endParaRPr kumimoji="1" lang="ja-JP" altLang="en-US"/>
+          </a:p>
+        </p:txBody>
+      </p:sp>
+      <p:sp>
+        <p:nvSpPr>
+          <p:cNvPr id="10" name="フローチャート: 代替処理 9"/>
+          <p:cNvSpPr/>
+          <p:nvPr/>
+        </p:nvSpPr>
+        <p:spPr>
+          <a:xfrm>
+            <a:off x="7013266" y="4245986"/>
+            <a:ext cx="679730" cy="825388"/>
+          </a:xfrm>
+          <a:prstGeom prst="flowChartAlternateProcess">
+            <a:avLst/>
+          </a:prstGeom>
+          <a:solidFill>
+            <a:schemeClr val="accent2">
+              <a:lumMod val="20000"/>
+              <a:lumOff val="80000"/>
+            </a:schemeClr>
+          </a:solidFill>
+          <a:ln>
+            <a:solidFill>
+              <a:schemeClr val="bg1">
+                <a:lumMod val="50000"/>
+              </a:schemeClr>
+            </a:solidFill>
+          </a:ln>
+        </p:spPr>
+        <p:style>
+          <a:lnRef idx="2">
+            <a:schemeClr val="accent1">
+              <a:shade val="50000"/>
+            </a:schemeClr>
+          </a:lnRef>
+          <a:fillRef idx="1">
+            <a:schemeClr val="accent1"/>
+          </a:fillRef>
+          <a:effectRef idx="0">
+            <a:schemeClr val="accent1"/>
+          </a:effectRef>
+          <a:fontRef idx="minor">
+            <a:schemeClr val="lt1"/>
+          </a:fontRef>
+        </p:style>
+        <p:txBody>
+          <a:bodyPr rtlCol="0" anchor="ctr"/>
+          <a:lstStyle/>
+          <a:p>
+            <a:pPr algn="ctr"/>
+            <a:endParaRPr kumimoji="1" lang="ja-JP" altLang="en-US"/>
+          </a:p>
+        </p:txBody>
+      </p:sp>
+      <p:sp>
+        <p:nvSpPr>
+          <p:cNvPr id="11" name="テキスト ボックス 10"/>
+          <p:cNvSpPr txBox="1"/>
+          <p:nvPr/>
+        </p:nvSpPr>
+        <p:spPr>
+          <a:xfrm>
+            <a:off x="3857868" y="4014447"/>
+            <a:ext cx="1800493" cy="369332"/>
+          </a:xfrm>
+          <a:prstGeom prst="rect">
+            <a:avLst/>
+          </a:prstGeom>
+          <a:noFill/>
+        </p:spPr>
+        <p:txBody>
+          <a:bodyPr wrap="none" rtlCol="0">
+            <a:spAutoFit/>
+          </a:bodyPr>
+          <a:lstStyle/>
+          <a:p>
+            <a:r>
+              <a:rPr kumimoji="1" lang="ja-JP" altLang="en-US" dirty="0" smtClean="0"/>
+              <a:t>ロードバランサ</a:t>
+            </a:r>
+            <a:endParaRPr kumimoji="1" lang="ja-JP" altLang="en-US" dirty="0"/>
+          </a:p>
+        </p:txBody>
+      </p:sp>
+      <p:sp>
+        <p:nvSpPr>
+          <p:cNvPr id="12" name="テキスト ボックス 11"/>
+          <p:cNvSpPr txBox="1"/>
+          <p:nvPr/>
+        </p:nvSpPr>
+        <p:spPr>
+          <a:xfrm>
+            <a:off x="2538371" y="4061320"/>
+            <a:ext cx="1107996" cy="369332"/>
+          </a:xfrm>
+          <a:prstGeom prst="rect">
+            <a:avLst/>
+          </a:prstGeom>
+          <a:noFill/>
+        </p:spPr>
+        <p:txBody>
+          <a:bodyPr wrap="none" rtlCol="0">
+            <a:spAutoFit/>
+          </a:bodyPr>
+          <a:lstStyle/>
+          <a:p>
+            <a:r>
+              <a:rPr kumimoji="1" lang="ja-JP" altLang="en-US" dirty="0" smtClean="0"/>
+              <a:t>ルーター</a:t>
+            </a:r>
+            <a:endParaRPr kumimoji="1" lang="ja-JP" altLang="en-US" dirty="0"/>
+          </a:p>
+        </p:txBody>
+      </p:sp>
+      <p:sp>
+        <p:nvSpPr>
+          <p:cNvPr id="13" name="テキスト ボックス 12"/>
+          <p:cNvSpPr txBox="1"/>
+          <p:nvPr/>
+        </p:nvSpPr>
+        <p:spPr>
+          <a:xfrm>
+            <a:off x="1062583" y="3391016"/>
+            <a:ext cx="661528" cy="369332"/>
+          </a:xfrm>
+          <a:prstGeom prst="rect">
+            <a:avLst/>
+          </a:prstGeom>
+          <a:noFill/>
+        </p:spPr>
+        <p:txBody>
+          <a:bodyPr wrap="none" rtlCol="0">
+            <a:spAutoFit/>
+          </a:bodyPr>
+          <a:lstStyle/>
+          <a:p>
+            <a:r>
+              <a:rPr kumimoji="1" lang="en-US" altLang="ja-JP" dirty="0" smtClean="0"/>
+              <a:t>WAN</a:t>
+            </a:r>
+            <a:endParaRPr kumimoji="1" lang="ja-JP" altLang="en-US" dirty="0"/>
+          </a:p>
+        </p:txBody>
+      </p:sp>
+      <p:sp>
+        <p:nvSpPr>
+          <p:cNvPr id="24" name="テキスト ボックス 23"/>
+          <p:cNvSpPr txBox="1"/>
+          <p:nvPr/>
+        </p:nvSpPr>
+        <p:spPr>
+          <a:xfrm>
+            <a:off x="7721168" y="2451120"/>
+            <a:ext cx="1010213" cy="369332"/>
+          </a:xfrm>
+          <a:prstGeom prst="rect">
+            <a:avLst/>
+          </a:prstGeom>
+          <a:noFill/>
+        </p:spPr>
+        <p:txBody>
+          <a:bodyPr wrap="none" rtlCol="0">
+            <a:spAutoFit/>
+          </a:bodyPr>
+          <a:lstStyle/>
+          <a:p>
+            <a:r>
+              <a:rPr kumimoji="1" lang="ja-JP" altLang="en-US" dirty="0" smtClean="0"/>
+              <a:t>サーバ</a:t>
+            </a:r>
+            <a:r>
+              <a:rPr kumimoji="1" lang="en-US" altLang="ja-JP" dirty="0" smtClean="0"/>
+              <a:t>A</a:t>
+            </a:r>
+            <a:endParaRPr kumimoji="1" lang="ja-JP" altLang="en-US" dirty="0"/>
+          </a:p>
+        </p:txBody>
+      </p:sp>
+      <p:sp>
+        <p:nvSpPr>
+          <p:cNvPr id="25" name="テキスト ボックス 24"/>
+          <p:cNvSpPr txBox="1"/>
+          <p:nvPr/>
+        </p:nvSpPr>
+        <p:spPr>
+          <a:xfrm>
+            <a:off x="7718424" y="3451705"/>
+            <a:ext cx="1002197" cy="369332"/>
+          </a:xfrm>
+          <a:prstGeom prst="rect">
+            <a:avLst/>
+          </a:prstGeom>
+          <a:noFill/>
+        </p:spPr>
+        <p:txBody>
+          <a:bodyPr wrap="none" rtlCol="0">
+            <a:spAutoFit/>
+          </a:bodyPr>
+          <a:lstStyle/>
+          <a:p>
+            <a:r>
+              <a:rPr kumimoji="1" lang="ja-JP" altLang="en-US" dirty="0" smtClean="0"/>
+              <a:t>サーバ</a:t>
+            </a:r>
+            <a:r>
+              <a:rPr kumimoji="1" lang="en-US" altLang="ja-JP" dirty="0"/>
+              <a:t>B</a:t>
+            </a:r>
+            <a:endParaRPr kumimoji="1" lang="ja-JP" altLang="en-US" dirty="0"/>
+          </a:p>
+        </p:txBody>
+      </p:sp>
+      <p:sp>
+        <p:nvSpPr>
+          <p:cNvPr id="26" name="テキスト ボックス 25"/>
+          <p:cNvSpPr txBox="1"/>
+          <p:nvPr/>
+        </p:nvSpPr>
+        <p:spPr>
+          <a:xfrm>
+            <a:off x="7675910" y="4485336"/>
+            <a:ext cx="1000595" cy="369332"/>
+          </a:xfrm>
+          <a:prstGeom prst="rect">
+            <a:avLst/>
+          </a:prstGeom>
+          <a:noFill/>
+        </p:spPr>
+        <p:txBody>
+          <a:bodyPr wrap="none" rtlCol="0">
+            <a:spAutoFit/>
+          </a:bodyPr>
+          <a:lstStyle/>
+          <a:p>
+            <a:r>
+              <a:rPr kumimoji="1" lang="ja-JP" altLang="en-US" dirty="0" smtClean="0"/>
+              <a:t>サーバ</a:t>
+            </a:r>
+            <a:r>
+              <a:rPr kumimoji="1" lang="en-US" altLang="ja-JP" dirty="0"/>
+              <a:t>C</a:t>
+            </a:r>
+            <a:endParaRPr kumimoji="1" lang="ja-JP" altLang="en-US" dirty="0"/>
+          </a:p>
+        </p:txBody>
+      </p:sp>
+      <p:sp>
+        <p:nvSpPr>
+          <p:cNvPr id="27" name="テキスト ボックス 26"/>
+          <p:cNvSpPr txBox="1"/>
+          <p:nvPr/>
+        </p:nvSpPr>
+        <p:spPr>
+          <a:xfrm>
+            <a:off x="4058610" y="1251990"/>
+            <a:ext cx="2954655" cy="369332"/>
+          </a:xfrm>
+          <a:prstGeom prst="rect">
+            <a:avLst/>
+          </a:prstGeom>
+          <a:noFill/>
+        </p:spPr>
+        <p:txBody>
+          <a:bodyPr wrap="none" rtlCol="0">
+            <a:spAutoFit/>
+          </a:bodyPr>
+          <a:lstStyle/>
+          <a:p>
+            <a:r>
+              <a:rPr kumimoji="1" lang="ja-JP" altLang="en-US" dirty="0" smtClean="0"/>
+              <a:t>平均応答速度</a:t>
+            </a:r>
+            <a:r>
+              <a:rPr kumimoji="1" lang="ja-JP" altLang="en-US" dirty="0"/>
+              <a:t>の</a:t>
+            </a:r>
+            <a:r>
+              <a:rPr kumimoji="1" lang="ja-JP" altLang="en-US" dirty="0" smtClean="0"/>
+              <a:t>計測サーバ</a:t>
+            </a:r>
+            <a:endParaRPr kumimoji="1" lang="ja-JP" altLang="en-US" dirty="0"/>
+          </a:p>
+        </p:txBody>
+      </p:sp>
+      <p:sp>
+        <p:nvSpPr>
+          <p:cNvPr id="28" name="テキスト ボックス 27"/>
+          <p:cNvSpPr txBox="1"/>
+          <p:nvPr/>
+        </p:nvSpPr>
+        <p:spPr>
+          <a:xfrm>
+            <a:off x="6477659" y="5169735"/>
+            <a:ext cx="1800493" cy="369332"/>
+          </a:xfrm>
+          <a:prstGeom prst="rect">
+            <a:avLst/>
+          </a:prstGeom>
+          <a:noFill/>
+        </p:spPr>
+        <p:txBody>
+          <a:bodyPr wrap="none" rtlCol="0">
+            <a:spAutoFit/>
+          </a:bodyPr>
+          <a:lstStyle/>
+          <a:p>
+            <a:r>
+              <a:rPr kumimoji="1" lang="ja-JP" altLang="en-US" dirty="0" smtClean="0"/>
+              <a:t>冗長的なサーバ</a:t>
+            </a:r>
+            <a:endParaRPr kumimoji="1" lang="ja-JP" altLang="en-US" dirty="0"/>
+          </a:p>
+        </p:txBody>
+      </p:sp>
+      <p:cxnSp>
+        <p:nvCxnSpPr>
+          <p:cNvPr id="41" name="直線コネクタ 40"/>
+          <p:cNvCxnSpPr>
+            <a:stCxn id="31" idx="5"/>
+            <a:endCxn id="8" idx="1"/>
+          </p:cNvCxnSpPr>
+          <p:nvPr/>
+        </p:nvCxnSpPr>
+        <p:spPr>
+          <a:xfrm>
+            <a:off x="6215669" y="2009479"/>
+            <a:ext cx="797597" cy="639664"/>
+          </a:xfrm>
+          <a:prstGeom prst="line">
+            <a:avLst/>
+          </a:prstGeom>
+          <a:ln w="12700"/>
+        </p:spPr>
+        <p:style>
+          <a:lnRef idx="1">
+            <a:schemeClr val="dk1"/>
+          </a:lnRef>
+          <a:fillRef idx="0">
+            <a:schemeClr val="dk1"/>
+          </a:fillRef>
+          <a:effectRef idx="0">
+            <a:schemeClr val="dk1"/>
+          </a:effectRef>
+          <a:fontRef idx="minor">
+            <a:schemeClr val="tx1"/>
+          </a:fontRef>
+        </p:style>
+      </p:cxnSp>
+      <p:cxnSp>
+        <p:nvCxnSpPr>
+          <p:cNvPr id="42" name="直線コネクタ 41"/>
+          <p:cNvCxnSpPr>
+            <a:stCxn id="31" idx="5"/>
+            <a:endCxn id="9" idx="1"/>
+          </p:cNvCxnSpPr>
+          <p:nvPr/>
+        </p:nvCxnSpPr>
+        <p:spPr>
+          <a:xfrm>
+            <a:off x="6215669" y="2009479"/>
+            <a:ext cx="797597" cy="1626892"/>
+          </a:xfrm>
+          <a:prstGeom prst="line">
+            <a:avLst/>
+          </a:prstGeom>
+          <a:ln w="12700"/>
+        </p:spPr>
+        <p:style>
+          <a:lnRef idx="1">
+            <a:schemeClr val="dk1"/>
+          </a:lnRef>
+          <a:fillRef idx="0">
+            <a:schemeClr val="dk1"/>
+          </a:fillRef>
+          <a:effectRef idx="0">
+            <a:schemeClr val="dk1"/>
+          </a:effectRef>
+          <a:fontRef idx="minor">
+            <a:schemeClr val="tx1"/>
+          </a:fontRef>
+        </p:style>
+      </p:cxnSp>
+      <p:cxnSp>
+        <p:nvCxnSpPr>
+          <p:cNvPr id="45" name="直線コネクタ 44"/>
+          <p:cNvCxnSpPr>
+            <a:stCxn id="31" idx="5"/>
+            <a:endCxn id="10" idx="1"/>
+          </p:cNvCxnSpPr>
+          <p:nvPr/>
+        </p:nvCxnSpPr>
+        <p:spPr>
+          <a:xfrm>
+            <a:off x="6215669" y="2009479"/>
+            <a:ext cx="797597" cy="2649201"/>
+          </a:xfrm>
+          <a:prstGeom prst="line">
+            <a:avLst/>
+          </a:prstGeom>
+          <a:ln w="12700"/>
+        </p:spPr>
+        <p:style>
+          <a:lnRef idx="1">
+            <a:schemeClr val="dk1"/>
+          </a:lnRef>
+          <a:fillRef idx="0">
+            <a:schemeClr val="dk1"/>
+          </a:fillRef>
+          <a:effectRef idx="0">
+            <a:schemeClr val="dk1"/>
+          </a:effectRef>
+          <a:fontRef idx="minor">
+            <a:schemeClr val="tx1"/>
+          </a:fontRef>
+        </p:style>
+      </p:cxnSp>
+      <p:sp>
+        <p:nvSpPr>
+          <p:cNvPr id="51" name="テキスト ボックス 50"/>
+          <p:cNvSpPr txBox="1"/>
+          <p:nvPr/>
+        </p:nvSpPr>
+        <p:spPr>
+          <a:xfrm>
+            <a:off x="6338763" y="2009479"/>
+            <a:ext cx="646331" cy="369332"/>
+          </a:xfrm>
+          <a:prstGeom prst="rect">
+            <a:avLst/>
+          </a:prstGeom>
+          <a:noFill/>
+        </p:spPr>
+        <p:txBody>
+          <a:bodyPr wrap="none" rtlCol="0">
+            <a:spAutoFit/>
+          </a:bodyPr>
+          <a:lstStyle/>
+          <a:p>
+            <a:r>
+              <a:rPr kumimoji="1" lang="ja-JP" altLang="en-US"/>
+              <a:t>計測</a:t>
+            </a:r>
+          </a:p>
+        </p:txBody>
+      </p:sp>
+      <p:cxnSp>
+        <p:nvCxnSpPr>
+          <p:cNvPr id="53" name="直線矢印コネクタ 52"/>
+          <p:cNvCxnSpPr>
+            <a:stCxn id="31" idx="3"/>
+            <a:endCxn id="7" idx="0"/>
+          </p:cNvCxnSpPr>
+          <p:nvPr/>
+        </p:nvCxnSpPr>
+        <p:spPr>
+          <a:xfrm flipH="1">
+            <a:off x="4854714" y="2492473"/>
+            <a:ext cx="584625" cy="676583"/>
+          </a:xfrm>
+          <a:prstGeom prst="straightConnector1">
+            <a:avLst/>
+          </a:prstGeom>
+          <a:ln w="12700">
+            <a:tailEnd type="triangle"/>
+          </a:ln>
+        </p:spPr>
+        <p:style>
+          <a:lnRef idx="1">
+            <a:schemeClr val="dk1"/>
+          </a:lnRef>
+          <a:fillRef idx="0">
+            <a:schemeClr val="dk1"/>
+          </a:fillRef>
+          <a:effectRef idx="0">
+            <a:schemeClr val="dk1"/>
+          </a:effectRef>
+          <a:fontRef idx="minor">
+            <a:schemeClr val="tx1"/>
+          </a:fontRef>
+        </p:style>
+      </p:cxnSp>
+      <p:sp>
+        <p:nvSpPr>
+          <p:cNvPr id="54" name="テキスト ボックス 53"/>
+          <p:cNvSpPr txBox="1"/>
+          <p:nvPr/>
+        </p:nvSpPr>
+        <p:spPr>
+          <a:xfrm>
+            <a:off x="4060659" y="2499319"/>
+            <a:ext cx="1800493" cy="646331"/>
+          </a:xfrm>
+          <a:prstGeom prst="rect">
+            <a:avLst/>
+          </a:prstGeom>
+          <a:noFill/>
+        </p:spPr>
+        <p:txBody>
+          <a:bodyPr wrap="none" rtlCol="0">
+            <a:spAutoFit/>
+          </a:bodyPr>
+          <a:lstStyle/>
+          <a:p>
+            <a:r>
+              <a:rPr kumimoji="1" lang="ja-JP" altLang="en-US" dirty="0" smtClean="0"/>
+              <a:t>平均応答速度を</a:t>
+            </a:r>
+            <a:r>
+              <a:rPr kumimoji="1" lang="en-US" altLang="ja-JP" dirty="0" smtClean="0"/>
+              <a:t/>
+            </a:r>
+            <a:br>
+              <a:rPr kumimoji="1" lang="en-US" altLang="ja-JP" dirty="0" smtClean="0"/>
+            </a:br>
+            <a:r>
+              <a:rPr kumimoji="1" lang="ja-JP" altLang="en-US" dirty="0" smtClean="0"/>
+              <a:t>指標として送る</a:t>
+            </a:r>
+            <a:endParaRPr kumimoji="1" lang="en-US" altLang="ja-JP" dirty="0" smtClean="0"/>
+          </a:p>
+        </p:txBody>
+      </p:sp>
+      <p:cxnSp>
+        <p:nvCxnSpPr>
+          <p:cNvPr id="56" name="直線矢印コネクタ 55"/>
+          <p:cNvCxnSpPr>
+            <a:stCxn id="7" idx="5"/>
+            <a:endCxn id="10" idx="1"/>
+          </p:cNvCxnSpPr>
+          <p:nvPr/>
+        </p:nvCxnSpPr>
+        <p:spPr>
+          <a:xfrm>
+            <a:off x="5437846" y="3458852"/>
+            <a:ext cx="1575420" cy="1199828"/>
+          </a:xfrm>
+          <a:prstGeom prst="straightConnector1">
+            <a:avLst/>
+          </a:prstGeom>
+          <a:ln w="28575">
+            <a:tailEnd type="triangle"/>
+          </a:ln>
+        </p:spPr>
+        <p:style>
+          <a:lnRef idx="1">
+            <a:schemeClr val="accent2"/>
+          </a:lnRef>
+          <a:fillRef idx="0">
+            <a:schemeClr val="accent2"/>
+          </a:fillRef>
+          <a:effectRef idx="0">
+            <a:schemeClr val="accent2"/>
+          </a:effectRef>
+          <a:fontRef idx="minor">
+            <a:schemeClr val="tx1"/>
+          </a:fontRef>
+        </p:style>
+      </p:cxnSp>
+      <p:sp>
+        <p:nvSpPr>
+          <p:cNvPr id="57" name="テキスト ボックス 56"/>
+          <p:cNvSpPr txBox="1"/>
+          <p:nvPr/>
+        </p:nvSpPr>
+        <p:spPr>
+          <a:xfrm>
+            <a:off x="5691137" y="4029635"/>
+            <a:ext cx="1107996" cy="369332"/>
+          </a:xfrm>
+          <a:prstGeom prst="rect">
+            <a:avLst/>
+          </a:prstGeom>
+          <a:noFill/>
+        </p:spPr>
+        <p:txBody>
+          <a:bodyPr wrap="none" rtlCol="0">
+            <a:spAutoFit/>
+          </a:bodyPr>
+          <a:lstStyle/>
+          <a:p>
+            <a:r>
+              <a:rPr kumimoji="1" lang="ja-JP" altLang="en-US" dirty="0" smtClean="0"/>
+              <a:t>割り振る</a:t>
+            </a:r>
+            <a:endParaRPr kumimoji="1" lang="ja-JP" altLang="en-US" dirty="0"/>
+          </a:p>
+        </p:txBody>
+      </p:sp>
+      <p:sp>
+        <p:nvSpPr>
+          <p:cNvPr id="2" name="正方形/長方形 1"/>
+          <p:cNvSpPr/>
+          <p:nvPr/>
+        </p:nvSpPr>
+        <p:spPr>
+          <a:xfrm>
+            <a:off x="4364251" y="3244334"/>
+            <a:ext cx="415498" cy="369332"/>
+          </a:xfrm>
+          <a:prstGeom prst="rect">
+            <a:avLst/>
+          </a:prstGeom>
+        </p:spPr>
+        <p:txBody>
+          <a:bodyPr wrap="none">
+            <a:spAutoFit/>
+          </a:bodyPr>
+          <a:lstStyle/>
+          <a:p>
+            <a:r>
+              <a:rPr lang="ja-JP" altLang="en-US" dirty="0" err="1"/>
+              <a:t>．</a:t>
+            </a:r>
+            <a:endParaRPr lang="ja-JP" altLang="en-US" dirty="0"/>
+          </a:p>
+        </p:txBody>
+      </p:sp>
+    </p:spTree>
+    <p:extLst>
+      <p:ext uri="{BB962C8B-B14F-4D97-AF65-F5344CB8AC3E}">
+        <p14:creationId xmlns:p14="http://schemas.microsoft.com/office/powerpoint/2010/main" val="941180247"/>
+      </p:ext>
+    </p:extLst>
+  </p:cSld>
+  <p:clrMapOvr>
+    <a:masterClrMapping/>
+  </p:clrMapOvr>
+</p:sld>
+</file>
+
+<file path=ppt/slides/slide11.xml><?xml version="1.0" encoding="utf-8"?>
+<p:sld xmlns:a="http://schemas.openxmlformats.org/drawingml/2006/main" xmlns:r="http://schemas.openxmlformats.org/officeDocument/2006/relationships" xmlns:p="http://schemas.openxmlformats.org/presentationml/2006/main">
+  <p:cSld>
+    <p:spTree>
+      <p:nvGrpSpPr>
+        <p:cNvPr id="1" name=""/>
+        <p:cNvGrpSpPr/>
+        <p:nvPr/>
+      </p:nvGrpSpPr>
+      <p:grpSpPr>
+        <a:xfrm>
+          <a:off x="0" y="0"/>
+          <a:ext cx="0" cy="0"/>
+          <a:chOff x="0" y="0"/>
+          <a:chExt cx="0" cy="0"/>
+        </a:xfrm>
+      </p:grpSpPr>
+      <p:sp>
+        <p:nvSpPr>
           <p:cNvPr id="3" name="スライド番号プレースホルダー 2"/>
           <p:cNvSpPr>
             <a:spLocks noGrp="1"/>
@@ -4098,7 +5102,7 @@
           <a:p>
             <a:fld id="{C1A4E16F-9CEB-47A6-B8DF-28924D05829B}" type="slidenum">
               <a:rPr kumimoji="1" lang="ja-JP" altLang="en-US" smtClean="0"/>
-              <a:t>10</a:t>
+              <a:t>11</a:t>
             </a:fld>
             <a:endParaRPr kumimoji="1" lang="ja-JP" altLang="en-US"/>
           </a:p>
@@ -5422,7 +6426,7 @@
 </p:sld>
 </file>
 
-<file path=ppt/slides/slide11.xml><?xml version="1.0" encoding="utf-8"?>
+<file path=ppt/slides/slide12.xml><?xml version="1.0" encoding="utf-8"?>
 <p:sld xmlns:a="http://schemas.openxmlformats.org/drawingml/2006/main" xmlns:r="http://schemas.openxmlformats.org/officeDocument/2006/relationships" xmlns:p="http://schemas.openxmlformats.org/presentationml/2006/main">
   <p:cSld>
     <p:spTree>
@@ -5461,7 +6465,7 @@
           <a:p>
             <a:fld id="{C1A4E16F-9CEB-47A6-B8DF-28924D05829B}" type="slidenum">
               <a:rPr kumimoji="1" lang="ja-JP" altLang="en-US" smtClean="0"/>
-              <a:t>11</a:t>
+              <a:t>12</a:t>
             </a:fld>
             <a:endParaRPr kumimoji="1" lang="ja-JP" altLang="en-US"/>
           </a:p>
@@ -6446,7 +7450,7 @@
 </p:sld>
 </file>
 
-<file path=ppt/slides/slide12.xml><?xml version="1.0" encoding="utf-8"?>
+<file path=ppt/slides/slide13.xml><?xml version="1.0" encoding="utf-8"?>
 <p:sld xmlns:a="http://schemas.openxmlformats.org/drawingml/2006/main" xmlns:r="http://schemas.openxmlformats.org/officeDocument/2006/relationships" xmlns:p="http://schemas.openxmlformats.org/presentationml/2006/main">
   <p:cSld>
     <p:spTree>
@@ -6508,7 +7512,7 @@
           <a:p>
             <a:fld id="{C1A4E16F-9CEB-47A6-B8DF-28924D05829B}" type="slidenum">
               <a:rPr kumimoji="1" lang="ja-JP" altLang="en-US" smtClean="0"/>
-              <a:t>12</a:t>
+              <a:t>13</a:t>
             </a:fld>
             <a:endParaRPr kumimoji="1" lang="ja-JP" altLang="en-US"/>
           </a:p>
@@ -7003,7 +8007,7 @@
 </p:sld>
 </file>
 
-<file path=ppt/slides/slide13.xml><?xml version="1.0" encoding="utf-8"?>
+<file path=ppt/slides/slide14.xml><?xml version="1.0" encoding="utf-8"?>
 <p:sld xmlns:a="http://schemas.openxmlformats.org/drawingml/2006/main" xmlns:r="http://schemas.openxmlformats.org/officeDocument/2006/relationships" xmlns:p="http://schemas.openxmlformats.org/presentationml/2006/main">
   <p:cSld>
     <p:spTree>
@@ -7759,7 +8763,7 @@
 </p:sld>
 </file>
 
-<file path=ppt/slides/slide14.xml><?xml version="1.0" encoding="utf-8"?>
+<file path=ppt/slides/slide15.xml><?xml version="1.0" encoding="utf-8"?>
 <p:sld xmlns:a="http://schemas.openxmlformats.org/drawingml/2006/main" xmlns:r="http://schemas.openxmlformats.org/officeDocument/2006/relationships" xmlns:p="http://schemas.openxmlformats.org/presentationml/2006/main">
   <p:cSld>
     <p:spTree>
@@ -8708,7 +9712,7 @@
 </p:sld>
 </file>
 
-<file path=ppt/slides/slide15.xml><?xml version="1.0" encoding="utf-8"?>
+<file path=ppt/slides/slide16.xml><?xml version="1.0" encoding="utf-8"?>
 <p:sld xmlns:a="http://schemas.openxmlformats.org/drawingml/2006/main" xmlns:r="http://schemas.openxmlformats.org/officeDocument/2006/relationships" xmlns:p="http://schemas.openxmlformats.org/presentationml/2006/main">
   <p:cSld>
     <p:spTree>
@@ -9590,7 +10594,7 @@
 </p:sld>
 </file>
 
-<file path=ppt/slides/slide16.xml><?xml version="1.0" encoding="utf-8"?>
+<file path=ppt/slides/slide17.xml><?xml version="1.0" encoding="utf-8"?>
 <p:sld xmlns:a="http://schemas.openxmlformats.org/drawingml/2006/main" xmlns:r="http://schemas.openxmlformats.org/officeDocument/2006/relationships" xmlns:p="http://schemas.openxmlformats.org/presentationml/2006/main">
   <p:cSld>
     <p:spTree>
@@ -10509,7 +11513,7 @@
 </p:sld>
 </file>
 
-<file path=ppt/slides/slide17.xml><?xml version="1.0" encoding="utf-8"?>
+<file path=ppt/slides/slide18.xml><?xml version="1.0" encoding="utf-8"?>
 <p:sld xmlns:a="http://schemas.openxmlformats.org/drawingml/2006/main" xmlns:r="http://schemas.openxmlformats.org/officeDocument/2006/relationships" xmlns:p="http://schemas.openxmlformats.org/presentationml/2006/main">
   <p:cSld>
     <p:spTree>
@@ -11476,7 +12480,7 @@
 </p:sld>
 </file>
 
-<file path=ppt/slides/slide18.xml><?xml version="1.0" encoding="utf-8"?>
+<file path=ppt/slides/slide19.xml><?xml version="1.0" encoding="utf-8"?>
 <p:sld xmlns:a="http://schemas.openxmlformats.org/drawingml/2006/main" xmlns:r="http://schemas.openxmlformats.org/officeDocument/2006/relationships" xmlns:p="http://schemas.openxmlformats.org/presentationml/2006/main">
   <p:cSld>
     <p:spTree>
@@ -12035,222 +13039,6 @@
 </p:sld>
 </file>
 
-<file path=ppt/slides/slide19.xml><?xml version="1.0" encoding="utf-8"?>
-<p:sld xmlns:a="http://schemas.openxmlformats.org/drawingml/2006/main" xmlns:r="http://schemas.openxmlformats.org/officeDocument/2006/relationships" xmlns:p="http://schemas.openxmlformats.org/presentationml/2006/main">
-  <p:cSld>
-    <p:spTree>
-      <p:nvGrpSpPr>
-        <p:cNvPr id="1" name=""/>
-        <p:cNvGrpSpPr/>
-        <p:nvPr/>
-      </p:nvGrpSpPr>
-      <p:grpSpPr>
-        <a:xfrm>
-          <a:off x="0" y="0"/>
-          <a:ext cx="0" cy="0"/>
-          <a:chOff x="0" y="0"/>
-          <a:chExt cx="0" cy="0"/>
-        </a:xfrm>
-      </p:grpSpPr>
-      <p:sp>
-        <p:nvSpPr>
-          <p:cNvPr id="4" name="正方形/長方形 3"/>
-          <p:cNvSpPr/>
-          <p:nvPr/>
-        </p:nvSpPr>
-        <p:spPr>
-          <a:xfrm>
-            <a:off x="2019067" y="1515812"/>
-            <a:ext cx="2552641" cy="1626814"/>
-          </a:xfrm>
-          <a:prstGeom prst="rect">
-            <a:avLst/>
-          </a:prstGeom>
-          <a:solidFill>
-            <a:srgbClr val="BDEDFF"/>
-          </a:solidFill>
-          <a:ln>
-            <a:noFill/>
-          </a:ln>
-        </p:spPr>
-        <p:style>
-          <a:lnRef idx="2">
-            <a:schemeClr val="accent1">
-              <a:shade val="50000"/>
-            </a:schemeClr>
-          </a:lnRef>
-          <a:fillRef idx="1">
-            <a:schemeClr val="accent1"/>
-          </a:fillRef>
-          <a:effectRef idx="0">
-            <a:schemeClr val="accent1"/>
-          </a:effectRef>
-          <a:fontRef idx="minor">
-            <a:schemeClr val="lt1"/>
-          </a:fontRef>
-        </p:style>
-        <p:txBody>
-          <a:bodyPr rtlCol="0" anchor="ctr"/>
-          <a:lstStyle/>
-          <a:p>
-            <a:pPr algn="ctr"/>
-            <a:r>
-              <a:rPr kumimoji="1" lang="en-US" altLang="ja-JP" dirty="0" smtClean="0"/>
-              <a:t/>
-            </a:r>
-            <a:br>
-              <a:rPr kumimoji="1" lang="en-US" altLang="ja-JP" dirty="0" smtClean="0"/>
-            </a:br>
-            <a:r>
-              <a:rPr kumimoji="1" lang="en-US" altLang="ja-JP" dirty="0" smtClean="0"/>
-              <a:t/>
-            </a:r>
-            <a:br>
-              <a:rPr kumimoji="1" lang="en-US" altLang="ja-JP" dirty="0" smtClean="0"/>
-            </a:br>
-            <a:r>
-              <a:rPr kumimoji="1" lang="en-US" altLang="ja-JP" dirty="0" smtClean="0"/>
-              <a:t/>
-            </a:r>
-            <a:br>
-              <a:rPr kumimoji="1" lang="en-US" altLang="ja-JP" dirty="0" smtClean="0"/>
-            </a:br>
-            <a:r>
-              <a:rPr kumimoji="1" lang="en-US" altLang="ja-JP" dirty="0" smtClean="0"/>
-              <a:t/>
-            </a:r>
-            <a:br>
-              <a:rPr kumimoji="1" lang="en-US" altLang="ja-JP" dirty="0" smtClean="0"/>
-            </a:br>
-            <a:r>
-              <a:rPr kumimoji="1" lang="en-US" altLang="ja-JP" dirty="0" smtClean="0"/>
-              <a:t/>
-            </a:r>
-            <a:br>
-              <a:rPr kumimoji="1" lang="en-US" altLang="ja-JP" dirty="0" smtClean="0"/>
-            </a:br>
-            <a:r>
-              <a:rPr kumimoji="1" lang="en-US" altLang="ja-JP" dirty="0" smtClean="0"/>
-              <a:t/>
-            </a:r>
-            <a:br>
-              <a:rPr kumimoji="1" lang="en-US" altLang="ja-JP" dirty="0" smtClean="0"/>
-            </a:br>
-            <a:r>
-              <a:rPr kumimoji="1" lang="en-US" altLang="ja-JP" dirty="0" smtClean="0"/>
-              <a:t/>
-            </a:r>
-            <a:br>
-              <a:rPr kumimoji="1" lang="en-US" altLang="ja-JP" dirty="0" smtClean="0"/>
-            </a:br>
-            <a:r>
-              <a:rPr kumimoji="1" lang="en-US" altLang="ja-JP" dirty="0" smtClean="0"/>
-              <a:t/>
-            </a:r>
-            <a:br>
-              <a:rPr kumimoji="1" lang="en-US" altLang="ja-JP" dirty="0" smtClean="0"/>
-            </a:br>
-            <a:r>
-              <a:rPr kumimoji="1" lang="en-US" altLang="ja-JP" dirty="0" smtClean="0"/>
-              <a:t/>
-            </a:r>
-            <a:br>
-              <a:rPr kumimoji="1" lang="en-US" altLang="ja-JP" dirty="0" smtClean="0"/>
-            </a:br>
-            <a:r>
-              <a:rPr kumimoji="1" lang="en-US" altLang="ja-JP" dirty="0" smtClean="0"/>
-              <a:t/>
-            </a:r>
-            <a:br>
-              <a:rPr kumimoji="1" lang="en-US" altLang="ja-JP" dirty="0" smtClean="0"/>
-            </a:br>
-            <a:r>
-              <a:rPr kumimoji="1" lang="en-US" altLang="ja-JP" dirty="0" smtClean="0"/>
-              <a:t/>
-            </a:r>
-            <a:br>
-              <a:rPr kumimoji="1" lang="en-US" altLang="ja-JP" dirty="0" smtClean="0"/>
-            </a:br>
-            <a:r>
-              <a:rPr kumimoji="1" lang="en-US" altLang="ja-JP" dirty="0" smtClean="0"/>
-              <a:t/>
-            </a:r>
-            <a:br>
-              <a:rPr kumimoji="1" lang="en-US" altLang="ja-JP" dirty="0" smtClean="0"/>
-            </a:br>
-            <a:r>
-              <a:rPr kumimoji="1" lang="en-US" altLang="ja-JP" dirty="0" smtClean="0"/>
-              <a:t/>
-            </a:r>
-            <a:br>
-              <a:rPr kumimoji="1" lang="en-US" altLang="ja-JP" dirty="0" smtClean="0"/>
-            </a:br>
-            <a:r>
-              <a:rPr kumimoji="1" lang="en-US" altLang="ja-JP" dirty="0" smtClean="0"/>
-              <a:t/>
-            </a:r>
-            <a:br>
-              <a:rPr kumimoji="1" lang="en-US" altLang="ja-JP" dirty="0" smtClean="0"/>
-            </a:br>
-            <a:endParaRPr kumimoji="1" lang="ja-JP" altLang="en-US" dirty="0"/>
-          </a:p>
-        </p:txBody>
-      </p:sp>
-      <p:sp>
-        <p:nvSpPr>
-          <p:cNvPr id="33" name="テキスト ボックス 32"/>
-          <p:cNvSpPr txBox="1"/>
-          <p:nvPr/>
-        </p:nvSpPr>
-        <p:spPr>
-          <a:xfrm>
-            <a:off x="2136693" y="1933629"/>
-            <a:ext cx="2350340" cy="461665"/>
-          </a:xfrm>
-          <a:prstGeom prst="rect">
-            <a:avLst/>
-          </a:prstGeom>
-          <a:solidFill>
-            <a:srgbClr val="BDEDFF"/>
-          </a:solidFill>
-          <a:ln>
-            <a:noFill/>
-          </a:ln>
-        </p:spPr>
-        <p:txBody>
-          <a:bodyPr wrap="square" rtlCol="0">
-            <a:spAutoFit/>
-          </a:bodyPr>
-          <a:lstStyle/>
-          <a:p>
-            <a:r>
-              <a:rPr kumimoji="1" lang="ja-JP" altLang="en-US" sz="2400" b="1" dirty="0" smtClean="0"/>
-              <a:t>ロードバランサ</a:t>
-            </a:r>
-            <a:endParaRPr kumimoji="1" lang="ja-JP" altLang="en-US" sz="2400" b="1" dirty="0"/>
-          </a:p>
-        </p:txBody>
-      </p:sp>
-    </p:spTree>
-    <p:extLst>
-      <p:ext uri="{BB962C8B-B14F-4D97-AF65-F5344CB8AC3E}">
-        <p14:creationId xmlns:p14="http://schemas.microsoft.com/office/powerpoint/2010/main" val="206764247"/>
-      </p:ext>
-    </p:extLst>
-  </p:cSld>
-  <p:clrMapOvr>
-    <a:masterClrMapping/>
-  </p:clrMapOvr>
-  <p:timing>
-    <p:tnLst>
-      <p:par>
-        <p:cTn id="1" dur="indefinite" restart="never" nodeType="tmRoot"/>
-      </p:par>
-    </p:tnLst>
-  </p:timing>
-</p:sld>
-</file>
-
 <file path=ppt/slides/slide2.xml><?xml version="1.0" encoding="utf-8"?>
 <p:sld xmlns:a="http://schemas.openxmlformats.org/drawingml/2006/main" xmlns:r="http://schemas.openxmlformats.org/officeDocument/2006/relationships" xmlns:p="http://schemas.openxmlformats.org/presentationml/2006/main">
   <p:cSld>
@@ -12268,647 +13056,349 @@
           <a:chExt cx="0" cy="0"/>
         </a:xfrm>
       </p:grpSpPr>
-      <p:sp>
-        <p:nvSpPr>
-          <p:cNvPr id="12" name="正方形/長方形 11"/>
-          <p:cNvSpPr/>
+      <p:graphicFrame>
+        <p:nvGraphicFramePr>
+          <p:cNvPr id="2" name="表 1"/>
+          <p:cNvGraphicFramePr>
+            <a:graphicFrameLocks noGrp="1"/>
+          </p:cNvGraphicFramePr>
+          <p:nvPr>
+            <p:extLst>
+              <p:ext uri="{D42A27DB-BD31-4B8C-83A1-F6EECF244321}">
+                <p14:modId xmlns:p14="http://schemas.microsoft.com/office/powerpoint/2010/main" val="687363172"/>
+              </p:ext>
+            </p:extLst>
+          </p:nvPr>
+        </p:nvGraphicFramePr>
+        <p:xfrm>
+          <a:off x="1523999" y="1405466"/>
+          <a:ext cx="4568050" cy="2123440"/>
+        </p:xfrm>
+        <a:graphic>
+          <a:graphicData uri="http://schemas.openxmlformats.org/drawingml/2006/table">
+            <a:tbl>
+              <a:tblPr firstRow="1" bandRow="1">
+                <a:tableStyleId>{93296810-A885-4BE3-A3E7-6D5BEEA58F35}</a:tableStyleId>
+              </a:tblPr>
+              <a:tblGrid>
+                <a:gridCol w="692468">
+                  <a:extLst>
+                    <a:ext uri="{9D8B030D-6E8A-4147-A177-3AD203B41FA5}">
+                      <a16:colId xmlns:a16="http://schemas.microsoft.com/office/drawing/2014/main" val="2128745079"/>
+                    </a:ext>
+                  </a:extLst>
+                </a:gridCol>
+                <a:gridCol w="1400493">
+                  <a:extLst>
+                    <a:ext uri="{9D8B030D-6E8A-4147-A177-3AD203B41FA5}">
+                      <a16:colId xmlns:a16="http://schemas.microsoft.com/office/drawing/2014/main" val="1451391942"/>
+                    </a:ext>
+                  </a:extLst>
+                </a:gridCol>
+                <a:gridCol w="2475089">
+                  <a:extLst>
+                    <a:ext uri="{9D8B030D-6E8A-4147-A177-3AD203B41FA5}">
+                      <a16:colId xmlns:a16="http://schemas.microsoft.com/office/drawing/2014/main" val="909392004"/>
+                    </a:ext>
+                  </a:extLst>
+                </a:gridCol>
+              </a:tblGrid>
+              <a:tr h="631613">
+                <a:tc>
+                  <a:txBody>
+                    <a:bodyPr/>
+                    <a:lstStyle/>
+                    <a:p>
+                      <a:r>
+                        <a:rPr kumimoji="1" lang="ja-JP" altLang="en-US" dirty="0" smtClean="0"/>
+                        <a:t>時刻</a:t>
+                      </a:r>
+                      <a:endParaRPr kumimoji="1" lang="ja-JP" altLang="en-US" dirty="0"/>
+                    </a:p>
+                  </a:txBody>
+                  <a:tcPr anchor="ctr"/>
+                </a:tc>
+                <a:tc>
+                  <a:txBody>
+                    <a:bodyPr/>
+                    <a:lstStyle/>
+                    <a:p>
+                      <a:r>
+                        <a:rPr kumimoji="1" lang="ja-JP" altLang="en-US" dirty="0" smtClean="0"/>
+                        <a:t>応答速度</a:t>
+                      </a:r>
+                      <a:r>
+                        <a:rPr kumimoji="1" lang="en-US" altLang="ja-JP" dirty="0" smtClean="0"/>
+                        <a:t>(S)</a:t>
+                      </a:r>
+                      <a:endParaRPr kumimoji="1" lang="ja-JP" altLang="en-US" dirty="0"/>
+                    </a:p>
+                  </a:txBody>
+                  <a:tcPr anchor="ctr"/>
+                </a:tc>
+                <a:tc>
+                  <a:txBody>
+                    <a:bodyPr/>
+                    <a:lstStyle/>
+                    <a:p>
+                      <a:r>
+                        <a:rPr kumimoji="1" lang="ja-JP" altLang="en-US" dirty="0" smtClean="0"/>
+                        <a:t>ロードバランサの</a:t>
+                      </a:r>
+                      <a:r>
+                        <a:rPr kumimoji="1" lang="en-US" altLang="ja-JP" dirty="0" smtClean="0"/>
+                        <a:t/>
+                      </a:r>
+                      <a:br>
+                        <a:rPr kumimoji="1" lang="en-US" altLang="ja-JP" dirty="0" smtClean="0"/>
+                      </a:br>
+                      <a:r>
+                        <a:rPr kumimoji="1" lang="ja-JP" altLang="en-US" dirty="0" smtClean="0"/>
+                        <a:t>リバース先</a:t>
+                      </a:r>
+                      <a:r>
+                        <a:rPr kumimoji="1" lang="en-US" altLang="ja-JP" dirty="0" smtClean="0"/>
+                        <a:t>(IP)</a:t>
+                      </a:r>
+                      <a:endParaRPr kumimoji="1" lang="ja-JP" altLang="en-US" dirty="0"/>
+                    </a:p>
+                  </a:txBody>
+                  <a:tcPr anchor="ctr"/>
+                </a:tc>
+                <a:extLst>
+                  <a:ext uri="{0D108BD9-81ED-4DB2-BD59-A6C34878D82A}">
+                    <a16:rowId xmlns:a16="http://schemas.microsoft.com/office/drawing/2014/main" val="4242750298"/>
+                  </a:ext>
+                </a:extLst>
+              </a:tr>
+              <a:tr h="370840">
+                <a:tc>
+                  <a:txBody>
+                    <a:bodyPr/>
+                    <a:lstStyle/>
+                    <a:p>
+                      <a:r>
+                        <a:rPr kumimoji="1" lang="en-US" altLang="ja-JP" dirty="0" smtClean="0"/>
+                        <a:t>1:00</a:t>
+                      </a:r>
+                      <a:endParaRPr kumimoji="1" lang="ja-JP" altLang="en-US" dirty="0"/>
+                    </a:p>
+                  </a:txBody>
+                  <a:tcPr anchor="ctr"/>
+                </a:tc>
+                <a:tc>
+                  <a:txBody>
+                    <a:bodyPr/>
+                    <a:lstStyle/>
+                    <a:p>
+                      <a:r>
+                        <a:rPr kumimoji="1" lang="en-US" altLang="ja-JP" dirty="0" smtClean="0"/>
+                        <a:t>0.5536</a:t>
+                      </a:r>
+                      <a:endParaRPr kumimoji="1" lang="ja-JP" altLang="en-US" dirty="0"/>
+                    </a:p>
+                  </a:txBody>
+                  <a:tcPr anchor="ctr"/>
+                </a:tc>
+                <a:tc>
+                  <a:txBody>
+                    <a:bodyPr/>
+                    <a:lstStyle/>
+                    <a:p>
+                      <a:r>
+                        <a:rPr kumimoji="1" lang="en-US" altLang="ja-JP" dirty="0" smtClean="0"/>
+                        <a:t>192.168.1.81</a:t>
+                      </a:r>
+                      <a:endParaRPr kumimoji="1" lang="ja-JP" altLang="en-US" dirty="0"/>
+                    </a:p>
+                  </a:txBody>
+                  <a:tcPr anchor="ctr"/>
+                </a:tc>
+                <a:extLst>
+                  <a:ext uri="{0D108BD9-81ED-4DB2-BD59-A6C34878D82A}">
+                    <a16:rowId xmlns:a16="http://schemas.microsoft.com/office/drawing/2014/main" val="1184607277"/>
+                  </a:ext>
+                </a:extLst>
+              </a:tr>
+              <a:tr h="370840">
+                <a:tc>
+                  <a:txBody>
+                    <a:bodyPr/>
+                    <a:lstStyle/>
+                    <a:p>
+                      <a:r>
+                        <a:rPr kumimoji="1" lang="en-US" altLang="ja-JP" dirty="0" smtClean="0"/>
+                        <a:t>2:00</a:t>
+                      </a:r>
+                      <a:endParaRPr kumimoji="1" lang="ja-JP" altLang="en-US" dirty="0"/>
+                    </a:p>
+                  </a:txBody>
+                  <a:tcPr anchor="ctr"/>
+                </a:tc>
+                <a:tc>
+                  <a:txBody>
+                    <a:bodyPr/>
+                    <a:lstStyle/>
+                    <a:p>
+                      <a:r>
+                        <a:rPr kumimoji="1" lang="en-US" altLang="ja-JP" dirty="0" smtClean="0"/>
+                        <a:t>0.4328</a:t>
+                      </a:r>
+                      <a:endParaRPr kumimoji="1" lang="ja-JP" altLang="en-US" dirty="0"/>
+                    </a:p>
+                  </a:txBody>
+                  <a:tcPr anchor="ctr"/>
+                </a:tc>
+                <a:tc>
+                  <a:txBody>
+                    <a:bodyPr/>
+                    <a:lstStyle/>
+                    <a:p>
+                      <a:r>
+                        <a:rPr kumimoji="1" lang="en-US" altLang="ja-JP" dirty="0" smtClean="0"/>
+                        <a:t>192.168.1.82</a:t>
+                      </a:r>
+                      <a:endParaRPr kumimoji="1" lang="ja-JP" altLang="en-US" dirty="0"/>
+                    </a:p>
+                  </a:txBody>
+                  <a:tcPr anchor="ctr"/>
+                </a:tc>
+                <a:extLst>
+                  <a:ext uri="{0D108BD9-81ED-4DB2-BD59-A6C34878D82A}">
+                    <a16:rowId xmlns:a16="http://schemas.microsoft.com/office/drawing/2014/main" val="1867667786"/>
+                  </a:ext>
+                </a:extLst>
+              </a:tr>
+              <a:tr h="370840">
+                <a:tc>
+                  <a:txBody>
+                    <a:bodyPr/>
+                    <a:lstStyle/>
+                    <a:p>
+                      <a:r>
+                        <a:rPr kumimoji="1" lang="en-US" altLang="ja-JP" dirty="0" smtClean="0"/>
+                        <a:t>3:00</a:t>
+                      </a:r>
+                      <a:endParaRPr kumimoji="1" lang="ja-JP" altLang="en-US" dirty="0"/>
+                    </a:p>
+                  </a:txBody>
+                  <a:tcPr anchor="ctr"/>
+                </a:tc>
+                <a:tc>
+                  <a:txBody>
+                    <a:bodyPr/>
+                    <a:lstStyle/>
+                    <a:p>
+                      <a:r>
+                        <a:rPr kumimoji="1" lang="en-US" altLang="ja-JP" dirty="0" smtClean="0"/>
+                        <a:t>0.3254</a:t>
+                      </a:r>
+                      <a:endParaRPr kumimoji="1" lang="ja-JP" altLang="en-US" dirty="0"/>
+                    </a:p>
+                  </a:txBody>
+                  <a:tcPr anchor="ctr"/>
+                </a:tc>
+                <a:tc>
+                  <a:txBody>
+                    <a:bodyPr/>
+                    <a:lstStyle/>
+                    <a:p>
+                      <a:r>
+                        <a:rPr kumimoji="1" lang="en-US" altLang="ja-JP" dirty="0" smtClean="0"/>
+                        <a:t>192.168.1.83</a:t>
+                      </a:r>
+                      <a:endParaRPr kumimoji="1" lang="ja-JP" altLang="en-US" dirty="0"/>
+                    </a:p>
+                  </a:txBody>
+                  <a:tcPr anchor="ctr"/>
+                </a:tc>
+                <a:extLst>
+                  <a:ext uri="{0D108BD9-81ED-4DB2-BD59-A6C34878D82A}">
+                    <a16:rowId xmlns:a16="http://schemas.microsoft.com/office/drawing/2014/main" val="1969572420"/>
+                  </a:ext>
+                </a:extLst>
+              </a:tr>
+              <a:tr h="370840">
+                <a:tc>
+                  <a:txBody>
+                    <a:bodyPr/>
+                    <a:lstStyle/>
+                    <a:p>
+                      <a:r>
+                        <a:rPr kumimoji="1" lang="en-US" altLang="ja-JP" dirty="0" smtClean="0"/>
+                        <a:t>4:00</a:t>
+                      </a:r>
+                      <a:endParaRPr kumimoji="1" lang="ja-JP" altLang="en-US" dirty="0"/>
+                    </a:p>
+                  </a:txBody>
+                  <a:tcPr anchor="ctr"/>
+                </a:tc>
+                <a:tc>
+                  <a:txBody>
+                    <a:bodyPr/>
+                    <a:lstStyle/>
+                    <a:p>
+                      <a:r>
+                        <a:rPr kumimoji="1" lang="en-US" altLang="ja-JP" dirty="0" smtClean="0"/>
+                        <a:t>0.2329</a:t>
+                      </a:r>
+                      <a:endParaRPr kumimoji="1" lang="ja-JP" altLang="en-US" dirty="0"/>
+                    </a:p>
+                  </a:txBody>
+                  <a:tcPr anchor="ctr"/>
+                </a:tc>
+                <a:tc>
+                  <a:txBody>
+                    <a:bodyPr/>
+                    <a:lstStyle/>
+                    <a:p>
+                      <a:r>
+                        <a:rPr kumimoji="1" lang="en-US" altLang="ja-JP" dirty="0" smtClean="0"/>
+                        <a:t>192.168.1.81</a:t>
+                      </a:r>
+                      <a:endParaRPr kumimoji="1" lang="ja-JP" altLang="en-US" dirty="0"/>
+                    </a:p>
+                  </a:txBody>
+                  <a:tcPr anchor="ctr"/>
+                </a:tc>
+                <a:extLst>
+                  <a:ext uri="{0D108BD9-81ED-4DB2-BD59-A6C34878D82A}">
+                    <a16:rowId xmlns:a16="http://schemas.microsoft.com/office/drawing/2014/main" val="3500723252"/>
+                  </a:ext>
+                </a:extLst>
+              </a:tr>
+            </a:tbl>
+          </a:graphicData>
+        </a:graphic>
+      </p:graphicFrame>
+      <p:pic>
+        <p:nvPicPr>
+          <p:cNvPr id="3" name="図 2"/>
+          <p:cNvPicPr>
+            <a:picLocks noChangeAspect="1"/>
+          </p:cNvPicPr>
           <p:nvPr/>
-        </p:nvSpPr>
+        </p:nvPicPr>
+        <p:blipFill>
+          <a:blip r:embed="rId2"/>
+          <a:stretch>
+            <a:fillRect/>
+          </a:stretch>
+        </p:blipFill>
         <p:spPr>
           <a:xfrm>
-            <a:off x="2635769" y="668865"/>
-            <a:ext cx="3984215" cy="4671877"/>
+            <a:off x="1990685" y="4260930"/>
+            <a:ext cx="4341752" cy="2268663"/>
           </a:xfrm>
           <a:prstGeom prst="rect">
             <a:avLst/>
           </a:prstGeom>
-          <a:solidFill>
-            <a:srgbClr val="BDEDFF"/>
-          </a:solidFill>
-          <a:ln>
-            <a:noFill/>
-          </a:ln>
-        </p:spPr>
-        <p:style>
-          <a:lnRef idx="2">
-            <a:schemeClr val="accent1">
-              <a:shade val="50000"/>
-            </a:schemeClr>
-          </a:lnRef>
-          <a:fillRef idx="1">
-            <a:schemeClr val="accent1"/>
-          </a:fillRef>
-          <a:effectRef idx="0">
-            <a:schemeClr val="accent1"/>
-          </a:effectRef>
-          <a:fontRef idx="minor">
-            <a:schemeClr val="lt1"/>
-          </a:fontRef>
-        </p:style>
-        <p:txBody>
-          <a:bodyPr rtlCol="0" anchor="ctr"/>
-          <a:lstStyle/>
-          <a:p>
-            <a:pPr algn="ctr"/>
-            <a:r>
-              <a:rPr kumimoji="1" lang="en-US" altLang="ja-JP" b="1" dirty="0" smtClean="0"/>
-              <a:t/>
-            </a:r>
-            <a:br>
-              <a:rPr kumimoji="1" lang="en-US" altLang="ja-JP" b="1" dirty="0" smtClean="0"/>
-            </a:br>
-            <a:r>
-              <a:rPr kumimoji="1" lang="en-US" altLang="ja-JP" b="1" dirty="0" smtClean="0"/>
-              <a:t/>
-            </a:r>
-            <a:br>
-              <a:rPr kumimoji="1" lang="en-US" altLang="ja-JP" b="1" dirty="0" smtClean="0"/>
-            </a:br>
-            <a:r>
-              <a:rPr kumimoji="1" lang="en-US" altLang="ja-JP" b="1" dirty="0" smtClean="0"/>
-              <a:t/>
-            </a:r>
-            <a:br>
-              <a:rPr kumimoji="1" lang="en-US" altLang="ja-JP" b="1" dirty="0" smtClean="0"/>
-            </a:br>
-            <a:r>
-              <a:rPr kumimoji="1" lang="en-US" altLang="ja-JP" b="1" dirty="0" smtClean="0"/>
-              <a:t/>
-            </a:r>
-            <a:br>
-              <a:rPr kumimoji="1" lang="en-US" altLang="ja-JP" b="1" dirty="0" smtClean="0"/>
-            </a:br>
-            <a:r>
-              <a:rPr kumimoji="1" lang="en-US" altLang="ja-JP" b="1" dirty="0" smtClean="0"/>
-              <a:t/>
-            </a:r>
-            <a:br>
-              <a:rPr kumimoji="1" lang="en-US" altLang="ja-JP" b="1" dirty="0" smtClean="0"/>
-            </a:br>
-            <a:r>
-              <a:rPr kumimoji="1" lang="en-US" altLang="ja-JP" b="1" dirty="0" smtClean="0"/>
-              <a:t/>
-            </a:r>
-            <a:br>
-              <a:rPr kumimoji="1" lang="en-US" altLang="ja-JP" b="1" dirty="0" smtClean="0"/>
-            </a:br>
-            <a:r>
-              <a:rPr kumimoji="1" lang="en-US" altLang="ja-JP" b="1" dirty="0" smtClean="0"/>
-              <a:t/>
-            </a:r>
-            <a:br>
-              <a:rPr kumimoji="1" lang="en-US" altLang="ja-JP" b="1" dirty="0" smtClean="0"/>
-            </a:br>
-            <a:r>
-              <a:rPr kumimoji="1" lang="en-US" altLang="ja-JP" b="1" dirty="0" smtClean="0"/>
-              <a:t/>
-            </a:r>
-            <a:br>
-              <a:rPr kumimoji="1" lang="en-US" altLang="ja-JP" b="1" dirty="0" smtClean="0"/>
-            </a:br>
-            <a:r>
-              <a:rPr kumimoji="1" lang="en-US" altLang="ja-JP" b="1" dirty="0" smtClean="0"/>
-              <a:t/>
-            </a:r>
-            <a:br>
-              <a:rPr kumimoji="1" lang="en-US" altLang="ja-JP" b="1" dirty="0" smtClean="0"/>
-            </a:br>
-            <a:r>
-              <a:rPr kumimoji="1" lang="en-US" altLang="ja-JP" b="1" dirty="0" smtClean="0"/>
-              <a:t/>
-            </a:r>
-            <a:br>
-              <a:rPr kumimoji="1" lang="en-US" altLang="ja-JP" b="1" dirty="0" smtClean="0"/>
-            </a:br>
-            <a:r>
-              <a:rPr kumimoji="1" lang="en-US" altLang="ja-JP" b="1" dirty="0" smtClean="0"/>
-              <a:t/>
-            </a:r>
-            <a:br>
-              <a:rPr kumimoji="1" lang="en-US" altLang="ja-JP" b="1" dirty="0" smtClean="0"/>
-            </a:br>
-            <a:r>
-              <a:rPr kumimoji="1" lang="en-US" altLang="ja-JP" b="1" dirty="0" smtClean="0"/>
-              <a:t/>
-            </a:r>
-            <a:br>
-              <a:rPr kumimoji="1" lang="en-US" altLang="ja-JP" b="1" dirty="0" smtClean="0"/>
-            </a:br>
-            <a:r>
-              <a:rPr kumimoji="1" lang="en-US" altLang="ja-JP" b="1" dirty="0" smtClean="0"/>
-              <a:t/>
-            </a:r>
-            <a:br>
-              <a:rPr kumimoji="1" lang="en-US" altLang="ja-JP" b="1" dirty="0" smtClean="0"/>
-            </a:br>
-            <a:r>
-              <a:rPr kumimoji="1" lang="en-US" altLang="ja-JP" b="1" dirty="0" smtClean="0"/>
-              <a:t/>
-            </a:r>
-            <a:br>
-              <a:rPr kumimoji="1" lang="en-US" altLang="ja-JP" b="1" dirty="0" smtClean="0"/>
-            </a:br>
-            <a:endParaRPr kumimoji="1" lang="ja-JP" altLang="en-US" b="1" dirty="0"/>
-          </a:p>
-        </p:txBody>
-      </p:sp>
-      <p:sp>
-        <p:nvSpPr>
-          <p:cNvPr id="13" name="正方形/長方形 12"/>
-          <p:cNvSpPr/>
-          <p:nvPr/>
-        </p:nvSpPr>
-        <p:spPr>
-          <a:xfrm>
-            <a:off x="2889576" y="1356898"/>
-            <a:ext cx="3591662" cy="1025505"/>
-          </a:xfrm>
-          <a:prstGeom prst="rect">
-            <a:avLst/>
-          </a:prstGeom>
-          <a:solidFill>
-            <a:schemeClr val="accent1">
-              <a:lumMod val="20000"/>
-              <a:lumOff val="80000"/>
-            </a:schemeClr>
-          </a:solidFill>
-        </p:spPr>
-        <p:style>
-          <a:lnRef idx="2">
-            <a:schemeClr val="accent1">
-              <a:shade val="50000"/>
-            </a:schemeClr>
-          </a:lnRef>
-          <a:fillRef idx="1">
-            <a:schemeClr val="accent1"/>
-          </a:fillRef>
-          <a:effectRef idx="0">
-            <a:schemeClr val="accent1"/>
-          </a:effectRef>
-          <a:fontRef idx="minor">
-            <a:schemeClr val="lt1"/>
-          </a:fontRef>
-        </p:style>
-        <p:txBody>
-          <a:bodyPr rtlCol="0" anchor="t" anchorCtr="0"/>
-          <a:lstStyle/>
-          <a:p>
-            <a:pPr algn="ctr"/>
-            <a:r>
-              <a:rPr kumimoji="1" lang="ja-JP" altLang="en-US" b="1" dirty="0" smtClean="0">
-                <a:solidFill>
-                  <a:schemeClr val="accent1">
-                    <a:lumMod val="50000"/>
-                  </a:schemeClr>
-                </a:solidFill>
-              </a:rPr>
-              <a:t>応答速度計測プログラム</a:t>
-            </a:r>
-            <a:endParaRPr kumimoji="1" lang="en-US" altLang="ja-JP" b="1" dirty="0" smtClean="0">
-              <a:solidFill>
-                <a:schemeClr val="accent1">
-                  <a:lumMod val="50000"/>
-                </a:schemeClr>
-              </a:solidFill>
-            </a:endParaRPr>
-          </a:p>
-        </p:txBody>
-      </p:sp>
-      <p:sp>
-        <p:nvSpPr>
-          <p:cNvPr id="15" name="角丸四角形 14"/>
-          <p:cNvSpPr/>
-          <p:nvPr/>
-        </p:nvSpPr>
-        <p:spPr>
-          <a:xfrm>
-            <a:off x="3506151" y="1753966"/>
-            <a:ext cx="2358511" cy="462439"/>
-          </a:xfrm>
-          <a:prstGeom prst="roundRect">
-            <a:avLst/>
-          </a:prstGeom>
-          <a:solidFill>
-            <a:schemeClr val="accent6">
-              <a:lumMod val="40000"/>
-              <a:lumOff val="60000"/>
-            </a:schemeClr>
-          </a:solidFill>
-        </p:spPr>
-        <p:style>
-          <a:lnRef idx="2">
-            <a:schemeClr val="accent6"/>
-          </a:lnRef>
-          <a:fillRef idx="1">
-            <a:schemeClr val="lt1"/>
-          </a:fillRef>
-          <a:effectRef idx="0">
-            <a:schemeClr val="accent6"/>
-          </a:effectRef>
-          <a:fontRef idx="minor">
-            <a:schemeClr val="dk1"/>
-          </a:fontRef>
-        </p:style>
-        <p:txBody>
-          <a:bodyPr rtlCol="0" anchor="ctr"/>
-          <a:lstStyle/>
-          <a:p>
-            <a:pPr algn="ctr"/>
-            <a:r>
-              <a:rPr kumimoji="1" lang="en-US" altLang="ja-JP" b="1" dirty="0" smtClean="0">
-                <a:solidFill>
-                  <a:schemeClr val="tx1"/>
-                </a:solidFill>
-              </a:rPr>
-              <a:t>1</a:t>
-            </a:r>
-            <a:r>
-              <a:rPr kumimoji="1" lang="ja-JP" altLang="en-US" b="1" dirty="0" smtClean="0">
-                <a:solidFill>
-                  <a:schemeClr val="tx1"/>
-                </a:solidFill>
-              </a:rPr>
-              <a:t>分に</a:t>
-            </a:r>
-            <a:r>
-              <a:rPr kumimoji="1" lang="en-US" altLang="ja-JP" b="1" dirty="0" smtClean="0">
-                <a:solidFill>
-                  <a:schemeClr val="tx1"/>
-                </a:solidFill>
-              </a:rPr>
-              <a:t>1</a:t>
-            </a:r>
-            <a:r>
-              <a:rPr kumimoji="1" lang="ja-JP" altLang="en-US" b="1" dirty="0" smtClean="0">
-                <a:solidFill>
-                  <a:schemeClr val="tx1"/>
-                </a:solidFill>
-              </a:rPr>
-              <a:t>回計測</a:t>
-            </a:r>
-            <a:endParaRPr kumimoji="1" lang="en-US" altLang="ja-JP" b="1" dirty="0" smtClean="0">
-              <a:solidFill>
-                <a:schemeClr val="tx1"/>
-              </a:solidFill>
-            </a:endParaRPr>
-          </a:p>
-        </p:txBody>
-      </p:sp>
-      <p:sp>
-        <p:nvSpPr>
-          <p:cNvPr id="18" name="テキスト ボックス 17"/>
-          <p:cNvSpPr txBox="1"/>
-          <p:nvPr/>
-        </p:nvSpPr>
-        <p:spPr>
-          <a:xfrm>
-            <a:off x="3458325" y="820164"/>
-            <a:ext cx="2339102" cy="461665"/>
-          </a:xfrm>
-          <a:prstGeom prst="rect">
-            <a:avLst/>
-          </a:prstGeom>
-          <a:noFill/>
-        </p:spPr>
-        <p:txBody>
-          <a:bodyPr wrap="none" rtlCol="0">
-            <a:spAutoFit/>
-          </a:bodyPr>
-          <a:lstStyle/>
-          <a:p>
-            <a:r>
-              <a:rPr kumimoji="1" lang="ja-JP" altLang="en-US" sz="2400" b="1" dirty="0" smtClean="0"/>
-              <a:t>応答速度の計測</a:t>
-            </a:r>
-            <a:endParaRPr kumimoji="1" lang="ja-JP" altLang="en-US" sz="2400" b="1" dirty="0"/>
-          </a:p>
-        </p:txBody>
-      </p:sp>
-      <p:sp>
-        <p:nvSpPr>
-          <p:cNvPr id="19" name="正方形/長方形 18"/>
-          <p:cNvSpPr/>
-          <p:nvPr/>
-        </p:nvSpPr>
-        <p:spPr>
-          <a:xfrm>
-            <a:off x="3894208" y="2689841"/>
-            <a:ext cx="1467335" cy="657818"/>
-          </a:xfrm>
-          <a:prstGeom prst="rect">
-            <a:avLst/>
-          </a:prstGeom>
-          <a:solidFill>
-            <a:schemeClr val="accent4">
-              <a:lumMod val="60000"/>
-              <a:lumOff val="40000"/>
-            </a:schemeClr>
-          </a:solidFill>
-        </p:spPr>
-        <p:style>
-          <a:lnRef idx="2">
-            <a:schemeClr val="accent1">
-              <a:shade val="50000"/>
-            </a:schemeClr>
-          </a:lnRef>
-          <a:fillRef idx="1">
-            <a:schemeClr val="accent1"/>
-          </a:fillRef>
-          <a:effectRef idx="0">
-            <a:schemeClr val="accent1"/>
-          </a:effectRef>
-          <a:fontRef idx="minor">
-            <a:schemeClr val="lt1"/>
-          </a:fontRef>
-        </p:style>
-        <p:txBody>
-          <a:bodyPr rtlCol="0" anchor="ctr"/>
-          <a:lstStyle/>
-          <a:p>
-            <a:pPr algn="ctr"/>
-            <a:r>
-              <a:rPr kumimoji="1" lang="ja-JP" altLang="en-US" sz="1400" b="1" dirty="0">
-                <a:solidFill>
-                  <a:schemeClr val="tx1"/>
-                </a:solidFill>
-              </a:rPr>
-              <a:t>現在</a:t>
-            </a:r>
-            <a:r>
-              <a:rPr kumimoji="1" lang="ja-JP" altLang="en-US" sz="1400" b="1" dirty="0" smtClean="0">
-                <a:solidFill>
-                  <a:schemeClr val="tx1"/>
-                </a:solidFill>
-              </a:rPr>
-              <a:t>の応答速度</a:t>
-            </a:r>
-            <a:endParaRPr kumimoji="1" lang="en-US" altLang="ja-JP" sz="1400" b="1" dirty="0" smtClean="0">
-              <a:solidFill>
-                <a:schemeClr val="tx1"/>
-              </a:solidFill>
-            </a:endParaRPr>
-          </a:p>
-        </p:txBody>
-      </p:sp>
-      <p:sp>
-        <p:nvSpPr>
-          <p:cNvPr id="21" name="下矢印 20"/>
-          <p:cNvSpPr/>
-          <p:nvPr/>
-        </p:nvSpPr>
-        <p:spPr>
-          <a:xfrm>
-            <a:off x="4365518" y="2216405"/>
-            <a:ext cx="639774" cy="473436"/>
-          </a:xfrm>
-          <a:prstGeom prst="downArrow">
-            <a:avLst/>
-          </a:prstGeom>
-          <a:solidFill>
-            <a:schemeClr val="tx1">
-              <a:lumMod val="50000"/>
-              <a:lumOff val="50000"/>
-            </a:schemeClr>
-          </a:solidFill>
-          <a:ln>
-            <a:noFill/>
-          </a:ln>
-        </p:spPr>
-        <p:style>
-          <a:lnRef idx="2">
-            <a:schemeClr val="accent1">
-              <a:shade val="50000"/>
-            </a:schemeClr>
-          </a:lnRef>
-          <a:fillRef idx="1">
-            <a:schemeClr val="accent1"/>
-          </a:fillRef>
-          <a:effectRef idx="0">
-            <a:schemeClr val="accent1"/>
-          </a:effectRef>
-          <a:fontRef idx="minor">
-            <a:schemeClr val="lt1"/>
-          </a:fontRef>
-        </p:style>
-        <p:txBody>
-          <a:bodyPr rtlCol="0" anchor="ctr"/>
-          <a:lstStyle/>
-          <a:p>
-            <a:pPr algn="ctr"/>
-            <a:endParaRPr kumimoji="1" lang="ja-JP" altLang="en-US"/>
-          </a:p>
-        </p:txBody>
-      </p:sp>
-      <p:sp>
-        <p:nvSpPr>
-          <p:cNvPr id="26" name="円柱 25"/>
-          <p:cNvSpPr/>
-          <p:nvPr/>
-        </p:nvSpPr>
-        <p:spPr>
-          <a:xfrm>
-            <a:off x="3687049" y="3741986"/>
-            <a:ext cx="1881651" cy="1204429"/>
-          </a:xfrm>
-          <a:prstGeom prst="can">
-            <a:avLst/>
-          </a:prstGeom>
-          <a:solidFill>
-            <a:srgbClr val="FFD966"/>
-          </a:solidFill>
-        </p:spPr>
-        <p:style>
-          <a:lnRef idx="1">
-            <a:schemeClr val="accent2"/>
-          </a:lnRef>
-          <a:fillRef idx="2">
-            <a:schemeClr val="accent2"/>
-          </a:fillRef>
-          <a:effectRef idx="1">
-            <a:schemeClr val="accent2"/>
-          </a:effectRef>
-          <a:fontRef idx="minor">
-            <a:schemeClr val="dk1"/>
-          </a:fontRef>
-        </p:style>
-        <p:txBody>
-          <a:bodyPr rtlCol="0" anchor="ctr"/>
-          <a:lstStyle/>
-          <a:p>
-            <a:pPr algn="ctr"/>
-            <a:endParaRPr kumimoji="1" lang="ja-JP" altLang="en-US" b="1" dirty="0">
-              <a:ln w="0"/>
-              <a:solidFill>
-                <a:schemeClr val="tx1"/>
-              </a:solidFill>
-              <a:effectLst>
-                <a:outerShdw blurRad="38100" dist="19050" dir="2700000" algn="tl" rotWithShape="0">
-                  <a:schemeClr val="dk1">
-                    <a:alpha val="40000"/>
-                  </a:schemeClr>
-                </a:outerShdw>
-              </a:effectLst>
-            </a:endParaRPr>
-          </a:p>
-        </p:txBody>
-      </p:sp>
-      <p:sp>
-        <p:nvSpPr>
-          <p:cNvPr id="27" name="テキスト ボックス 26"/>
-          <p:cNvSpPr txBox="1"/>
-          <p:nvPr/>
-        </p:nvSpPr>
-        <p:spPr>
-          <a:xfrm>
-            <a:off x="3496448" y="4175913"/>
-            <a:ext cx="2377914" cy="646331"/>
-          </a:xfrm>
-          <a:prstGeom prst="rect">
-            <a:avLst/>
-          </a:prstGeom>
-          <a:noFill/>
-        </p:spPr>
-        <p:txBody>
-          <a:bodyPr wrap="square" rtlCol="0">
-            <a:spAutoFit/>
-          </a:bodyPr>
-          <a:lstStyle/>
-          <a:p>
-            <a:pPr algn="ctr"/>
-            <a:r>
-              <a:rPr kumimoji="1" lang="ja-JP" altLang="en-US" b="1" dirty="0" smtClean="0">
-                <a:ln w="0"/>
-                <a:effectLst>
-                  <a:outerShdw blurRad="38100" dist="19050" dir="2700000" algn="tl" rotWithShape="0">
-                    <a:schemeClr val="dk1">
-                      <a:alpha val="40000"/>
-                    </a:schemeClr>
-                  </a:outerShdw>
-                </a:effectLst>
-              </a:rPr>
-              <a:t>応答速度</a:t>
-            </a:r>
-            <a:r>
-              <a:rPr kumimoji="1" lang="ja-JP" altLang="en-US" b="1" dirty="0" smtClean="0">
-                <a:ln w="0"/>
-                <a:effectLst>
-                  <a:outerShdw blurRad="38100" dist="19050" dir="2700000" algn="tl" rotWithShape="0">
-                    <a:schemeClr val="dk1">
-                      <a:alpha val="40000"/>
-                    </a:schemeClr>
-                  </a:outerShdw>
-                </a:effectLst>
-              </a:rPr>
-              <a:t>を</a:t>
-            </a:r>
-            <a:r>
-              <a:rPr kumimoji="1" lang="en-US" altLang="ja-JP" b="1" dirty="0" smtClean="0">
-                <a:ln w="0"/>
-                <a:effectLst>
-                  <a:outerShdw blurRad="38100" dist="19050" dir="2700000" algn="tl" rotWithShape="0">
-                    <a:schemeClr val="dk1">
-                      <a:alpha val="40000"/>
-                    </a:schemeClr>
-                  </a:outerShdw>
-                </a:effectLst>
-              </a:rPr>
-              <a:t/>
-            </a:r>
-            <a:br>
-              <a:rPr kumimoji="1" lang="en-US" altLang="ja-JP" b="1" dirty="0" smtClean="0">
-                <a:ln w="0"/>
-                <a:effectLst>
-                  <a:outerShdw blurRad="38100" dist="19050" dir="2700000" algn="tl" rotWithShape="0">
-                    <a:schemeClr val="dk1">
-                      <a:alpha val="40000"/>
-                    </a:schemeClr>
-                  </a:outerShdw>
-                </a:effectLst>
-              </a:rPr>
-            </a:br>
-            <a:r>
-              <a:rPr kumimoji="1" lang="en-US" altLang="ja-JP" b="1" dirty="0" smtClean="0">
-                <a:ln w="0"/>
-                <a:effectLst>
-                  <a:outerShdw blurRad="38100" dist="19050" dir="2700000" algn="tl" rotWithShape="0">
-                    <a:schemeClr val="dk1">
-                      <a:alpha val="40000"/>
-                    </a:schemeClr>
-                  </a:outerShdw>
-                </a:effectLst>
-              </a:rPr>
-              <a:t>DB</a:t>
-            </a:r>
-            <a:r>
-              <a:rPr kumimoji="1" lang="ja-JP" altLang="en-US" b="1" dirty="0" smtClean="0">
-                <a:ln w="0"/>
-                <a:effectLst>
-                  <a:outerShdw blurRad="38100" dist="19050" dir="2700000" algn="tl" rotWithShape="0">
-                    <a:schemeClr val="dk1">
-                      <a:alpha val="40000"/>
-                    </a:schemeClr>
-                  </a:outerShdw>
-                </a:effectLst>
-              </a:rPr>
-              <a:t>へ保管</a:t>
-            </a:r>
-            <a:endParaRPr kumimoji="1" lang="ja-JP" altLang="en-US" dirty="0"/>
-          </a:p>
-        </p:txBody>
-      </p:sp>
-      <p:sp>
-        <p:nvSpPr>
-          <p:cNvPr id="28" name="下矢印 27"/>
-          <p:cNvSpPr/>
-          <p:nvPr/>
-        </p:nvSpPr>
-        <p:spPr>
-          <a:xfrm>
-            <a:off x="4365518" y="3349591"/>
-            <a:ext cx="639774" cy="473436"/>
-          </a:xfrm>
-          <a:prstGeom prst="downArrow">
-            <a:avLst/>
-          </a:prstGeom>
-          <a:solidFill>
-            <a:schemeClr val="tx1">
-              <a:lumMod val="50000"/>
-              <a:lumOff val="50000"/>
-            </a:schemeClr>
-          </a:solidFill>
-          <a:ln>
-            <a:noFill/>
-          </a:ln>
-        </p:spPr>
-        <p:style>
-          <a:lnRef idx="2">
-            <a:schemeClr val="accent1">
-              <a:shade val="50000"/>
-            </a:schemeClr>
-          </a:lnRef>
-          <a:fillRef idx="1">
-            <a:schemeClr val="accent1"/>
-          </a:fillRef>
-          <a:effectRef idx="0">
-            <a:schemeClr val="accent1"/>
-          </a:effectRef>
-          <a:fontRef idx="minor">
-            <a:schemeClr val="lt1"/>
-          </a:fontRef>
-        </p:style>
-        <p:txBody>
-          <a:bodyPr rtlCol="0" anchor="ctr"/>
-          <a:lstStyle/>
-          <a:p>
-            <a:pPr algn="ctr"/>
-            <a:endParaRPr kumimoji="1" lang="ja-JP" altLang="en-US"/>
-          </a:p>
-        </p:txBody>
-      </p:sp>
+        </p:spPr>
+      </p:pic>
     </p:spTree>
     <p:extLst>
       <p:ext uri="{BB962C8B-B14F-4D97-AF65-F5344CB8AC3E}">
-        <p14:creationId xmlns:p14="http://schemas.microsoft.com/office/powerpoint/2010/main" val="2320294555"/>
+        <p14:creationId xmlns:p14="http://schemas.microsoft.com/office/powerpoint/2010/main" val="3028345813"/>
       </p:ext>
     </p:extLst>
   </p:cSld>
@@ -12935,46 +13425,22 @@
           <a:chExt cx="0" cy="0"/>
         </a:xfrm>
       </p:grpSpPr>
-      <p:pic>
-        <p:nvPicPr>
-          <p:cNvPr id="5" name="図 4"/>
-          <p:cNvPicPr>
-            <a:picLocks noChangeAspect="1"/>
-          </p:cNvPicPr>
+      <p:sp>
+        <p:nvSpPr>
+          <p:cNvPr id="4" name="正方形/長方形 3"/>
+          <p:cNvSpPr/>
           <p:nvPr/>
-        </p:nvPicPr>
-        <p:blipFill>
-          <a:blip r:embed="rId2"/>
-          <a:stretch>
-            <a:fillRect/>
-          </a:stretch>
-        </p:blipFill>
+        </p:nvSpPr>
         <p:spPr>
           <a:xfrm>
-            <a:off x="400419" y="221171"/>
-            <a:ext cx="2415909" cy="2981964"/>
+            <a:off x="2019067" y="1515812"/>
+            <a:ext cx="2552641" cy="1626814"/>
           </a:xfrm>
           <a:prstGeom prst="rect">
             <a:avLst/>
           </a:prstGeom>
-        </p:spPr>
-      </p:pic>
-      <p:sp>
-        <p:nvSpPr>
-          <p:cNvPr id="209" name="右矢印 208"/>
-          <p:cNvSpPr/>
-          <p:nvPr/>
-        </p:nvSpPr>
-        <p:spPr>
-          <a:xfrm>
-            <a:off x="1001140" y="4634836"/>
-            <a:ext cx="1610193" cy="340584"/>
-          </a:xfrm>
-          <a:prstGeom prst="rightArrow">
-            <a:avLst/>
-          </a:prstGeom>
           <a:solidFill>
-            <a:srgbClr val="92D050"/>
+            <a:srgbClr val="BDEDFF"/>
           </a:solidFill>
           <a:ln>
             <a:noFill/>
@@ -13001,596 +13467,147 @@
           <a:lstStyle/>
           <a:p>
             <a:pPr algn="ctr"/>
-            <a:endParaRPr kumimoji="1" lang="ja-JP" altLang="en-US">
-              <a:solidFill>
-                <a:schemeClr val="accent6"/>
-              </a:solidFill>
-            </a:endParaRPr>
+            <a:r>
+              <a:rPr kumimoji="1" lang="en-US" altLang="ja-JP" dirty="0" smtClean="0"/>
+              <a:t/>
+            </a:r>
+            <a:br>
+              <a:rPr kumimoji="1" lang="en-US" altLang="ja-JP" dirty="0" smtClean="0"/>
+            </a:br>
+            <a:r>
+              <a:rPr kumimoji="1" lang="en-US" altLang="ja-JP" dirty="0" smtClean="0"/>
+              <a:t/>
+            </a:r>
+            <a:br>
+              <a:rPr kumimoji="1" lang="en-US" altLang="ja-JP" dirty="0" smtClean="0"/>
+            </a:br>
+            <a:r>
+              <a:rPr kumimoji="1" lang="en-US" altLang="ja-JP" dirty="0" smtClean="0"/>
+              <a:t/>
+            </a:r>
+            <a:br>
+              <a:rPr kumimoji="1" lang="en-US" altLang="ja-JP" dirty="0" smtClean="0"/>
+            </a:br>
+            <a:r>
+              <a:rPr kumimoji="1" lang="en-US" altLang="ja-JP" dirty="0" smtClean="0"/>
+              <a:t/>
+            </a:r>
+            <a:br>
+              <a:rPr kumimoji="1" lang="en-US" altLang="ja-JP" dirty="0" smtClean="0"/>
+            </a:br>
+            <a:r>
+              <a:rPr kumimoji="1" lang="en-US" altLang="ja-JP" dirty="0" smtClean="0"/>
+              <a:t/>
+            </a:r>
+            <a:br>
+              <a:rPr kumimoji="1" lang="en-US" altLang="ja-JP" dirty="0" smtClean="0"/>
+            </a:br>
+            <a:r>
+              <a:rPr kumimoji="1" lang="en-US" altLang="ja-JP" dirty="0" smtClean="0"/>
+              <a:t/>
+            </a:r>
+            <a:br>
+              <a:rPr kumimoji="1" lang="en-US" altLang="ja-JP" dirty="0" smtClean="0"/>
+            </a:br>
+            <a:r>
+              <a:rPr kumimoji="1" lang="en-US" altLang="ja-JP" dirty="0" smtClean="0"/>
+              <a:t/>
+            </a:r>
+            <a:br>
+              <a:rPr kumimoji="1" lang="en-US" altLang="ja-JP" dirty="0" smtClean="0"/>
+            </a:br>
+            <a:r>
+              <a:rPr kumimoji="1" lang="en-US" altLang="ja-JP" dirty="0" smtClean="0"/>
+              <a:t/>
+            </a:r>
+            <a:br>
+              <a:rPr kumimoji="1" lang="en-US" altLang="ja-JP" dirty="0" smtClean="0"/>
+            </a:br>
+            <a:r>
+              <a:rPr kumimoji="1" lang="en-US" altLang="ja-JP" dirty="0" smtClean="0"/>
+              <a:t/>
+            </a:r>
+            <a:br>
+              <a:rPr kumimoji="1" lang="en-US" altLang="ja-JP" dirty="0" smtClean="0"/>
+            </a:br>
+            <a:r>
+              <a:rPr kumimoji="1" lang="en-US" altLang="ja-JP" dirty="0" smtClean="0"/>
+              <a:t/>
+            </a:r>
+            <a:br>
+              <a:rPr kumimoji="1" lang="en-US" altLang="ja-JP" dirty="0" smtClean="0"/>
+            </a:br>
+            <a:r>
+              <a:rPr kumimoji="1" lang="en-US" altLang="ja-JP" dirty="0" smtClean="0"/>
+              <a:t/>
+            </a:r>
+            <a:br>
+              <a:rPr kumimoji="1" lang="en-US" altLang="ja-JP" dirty="0" smtClean="0"/>
+            </a:br>
+            <a:r>
+              <a:rPr kumimoji="1" lang="en-US" altLang="ja-JP" dirty="0" smtClean="0"/>
+              <a:t/>
+            </a:r>
+            <a:br>
+              <a:rPr kumimoji="1" lang="en-US" altLang="ja-JP" dirty="0" smtClean="0"/>
+            </a:br>
+            <a:r>
+              <a:rPr kumimoji="1" lang="en-US" altLang="ja-JP" dirty="0" smtClean="0"/>
+              <a:t/>
+            </a:r>
+            <a:br>
+              <a:rPr kumimoji="1" lang="en-US" altLang="ja-JP" dirty="0" smtClean="0"/>
+            </a:br>
+            <a:r>
+              <a:rPr kumimoji="1" lang="en-US" altLang="ja-JP" dirty="0" smtClean="0"/>
+              <a:t/>
+            </a:r>
+            <a:br>
+              <a:rPr kumimoji="1" lang="en-US" altLang="ja-JP" dirty="0" smtClean="0"/>
+            </a:br>
+            <a:endParaRPr kumimoji="1" lang="ja-JP" altLang="en-US" dirty="0"/>
           </a:p>
         </p:txBody>
       </p:sp>
       <p:sp>
         <p:nvSpPr>
-          <p:cNvPr id="1025" name="屈折矢印 1024"/>
-          <p:cNvSpPr/>
+          <p:cNvPr id="33" name="テキスト ボックス 32"/>
+          <p:cNvSpPr txBox="1"/>
           <p:nvPr/>
         </p:nvSpPr>
         <p:spPr>
-          <a:xfrm rot="16200000">
-            <a:off x="6160299" y="603042"/>
-            <a:ext cx="1136510" cy="2036976"/>
-          </a:xfrm>
-          <a:prstGeom prst="bentUpArrow">
+          <a:xfrm>
+            <a:off x="2136693" y="1933629"/>
+            <a:ext cx="2350340" cy="461665"/>
+          </a:xfrm>
+          <a:prstGeom prst="rect">
             <a:avLst/>
           </a:prstGeom>
           <a:solidFill>
-            <a:schemeClr val="accent2"/>
+            <a:srgbClr val="BDEDFF"/>
           </a:solidFill>
           <a:ln>
             <a:noFill/>
           </a:ln>
         </p:spPr>
-        <p:style>
-          <a:lnRef idx="2">
-            <a:schemeClr val="accent1">
-              <a:shade val="50000"/>
-            </a:schemeClr>
-          </a:lnRef>
-          <a:fillRef idx="1">
-            <a:schemeClr val="accent1"/>
-          </a:fillRef>
-          <a:effectRef idx="0">
-            <a:schemeClr val="accent1"/>
-          </a:effectRef>
-          <a:fontRef idx="minor">
-            <a:schemeClr val="lt1"/>
-          </a:fontRef>
-        </p:style>
         <p:txBody>
-          <a:bodyPr rtlCol="0" anchor="ctr"/>
-          <a:lstStyle/>
-          <a:p>
-            <a:pPr algn="ctr"/>
-            <a:endParaRPr kumimoji="1" lang="ja-JP" altLang="en-US"/>
-          </a:p>
-        </p:txBody>
-      </p:sp>
-      <p:sp>
-        <p:nvSpPr>
-          <p:cNvPr id="30" name="角丸四角形 29"/>
-          <p:cNvSpPr/>
-          <p:nvPr/>
-        </p:nvSpPr>
-        <p:spPr>
-          <a:xfrm>
-            <a:off x="6400800" y="1744134"/>
-            <a:ext cx="2472266" cy="4656666"/>
-          </a:xfrm>
-          <a:prstGeom prst="roundRect">
-            <a:avLst/>
-          </a:prstGeom>
-          <a:solidFill>
-            <a:schemeClr val="accent5"/>
-          </a:solidFill>
-          <a:ln>
-            <a:solidFill>
-              <a:srgbClr val="41719C"/>
-            </a:solidFill>
-          </a:ln>
-        </p:spPr>
-        <p:style>
-          <a:lnRef idx="2">
-            <a:schemeClr val="accent6"/>
-          </a:lnRef>
-          <a:fillRef idx="1">
-            <a:schemeClr val="lt1"/>
-          </a:fillRef>
-          <a:effectRef idx="0">
-            <a:schemeClr val="accent6"/>
-          </a:effectRef>
-          <a:fontRef idx="minor">
-            <a:schemeClr val="dk1"/>
-          </a:fontRef>
-        </p:style>
-        <p:txBody>
-          <a:bodyPr rtlCol="0" anchor="ctr"/>
-          <a:lstStyle/>
-          <a:p>
-            <a:pPr algn="ctr"/>
-            <a:endParaRPr kumimoji="1" lang="ja-JP" altLang="en-US"/>
-          </a:p>
-        </p:txBody>
-      </p:sp>
-      <p:pic>
-        <p:nvPicPr>
-          <p:cNvPr id="11" name="図 10"/>
-          <p:cNvPicPr>
-            <a:picLocks noChangeAspect="1"/>
-          </p:cNvPicPr>
-          <p:nvPr/>
-        </p:nvPicPr>
-        <p:blipFill>
-          <a:blip r:embed="rId3"/>
-          <a:stretch>
-            <a:fillRect/>
-          </a:stretch>
-        </p:blipFill>
-        <p:spPr>
-          <a:xfrm>
-            <a:off x="6768465" y="1939131"/>
-            <a:ext cx="1753870" cy="4182006"/>
-          </a:xfrm>
-          <a:prstGeom prst="rect">
-            <a:avLst/>
-          </a:prstGeom>
-        </p:spPr>
-      </p:pic>
-      <p:pic>
-        <p:nvPicPr>
-          <p:cNvPr id="14" name="図 13"/>
-          <p:cNvPicPr>
-            <a:picLocks noChangeAspect="1"/>
-          </p:cNvPicPr>
-          <p:nvPr/>
-        </p:nvPicPr>
-        <p:blipFill>
-          <a:blip r:embed="rId4"/>
-          <a:stretch>
-            <a:fillRect/>
-          </a:stretch>
-        </p:blipFill>
-        <p:spPr>
-          <a:xfrm>
-            <a:off x="1438618" y="4435956"/>
-            <a:ext cx="864014" cy="712052"/>
-          </a:xfrm>
-          <a:prstGeom prst="rect">
-            <a:avLst/>
-          </a:prstGeom>
-        </p:spPr>
-      </p:pic>
-      <p:pic>
-        <p:nvPicPr>
-          <p:cNvPr id="28" name="図 27"/>
-          <p:cNvPicPr>
-            <a:picLocks noChangeAspect="1"/>
-          </p:cNvPicPr>
-          <p:nvPr/>
-        </p:nvPicPr>
-        <p:blipFill>
-          <a:blip r:embed="rId5"/>
-          <a:stretch>
-            <a:fillRect/>
-          </a:stretch>
-        </p:blipFill>
-        <p:spPr>
-          <a:xfrm>
-            <a:off x="209933" y="4527078"/>
-            <a:ext cx="1017555" cy="620930"/>
-          </a:xfrm>
-          <a:prstGeom prst="rect">
-            <a:avLst/>
-          </a:prstGeom>
-        </p:spPr>
-      </p:pic>
-      <p:sp>
-        <p:nvSpPr>
-          <p:cNvPr id="1024" name="テキスト ボックス 1023"/>
-          <p:cNvSpPr txBox="1"/>
-          <p:nvPr/>
-        </p:nvSpPr>
-        <p:spPr>
-          <a:xfrm>
-            <a:off x="6363304" y="6223141"/>
-            <a:ext cx="2723823" cy="646331"/>
-          </a:xfrm>
-          <a:prstGeom prst="rect">
-            <a:avLst/>
-          </a:prstGeom>
-          <a:noFill/>
-        </p:spPr>
-        <p:txBody>
-          <a:bodyPr wrap="none" rtlCol="0">
+          <a:bodyPr wrap="square" rtlCol="0">
             <a:spAutoFit/>
           </a:bodyPr>
           <a:lstStyle/>
           <a:p>
-            <a:pPr algn="ctr"/>
-            <a:r>
-              <a:rPr kumimoji="1" lang="ja-JP" altLang="en-US" b="1" dirty="0" smtClean="0"/>
-              <a:t>冗長的で不均一な性能の</a:t>
-            </a:r>
-            <a:r>
-              <a:rPr kumimoji="1" lang="en-US" altLang="ja-JP" b="1" dirty="0" smtClean="0"/>
-              <a:t/>
-            </a:r>
-            <a:br>
-              <a:rPr kumimoji="1" lang="en-US" altLang="ja-JP" b="1" dirty="0" smtClean="0"/>
-            </a:br>
-            <a:r>
-              <a:rPr kumimoji="1" lang="en-US" altLang="ja-JP" b="1" dirty="0" smtClean="0"/>
-              <a:t>WEB</a:t>
-            </a:r>
-            <a:r>
-              <a:rPr kumimoji="1" lang="ja-JP" altLang="en-US" b="1" dirty="0" smtClean="0"/>
-              <a:t>サーバ</a:t>
-            </a:r>
-            <a:endParaRPr kumimoji="1" lang="ja-JP" altLang="en-US" b="1" dirty="0"/>
+            <a:r>
+              <a:rPr kumimoji="1" lang="ja-JP" altLang="en-US" sz="2400" b="1" dirty="0" smtClean="0"/>
+              <a:t>ロードバランサ</a:t>
+            </a:r>
+            <a:endParaRPr kumimoji="1" lang="ja-JP" altLang="en-US" sz="2400" b="1" dirty="0"/>
           </a:p>
         </p:txBody>
       </p:sp>
-      <p:sp>
-        <p:nvSpPr>
-          <p:cNvPr id="1027" name="右矢印 1026"/>
-          <p:cNvSpPr/>
-          <p:nvPr/>
-        </p:nvSpPr>
-        <p:spPr>
-          <a:xfrm rot="10800000">
-            <a:off x="2691652" y="1335814"/>
-            <a:ext cx="767827" cy="636978"/>
-          </a:xfrm>
-          <a:prstGeom prst="rightArrow">
-            <a:avLst/>
-          </a:prstGeom>
-          <a:solidFill>
-            <a:schemeClr val="accent2"/>
-          </a:solidFill>
-          <a:ln>
-            <a:noFill/>
-          </a:ln>
-        </p:spPr>
-        <p:style>
-          <a:lnRef idx="2">
-            <a:schemeClr val="accent1">
-              <a:shade val="50000"/>
-            </a:schemeClr>
-          </a:lnRef>
-          <a:fillRef idx="1">
-            <a:schemeClr val="accent1"/>
-          </a:fillRef>
-          <a:effectRef idx="0">
-            <a:schemeClr val="accent1"/>
-          </a:effectRef>
-          <a:fontRef idx="minor">
-            <a:schemeClr val="lt1"/>
-          </a:fontRef>
-        </p:style>
-        <p:txBody>
-          <a:bodyPr rtlCol="0" anchor="ctr"/>
-          <a:lstStyle/>
-          <a:p>
-            <a:pPr algn="ctr"/>
-            <a:endParaRPr kumimoji="1" lang="ja-JP" altLang="en-US"/>
-          </a:p>
-        </p:txBody>
-      </p:sp>
-      <p:sp>
-        <p:nvSpPr>
-          <p:cNvPr id="210" name="右矢印 209"/>
-          <p:cNvSpPr/>
-          <p:nvPr/>
-        </p:nvSpPr>
-        <p:spPr>
-          <a:xfrm rot="20104714">
-            <a:off x="5266929" y="4424942"/>
-            <a:ext cx="1755046" cy="189535"/>
-          </a:xfrm>
-          <a:prstGeom prst="rightArrow">
-            <a:avLst/>
-          </a:prstGeom>
-          <a:solidFill>
-            <a:srgbClr val="92D050"/>
-          </a:solidFill>
-          <a:ln>
-            <a:noFill/>
-          </a:ln>
-        </p:spPr>
-        <p:style>
-          <a:lnRef idx="2">
-            <a:schemeClr val="accent1">
-              <a:shade val="50000"/>
-            </a:schemeClr>
-          </a:lnRef>
-          <a:fillRef idx="1">
-            <a:schemeClr val="accent1"/>
-          </a:fillRef>
-          <a:effectRef idx="0">
-            <a:schemeClr val="accent1"/>
-          </a:effectRef>
-          <a:fontRef idx="minor">
-            <a:schemeClr val="lt1"/>
-          </a:fontRef>
-        </p:style>
-        <p:txBody>
-          <a:bodyPr rtlCol="0" anchor="ctr"/>
-          <a:lstStyle/>
-          <a:p>
-            <a:pPr algn="ctr"/>
-            <a:endParaRPr kumimoji="1" lang="ja-JP" altLang="en-US">
-              <a:solidFill>
-                <a:srgbClr val="41719C"/>
-              </a:solidFill>
-            </a:endParaRPr>
-          </a:p>
-        </p:txBody>
-      </p:sp>
-      <p:pic>
-        <p:nvPicPr>
-          <p:cNvPr id="8" name="図 7"/>
-          <p:cNvPicPr>
-            <a:picLocks noChangeAspect="1"/>
-          </p:cNvPicPr>
-          <p:nvPr/>
-        </p:nvPicPr>
-        <p:blipFill>
-          <a:blip r:embed="rId6"/>
-          <a:stretch>
-            <a:fillRect/>
-          </a:stretch>
-        </p:blipFill>
-        <p:spPr>
-          <a:xfrm>
-            <a:off x="2611333" y="3517477"/>
-            <a:ext cx="2754004" cy="2640132"/>
-          </a:xfrm>
-          <a:prstGeom prst="rect">
-            <a:avLst/>
-          </a:prstGeom>
-        </p:spPr>
-      </p:pic>
-      <p:sp>
-        <p:nvSpPr>
-          <p:cNvPr id="205" name="屈折矢印 204"/>
-          <p:cNvSpPr/>
-          <p:nvPr/>
-        </p:nvSpPr>
-        <p:spPr>
-          <a:xfrm rot="5400000">
-            <a:off x="1359691" y="3095551"/>
-            <a:ext cx="1419332" cy="1261479"/>
-          </a:xfrm>
-          <a:prstGeom prst="bentUpArrow">
-            <a:avLst>
-              <a:gd name="adj1" fmla="val 25000"/>
-              <a:gd name="adj2" fmla="val 25795"/>
-              <a:gd name="adj3" fmla="val 22929"/>
-            </a:avLst>
-          </a:prstGeom>
-          <a:solidFill>
-            <a:schemeClr val="accent2"/>
-          </a:solidFill>
-          <a:ln>
-            <a:noFill/>
-          </a:ln>
-        </p:spPr>
-        <p:style>
-          <a:lnRef idx="2">
-            <a:schemeClr val="accent1">
-              <a:shade val="50000"/>
-            </a:schemeClr>
-          </a:lnRef>
-          <a:fillRef idx="1">
-            <a:schemeClr val="accent1"/>
-          </a:fillRef>
-          <a:effectRef idx="0">
-            <a:schemeClr val="accent1"/>
-          </a:effectRef>
-          <a:fontRef idx="minor">
-            <a:schemeClr val="lt1"/>
-          </a:fontRef>
-        </p:style>
-        <p:txBody>
-          <a:bodyPr rtlCol="0" anchor="ctr"/>
-          <a:lstStyle/>
-          <a:p>
-            <a:pPr algn="ctr"/>
-            <a:endParaRPr kumimoji="1" lang="ja-JP" altLang="en-US"/>
-          </a:p>
-        </p:txBody>
-      </p:sp>
-      <p:sp>
-        <p:nvSpPr>
-          <p:cNvPr id="1030" name="正方形/長方形 1029"/>
-          <p:cNvSpPr/>
-          <p:nvPr/>
-        </p:nvSpPr>
-        <p:spPr>
-          <a:xfrm>
-            <a:off x="6400800" y="460607"/>
-            <a:ext cx="2243667" cy="592667"/>
-          </a:xfrm>
-          <a:prstGeom prst="rect">
-            <a:avLst/>
-          </a:prstGeom>
-          <a:ln w="28575">
-            <a:solidFill>
-              <a:srgbClr val="FF0000"/>
-            </a:solidFill>
-          </a:ln>
-        </p:spPr>
-        <p:style>
-          <a:lnRef idx="2">
-            <a:schemeClr val="accent6"/>
-          </a:lnRef>
-          <a:fillRef idx="1">
-            <a:schemeClr val="lt1"/>
-          </a:fillRef>
-          <a:effectRef idx="0">
-            <a:schemeClr val="accent6"/>
-          </a:effectRef>
-          <a:fontRef idx="minor">
-            <a:schemeClr val="dk1"/>
-          </a:fontRef>
-        </p:style>
-        <p:txBody>
-          <a:bodyPr rtlCol="0" anchor="ctr"/>
-          <a:lstStyle/>
-          <a:p>
-            <a:pPr algn="ctr"/>
-            <a:r>
-              <a:rPr kumimoji="1" lang="ja-JP" altLang="en-US" b="1" dirty="0" smtClean="0"/>
-              <a:t>各サーバの</a:t>
-            </a:r>
-            <a:r>
-              <a:rPr kumimoji="1" lang="en-US" altLang="ja-JP" b="1" dirty="0" smtClean="0"/>
-              <a:t/>
-            </a:r>
-            <a:br>
-              <a:rPr kumimoji="1" lang="en-US" altLang="ja-JP" b="1" dirty="0" smtClean="0"/>
-            </a:br>
-            <a:r>
-              <a:rPr kumimoji="1" lang="ja-JP" altLang="en-US" b="1" dirty="0" smtClean="0"/>
-              <a:t>応答速度を測る</a:t>
-            </a:r>
-            <a:endParaRPr kumimoji="1" lang="ja-JP" altLang="en-US" b="1" dirty="0"/>
-          </a:p>
-        </p:txBody>
-      </p:sp>
-      <p:sp>
-        <p:nvSpPr>
-          <p:cNvPr id="212" name="正方形/長方形 211"/>
-          <p:cNvSpPr/>
-          <p:nvPr/>
-        </p:nvSpPr>
-        <p:spPr>
-          <a:xfrm>
-            <a:off x="3900785" y="6003130"/>
-            <a:ext cx="2243667" cy="592667"/>
-          </a:xfrm>
-          <a:prstGeom prst="rect">
-            <a:avLst/>
-          </a:prstGeom>
-          <a:ln w="28575">
-            <a:solidFill>
-              <a:srgbClr val="FF0000"/>
-            </a:solidFill>
-          </a:ln>
-        </p:spPr>
-        <p:style>
-          <a:lnRef idx="2">
-            <a:schemeClr val="accent6"/>
-          </a:lnRef>
-          <a:fillRef idx="1">
-            <a:schemeClr val="lt1"/>
-          </a:fillRef>
-          <a:effectRef idx="0">
-            <a:schemeClr val="accent6"/>
-          </a:effectRef>
-          <a:fontRef idx="minor">
-            <a:schemeClr val="dk1"/>
-          </a:fontRef>
-        </p:style>
-        <p:txBody>
-          <a:bodyPr rtlCol="0" anchor="ctr"/>
-          <a:lstStyle/>
-          <a:p>
-            <a:pPr algn="ctr"/>
-            <a:r>
-              <a:rPr kumimoji="1" lang="ja-JP" altLang="en-US" b="1" dirty="0" smtClean="0"/>
-              <a:t>応答速度に基づいて</a:t>
-            </a:r>
-            <a:r>
-              <a:rPr kumimoji="1" lang="en-US" altLang="ja-JP" b="1" dirty="0" smtClean="0"/>
-              <a:t/>
-            </a:r>
-            <a:br>
-              <a:rPr kumimoji="1" lang="en-US" altLang="ja-JP" b="1" dirty="0" smtClean="0"/>
-            </a:br>
-            <a:r>
-              <a:rPr kumimoji="1" lang="ja-JP" altLang="en-US" b="1" dirty="0" smtClean="0"/>
-              <a:t>割り振りを行う</a:t>
-            </a:r>
-            <a:endParaRPr kumimoji="1" lang="ja-JP" altLang="en-US" b="1" dirty="0"/>
-          </a:p>
-        </p:txBody>
-      </p:sp>
-      <p:sp>
-        <p:nvSpPr>
-          <p:cNvPr id="213" name="正方形/長方形 212"/>
-          <p:cNvSpPr/>
-          <p:nvPr/>
-        </p:nvSpPr>
-        <p:spPr>
-          <a:xfrm>
-            <a:off x="183833" y="3174960"/>
-            <a:ext cx="2243667" cy="592667"/>
-          </a:xfrm>
-          <a:prstGeom prst="rect">
-            <a:avLst/>
-          </a:prstGeom>
-          <a:ln w="28575">
-            <a:solidFill>
-              <a:srgbClr val="FF0000"/>
-            </a:solidFill>
-          </a:ln>
-        </p:spPr>
-        <p:style>
-          <a:lnRef idx="2">
-            <a:schemeClr val="accent6"/>
-          </a:lnRef>
-          <a:fillRef idx="1">
-            <a:schemeClr val="lt1"/>
-          </a:fillRef>
-          <a:effectRef idx="0">
-            <a:schemeClr val="accent6"/>
-          </a:effectRef>
-          <a:fontRef idx="minor">
-            <a:schemeClr val="dk1"/>
-          </a:fontRef>
-        </p:style>
-        <p:txBody>
-          <a:bodyPr rtlCol="0" anchor="ctr"/>
-          <a:lstStyle/>
-          <a:p>
-            <a:pPr algn="ctr"/>
-            <a:r>
-              <a:rPr kumimoji="1" lang="ja-JP" altLang="en-US" b="1" dirty="0" smtClean="0"/>
-              <a:t>保存された評価で</a:t>
-            </a:r>
-            <a:r>
-              <a:rPr kumimoji="1" lang="en-US" altLang="ja-JP" b="1" dirty="0" smtClean="0"/>
-              <a:t/>
-            </a:r>
-            <a:br>
-              <a:rPr kumimoji="1" lang="en-US" altLang="ja-JP" b="1" dirty="0" smtClean="0"/>
-            </a:br>
-            <a:r>
-              <a:rPr kumimoji="1" lang="ja-JP" altLang="en-US" b="1" dirty="0" smtClean="0"/>
-              <a:t>割り振る指標にする</a:t>
-            </a:r>
-            <a:endParaRPr kumimoji="1" lang="ja-JP" altLang="en-US" b="1" dirty="0"/>
-          </a:p>
-        </p:txBody>
-      </p:sp>
-      <p:pic>
-        <p:nvPicPr>
-          <p:cNvPr id="4" name="図 3"/>
-          <p:cNvPicPr>
-            <a:picLocks noChangeAspect="1"/>
-          </p:cNvPicPr>
-          <p:nvPr/>
-        </p:nvPicPr>
-        <p:blipFill>
-          <a:blip r:embed="rId7"/>
-          <a:stretch>
-            <a:fillRect/>
-          </a:stretch>
-        </p:blipFill>
-        <p:spPr>
-          <a:xfrm>
-            <a:off x="3403719" y="291982"/>
-            <a:ext cx="2293458" cy="2991314"/>
-          </a:xfrm>
-          <a:prstGeom prst="rect">
-            <a:avLst/>
-          </a:prstGeom>
-        </p:spPr>
-      </p:pic>
     </p:spTree>
     <p:extLst>
       <p:ext uri="{BB962C8B-B14F-4D97-AF65-F5344CB8AC3E}">
-        <p14:creationId xmlns:p14="http://schemas.microsoft.com/office/powerpoint/2010/main" val="504450354"/>
+        <p14:creationId xmlns:p14="http://schemas.microsoft.com/office/powerpoint/2010/main" val="206764247"/>
       </p:ext>
     </p:extLst>
   </p:cSld>
@@ -13640,6 +13657,695 @@
         </p:blipFill>
         <p:spPr>
           <a:xfrm>
+            <a:off x="400419" y="221171"/>
+            <a:ext cx="2415909" cy="2981964"/>
+          </a:xfrm>
+          <a:prstGeom prst="rect">
+            <a:avLst/>
+          </a:prstGeom>
+        </p:spPr>
+      </p:pic>
+      <p:sp>
+        <p:nvSpPr>
+          <p:cNvPr id="209" name="右矢印 208"/>
+          <p:cNvSpPr/>
+          <p:nvPr/>
+        </p:nvSpPr>
+        <p:spPr>
+          <a:xfrm>
+            <a:off x="1001140" y="4634836"/>
+            <a:ext cx="1610193" cy="340584"/>
+          </a:xfrm>
+          <a:prstGeom prst="rightArrow">
+            <a:avLst/>
+          </a:prstGeom>
+          <a:solidFill>
+            <a:srgbClr val="92D050"/>
+          </a:solidFill>
+          <a:ln>
+            <a:noFill/>
+          </a:ln>
+        </p:spPr>
+        <p:style>
+          <a:lnRef idx="2">
+            <a:schemeClr val="accent1">
+              <a:shade val="50000"/>
+            </a:schemeClr>
+          </a:lnRef>
+          <a:fillRef idx="1">
+            <a:schemeClr val="accent1"/>
+          </a:fillRef>
+          <a:effectRef idx="0">
+            <a:schemeClr val="accent1"/>
+          </a:effectRef>
+          <a:fontRef idx="minor">
+            <a:schemeClr val="lt1"/>
+          </a:fontRef>
+        </p:style>
+        <p:txBody>
+          <a:bodyPr rtlCol="0" anchor="ctr"/>
+          <a:lstStyle/>
+          <a:p>
+            <a:pPr algn="ctr"/>
+            <a:endParaRPr kumimoji="1" lang="ja-JP" altLang="en-US">
+              <a:solidFill>
+                <a:schemeClr val="accent6"/>
+              </a:solidFill>
+            </a:endParaRPr>
+          </a:p>
+        </p:txBody>
+      </p:sp>
+      <p:sp>
+        <p:nvSpPr>
+          <p:cNvPr id="1025" name="屈折矢印 1024"/>
+          <p:cNvSpPr/>
+          <p:nvPr/>
+        </p:nvSpPr>
+        <p:spPr>
+          <a:xfrm rot="16200000">
+            <a:off x="6160299" y="603042"/>
+            <a:ext cx="1136510" cy="2036976"/>
+          </a:xfrm>
+          <a:prstGeom prst="bentUpArrow">
+            <a:avLst/>
+          </a:prstGeom>
+          <a:solidFill>
+            <a:schemeClr val="accent2"/>
+          </a:solidFill>
+          <a:ln>
+            <a:noFill/>
+          </a:ln>
+        </p:spPr>
+        <p:style>
+          <a:lnRef idx="2">
+            <a:schemeClr val="accent1">
+              <a:shade val="50000"/>
+            </a:schemeClr>
+          </a:lnRef>
+          <a:fillRef idx="1">
+            <a:schemeClr val="accent1"/>
+          </a:fillRef>
+          <a:effectRef idx="0">
+            <a:schemeClr val="accent1"/>
+          </a:effectRef>
+          <a:fontRef idx="minor">
+            <a:schemeClr val="lt1"/>
+          </a:fontRef>
+        </p:style>
+        <p:txBody>
+          <a:bodyPr rtlCol="0" anchor="ctr"/>
+          <a:lstStyle/>
+          <a:p>
+            <a:pPr algn="ctr"/>
+            <a:endParaRPr kumimoji="1" lang="ja-JP" altLang="en-US"/>
+          </a:p>
+        </p:txBody>
+      </p:sp>
+      <p:sp>
+        <p:nvSpPr>
+          <p:cNvPr id="30" name="角丸四角形 29"/>
+          <p:cNvSpPr/>
+          <p:nvPr/>
+        </p:nvSpPr>
+        <p:spPr>
+          <a:xfrm>
+            <a:off x="6400800" y="1744134"/>
+            <a:ext cx="2472266" cy="4656666"/>
+          </a:xfrm>
+          <a:prstGeom prst="roundRect">
+            <a:avLst/>
+          </a:prstGeom>
+          <a:solidFill>
+            <a:schemeClr val="accent5"/>
+          </a:solidFill>
+          <a:ln>
+            <a:solidFill>
+              <a:srgbClr val="41719C"/>
+            </a:solidFill>
+          </a:ln>
+        </p:spPr>
+        <p:style>
+          <a:lnRef idx="2">
+            <a:schemeClr val="accent6"/>
+          </a:lnRef>
+          <a:fillRef idx="1">
+            <a:schemeClr val="lt1"/>
+          </a:fillRef>
+          <a:effectRef idx="0">
+            <a:schemeClr val="accent6"/>
+          </a:effectRef>
+          <a:fontRef idx="minor">
+            <a:schemeClr val="dk1"/>
+          </a:fontRef>
+        </p:style>
+        <p:txBody>
+          <a:bodyPr rtlCol="0" anchor="ctr"/>
+          <a:lstStyle/>
+          <a:p>
+            <a:pPr algn="ctr"/>
+            <a:endParaRPr kumimoji="1" lang="ja-JP" altLang="en-US"/>
+          </a:p>
+        </p:txBody>
+      </p:sp>
+      <p:pic>
+        <p:nvPicPr>
+          <p:cNvPr id="11" name="図 10"/>
+          <p:cNvPicPr>
+            <a:picLocks noChangeAspect="1"/>
+          </p:cNvPicPr>
+          <p:nvPr/>
+        </p:nvPicPr>
+        <p:blipFill>
+          <a:blip r:embed="rId3"/>
+          <a:stretch>
+            <a:fillRect/>
+          </a:stretch>
+        </p:blipFill>
+        <p:spPr>
+          <a:xfrm>
+            <a:off x="6768465" y="1939131"/>
+            <a:ext cx="1753870" cy="4182006"/>
+          </a:xfrm>
+          <a:prstGeom prst="rect">
+            <a:avLst/>
+          </a:prstGeom>
+        </p:spPr>
+      </p:pic>
+      <p:pic>
+        <p:nvPicPr>
+          <p:cNvPr id="14" name="図 13"/>
+          <p:cNvPicPr>
+            <a:picLocks noChangeAspect="1"/>
+          </p:cNvPicPr>
+          <p:nvPr/>
+        </p:nvPicPr>
+        <p:blipFill>
+          <a:blip r:embed="rId4"/>
+          <a:stretch>
+            <a:fillRect/>
+          </a:stretch>
+        </p:blipFill>
+        <p:spPr>
+          <a:xfrm>
+            <a:off x="1438618" y="4435956"/>
+            <a:ext cx="864014" cy="712052"/>
+          </a:xfrm>
+          <a:prstGeom prst="rect">
+            <a:avLst/>
+          </a:prstGeom>
+        </p:spPr>
+      </p:pic>
+      <p:pic>
+        <p:nvPicPr>
+          <p:cNvPr id="28" name="図 27"/>
+          <p:cNvPicPr>
+            <a:picLocks noChangeAspect="1"/>
+          </p:cNvPicPr>
+          <p:nvPr/>
+        </p:nvPicPr>
+        <p:blipFill>
+          <a:blip r:embed="rId5"/>
+          <a:stretch>
+            <a:fillRect/>
+          </a:stretch>
+        </p:blipFill>
+        <p:spPr>
+          <a:xfrm>
+            <a:off x="209933" y="4527078"/>
+            <a:ext cx="1017555" cy="620930"/>
+          </a:xfrm>
+          <a:prstGeom prst="rect">
+            <a:avLst/>
+          </a:prstGeom>
+        </p:spPr>
+      </p:pic>
+      <p:sp>
+        <p:nvSpPr>
+          <p:cNvPr id="1024" name="テキスト ボックス 1023"/>
+          <p:cNvSpPr txBox="1"/>
+          <p:nvPr/>
+        </p:nvSpPr>
+        <p:spPr>
+          <a:xfrm>
+            <a:off x="6363304" y="6223141"/>
+            <a:ext cx="2723823" cy="646331"/>
+          </a:xfrm>
+          <a:prstGeom prst="rect">
+            <a:avLst/>
+          </a:prstGeom>
+          <a:noFill/>
+        </p:spPr>
+        <p:txBody>
+          <a:bodyPr wrap="none" rtlCol="0">
+            <a:spAutoFit/>
+          </a:bodyPr>
+          <a:lstStyle/>
+          <a:p>
+            <a:pPr algn="ctr"/>
+            <a:r>
+              <a:rPr kumimoji="1" lang="ja-JP" altLang="en-US" b="1" dirty="0" smtClean="0"/>
+              <a:t>冗長的で不均一な性能の</a:t>
+            </a:r>
+            <a:r>
+              <a:rPr kumimoji="1" lang="en-US" altLang="ja-JP" b="1" dirty="0" smtClean="0"/>
+              <a:t/>
+            </a:r>
+            <a:br>
+              <a:rPr kumimoji="1" lang="en-US" altLang="ja-JP" b="1" dirty="0" smtClean="0"/>
+            </a:br>
+            <a:r>
+              <a:rPr kumimoji="1" lang="en-US" altLang="ja-JP" b="1" dirty="0" smtClean="0"/>
+              <a:t>WEB</a:t>
+            </a:r>
+            <a:r>
+              <a:rPr kumimoji="1" lang="ja-JP" altLang="en-US" b="1" dirty="0" smtClean="0"/>
+              <a:t>サーバ</a:t>
+            </a:r>
+            <a:endParaRPr kumimoji="1" lang="ja-JP" altLang="en-US" b="1" dirty="0"/>
+          </a:p>
+        </p:txBody>
+      </p:sp>
+      <p:sp>
+        <p:nvSpPr>
+          <p:cNvPr id="1027" name="右矢印 1026"/>
+          <p:cNvSpPr/>
+          <p:nvPr/>
+        </p:nvSpPr>
+        <p:spPr>
+          <a:xfrm rot="10800000">
+            <a:off x="2691652" y="1335814"/>
+            <a:ext cx="767827" cy="636978"/>
+          </a:xfrm>
+          <a:prstGeom prst="rightArrow">
+            <a:avLst/>
+          </a:prstGeom>
+          <a:solidFill>
+            <a:schemeClr val="accent2"/>
+          </a:solidFill>
+          <a:ln>
+            <a:noFill/>
+          </a:ln>
+        </p:spPr>
+        <p:style>
+          <a:lnRef idx="2">
+            <a:schemeClr val="accent1">
+              <a:shade val="50000"/>
+            </a:schemeClr>
+          </a:lnRef>
+          <a:fillRef idx="1">
+            <a:schemeClr val="accent1"/>
+          </a:fillRef>
+          <a:effectRef idx="0">
+            <a:schemeClr val="accent1"/>
+          </a:effectRef>
+          <a:fontRef idx="minor">
+            <a:schemeClr val="lt1"/>
+          </a:fontRef>
+        </p:style>
+        <p:txBody>
+          <a:bodyPr rtlCol="0" anchor="ctr"/>
+          <a:lstStyle/>
+          <a:p>
+            <a:pPr algn="ctr"/>
+            <a:endParaRPr kumimoji="1" lang="ja-JP" altLang="en-US"/>
+          </a:p>
+        </p:txBody>
+      </p:sp>
+      <p:sp>
+        <p:nvSpPr>
+          <p:cNvPr id="210" name="右矢印 209"/>
+          <p:cNvSpPr/>
+          <p:nvPr/>
+        </p:nvSpPr>
+        <p:spPr>
+          <a:xfrm rot="20104714">
+            <a:off x="5266929" y="4424942"/>
+            <a:ext cx="1755046" cy="189535"/>
+          </a:xfrm>
+          <a:prstGeom prst="rightArrow">
+            <a:avLst/>
+          </a:prstGeom>
+          <a:solidFill>
+            <a:srgbClr val="92D050"/>
+          </a:solidFill>
+          <a:ln>
+            <a:noFill/>
+          </a:ln>
+        </p:spPr>
+        <p:style>
+          <a:lnRef idx="2">
+            <a:schemeClr val="accent1">
+              <a:shade val="50000"/>
+            </a:schemeClr>
+          </a:lnRef>
+          <a:fillRef idx="1">
+            <a:schemeClr val="accent1"/>
+          </a:fillRef>
+          <a:effectRef idx="0">
+            <a:schemeClr val="accent1"/>
+          </a:effectRef>
+          <a:fontRef idx="minor">
+            <a:schemeClr val="lt1"/>
+          </a:fontRef>
+        </p:style>
+        <p:txBody>
+          <a:bodyPr rtlCol="0" anchor="ctr"/>
+          <a:lstStyle/>
+          <a:p>
+            <a:pPr algn="ctr"/>
+            <a:endParaRPr kumimoji="1" lang="ja-JP" altLang="en-US">
+              <a:solidFill>
+                <a:srgbClr val="41719C"/>
+              </a:solidFill>
+            </a:endParaRPr>
+          </a:p>
+        </p:txBody>
+      </p:sp>
+      <p:pic>
+        <p:nvPicPr>
+          <p:cNvPr id="8" name="図 7"/>
+          <p:cNvPicPr>
+            <a:picLocks noChangeAspect="1"/>
+          </p:cNvPicPr>
+          <p:nvPr/>
+        </p:nvPicPr>
+        <p:blipFill>
+          <a:blip r:embed="rId6"/>
+          <a:stretch>
+            <a:fillRect/>
+          </a:stretch>
+        </p:blipFill>
+        <p:spPr>
+          <a:xfrm>
+            <a:off x="2611333" y="3517477"/>
+            <a:ext cx="2754004" cy="2640132"/>
+          </a:xfrm>
+          <a:prstGeom prst="rect">
+            <a:avLst/>
+          </a:prstGeom>
+        </p:spPr>
+      </p:pic>
+      <p:sp>
+        <p:nvSpPr>
+          <p:cNvPr id="205" name="屈折矢印 204"/>
+          <p:cNvSpPr/>
+          <p:nvPr/>
+        </p:nvSpPr>
+        <p:spPr>
+          <a:xfrm rot="5400000">
+            <a:off x="1359691" y="3095551"/>
+            <a:ext cx="1419332" cy="1261479"/>
+          </a:xfrm>
+          <a:prstGeom prst="bentUpArrow">
+            <a:avLst>
+              <a:gd name="adj1" fmla="val 25000"/>
+              <a:gd name="adj2" fmla="val 25795"/>
+              <a:gd name="adj3" fmla="val 22929"/>
+            </a:avLst>
+          </a:prstGeom>
+          <a:solidFill>
+            <a:schemeClr val="accent2"/>
+          </a:solidFill>
+          <a:ln>
+            <a:noFill/>
+          </a:ln>
+        </p:spPr>
+        <p:style>
+          <a:lnRef idx="2">
+            <a:schemeClr val="accent1">
+              <a:shade val="50000"/>
+            </a:schemeClr>
+          </a:lnRef>
+          <a:fillRef idx="1">
+            <a:schemeClr val="accent1"/>
+          </a:fillRef>
+          <a:effectRef idx="0">
+            <a:schemeClr val="accent1"/>
+          </a:effectRef>
+          <a:fontRef idx="minor">
+            <a:schemeClr val="lt1"/>
+          </a:fontRef>
+        </p:style>
+        <p:txBody>
+          <a:bodyPr rtlCol="0" anchor="ctr"/>
+          <a:lstStyle/>
+          <a:p>
+            <a:pPr algn="ctr"/>
+            <a:endParaRPr kumimoji="1" lang="ja-JP" altLang="en-US"/>
+          </a:p>
+        </p:txBody>
+      </p:sp>
+      <p:sp>
+        <p:nvSpPr>
+          <p:cNvPr id="1030" name="正方形/長方形 1029"/>
+          <p:cNvSpPr/>
+          <p:nvPr/>
+        </p:nvSpPr>
+        <p:spPr>
+          <a:xfrm>
+            <a:off x="6400800" y="460607"/>
+            <a:ext cx="2243667" cy="592667"/>
+          </a:xfrm>
+          <a:prstGeom prst="rect">
+            <a:avLst/>
+          </a:prstGeom>
+          <a:ln w="28575">
+            <a:solidFill>
+              <a:srgbClr val="FF0000"/>
+            </a:solidFill>
+          </a:ln>
+        </p:spPr>
+        <p:style>
+          <a:lnRef idx="2">
+            <a:schemeClr val="accent6"/>
+          </a:lnRef>
+          <a:fillRef idx="1">
+            <a:schemeClr val="lt1"/>
+          </a:fillRef>
+          <a:effectRef idx="0">
+            <a:schemeClr val="accent6"/>
+          </a:effectRef>
+          <a:fontRef idx="minor">
+            <a:schemeClr val="dk1"/>
+          </a:fontRef>
+        </p:style>
+        <p:txBody>
+          <a:bodyPr rtlCol="0" anchor="ctr"/>
+          <a:lstStyle/>
+          <a:p>
+            <a:pPr algn="ctr"/>
+            <a:r>
+              <a:rPr kumimoji="1" lang="ja-JP" altLang="en-US" b="1" dirty="0" smtClean="0"/>
+              <a:t>各サーバの</a:t>
+            </a:r>
+            <a:r>
+              <a:rPr kumimoji="1" lang="en-US" altLang="ja-JP" b="1" dirty="0" smtClean="0"/>
+              <a:t/>
+            </a:r>
+            <a:br>
+              <a:rPr kumimoji="1" lang="en-US" altLang="ja-JP" b="1" dirty="0" smtClean="0"/>
+            </a:br>
+            <a:r>
+              <a:rPr kumimoji="1" lang="ja-JP" altLang="en-US" b="1" dirty="0" smtClean="0"/>
+              <a:t>応答速度を測る</a:t>
+            </a:r>
+            <a:endParaRPr kumimoji="1" lang="ja-JP" altLang="en-US" b="1" dirty="0"/>
+          </a:p>
+        </p:txBody>
+      </p:sp>
+      <p:sp>
+        <p:nvSpPr>
+          <p:cNvPr id="212" name="正方形/長方形 211"/>
+          <p:cNvSpPr/>
+          <p:nvPr/>
+        </p:nvSpPr>
+        <p:spPr>
+          <a:xfrm>
+            <a:off x="3900785" y="6003130"/>
+            <a:ext cx="2243667" cy="592667"/>
+          </a:xfrm>
+          <a:prstGeom prst="rect">
+            <a:avLst/>
+          </a:prstGeom>
+          <a:ln w="28575">
+            <a:solidFill>
+              <a:srgbClr val="FF0000"/>
+            </a:solidFill>
+          </a:ln>
+        </p:spPr>
+        <p:style>
+          <a:lnRef idx="2">
+            <a:schemeClr val="accent6"/>
+          </a:lnRef>
+          <a:fillRef idx="1">
+            <a:schemeClr val="lt1"/>
+          </a:fillRef>
+          <a:effectRef idx="0">
+            <a:schemeClr val="accent6"/>
+          </a:effectRef>
+          <a:fontRef idx="minor">
+            <a:schemeClr val="dk1"/>
+          </a:fontRef>
+        </p:style>
+        <p:txBody>
+          <a:bodyPr rtlCol="0" anchor="ctr"/>
+          <a:lstStyle/>
+          <a:p>
+            <a:pPr algn="ctr"/>
+            <a:r>
+              <a:rPr kumimoji="1" lang="ja-JP" altLang="en-US" b="1" dirty="0" smtClean="0"/>
+              <a:t>応答速度に基づいて</a:t>
+            </a:r>
+            <a:r>
+              <a:rPr kumimoji="1" lang="en-US" altLang="ja-JP" b="1" dirty="0" smtClean="0"/>
+              <a:t/>
+            </a:r>
+            <a:br>
+              <a:rPr kumimoji="1" lang="en-US" altLang="ja-JP" b="1" dirty="0" smtClean="0"/>
+            </a:br>
+            <a:r>
+              <a:rPr kumimoji="1" lang="ja-JP" altLang="en-US" b="1" dirty="0" smtClean="0"/>
+              <a:t>割り振りを行う</a:t>
+            </a:r>
+            <a:endParaRPr kumimoji="1" lang="ja-JP" altLang="en-US" b="1" dirty="0"/>
+          </a:p>
+        </p:txBody>
+      </p:sp>
+      <p:sp>
+        <p:nvSpPr>
+          <p:cNvPr id="213" name="正方形/長方形 212"/>
+          <p:cNvSpPr/>
+          <p:nvPr/>
+        </p:nvSpPr>
+        <p:spPr>
+          <a:xfrm>
+            <a:off x="183833" y="3174960"/>
+            <a:ext cx="2243667" cy="592667"/>
+          </a:xfrm>
+          <a:prstGeom prst="rect">
+            <a:avLst/>
+          </a:prstGeom>
+          <a:ln w="28575">
+            <a:solidFill>
+              <a:srgbClr val="FF0000"/>
+            </a:solidFill>
+          </a:ln>
+        </p:spPr>
+        <p:style>
+          <a:lnRef idx="2">
+            <a:schemeClr val="accent6"/>
+          </a:lnRef>
+          <a:fillRef idx="1">
+            <a:schemeClr val="lt1"/>
+          </a:fillRef>
+          <a:effectRef idx="0">
+            <a:schemeClr val="accent6"/>
+          </a:effectRef>
+          <a:fontRef idx="minor">
+            <a:schemeClr val="dk1"/>
+          </a:fontRef>
+        </p:style>
+        <p:txBody>
+          <a:bodyPr rtlCol="0" anchor="ctr"/>
+          <a:lstStyle/>
+          <a:p>
+            <a:pPr algn="ctr"/>
+            <a:r>
+              <a:rPr kumimoji="1" lang="ja-JP" altLang="en-US" b="1" dirty="0" smtClean="0"/>
+              <a:t>保存された評価で</a:t>
+            </a:r>
+            <a:r>
+              <a:rPr kumimoji="1" lang="en-US" altLang="ja-JP" b="1" dirty="0" smtClean="0"/>
+              <a:t/>
+            </a:r>
+            <a:br>
+              <a:rPr kumimoji="1" lang="en-US" altLang="ja-JP" b="1" dirty="0" smtClean="0"/>
+            </a:br>
+            <a:r>
+              <a:rPr kumimoji="1" lang="ja-JP" altLang="en-US" b="1" dirty="0" smtClean="0"/>
+              <a:t>割り振る指標にする</a:t>
+            </a:r>
+            <a:endParaRPr kumimoji="1" lang="ja-JP" altLang="en-US" b="1" dirty="0"/>
+          </a:p>
+        </p:txBody>
+      </p:sp>
+      <p:pic>
+        <p:nvPicPr>
+          <p:cNvPr id="4" name="図 3"/>
+          <p:cNvPicPr>
+            <a:picLocks noChangeAspect="1"/>
+          </p:cNvPicPr>
+          <p:nvPr/>
+        </p:nvPicPr>
+        <p:blipFill>
+          <a:blip r:embed="rId7"/>
+          <a:stretch>
+            <a:fillRect/>
+          </a:stretch>
+        </p:blipFill>
+        <p:spPr>
+          <a:xfrm>
+            <a:off x="3403719" y="291982"/>
+            <a:ext cx="2293458" cy="2991314"/>
+          </a:xfrm>
+          <a:prstGeom prst="rect">
+            <a:avLst/>
+          </a:prstGeom>
+        </p:spPr>
+      </p:pic>
+    </p:spTree>
+    <p:extLst>
+      <p:ext uri="{BB962C8B-B14F-4D97-AF65-F5344CB8AC3E}">
+        <p14:creationId xmlns:p14="http://schemas.microsoft.com/office/powerpoint/2010/main" val="504450354"/>
+      </p:ext>
+    </p:extLst>
+  </p:cSld>
+  <p:clrMapOvr>
+    <a:masterClrMapping/>
+  </p:clrMapOvr>
+  <p:timing>
+    <p:tnLst>
+      <p:par>
+        <p:cTn id="1" dur="indefinite" restart="never" nodeType="tmRoot"/>
+      </p:par>
+    </p:tnLst>
+  </p:timing>
+</p:sld>
+</file>
+
+<file path=ppt/slides/slide22.xml><?xml version="1.0" encoding="utf-8"?>
+<p:sld xmlns:a="http://schemas.openxmlformats.org/drawingml/2006/main" xmlns:r="http://schemas.openxmlformats.org/officeDocument/2006/relationships" xmlns:p="http://schemas.openxmlformats.org/presentationml/2006/main">
+  <p:cSld>
+    <p:spTree>
+      <p:nvGrpSpPr>
+        <p:cNvPr id="1" name=""/>
+        <p:cNvGrpSpPr/>
+        <p:nvPr/>
+      </p:nvGrpSpPr>
+      <p:grpSpPr>
+        <a:xfrm>
+          <a:off x="0" y="0"/>
+          <a:ext cx="0" cy="0"/>
+          <a:chOff x="0" y="0"/>
+          <a:chExt cx="0" cy="0"/>
+        </a:xfrm>
+      </p:grpSpPr>
+      <p:pic>
+        <p:nvPicPr>
+          <p:cNvPr id="5" name="図 4"/>
+          <p:cNvPicPr>
+            <a:picLocks noChangeAspect="1"/>
+          </p:cNvPicPr>
+          <p:nvPr/>
+        </p:nvPicPr>
+        <p:blipFill>
+          <a:blip r:embed="rId2"/>
+          <a:stretch>
+            <a:fillRect/>
+          </a:stretch>
+        </p:blipFill>
+        <p:spPr>
+          <a:xfrm>
             <a:off x="400419" y="617681"/>
             <a:ext cx="2415909" cy="2981964"/>
           </a:xfrm>
@@ -14628,7 +15334,7 @@
 </p:sld>
 </file>
 
-<file path=ppt/slides/slide22.xml><?xml version="1.0" encoding="utf-8"?>
+<file path=ppt/slides/slide23.xml><?xml version="1.0" encoding="utf-8"?>
 <p:sld xmlns:a="http://schemas.openxmlformats.org/drawingml/2006/main" xmlns:r="http://schemas.openxmlformats.org/officeDocument/2006/relationships" xmlns:p="http://schemas.openxmlformats.org/presentationml/2006/main">
   <p:cSld>
     <p:spTree>
@@ -15372,7 +16078,7 @@
 </p:sld>
 </file>
 
-<file path=ppt/slides/slide23.xml><?xml version="1.0" encoding="utf-8"?>
+<file path=ppt/slides/slide24.xml><?xml version="1.0" encoding="utf-8"?>
 <p:sld xmlns:a="http://schemas.openxmlformats.org/drawingml/2006/main" xmlns:r="http://schemas.openxmlformats.org/officeDocument/2006/relationships" xmlns:p="http://schemas.openxmlformats.org/presentationml/2006/main">
   <p:cSld>
     <p:spTree>
@@ -16355,115 +17061,6 @@
     <p:extLst>
       <p:ext uri="{BB962C8B-B14F-4D97-AF65-F5344CB8AC3E}">
         <p14:creationId xmlns:p14="http://schemas.microsoft.com/office/powerpoint/2010/main" val="1593612851"/>
-      </p:ext>
-    </p:extLst>
-  </p:cSld>
-  <p:clrMapOvr>
-    <a:masterClrMapping/>
-  </p:clrMapOvr>
-  <p:timing>
-    <p:tnLst>
-      <p:par>
-        <p:cTn id="1" dur="indefinite" restart="never" nodeType="tmRoot"/>
-      </p:par>
-    </p:tnLst>
-  </p:timing>
-</p:sld>
-</file>
-
-<file path=ppt/slides/slide24.xml><?xml version="1.0" encoding="utf-8"?>
-<p:sld xmlns:a="http://schemas.openxmlformats.org/drawingml/2006/main" xmlns:r="http://schemas.openxmlformats.org/officeDocument/2006/relationships" xmlns:p="http://schemas.openxmlformats.org/presentationml/2006/main">
-  <p:cSld>
-    <p:spTree>
-      <p:nvGrpSpPr>
-        <p:cNvPr id="1" name=""/>
-        <p:cNvGrpSpPr/>
-        <p:nvPr/>
-      </p:nvGrpSpPr>
-      <p:grpSpPr>
-        <a:xfrm>
-          <a:off x="0" y="0"/>
-          <a:ext cx="0" cy="0"/>
-          <a:chOff x="0" y="0"/>
-          <a:chExt cx="0" cy="0"/>
-        </a:xfrm>
-      </p:grpSpPr>
-      <p:pic>
-        <p:nvPicPr>
-          <p:cNvPr id="4" name="図 3"/>
-          <p:cNvPicPr>
-            <a:picLocks noChangeAspect="1"/>
-          </p:cNvPicPr>
-          <p:nvPr/>
-        </p:nvPicPr>
-        <p:blipFill>
-          <a:blip r:embed="rId2"/>
-          <a:stretch>
-            <a:fillRect/>
-          </a:stretch>
-        </p:blipFill>
-        <p:spPr>
-          <a:xfrm>
-            <a:off x="1903618" y="305276"/>
-            <a:ext cx="2692294" cy="1480762"/>
-          </a:xfrm>
-          <a:prstGeom prst="rect">
-            <a:avLst/>
-          </a:prstGeom>
-        </p:spPr>
-      </p:pic>
-      <p:pic>
-        <p:nvPicPr>
-          <p:cNvPr id="5" name="図 4"/>
-          <p:cNvPicPr>
-            <a:picLocks noChangeAspect="1"/>
-          </p:cNvPicPr>
-          <p:nvPr/>
-        </p:nvPicPr>
-        <p:blipFill>
-          <a:blip r:embed="rId3"/>
-          <a:stretch>
-            <a:fillRect/>
-          </a:stretch>
-        </p:blipFill>
-        <p:spPr>
-          <a:xfrm>
-            <a:off x="854407" y="3159384"/>
-            <a:ext cx="4585738" cy="1205455"/>
-          </a:xfrm>
-          <a:prstGeom prst="rect">
-            <a:avLst/>
-          </a:prstGeom>
-        </p:spPr>
-      </p:pic>
-      <p:pic>
-        <p:nvPicPr>
-          <p:cNvPr id="7" name="図 6"/>
-          <p:cNvPicPr>
-            <a:picLocks noChangeAspect="1"/>
-          </p:cNvPicPr>
-          <p:nvPr/>
-        </p:nvPicPr>
-        <p:blipFill>
-          <a:blip r:embed="rId4"/>
-          <a:stretch>
-            <a:fillRect/>
-          </a:stretch>
-        </p:blipFill>
-        <p:spPr>
-          <a:xfrm>
-            <a:off x="5670667" y="483287"/>
-            <a:ext cx="3151905" cy="4645555"/>
-          </a:xfrm>
-          <a:prstGeom prst="rect">
-            <a:avLst/>
-          </a:prstGeom>
-        </p:spPr>
-      </p:pic>
-    </p:spTree>
-    <p:extLst>
-      <p:ext uri="{BB962C8B-B14F-4D97-AF65-F5344CB8AC3E}">
-        <p14:creationId xmlns:p14="http://schemas.microsoft.com/office/powerpoint/2010/main" val="3658620502"/>
       </p:ext>
     </p:extLst>
   </p:cSld>
@@ -16497,6 +17094,115 @@
           <a:chExt cx="0" cy="0"/>
         </a:xfrm>
       </p:grpSpPr>
+      <p:pic>
+        <p:nvPicPr>
+          <p:cNvPr id="4" name="図 3"/>
+          <p:cNvPicPr>
+            <a:picLocks noChangeAspect="1"/>
+          </p:cNvPicPr>
+          <p:nvPr/>
+        </p:nvPicPr>
+        <p:blipFill>
+          <a:blip r:embed="rId2"/>
+          <a:stretch>
+            <a:fillRect/>
+          </a:stretch>
+        </p:blipFill>
+        <p:spPr>
+          <a:xfrm>
+            <a:off x="1903618" y="305276"/>
+            <a:ext cx="2692294" cy="1480762"/>
+          </a:xfrm>
+          <a:prstGeom prst="rect">
+            <a:avLst/>
+          </a:prstGeom>
+        </p:spPr>
+      </p:pic>
+      <p:pic>
+        <p:nvPicPr>
+          <p:cNvPr id="5" name="図 4"/>
+          <p:cNvPicPr>
+            <a:picLocks noChangeAspect="1"/>
+          </p:cNvPicPr>
+          <p:nvPr/>
+        </p:nvPicPr>
+        <p:blipFill>
+          <a:blip r:embed="rId3"/>
+          <a:stretch>
+            <a:fillRect/>
+          </a:stretch>
+        </p:blipFill>
+        <p:spPr>
+          <a:xfrm>
+            <a:off x="854407" y="3159384"/>
+            <a:ext cx="4585738" cy="1205455"/>
+          </a:xfrm>
+          <a:prstGeom prst="rect">
+            <a:avLst/>
+          </a:prstGeom>
+        </p:spPr>
+      </p:pic>
+      <p:pic>
+        <p:nvPicPr>
+          <p:cNvPr id="7" name="図 6"/>
+          <p:cNvPicPr>
+            <a:picLocks noChangeAspect="1"/>
+          </p:cNvPicPr>
+          <p:nvPr/>
+        </p:nvPicPr>
+        <p:blipFill>
+          <a:blip r:embed="rId4"/>
+          <a:stretch>
+            <a:fillRect/>
+          </a:stretch>
+        </p:blipFill>
+        <p:spPr>
+          <a:xfrm>
+            <a:off x="5670667" y="483287"/>
+            <a:ext cx="3151905" cy="4645555"/>
+          </a:xfrm>
+          <a:prstGeom prst="rect">
+            <a:avLst/>
+          </a:prstGeom>
+        </p:spPr>
+      </p:pic>
+    </p:spTree>
+    <p:extLst>
+      <p:ext uri="{BB962C8B-B14F-4D97-AF65-F5344CB8AC3E}">
+        <p14:creationId xmlns:p14="http://schemas.microsoft.com/office/powerpoint/2010/main" val="3658620502"/>
+      </p:ext>
+    </p:extLst>
+  </p:cSld>
+  <p:clrMapOvr>
+    <a:masterClrMapping/>
+  </p:clrMapOvr>
+  <p:timing>
+    <p:tnLst>
+      <p:par>
+        <p:cTn id="1" dur="indefinite" restart="never" nodeType="tmRoot"/>
+      </p:par>
+    </p:tnLst>
+  </p:timing>
+</p:sld>
+</file>
+
+<file path=ppt/slides/slide26.xml><?xml version="1.0" encoding="utf-8"?>
+<p:sld xmlns:a="http://schemas.openxmlformats.org/drawingml/2006/main" xmlns:r="http://schemas.openxmlformats.org/officeDocument/2006/relationships" xmlns:p="http://schemas.openxmlformats.org/presentationml/2006/main">
+  <p:cSld>
+    <p:spTree>
+      <p:nvGrpSpPr>
+        <p:cNvPr id="1" name=""/>
+        <p:cNvGrpSpPr/>
+        <p:nvPr/>
+      </p:nvGrpSpPr>
+      <p:grpSpPr>
+        <a:xfrm>
+          <a:off x="0" y="0"/>
+          <a:ext cx="0" cy="0"/>
+          <a:chOff x="0" y="0"/>
+          <a:chExt cx="0" cy="0"/>
+        </a:xfrm>
+      </p:grpSpPr>
       <p:sp>
         <p:nvSpPr>
           <p:cNvPr id="209" name="右矢印 208"/>
@@ -17210,7 +17916,7 @@
 </p:sld>
 </file>
 
-<file path=ppt/slides/slide26.xml><?xml version="1.0" encoding="utf-8"?>
+<file path=ppt/slides/slide27.xml><?xml version="1.0" encoding="utf-8"?>
 <p:sld xmlns:a="http://schemas.openxmlformats.org/drawingml/2006/main" xmlns:r="http://schemas.openxmlformats.org/officeDocument/2006/relationships" xmlns:p="http://schemas.openxmlformats.org/presentationml/2006/main">
   <p:cSld>
     <p:spTree>
@@ -17793,7 +18499,7 @@
           <a:p>
             <a:fld id="{C1A4E16F-9CEB-47A6-B8DF-28924D05829B}" type="slidenum">
               <a:rPr kumimoji="1" lang="ja-JP" altLang="en-US" smtClean="0"/>
-              <a:t>26</a:t>
+              <a:t>27</a:t>
             </a:fld>
             <a:endParaRPr kumimoji="1" lang="ja-JP" altLang="en-US"/>
           </a:p>
@@ -18012,7 +18718,7 @@
 </p:sld>
 </file>
 
-<file path=ppt/slides/slide27.xml><?xml version="1.0" encoding="utf-8"?>
+<file path=ppt/slides/slide28.xml><?xml version="1.0" encoding="utf-8"?>
 <p:sld xmlns:a="http://schemas.openxmlformats.org/drawingml/2006/main" xmlns:r="http://schemas.openxmlformats.org/officeDocument/2006/relationships" xmlns:p="http://schemas.openxmlformats.org/presentationml/2006/main">
   <p:cSld>
     <p:spTree>
@@ -18250,7 +18956,7 @@
 </p:sld>
 </file>
 
-<file path=ppt/slides/slide28.xml><?xml version="1.0" encoding="utf-8"?>
+<file path=ppt/slides/slide29.xml><?xml version="1.0" encoding="utf-8"?>
 <p:sld xmlns:a="http://schemas.openxmlformats.org/drawingml/2006/main" xmlns:r="http://schemas.openxmlformats.org/officeDocument/2006/relationships" xmlns:p="http://schemas.openxmlformats.org/presentationml/2006/main">
   <p:cSld>
     <p:spTree>
@@ -18877,6 +19583,660 @@
 </file>
 
 <file path=ppt/slides/slide3.xml><?xml version="1.0" encoding="utf-8"?>
+<p:sld xmlns:a="http://schemas.openxmlformats.org/drawingml/2006/main" xmlns:r="http://schemas.openxmlformats.org/officeDocument/2006/relationships" xmlns:p="http://schemas.openxmlformats.org/presentationml/2006/main">
+  <p:cSld>
+    <p:spTree>
+      <p:nvGrpSpPr>
+        <p:cNvPr id="1" name=""/>
+        <p:cNvGrpSpPr/>
+        <p:nvPr/>
+      </p:nvGrpSpPr>
+      <p:grpSpPr>
+        <a:xfrm>
+          <a:off x="0" y="0"/>
+          <a:ext cx="0" cy="0"/>
+          <a:chOff x="0" y="0"/>
+          <a:chExt cx="0" cy="0"/>
+        </a:xfrm>
+      </p:grpSpPr>
+      <p:sp>
+        <p:nvSpPr>
+          <p:cNvPr id="12" name="正方形/長方形 11"/>
+          <p:cNvSpPr/>
+          <p:nvPr/>
+        </p:nvSpPr>
+        <p:spPr>
+          <a:xfrm>
+            <a:off x="2635769" y="668865"/>
+            <a:ext cx="3984215" cy="4671877"/>
+          </a:xfrm>
+          <a:prstGeom prst="rect">
+            <a:avLst/>
+          </a:prstGeom>
+          <a:solidFill>
+            <a:srgbClr val="BDEDFF"/>
+          </a:solidFill>
+          <a:ln>
+            <a:noFill/>
+          </a:ln>
+        </p:spPr>
+        <p:style>
+          <a:lnRef idx="2">
+            <a:schemeClr val="accent1">
+              <a:shade val="50000"/>
+            </a:schemeClr>
+          </a:lnRef>
+          <a:fillRef idx="1">
+            <a:schemeClr val="accent1"/>
+          </a:fillRef>
+          <a:effectRef idx="0">
+            <a:schemeClr val="accent1"/>
+          </a:effectRef>
+          <a:fontRef idx="minor">
+            <a:schemeClr val="lt1"/>
+          </a:fontRef>
+        </p:style>
+        <p:txBody>
+          <a:bodyPr rtlCol="0" anchor="ctr"/>
+          <a:lstStyle/>
+          <a:p>
+            <a:pPr algn="ctr"/>
+            <a:r>
+              <a:rPr kumimoji="1" lang="en-US" altLang="ja-JP" b="1" dirty="0" smtClean="0"/>
+              <a:t/>
+            </a:r>
+            <a:br>
+              <a:rPr kumimoji="1" lang="en-US" altLang="ja-JP" b="1" dirty="0" smtClean="0"/>
+            </a:br>
+            <a:r>
+              <a:rPr kumimoji="1" lang="en-US" altLang="ja-JP" b="1" dirty="0" smtClean="0"/>
+              <a:t/>
+            </a:r>
+            <a:br>
+              <a:rPr kumimoji="1" lang="en-US" altLang="ja-JP" b="1" dirty="0" smtClean="0"/>
+            </a:br>
+            <a:r>
+              <a:rPr kumimoji="1" lang="en-US" altLang="ja-JP" b="1" dirty="0" smtClean="0"/>
+              <a:t/>
+            </a:r>
+            <a:br>
+              <a:rPr kumimoji="1" lang="en-US" altLang="ja-JP" b="1" dirty="0" smtClean="0"/>
+            </a:br>
+            <a:r>
+              <a:rPr kumimoji="1" lang="en-US" altLang="ja-JP" b="1" dirty="0" smtClean="0"/>
+              <a:t/>
+            </a:r>
+            <a:br>
+              <a:rPr kumimoji="1" lang="en-US" altLang="ja-JP" b="1" dirty="0" smtClean="0"/>
+            </a:br>
+            <a:r>
+              <a:rPr kumimoji="1" lang="en-US" altLang="ja-JP" b="1" dirty="0" smtClean="0"/>
+              <a:t/>
+            </a:r>
+            <a:br>
+              <a:rPr kumimoji="1" lang="en-US" altLang="ja-JP" b="1" dirty="0" smtClean="0"/>
+            </a:br>
+            <a:r>
+              <a:rPr kumimoji="1" lang="en-US" altLang="ja-JP" b="1" dirty="0" smtClean="0"/>
+              <a:t/>
+            </a:r>
+            <a:br>
+              <a:rPr kumimoji="1" lang="en-US" altLang="ja-JP" b="1" dirty="0" smtClean="0"/>
+            </a:br>
+            <a:r>
+              <a:rPr kumimoji="1" lang="en-US" altLang="ja-JP" b="1" dirty="0" smtClean="0"/>
+              <a:t/>
+            </a:r>
+            <a:br>
+              <a:rPr kumimoji="1" lang="en-US" altLang="ja-JP" b="1" dirty="0" smtClean="0"/>
+            </a:br>
+            <a:r>
+              <a:rPr kumimoji="1" lang="en-US" altLang="ja-JP" b="1" dirty="0" smtClean="0"/>
+              <a:t/>
+            </a:r>
+            <a:br>
+              <a:rPr kumimoji="1" lang="en-US" altLang="ja-JP" b="1" dirty="0" smtClean="0"/>
+            </a:br>
+            <a:r>
+              <a:rPr kumimoji="1" lang="en-US" altLang="ja-JP" b="1" dirty="0" smtClean="0"/>
+              <a:t/>
+            </a:r>
+            <a:br>
+              <a:rPr kumimoji="1" lang="en-US" altLang="ja-JP" b="1" dirty="0" smtClean="0"/>
+            </a:br>
+            <a:r>
+              <a:rPr kumimoji="1" lang="en-US" altLang="ja-JP" b="1" dirty="0" smtClean="0"/>
+              <a:t/>
+            </a:r>
+            <a:br>
+              <a:rPr kumimoji="1" lang="en-US" altLang="ja-JP" b="1" dirty="0" smtClean="0"/>
+            </a:br>
+            <a:r>
+              <a:rPr kumimoji="1" lang="en-US" altLang="ja-JP" b="1" dirty="0" smtClean="0"/>
+              <a:t/>
+            </a:r>
+            <a:br>
+              <a:rPr kumimoji="1" lang="en-US" altLang="ja-JP" b="1" dirty="0" smtClean="0"/>
+            </a:br>
+            <a:r>
+              <a:rPr kumimoji="1" lang="en-US" altLang="ja-JP" b="1" dirty="0" smtClean="0"/>
+              <a:t/>
+            </a:r>
+            <a:br>
+              <a:rPr kumimoji="1" lang="en-US" altLang="ja-JP" b="1" dirty="0" smtClean="0"/>
+            </a:br>
+            <a:r>
+              <a:rPr kumimoji="1" lang="en-US" altLang="ja-JP" b="1" dirty="0" smtClean="0"/>
+              <a:t/>
+            </a:r>
+            <a:br>
+              <a:rPr kumimoji="1" lang="en-US" altLang="ja-JP" b="1" dirty="0" smtClean="0"/>
+            </a:br>
+            <a:r>
+              <a:rPr kumimoji="1" lang="en-US" altLang="ja-JP" b="1" dirty="0" smtClean="0"/>
+              <a:t/>
+            </a:r>
+            <a:br>
+              <a:rPr kumimoji="1" lang="en-US" altLang="ja-JP" b="1" dirty="0" smtClean="0"/>
+            </a:br>
+            <a:endParaRPr kumimoji="1" lang="ja-JP" altLang="en-US" b="1" dirty="0"/>
+          </a:p>
+        </p:txBody>
+      </p:sp>
+      <p:sp>
+        <p:nvSpPr>
+          <p:cNvPr id="13" name="正方形/長方形 12"/>
+          <p:cNvSpPr/>
+          <p:nvPr/>
+        </p:nvSpPr>
+        <p:spPr>
+          <a:xfrm>
+            <a:off x="2889576" y="1356898"/>
+            <a:ext cx="3591662" cy="1025505"/>
+          </a:xfrm>
+          <a:prstGeom prst="rect">
+            <a:avLst/>
+          </a:prstGeom>
+          <a:solidFill>
+            <a:schemeClr val="accent1">
+              <a:lumMod val="20000"/>
+              <a:lumOff val="80000"/>
+            </a:schemeClr>
+          </a:solidFill>
+        </p:spPr>
+        <p:style>
+          <a:lnRef idx="2">
+            <a:schemeClr val="accent1">
+              <a:shade val="50000"/>
+            </a:schemeClr>
+          </a:lnRef>
+          <a:fillRef idx="1">
+            <a:schemeClr val="accent1"/>
+          </a:fillRef>
+          <a:effectRef idx="0">
+            <a:schemeClr val="accent1"/>
+          </a:effectRef>
+          <a:fontRef idx="minor">
+            <a:schemeClr val="lt1"/>
+          </a:fontRef>
+        </p:style>
+        <p:txBody>
+          <a:bodyPr rtlCol="0" anchor="t" anchorCtr="0"/>
+          <a:lstStyle/>
+          <a:p>
+            <a:pPr algn="ctr"/>
+            <a:r>
+              <a:rPr kumimoji="1" lang="ja-JP" altLang="en-US" b="1" dirty="0" smtClean="0">
+                <a:solidFill>
+                  <a:schemeClr val="accent1">
+                    <a:lumMod val="50000"/>
+                  </a:schemeClr>
+                </a:solidFill>
+              </a:rPr>
+              <a:t>応答速度計測プログラム</a:t>
+            </a:r>
+            <a:endParaRPr kumimoji="1" lang="en-US" altLang="ja-JP" b="1" dirty="0" smtClean="0">
+              <a:solidFill>
+                <a:schemeClr val="accent1">
+                  <a:lumMod val="50000"/>
+                </a:schemeClr>
+              </a:solidFill>
+            </a:endParaRPr>
+          </a:p>
+        </p:txBody>
+      </p:sp>
+      <p:sp>
+        <p:nvSpPr>
+          <p:cNvPr id="15" name="角丸四角形 14"/>
+          <p:cNvSpPr/>
+          <p:nvPr/>
+        </p:nvSpPr>
+        <p:spPr>
+          <a:xfrm>
+            <a:off x="3506151" y="1753966"/>
+            <a:ext cx="2358511" cy="462439"/>
+          </a:xfrm>
+          <a:prstGeom prst="roundRect">
+            <a:avLst/>
+          </a:prstGeom>
+          <a:solidFill>
+            <a:schemeClr val="accent6">
+              <a:lumMod val="40000"/>
+              <a:lumOff val="60000"/>
+            </a:schemeClr>
+          </a:solidFill>
+        </p:spPr>
+        <p:style>
+          <a:lnRef idx="2">
+            <a:schemeClr val="accent6"/>
+          </a:lnRef>
+          <a:fillRef idx="1">
+            <a:schemeClr val="lt1"/>
+          </a:fillRef>
+          <a:effectRef idx="0">
+            <a:schemeClr val="accent6"/>
+          </a:effectRef>
+          <a:fontRef idx="minor">
+            <a:schemeClr val="dk1"/>
+          </a:fontRef>
+        </p:style>
+        <p:txBody>
+          <a:bodyPr rtlCol="0" anchor="ctr"/>
+          <a:lstStyle/>
+          <a:p>
+            <a:pPr algn="ctr"/>
+            <a:r>
+              <a:rPr kumimoji="1" lang="en-US" altLang="ja-JP" b="1" dirty="0" smtClean="0">
+                <a:solidFill>
+                  <a:schemeClr val="tx1"/>
+                </a:solidFill>
+              </a:rPr>
+              <a:t>1</a:t>
+            </a:r>
+            <a:r>
+              <a:rPr kumimoji="1" lang="ja-JP" altLang="en-US" b="1" dirty="0" smtClean="0">
+                <a:solidFill>
+                  <a:schemeClr val="tx1"/>
+                </a:solidFill>
+              </a:rPr>
+              <a:t>分に</a:t>
+            </a:r>
+            <a:r>
+              <a:rPr kumimoji="1" lang="en-US" altLang="ja-JP" b="1" dirty="0" smtClean="0">
+                <a:solidFill>
+                  <a:schemeClr val="tx1"/>
+                </a:solidFill>
+              </a:rPr>
+              <a:t>1</a:t>
+            </a:r>
+            <a:r>
+              <a:rPr kumimoji="1" lang="ja-JP" altLang="en-US" b="1" dirty="0" smtClean="0">
+                <a:solidFill>
+                  <a:schemeClr val="tx1"/>
+                </a:solidFill>
+              </a:rPr>
+              <a:t>回計測</a:t>
+            </a:r>
+            <a:endParaRPr kumimoji="1" lang="en-US" altLang="ja-JP" b="1" dirty="0" smtClean="0">
+              <a:solidFill>
+                <a:schemeClr val="tx1"/>
+              </a:solidFill>
+            </a:endParaRPr>
+          </a:p>
+        </p:txBody>
+      </p:sp>
+      <p:sp>
+        <p:nvSpPr>
+          <p:cNvPr id="18" name="テキスト ボックス 17"/>
+          <p:cNvSpPr txBox="1"/>
+          <p:nvPr/>
+        </p:nvSpPr>
+        <p:spPr>
+          <a:xfrm>
+            <a:off x="3458325" y="820164"/>
+            <a:ext cx="2339102" cy="461665"/>
+          </a:xfrm>
+          <a:prstGeom prst="rect">
+            <a:avLst/>
+          </a:prstGeom>
+          <a:noFill/>
+        </p:spPr>
+        <p:txBody>
+          <a:bodyPr wrap="none" rtlCol="0">
+            <a:spAutoFit/>
+          </a:bodyPr>
+          <a:lstStyle/>
+          <a:p>
+            <a:r>
+              <a:rPr kumimoji="1" lang="ja-JP" altLang="en-US" sz="2400" b="1" dirty="0" smtClean="0"/>
+              <a:t>応答速度の計測</a:t>
+            </a:r>
+            <a:endParaRPr kumimoji="1" lang="ja-JP" altLang="en-US" sz="2400" b="1" dirty="0"/>
+          </a:p>
+        </p:txBody>
+      </p:sp>
+      <p:sp>
+        <p:nvSpPr>
+          <p:cNvPr id="19" name="正方形/長方形 18"/>
+          <p:cNvSpPr/>
+          <p:nvPr/>
+        </p:nvSpPr>
+        <p:spPr>
+          <a:xfrm>
+            <a:off x="3894208" y="2689841"/>
+            <a:ext cx="1467335" cy="657818"/>
+          </a:xfrm>
+          <a:prstGeom prst="rect">
+            <a:avLst/>
+          </a:prstGeom>
+          <a:solidFill>
+            <a:schemeClr val="accent4">
+              <a:lumMod val="60000"/>
+              <a:lumOff val="40000"/>
+            </a:schemeClr>
+          </a:solidFill>
+        </p:spPr>
+        <p:style>
+          <a:lnRef idx="2">
+            <a:schemeClr val="accent1">
+              <a:shade val="50000"/>
+            </a:schemeClr>
+          </a:lnRef>
+          <a:fillRef idx="1">
+            <a:schemeClr val="accent1"/>
+          </a:fillRef>
+          <a:effectRef idx="0">
+            <a:schemeClr val="accent1"/>
+          </a:effectRef>
+          <a:fontRef idx="minor">
+            <a:schemeClr val="lt1"/>
+          </a:fontRef>
+        </p:style>
+        <p:txBody>
+          <a:bodyPr rtlCol="0" anchor="ctr"/>
+          <a:lstStyle/>
+          <a:p>
+            <a:pPr algn="ctr"/>
+            <a:r>
+              <a:rPr kumimoji="1" lang="ja-JP" altLang="en-US" sz="1400" b="1" dirty="0">
+                <a:solidFill>
+                  <a:schemeClr val="tx1"/>
+                </a:solidFill>
+              </a:rPr>
+              <a:t>現在</a:t>
+            </a:r>
+            <a:r>
+              <a:rPr kumimoji="1" lang="ja-JP" altLang="en-US" sz="1400" b="1" dirty="0" smtClean="0">
+                <a:solidFill>
+                  <a:schemeClr val="tx1"/>
+                </a:solidFill>
+              </a:rPr>
+              <a:t>の応答速度</a:t>
+            </a:r>
+            <a:endParaRPr kumimoji="1" lang="en-US" altLang="ja-JP" sz="1400" b="1" dirty="0" smtClean="0">
+              <a:solidFill>
+                <a:schemeClr val="tx1"/>
+              </a:solidFill>
+            </a:endParaRPr>
+          </a:p>
+        </p:txBody>
+      </p:sp>
+      <p:sp>
+        <p:nvSpPr>
+          <p:cNvPr id="21" name="下矢印 20"/>
+          <p:cNvSpPr/>
+          <p:nvPr/>
+        </p:nvSpPr>
+        <p:spPr>
+          <a:xfrm>
+            <a:off x="4365518" y="2216405"/>
+            <a:ext cx="639774" cy="473436"/>
+          </a:xfrm>
+          <a:prstGeom prst="downArrow">
+            <a:avLst/>
+          </a:prstGeom>
+          <a:solidFill>
+            <a:schemeClr val="tx1">
+              <a:lumMod val="50000"/>
+              <a:lumOff val="50000"/>
+            </a:schemeClr>
+          </a:solidFill>
+          <a:ln>
+            <a:noFill/>
+          </a:ln>
+        </p:spPr>
+        <p:style>
+          <a:lnRef idx="2">
+            <a:schemeClr val="accent1">
+              <a:shade val="50000"/>
+            </a:schemeClr>
+          </a:lnRef>
+          <a:fillRef idx="1">
+            <a:schemeClr val="accent1"/>
+          </a:fillRef>
+          <a:effectRef idx="0">
+            <a:schemeClr val="accent1"/>
+          </a:effectRef>
+          <a:fontRef idx="minor">
+            <a:schemeClr val="lt1"/>
+          </a:fontRef>
+        </p:style>
+        <p:txBody>
+          <a:bodyPr rtlCol="0" anchor="ctr"/>
+          <a:lstStyle/>
+          <a:p>
+            <a:pPr algn="ctr"/>
+            <a:endParaRPr kumimoji="1" lang="ja-JP" altLang="en-US"/>
+          </a:p>
+        </p:txBody>
+      </p:sp>
+      <p:sp>
+        <p:nvSpPr>
+          <p:cNvPr id="26" name="円柱 25"/>
+          <p:cNvSpPr/>
+          <p:nvPr/>
+        </p:nvSpPr>
+        <p:spPr>
+          <a:xfrm>
+            <a:off x="3687049" y="3741986"/>
+            <a:ext cx="1881651" cy="1204429"/>
+          </a:xfrm>
+          <a:prstGeom prst="can">
+            <a:avLst/>
+          </a:prstGeom>
+          <a:solidFill>
+            <a:srgbClr val="FFD966"/>
+          </a:solidFill>
+        </p:spPr>
+        <p:style>
+          <a:lnRef idx="1">
+            <a:schemeClr val="accent2"/>
+          </a:lnRef>
+          <a:fillRef idx="2">
+            <a:schemeClr val="accent2"/>
+          </a:fillRef>
+          <a:effectRef idx="1">
+            <a:schemeClr val="accent2"/>
+          </a:effectRef>
+          <a:fontRef idx="minor">
+            <a:schemeClr val="dk1"/>
+          </a:fontRef>
+        </p:style>
+        <p:txBody>
+          <a:bodyPr rtlCol="0" anchor="ctr"/>
+          <a:lstStyle/>
+          <a:p>
+            <a:pPr algn="ctr"/>
+            <a:endParaRPr kumimoji="1" lang="ja-JP" altLang="en-US" b="1" dirty="0">
+              <a:ln w="0"/>
+              <a:solidFill>
+                <a:schemeClr val="tx1"/>
+              </a:solidFill>
+              <a:effectLst>
+                <a:outerShdw blurRad="38100" dist="19050" dir="2700000" algn="tl" rotWithShape="0">
+                  <a:schemeClr val="dk1">
+                    <a:alpha val="40000"/>
+                  </a:schemeClr>
+                </a:outerShdw>
+              </a:effectLst>
+            </a:endParaRPr>
+          </a:p>
+        </p:txBody>
+      </p:sp>
+      <p:sp>
+        <p:nvSpPr>
+          <p:cNvPr id="27" name="テキスト ボックス 26"/>
+          <p:cNvSpPr txBox="1"/>
+          <p:nvPr/>
+        </p:nvSpPr>
+        <p:spPr>
+          <a:xfrm>
+            <a:off x="3496448" y="4175913"/>
+            <a:ext cx="2377914" cy="646331"/>
+          </a:xfrm>
+          <a:prstGeom prst="rect">
+            <a:avLst/>
+          </a:prstGeom>
+          <a:noFill/>
+        </p:spPr>
+        <p:txBody>
+          <a:bodyPr wrap="square" rtlCol="0">
+            <a:spAutoFit/>
+          </a:bodyPr>
+          <a:lstStyle/>
+          <a:p>
+            <a:pPr algn="ctr"/>
+            <a:r>
+              <a:rPr kumimoji="1" lang="ja-JP" altLang="en-US" b="1" dirty="0" smtClean="0">
+                <a:ln w="0"/>
+                <a:effectLst>
+                  <a:outerShdw blurRad="38100" dist="19050" dir="2700000" algn="tl" rotWithShape="0">
+                    <a:schemeClr val="dk1">
+                      <a:alpha val="40000"/>
+                    </a:schemeClr>
+                  </a:outerShdw>
+                </a:effectLst>
+              </a:rPr>
+              <a:t>応答速度を</a:t>
+            </a:r>
+            <a:r>
+              <a:rPr kumimoji="1" lang="en-US" altLang="ja-JP" b="1" dirty="0" smtClean="0">
+                <a:ln w="0"/>
+                <a:effectLst>
+                  <a:outerShdw blurRad="38100" dist="19050" dir="2700000" algn="tl" rotWithShape="0">
+                    <a:schemeClr val="dk1">
+                      <a:alpha val="40000"/>
+                    </a:schemeClr>
+                  </a:outerShdw>
+                </a:effectLst>
+              </a:rPr>
+              <a:t/>
+            </a:r>
+            <a:br>
+              <a:rPr kumimoji="1" lang="en-US" altLang="ja-JP" b="1" dirty="0" smtClean="0">
+                <a:ln w="0"/>
+                <a:effectLst>
+                  <a:outerShdw blurRad="38100" dist="19050" dir="2700000" algn="tl" rotWithShape="0">
+                    <a:schemeClr val="dk1">
+                      <a:alpha val="40000"/>
+                    </a:schemeClr>
+                  </a:outerShdw>
+                </a:effectLst>
+              </a:rPr>
+            </a:br>
+            <a:r>
+              <a:rPr kumimoji="1" lang="en-US" altLang="ja-JP" b="1" dirty="0" smtClean="0">
+                <a:ln w="0"/>
+                <a:effectLst>
+                  <a:outerShdw blurRad="38100" dist="19050" dir="2700000" algn="tl" rotWithShape="0">
+                    <a:schemeClr val="dk1">
+                      <a:alpha val="40000"/>
+                    </a:schemeClr>
+                  </a:outerShdw>
+                </a:effectLst>
+              </a:rPr>
+              <a:t>DB</a:t>
+            </a:r>
+            <a:r>
+              <a:rPr kumimoji="1" lang="ja-JP" altLang="en-US" b="1" dirty="0" smtClean="0">
+                <a:ln w="0"/>
+                <a:effectLst>
+                  <a:outerShdw blurRad="38100" dist="19050" dir="2700000" algn="tl" rotWithShape="0">
+                    <a:schemeClr val="dk1">
+                      <a:alpha val="40000"/>
+                    </a:schemeClr>
+                  </a:outerShdw>
+                </a:effectLst>
+              </a:rPr>
+              <a:t>へ保管</a:t>
+            </a:r>
+            <a:endParaRPr kumimoji="1" lang="ja-JP" altLang="en-US" dirty="0"/>
+          </a:p>
+        </p:txBody>
+      </p:sp>
+      <p:sp>
+        <p:nvSpPr>
+          <p:cNvPr id="28" name="下矢印 27"/>
+          <p:cNvSpPr/>
+          <p:nvPr/>
+        </p:nvSpPr>
+        <p:spPr>
+          <a:xfrm>
+            <a:off x="4365518" y="3349591"/>
+            <a:ext cx="639774" cy="473436"/>
+          </a:xfrm>
+          <a:prstGeom prst="downArrow">
+            <a:avLst/>
+          </a:prstGeom>
+          <a:solidFill>
+            <a:schemeClr val="tx1">
+              <a:lumMod val="50000"/>
+              <a:lumOff val="50000"/>
+            </a:schemeClr>
+          </a:solidFill>
+          <a:ln>
+            <a:noFill/>
+          </a:ln>
+        </p:spPr>
+        <p:style>
+          <a:lnRef idx="2">
+            <a:schemeClr val="accent1">
+              <a:shade val="50000"/>
+            </a:schemeClr>
+          </a:lnRef>
+          <a:fillRef idx="1">
+            <a:schemeClr val="accent1"/>
+          </a:fillRef>
+          <a:effectRef idx="0">
+            <a:schemeClr val="accent1"/>
+          </a:effectRef>
+          <a:fontRef idx="minor">
+            <a:schemeClr val="lt1"/>
+          </a:fontRef>
+        </p:style>
+        <p:txBody>
+          <a:bodyPr rtlCol="0" anchor="ctr"/>
+          <a:lstStyle/>
+          <a:p>
+            <a:pPr algn="ctr"/>
+            <a:endParaRPr kumimoji="1" lang="ja-JP" altLang="en-US"/>
+          </a:p>
+        </p:txBody>
+      </p:sp>
+    </p:spTree>
+    <p:extLst>
+      <p:ext uri="{BB962C8B-B14F-4D97-AF65-F5344CB8AC3E}">
+        <p14:creationId xmlns:p14="http://schemas.microsoft.com/office/powerpoint/2010/main" val="2320294555"/>
+      </p:ext>
+    </p:extLst>
+  </p:cSld>
+  <p:clrMapOvr>
+    <a:masterClrMapping/>
+  </p:clrMapOvr>
+</p:sld>
+</file>
+
+<file path=ppt/slides/slide4.xml><?xml version="1.0" encoding="utf-8"?>
 <p:sld xmlns:a="http://schemas.openxmlformats.org/drawingml/2006/main" xmlns:r="http://schemas.openxmlformats.org/officeDocument/2006/relationships" xmlns:p="http://schemas.openxmlformats.org/presentationml/2006/main">
   <p:cSld>
     <p:spTree>
@@ -19627,7 +20987,7 @@
 </p:sld>
 </file>
 
-<file path=ppt/slides/slide4.xml><?xml version="1.0" encoding="utf-8"?>
+<file path=ppt/slides/slide5.xml><?xml version="1.0" encoding="utf-8"?>
 <p:sld xmlns:a="http://schemas.openxmlformats.org/drawingml/2006/main" xmlns:r="http://schemas.openxmlformats.org/officeDocument/2006/relationships" xmlns:p="http://schemas.openxmlformats.org/presentationml/2006/main">
   <p:cSld>
     <p:spTree>
@@ -19838,7 +21198,7 @@
 </p:sld>
 </file>
 
-<file path=ppt/slides/slide5.xml><?xml version="1.0" encoding="utf-8"?>
+<file path=ppt/slides/slide6.xml><?xml version="1.0" encoding="utf-8"?>
 <p:sld xmlns:a="http://schemas.openxmlformats.org/drawingml/2006/main" xmlns:r="http://schemas.openxmlformats.org/officeDocument/2006/relationships" xmlns:p="http://schemas.openxmlformats.org/presentationml/2006/main">
   <p:cSld>
     <p:spTree>
@@ -20646,7 +22006,7 @@
 </p:sld>
 </file>
 
-<file path=ppt/slides/slide6.xml><?xml version="1.0" encoding="utf-8"?>
+<file path=ppt/slides/slide7.xml><?xml version="1.0" encoding="utf-8"?>
 <p:sld xmlns:a="http://schemas.openxmlformats.org/drawingml/2006/main" xmlns:r="http://schemas.openxmlformats.org/officeDocument/2006/relationships" xmlns:p="http://schemas.openxmlformats.org/presentationml/2006/main">
   <p:cSld>
     <p:spTree>
@@ -20700,7 +22060,7 @@
 </p:sld>
 </file>
 
-<file path=ppt/slides/slide7.xml><?xml version="1.0" encoding="utf-8"?>
+<file path=ppt/slides/slide8.xml><?xml version="1.0" encoding="utf-8"?>
 <p:sld xmlns:a="http://schemas.openxmlformats.org/drawingml/2006/main" xmlns:r="http://schemas.openxmlformats.org/officeDocument/2006/relationships" xmlns:p="http://schemas.openxmlformats.org/presentationml/2006/main">
   <p:cSld>
     <p:spTree>
@@ -21938,7 +23298,7 @@
 </p:sld>
 </file>
 
-<file path=ppt/slides/slide8.xml><?xml version="1.0" encoding="utf-8"?>
+<file path=ppt/slides/slide9.xml><?xml version="1.0" encoding="utf-8"?>
 <p:sld xmlns:a="http://schemas.openxmlformats.org/drawingml/2006/main" xmlns:r="http://schemas.openxmlformats.org/officeDocument/2006/relationships" xmlns:p="http://schemas.openxmlformats.org/presentationml/2006/main">
   <p:cSld>
     <p:spTree>
@@ -22771,1009 +24131,6 @@
     <p:extLst>
       <p:ext uri="{BB962C8B-B14F-4D97-AF65-F5344CB8AC3E}">
         <p14:creationId xmlns:p14="http://schemas.microsoft.com/office/powerpoint/2010/main" val="3795616461"/>
-      </p:ext>
-    </p:extLst>
-  </p:cSld>
-  <p:clrMapOvr>
-    <a:masterClrMapping/>
-  </p:clrMapOvr>
-</p:sld>
-</file>
-
-<file path=ppt/slides/slide9.xml><?xml version="1.0" encoding="utf-8"?>
-<p:sld xmlns:a="http://schemas.openxmlformats.org/drawingml/2006/main" xmlns:r="http://schemas.openxmlformats.org/officeDocument/2006/relationships" xmlns:p="http://schemas.openxmlformats.org/presentationml/2006/main">
-  <p:cSld>
-    <p:spTree>
-      <p:nvGrpSpPr>
-        <p:cNvPr id="1" name=""/>
-        <p:cNvGrpSpPr/>
-        <p:nvPr/>
-      </p:nvGrpSpPr>
-      <p:grpSpPr>
-        <a:xfrm>
-          <a:off x="0" y="0"/>
-          <a:ext cx="0" cy="0"/>
-          <a:chOff x="0" y="0"/>
-          <a:chExt cx="0" cy="0"/>
-        </a:xfrm>
-      </p:grpSpPr>
-      <p:sp>
-        <p:nvSpPr>
-          <p:cNvPr id="31" name="直方体 30"/>
-          <p:cNvSpPr/>
-          <p:nvPr/>
-        </p:nvSpPr>
-        <p:spPr>
-          <a:xfrm>
-            <a:off x="4856207" y="1719683"/>
-            <a:ext cx="1359462" cy="772790"/>
-          </a:xfrm>
-          <a:prstGeom prst="cube">
-            <a:avLst/>
-          </a:prstGeom>
-          <a:solidFill>
-            <a:schemeClr val="accent2">
-              <a:lumMod val="20000"/>
-              <a:lumOff val="80000"/>
-            </a:schemeClr>
-          </a:solidFill>
-          <a:ln>
-            <a:solidFill>
-              <a:schemeClr val="bg1">
-                <a:lumMod val="50000"/>
-              </a:schemeClr>
-            </a:solidFill>
-          </a:ln>
-        </p:spPr>
-        <p:style>
-          <a:lnRef idx="2">
-            <a:schemeClr val="accent1">
-              <a:shade val="50000"/>
-            </a:schemeClr>
-          </a:lnRef>
-          <a:fillRef idx="1">
-            <a:schemeClr val="accent1"/>
-          </a:fillRef>
-          <a:effectRef idx="0">
-            <a:schemeClr val="accent1"/>
-          </a:effectRef>
-          <a:fontRef idx="minor">
-            <a:schemeClr val="lt1"/>
-          </a:fontRef>
-        </p:style>
-        <p:txBody>
-          <a:bodyPr rtlCol="0" anchor="ctr"/>
-          <a:lstStyle/>
-          <a:p>
-            <a:pPr algn="ctr"/>
-            <a:endParaRPr kumimoji="1" lang="ja-JP" altLang="en-US" dirty="0">
-              <a:solidFill>
-                <a:schemeClr val="tx1"/>
-              </a:solidFill>
-            </a:endParaRPr>
-          </a:p>
-        </p:txBody>
-      </p:sp>
-      <p:cxnSp>
-        <p:nvCxnSpPr>
-          <p:cNvPr id="15" name="直線コネクタ 14"/>
-          <p:cNvCxnSpPr/>
-          <p:nvPr/>
-        </p:nvCxnSpPr>
-        <p:spPr>
-          <a:xfrm flipV="1">
-            <a:off x="2039252" y="3555451"/>
-            <a:ext cx="2520558" cy="20231"/>
-          </a:xfrm>
-          <a:prstGeom prst="line">
-            <a:avLst/>
-          </a:prstGeom>
-          <a:ln w="28575"/>
-        </p:spPr>
-        <p:style>
-          <a:lnRef idx="1">
-            <a:schemeClr val="accent2"/>
-          </a:lnRef>
-          <a:fillRef idx="0">
-            <a:schemeClr val="accent2"/>
-          </a:fillRef>
-          <a:effectRef idx="0">
-            <a:schemeClr val="accent2"/>
-          </a:effectRef>
-          <a:fontRef idx="minor">
-            <a:schemeClr val="tx1"/>
-          </a:fontRef>
-        </p:style>
-      </p:cxnSp>
-      <p:sp>
-        <p:nvSpPr>
-          <p:cNvPr id="4" name="雲 3"/>
-          <p:cNvSpPr/>
-          <p:nvPr/>
-        </p:nvSpPr>
-        <p:spPr>
-          <a:xfrm>
-            <a:off x="547730" y="3102298"/>
-            <a:ext cx="1691235" cy="946768"/>
-          </a:xfrm>
-          <a:prstGeom prst="cloud">
-            <a:avLst/>
-          </a:prstGeom>
-          <a:solidFill>
-            <a:schemeClr val="accent2">
-              <a:lumMod val="20000"/>
-              <a:lumOff val="80000"/>
-            </a:schemeClr>
-          </a:solidFill>
-          <a:ln>
-            <a:solidFill>
-              <a:schemeClr val="bg1">
-                <a:lumMod val="50000"/>
-              </a:schemeClr>
-            </a:solidFill>
-          </a:ln>
-        </p:spPr>
-        <p:style>
-          <a:lnRef idx="2">
-            <a:schemeClr val="accent1">
-              <a:shade val="50000"/>
-            </a:schemeClr>
-          </a:lnRef>
-          <a:fillRef idx="1">
-            <a:schemeClr val="accent1"/>
-          </a:fillRef>
-          <a:effectRef idx="0">
-            <a:schemeClr val="accent1"/>
-          </a:effectRef>
-          <a:fontRef idx="minor">
-            <a:schemeClr val="lt1"/>
-          </a:fontRef>
-        </p:style>
-        <p:txBody>
-          <a:bodyPr rtlCol="0" anchor="ctr"/>
-          <a:lstStyle/>
-          <a:p>
-            <a:pPr algn="ctr"/>
-            <a:endParaRPr kumimoji="1" lang="ja-JP" altLang="en-US"/>
-          </a:p>
-        </p:txBody>
-      </p:sp>
-      <p:sp>
-        <p:nvSpPr>
-          <p:cNvPr id="5" name="フローチャート: 磁気ディスク 4"/>
-          <p:cNvSpPr/>
-          <p:nvPr/>
-        </p:nvSpPr>
-        <p:spPr>
-          <a:xfrm>
-            <a:off x="2538371" y="3061837"/>
-            <a:ext cx="1124793" cy="987229"/>
-          </a:xfrm>
-          <a:prstGeom prst="flowChartMagneticDisk">
-            <a:avLst/>
-          </a:prstGeom>
-          <a:solidFill>
-            <a:schemeClr val="accent2">
-              <a:lumMod val="20000"/>
-              <a:lumOff val="80000"/>
-            </a:schemeClr>
-          </a:solidFill>
-          <a:ln>
-            <a:solidFill>
-              <a:schemeClr val="bg1">
-                <a:lumMod val="50000"/>
-              </a:schemeClr>
-            </a:solidFill>
-          </a:ln>
-        </p:spPr>
-        <p:style>
-          <a:lnRef idx="2">
-            <a:schemeClr val="accent1">
-              <a:shade val="50000"/>
-            </a:schemeClr>
-          </a:lnRef>
-          <a:fillRef idx="1">
-            <a:schemeClr val="accent1"/>
-          </a:fillRef>
-          <a:effectRef idx="0">
-            <a:schemeClr val="accent1"/>
-          </a:effectRef>
-          <a:fontRef idx="minor">
-            <a:schemeClr val="lt1"/>
-          </a:fontRef>
-        </p:style>
-        <p:txBody>
-          <a:bodyPr rtlCol="0" anchor="ctr"/>
-          <a:lstStyle/>
-          <a:p>
-            <a:pPr algn="ctr"/>
-            <a:endParaRPr kumimoji="1" lang="ja-JP" altLang="en-US"/>
-          </a:p>
-        </p:txBody>
-      </p:sp>
-      <p:sp>
-        <p:nvSpPr>
-          <p:cNvPr id="7" name="直方体 6"/>
-          <p:cNvSpPr/>
-          <p:nvPr/>
-        </p:nvSpPr>
-        <p:spPr>
-          <a:xfrm>
-            <a:off x="4078384" y="3169056"/>
-            <a:ext cx="1359462" cy="772790"/>
-          </a:xfrm>
-          <a:prstGeom prst="cube">
-            <a:avLst/>
-          </a:prstGeom>
-          <a:solidFill>
-            <a:schemeClr val="accent2">
-              <a:lumMod val="20000"/>
-              <a:lumOff val="80000"/>
-            </a:schemeClr>
-          </a:solidFill>
-          <a:ln>
-            <a:solidFill>
-              <a:schemeClr val="bg1">
-                <a:lumMod val="50000"/>
-              </a:schemeClr>
-            </a:solidFill>
-          </a:ln>
-        </p:spPr>
-        <p:style>
-          <a:lnRef idx="2">
-            <a:schemeClr val="accent1">
-              <a:shade val="50000"/>
-            </a:schemeClr>
-          </a:lnRef>
-          <a:fillRef idx="1">
-            <a:schemeClr val="accent1"/>
-          </a:fillRef>
-          <a:effectRef idx="0">
-            <a:schemeClr val="accent1"/>
-          </a:effectRef>
-          <a:fontRef idx="minor">
-            <a:schemeClr val="lt1"/>
-          </a:fontRef>
-        </p:style>
-        <p:txBody>
-          <a:bodyPr rtlCol="0" anchor="ctr"/>
-          <a:lstStyle/>
-          <a:p>
-            <a:pPr algn="ctr"/>
-            <a:endParaRPr kumimoji="1" lang="ja-JP" altLang="en-US" dirty="0">
-              <a:solidFill>
-                <a:schemeClr val="tx1"/>
-              </a:solidFill>
-            </a:endParaRPr>
-          </a:p>
-        </p:txBody>
-      </p:sp>
-      <p:sp>
-        <p:nvSpPr>
-          <p:cNvPr id="8" name="フローチャート: 代替処理 7"/>
-          <p:cNvSpPr/>
-          <p:nvPr/>
-        </p:nvSpPr>
-        <p:spPr>
-          <a:xfrm>
-            <a:off x="7013266" y="2236449"/>
-            <a:ext cx="679730" cy="825388"/>
-          </a:xfrm>
-          <a:prstGeom prst="flowChartAlternateProcess">
-            <a:avLst/>
-          </a:prstGeom>
-          <a:solidFill>
-            <a:schemeClr val="accent2">
-              <a:lumMod val="20000"/>
-              <a:lumOff val="80000"/>
-            </a:schemeClr>
-          </a:solidFill>
-          <a:ln>
-            <a:solidFill>
-              <a:schemeClr val="bg1">
-                <a:lumMod val="50000"/>
-              </a:schemeClr>
-            </a:solidFill>
-          </a:ln>
-        </p:spPr>
-        <p:style>
-          <a:lnRef idx="2">
-            <a:schemeClr val="accent1">
-              <a:shade val="50000"/>
-            </a:schemeClr>
-          </a:lnRef>
-          <a:fillRef idx="1">
-            <a:schemeClr val="accent1"/>
-          </a:fillRef>
-          <a:effectRef idx="0">
-            <a:schemeClr val="accent1"/>
-          </a:effectRef>
-          <a:fontRef idx="minor">
-            <a:schemeClr val="lt1"/>
-          </a:fontRef>
-        </p:style>
-        <p:txBody>
-          <a:bodyPr rtlCol="0" anchor="ctr"/>
-          <a:lstStyle/>
-          <a:p>
-            <a:pPr algn="ctr"/>
-            <a:endParaRPr kumimoji="1" lang="ja-JP" altLang="en-US"/>
-          </a:p>
-        </p:txBody>
-      </p:sp>
-      <p:sp>
-        <p:nvSpPr>
-          <p:cNvPr id="9" name="フローチャート: 代替処理 8"/>
-          <p:cNvSpPr/>
-          <p:nvPr/>
-        </p:nvSpPr>
-        <p:spPr>
-          <a:xfrm>
-            <a:off x="7013266" y="3223677"/>
-            <a:ext cx="679730" cy="825388"/>
-          </a:xfrm>
-          <a:prstGeom prst="flowChartAlternateProcess">
-            <a:avLst/>
-          </a:prstGeom>
-          <a:solidFill>
-            <a:schemeClr val="accent2">
-              <a:lumMod val="20000"/>
-              <a:lumOff val="80000"/>
-            </a:schemeClr>
-          </a:solidFill>
-          <a:ln>
-            <a:solidFill>
-              <a:schemeClr val="bg1">
-                <a:lumMod val="50000"/>
-              </a:schemeClr>
-            </a:solidFill>
-          </a:ln>
-        </p:spPr>
-        <p:style>
-          <a:lnRef idx="2">
-            <a:schemeClr val="accent1">
-              <a:shade val="50000"/>
-            </a:schemeClr>
-          </a:lnRef>
-          <a:fillRef idx="1">
-            <a:schemeClr val="accent1"/>
-          </a:fillRef>
-          <a:effectRef idx="0">
-            <a:schemeClr val="accent1"/>
-          </a:effectRef>
-          <a:fontRef idx="minor">
-            <a:schemeClr val="lt1"/>
-          </a:fontRef>
-        </p:style>
-        <p:txBody>
-          <a:bodyPr rtlCol="0" anchor="ctr"/>
-          <a:lstStyle/>
-          <a:p>
-            <a:pPr algn="ctr"/>
-            <a:endParaRPr kumimoji="1" lang="ja-JP" altLang="en-US"/>
-          </a:p>
-        </p:txBody>
-      </p:sp>
-      <p:sp>
-        <p:nvSpPr>
-          <p:cNvPr id="10" name="フローチャート: 代替処理 9"/>
-          <p:cNvSpPr/>
-          <p:nvPr/>
-        </p:nvSpPr>
-        <p:spPr>
-          <a:xfrm>
-            <a:off x="7013266" y="4245986"/>
-            <a:ext cx="679730" cy="825388"/>
-          </a:xfrm>
-          <a:prstGeom prst="flowChartAlternateProcess">
-            <a:avLst/>
-          </a:prstGeom>
-          <a:solidFill>
-            <a:schemeClr val="accent2">
-              <a:lumMod val="20000"/>
-              <a:lumOff val="80000"/>
-            </a:schemeClr>
-          </a:solidFill>
-          <a:ln>
-            <a:solidFill>
-              <a:schemeClr val="bg1">
-                <a:lumMod val="50000"/>
-              </a:schemeClr>
-            </a:solidFill>
-          </a:ln>
-        </p:spPr>
-        <p:style>
-          <a:lnRef idx="2">
-            <a:schemeClr val="accent1">
-              <a:shade val="50000"/>
-            </a:schemeClr>
-          </a:lnRef>
-          <a:fillRef idx="1">
-            <a:schemeClr val="accent1"/>
-          </a:fillRef>
-          <a:effectRef idx="0">
-            <a:schemeClr val="accent1"/>
-          </a:effectRef>
-          <a:fontRef idx="minor">
-            <a:schemeClr val="lt1"/>
-          </a:fontRef>
-        </p:style>
-        <p:txBody>
-          <a:bodyPr rtlCol="0" anchor="ctr"/>
-          <a:lstStyle/>
-          <a:p>
-            <a:pPr algn="ctr"/>
-            <a:endParaRPr kumimoji="1" lang="ja-JP" altLang="en-US"/>
-          </a:p>
-        </p:txBody>
-      </p:sp>
-      <p:sp>
-        <p:nvSpPr>
-          <p:cNvPr id="11" name="テキスト ボックス 10"/>
-          <p:cNvSpPr txBox="1"/>
-          <p:nvPr/>
-        </p:nvSpPr>
-        <p:spPr>
-          <a:xfrm>
-            <a:off x="3857868" y="4014447"/>
-            <a:ext cx="1800493" cy="369332"/>
-          </a:xfrm>
-          <a:prstGeom prst="rect">
-            <a:avLst/>
-          </a:prstGeom>
-          <a:noFill/>
-        </p:spPr>
-        <p:txBody>
-          <a:bodyPr wrap="none" rtlCol="0">
-            <a:spAutoFit/>
-          </a:bodyPr>
-          <a:lstStyle/>
-          <a:p>
-            <a:r>
-              <a:rPr kumimoji="1" lang="ja-JP" altLang="en-US" dirty="0" smtClean="0"/>
-              <a:t>ロードバランサ</a:t>
-            </a:r>
-            <a:endParaRPr kumimoji="1" lang="ja-JP" altLang="en-US" dirty="0"/>
-          </a:p>
-        </p:txBody>
-      </p:sp>
-      <p:sp>
-        <p:nvSpPr>
-          <p:cNvPr id="12" name="テキスト ボックス 11"/>
-          <p:cNvSpPr txBox="1"/>
-          <p:nvPr/>
-        </p:nvSpPr>
-        <p:spPr>
-          <a:xfrm>
-            <a:off x="2538371" y="4061320"/>
-            <a:ext cx="1107996" cy="369332"/>
-          </a:xfrm>
-          <a:prstGeom prst="rect">
-            <a:avLst/>
-          </a:prstGeom>
-          <a:noFill/>
-        </p:spPr>
-        <p:txBody>
-          <a:bodyPr wrap="none" rtlCol="0">
-            <a:spAutoFit/>
-          </a:bodyPr>
-          <a:lstStyle/>
-          <a:p>
-            <a:r>
-              <a:rPr kumimoji="1" lang="ja-JP" altLang="en-US" dirty="0" smtClean="0"/>
-              <a:t>ルーター</a:t>
-            </a:r>
-            <a:endParaRPr kumimoji="1" lang="ja-JP" altLang="en-US" dirty="0"/>
-          </a:p>
-        </p:txBody>
-      </p:sp>
-      <p:sp>
-        <p:nvSpPr>
-          <p:cNvPr id="13" name="テキスト ボックス 12"/>
-          <p:cNvSpPr txBox="1"/>
-          <p:nvPr/>
-        </p:nvSpPr>
-        <p:spPr>
-          <a:xfrm>
-            <a:off x="1062583" y="3391016"/>
-            <a:ext cx="661528" cy="369332"/>
-          </a:xfrm>
-          <a:prstGeom prst="rect">
-            <a:avLst/>
-          </a:prstGeom>
-          <a:noFill/>
-        </p:spPr>
-        <p:txBody>
-          <a:bodyPr wrap="none" rtlCol="0">
-            <a:spAutoFit/>
-          </a:bodyPr>
-          <a:lstStyle/>
-          <a:p>
-            <a:r>
-              <a:rPr kumimoji="1" lang="en-US" altLang="ja-JP" dirty="0" smtClean="0"/>
-              <a:t>WAN</a:t>
-            </a:r>
-            <a:endParaRPr kumimoji="1" lang="ja-JP" altLang="en-US" dirty="0"/>
-          </a:p>
-        </p:txBody>
-      </p:sp>
-      <p:sp>
-        <p:nvSpPr>
-          <p:cNvPr id="24" name="テキスト ボックス 23"/>
-          <p:cNvSpPr txBox="1"/>
-          <p:nvPr/>
-        </p:nvSpPr>
-        <p:spPr>
-          <a:xfrm>
-            <a:off x="7721168" y="2451120"/>
-            <a:ext cx="1010213" cy="369332"/>
-          </a:xfrm>
-          <a:prstGeom prst="rect">
-            <a:avLst/>
-          </a:prstGeom>
-          <a:noFill/>
-        </p:spPr>
-        <p:txBody>
-          <a:bodyPr wrap="none" rtlCol="0">
-            <a:spAutoFit/>
-          </a:bodyPr>
-          <a:lstStyle/>
-          <a:p>
-            <a:r>
-              <a:rPr kumimoji="1" lang="ja-JP" altLang="en-US" dirty="0" smtClean="0"/>
-              <a:t>サーバ</a:t>
-            </a:r>
-            <a:r>
-              <a:rPr kumimoji="1" lang="en-US" altLang="ja-JP" dirty="0" smtClean="0"/>
-              <a:t>A</a:t>
-            </a:r>
-            <a:endParaRPr kumimoji="1" lang="ja-JP" altLang="en-US" dirty="0"/>
-          </a:p>
-        </p:txBody>
-      </p:sp>
-      <p:sp>
-        <p:nvSpPr>
-          <p:cNvPr id="25" name="テキスト ボックス 24"/>
-          <p:cNvSpPr txBox="1"/>
-          <p:nvPr/>
-        </p:nvSpPr>
-        <p:spPr>
-          <a:xfrm>
-            <a:off x="7718424" y="3451705"/>
-            <a:ext cx="1002197" cy="369332"/>
-          </a:xfrm>
-          <a:prstGeom prst="rect">
-            <a:avLst/>
-          </a:prstGeom>
-          <a:noFill/>
-        </p:spPr>
-        <p:txBody>
-          <a:bodyPr wrap="none" rtlCol="0">
-            <a:spAutoFit/>
-          </a:bodyPr>
-          <a:lstStyle/>
-          <a:p>
-            <a:r>
-              <a:rPr kumimoji="1" lang="ja-JP" altLang="en-US" dirty="0" smtClean="0"/>
-              <a:t>サーバ</a:t>
-            </a:r>
-            <a:r>
-              <a:rPr kumimoji="1" lang="en-US" altLang="ja-JP" dirty="0"/>
-              <a:t>B</a:t>
-            </a:r>
-            <a:endParaRPr kumimoji="1" lang="ja-JP" altLang="en-US" dirty="0"/>
-          </a:p>
-        </p:txBody>
-      </p:sp>
-      <p:sp>
-        <p:nvSpPr>
-          <p:cNvPr id="26" name="テキスト ボックス 25"/>
-          <p:cNvSpPr txBox="1"/>
-          <p:nvPr/>
-        </p:nvSpPr>
-        <p:spPr>
-          <a:xfrm>
-            <a:off x="7675910" y="4485336"/>
-            <a:ext cx="1000595" cy="369332"/>
-          </a:xfrm>
-          <a:prstGeom prst="rect">
-            <a:avLst/>
-          </a:prstGeom>
-          <a:noFill/>
-        </p:spPr>
-        <p:txBody>
-          <a:bodyPr wrap="none" rtlCol="0">
-            <a:spAutoFit/>
-          </a:bodyPr>
-          <a:lstStyle/>
-          <a:p>
-            <a:r>
-              <a:rPr kumimoji="1" lang="ja-JP" altLang="en-US" dirty="0" smtClean="0"/>
-              <a:t>サーバ</a:t>
-            </a:r>
-            <a:r>
-              <a:rPr kumimoji="1" lang="en-US" altLang="ja-JP" dirty="0"/>
-              <a:t>C</a:t>
-            </a:r>
-            <a:endParaRPr kumimoji="1" lang="ja-JP" altLang="en-US" dirty="0"/>
-          </a:p>
-        </p:txBody>
-      </p:sp>
-      <p:sp>
-        <p:nvSpPr>
-          <p:cNvPr id="27" name="テキスト ボックス 26"/>
-          <p:cNvSpPr txBox="1"/>
-          <p:nvPr/>
-        </p:nvSpPr>
-        <p:spPr>
-          <a:xfrm>
-            <a:off x="4058610" y="1251990"/>
-            <a:ext cx="2954655" cy="369332"/>
-          </a:xfrm>
-          <a:prstGeom prst="rect">
-            <a:avLst/>
-          </a:prstGeom>
-          <a:noFill/>
-        </p:spPr>
-        <p:txBody>
-          <a:bodyPr wrap="none" rtlCol="0">
-            <a:spAutoFit/>
-          </a:bodyPr>
-          <a:lstStyle/>
-          <a:p>
-            <a:r>
-              <a:rPr kumimoji="1" lang="ja-JP" altLang="en-US" dirty="0" smtClean="0"/>
-              <a:t>平均応答速度</a:t>
-            </a:r>
-            <a:r>
-              <a:rPr kumimoji="1" lang="ja-JP" altLang="en-US" dirty="0"/>
-              <a:t>の</a:t>
-            </a:r>
-            <a:r>
-              <a:rPr kumimoji="1" lang="ja-JP" altLang="en-US" dirty="0" smtClean="0"/>
-              <a:t>計測サーバ</a:t>
-            </a:r>
-            <a:endParaRPr kumimoji="1" lang="ja-JP" altLang="en-US" dirty="0"/>
-          </a:p>
-        </p:txBody>
-      </p:sp>
-      <p:sp>
-        <p:nvSpPr>
-          <p:cNvPr id="28" name="テキスト ボックス 27"/>
-          <p:cNvSpPr txBox="1"/>
-          <p:nvPr/>
-        </p:nvSpPr>
-        <p:spPr>
-          <a:xfrm>
-            <a:off x="6477659" y="5169735"/>
-            <a:ext cx="1800493" cy="369332"/>
-          </a:xfrm>
-          <a:prstGeom prst="rect">
-            <a:avLst/>
-          </a:prstGeom>
-          <a:noFill/>
-        </p:spPr>
-        <p:txBody>
-          <a:bodyPr wrap="none" rtlCol="0">
-            <a:spAutoFit/>
-          </a:bodyPr>
-          <a:lstStyle/>
-          <a:p>
-            <a:r>
-              <a:rPr kumimoji="1" lang="ja-JP" altLang="en-US" dirty="0" smtClean="0"/>
-              <a:t>冗長的なサーバ</a:t>
-            </a:r>
-            <a:endParaRPr kumimoji="1" lang="ja-JP" altLang="en-US" dirty="0"/>
-          </a:p>
-        </p:txBody>
-      </p:sp>
-      <p:cxnSp>
-        <p:nvCxnSpPr>
-          <p:cNvPr id="41" name="直線コネクタ 40"/>
-          <p:cNvCxnSpPr>
-            <a:stCxn id="31" idx="5"/>
-            <a:endCxn id="8" idx="1"/>
-          </p:cNvCxnSpPr>
-          <p:nvPr/>
-        </p:nvCxnSpPr>
-        <p:spPr>
-          <a:xfrm>
-            <a:off x="6215669" y="2009479"/>
-            <a:ext cx="797597" cy="639664"/>
-          </a:xfrm>
-          <a:prstGeom prst="line">
-            <a:avLst/>
-          </a:prstGeom>
-          <a:ln w="12700"/>
-        </p:spPr>
-        <p:style>
-          <a:lnRef idx="1">
-            <a:schemeClr val="dk1"/>
-          </a:lnRef>
-          <a:fillRef idx="0">
-            <a:schemeClr val="dk1"/>
-          </a:fillRef>
-          <a:effectRef idx="0">
-            <a:schemeClr val="dk1"/>
-          </a:effectRef>
-          <a:fontRef idx="minor">
-            <a:schemeClr val="tx1"/>
-          </a:fontRef>
-        </p:style>
-      </p:cxnSp>
-      <p:cxnSp>
-        <p:nvCxnSpPr>
-          <p:cNvPr id="42" name="直線コネクタ 41"/>
-          <p:cNvCxnSpPr>
-            <a:stCxn id="31" idx="5"/>
-            <a:endCxn id="9" idx="1"/>
-          </p:cNvCxnSpPr>
-          <p:nvPr/>
-        </p:nvCxnSpPr>
-        <p:spPr>
-          <a:xfrm>
-            <a:off x="6215669" y="2009479"/>
-            <a:ext cx="797597" cy="1626892"/>
-          </a:xfrm>
-          <a:prstGeom prst="line">
-            <a:avLst/>
-          </a:prstGeom>
-          <a:ln w="12700"/>
-        </p:spPr>
-        <p:style>
-          <a:lnRef idx="1">
-            <a:schemeClr val="dk1"/>
-          </a:lnRef>
-          <a:fillRef idx="0">
-            <a:schemeClr val="dk1"/>
-          </a:fillRef>
-          <a:effectRef idx="0">
-            <a:schemeClr val="dk1"/>
-          </a:effectRef>
-          <a:fontRef idx="minor">
-            <a:schemeClr val="tx1"/>
-          </a:fontRef>
-        </p:style>
-      </p:cxnSp>
-      <p:cxnSp>
-        <p:nvCxnSpPr>
-          <p:cNvPr id="45" name="直線コネクタ 44"/>
-          <p:cNvCxnSpPr>
-            <a:stCxn id="31" idx="5"/>
-            <a:endCxn id="10" idx="1"/>
-          </p:cNvCxnSpPr>
-          <p:nvPr/>
-        </p:nvCxnSpPr>
-        <p:spPr>
-          <a:xfrm>
-            <a:off x="6215669" y="2009479"/>
-            <a:ext cx="797597" cy="2649201"/>
-          </a:xfrm>
-          <a:prstGeom prst="line">
-            <a:avLst/>
-          </a:prstGeom>
-          <a:ln w="12700"/>
-        </p:spPr>
-        <p:style>
-          <a:lnRef idx="1">
-            <a:schemeClr val="dk1"/>
-          </a:lnRef>
-          <a:fillRef idx="0">
-            <a:schemeClr val="dk1"/>
-          </a:fillRef>
-          <a:effectRef idx="0">
-            <a:schemeClr val="dk1"/>
-          </a:effectRef>
-          <a:fontRef idx="minor">
-            <a:schemeClr val="tx1"/>
-          </a:fontRef>
-        </p:style>
-      </p:cxnSp>
-      <p:sp>
-        <p:nvSpPr>
-          <p:cNvPr id="51" name="テキスト ボックス 50"/>
-          <p:cNvSpPr txBox="1"/>
-          <p:nvPr/>
-        </p:nvSpPr>
-        <p:spPr>
-          <a:xfrm>
-            <a:off x="6338763" y="2009479"/>
-            <a:ext cx="646331" cy="369332"/>
-          </a:xfrm>
-          <a:prstGeom prst="rect">
-            <a:avLst/>
-          </a:prstGeom>
-          <a:noFill/>
-        </p:spPr>
-        <p:txBody>
-          <a:bodyPr wrap="none" rtlCol="0">
-            <a:spAutoFit/>
-          </a:bodyPr>
-          <a:lstStyle/>
-          <a:p>
-            <a:r>
-              <a:rPr kumimoji="1" lang="ja-JP" altLang="en-US"/>
-              <a:t>計測</a:t>
-            </a:r>
-          </a:p>
-        </p:txBody>
-      </p:sp>
-      <p:cxnSp>
-        <p:nvCxnSpPr>
-          <p:cNvPr id="53" name="直線矢印コネクタ 52"/>
-          <p:cNvCxnSpPr>
-            <a:stCxn id="31" idx="3"/>
-            <a:endCxn id="7" idx="0"/>
-          </p:cNvCxnSpPr>
-          <p:nvPr/>
-        </p:nvCxnSpPr>
-        <p:spPr>
-          <a:xfrm flipH="1">
-            <a:off x="4854714" y="2492473"/>
-            <a:ext cx="584625" cy="676583"/>
-          </a:xfrm>
-          <a:prstGeom prst="straightConnector1">
-            <a:avLst/>
-          </a:prstGeom>
-          <a:ln w="12700">
-            <a:tailEnd type="triangle"/>
-          </a:ln>
-        </p:spPr>
-        <p:style>
-          <a:lnRef idx="1">
-            <a:schemeClr val="dk1"/>
-          </a:lnRef>
-          <a:fillRef idx="0">
-            <a:schemeClr val="dk1"/>
-          </a:fillRef>
-          <a:effectRef idx="0">
-            <a:schemeClr val="dk1"/>
-          </a:effectRef>
-          <a:fontRef idx="minor">
-            <a:schemeClr val="tx1"/>
-          </a:fontRef>
-        </p:style>
-      </p:cxnSp>
-      <p:sp>
-        <p:nvSpPr>
-          <p:cNvPr id="54" name="テキスト ボックス 53"/>
-          <p:cNvSpPr txBox="1"/>
-          <p:nvPr/>
-        </p:nvSpPr>
-        <p:spPr>
-          <a:xfrm>
-            <a:off x="4060659" y="2499319"/>
-            <a:ext cx="1800493" cy="646331"/>
-          </a:xfrm>
-          <a:prstGeom prst="rect">
-            <a:avLst/>
-          </a:prstGeom>
-          <a:noFill/>
-        </p:spPr>
-        <p:txBody>
-          <a:bodyPr wrap="none" rtlCol="0">
-            <a:spAutoFit/>
-          </a:bodyPr>
-          <a:lstStyle/>
-          <a:p>
-            <a:r>
-              <a:rPr kumimoji="1" lang="ja-JP" altLang="en-US" dirty="0" smtClean="0"/>
-              <a:t>平均応答速度を</a:t>
-            </a:r>
-            <a:r>
-              <a:rPr kumimoji="1" lang="en-US" altLang="ja-JP" dirty="0" smtClean="0"/>
-              <a:t/>
-            </a:r>
-            <a:br>
-              <a:rPr kumimoji="1" lang="en-US" altLang="ja-JP" dirty="0" smtClean="0"/>
-            </a:br>
-            <a:r>
-              <a:rPr kumimoji="1" lang="ja-JP" altLang="en-US" dirty="0" smtClean="0"/>
-              <a:t>指標として送る</a:t>
-            </a:r>
-            <a:endParaRPr kumimoji="1" lang="en-US" altLang="ja-JP" dirty="0" smtClean="0"/>
-          </a:p>
-        </p:txBody>
-      </p:sp>
-      <p:cxnSp>
-        <p:nvCxnSpPr>
-          <p:cNvPr id="56" name="直線矢印コネクタ 55"/>
-          <p:cNvCxnSpPr>
-            <a:stCxn id="7" idx="5"/>
-            <a:endCxn id="10" idx="1"/>
-          </p:cNvCxnSpPr>
-          <p:nvPr/>
-        </p:nvCxnSpPr>
-        <p:spPr>
-          <a:xfrm>
-            <a:off x="5437846" y="3458852"/>
-            <a:ext cx="1575420" cy="1199828"/>
-          </a:xfrm>
-          <a:prstGeom prst="straightConnector1">
-            <a:avLst/>
-          </a:prstGeom>
-          <a:ln w="28575">
-            <a:tailEnd type="triangle"/>
-          </a:ln>
-        </p:spPr>
-        <p:style>
-          <a:lnRef idx="1">
-            <a:schemeClr val="accent2"/>
-          </a:lnRef>
-          <a:fillRef idx="0">
-            <a:schemeClr val="accent2"/>
-          </a:fillRef>
-          <a:effectRef idx="0">
-            <a:schemeClr val="accent2"/>
-          </a:effectRef>
-          <a:fontRef idx="minor">
-            <a:schemeClr val="tx1"/>
-          </a:fontRef>
-        </p:style>
-      </p:cxnSp>
-      <p:sp>
-        <p:nvSpPr>
-          <p:cNvPr id="57" name="テキスト ボックス 56"/>
-          <p:cNvSpPr txBox="1"/>
-          <p:nvPr/>
-        </p:nvSpPr>
-        <p:spPr>
-          <a:xfrm>
-            <a:off x="5691137" y="4029635"/>
-            <a:ext cx="1107996" cy="369332"/>
-          </a:xfrm>
-          <a:prstGeom prst="rect">
-            <a:avLst/>
-          </a:prstGeom>
-          <a:noFill/>
-        </p:spPr>
-        <p:txBody>
-          <a:bodyPr wrap="none" rtlCol="0">
-            <a:spAutoFit/>
-          </a:bodyPr>
-          <a:lstStyle/>
-          <a:p>
-            <a:r>
-              <a:rPr kumimoji="1" lang="ja-JP" altLang="en-US" dirty="0" smtClean="0"/>
-              <a:t>割り振る</a:t>
-            </a:r>
-            <a:endParaRPr kumimoji="1" lang="ja-JP" altLang="en-US" dirty="0"/>
-          </a:p>
-        </p:txBody>
-      </p:sp>
-      <p:sp>
-        <p:nvSpPr>
-          <p:cNvPr id="2" name="正方形/長方形 1"/>
-          <p:cNvSpPr/>
-          <p:nvPr/>
-        </p:nvSpPr>
-        <p:spPr>
-          <a:xfrm>
-            <a:off x="4364251" y="3244334"/>
-            <a:ext cx="415498" cy="369332"/>
-          </a:xfrm>
-          <a:prstGeom prst="rect">
-            <a:avLst/>
-          </a:prstGeom>
-        </p:spPr>
-        <p:txBody>
-          <a:bodyPr wrap="none">
-            <a:spAutoFit/>
-          </a:bodyPr>
-          <a:lstStyle/>
-          <a:p>
-            <a:r>
-              <a:rPr lang="ja-JP" altLang="en-US" dirty="0" err="1"/>
-              <a:t>．</a:t>
-            </a:r>
-            <a:endParaRPr lang="ja-JP" altLang="en-US" dirty="0"/>
-          </a:p>
-        </p:txBody>
-      </p:sp>
-    </p:spTree>
-    <p:extLst>
-      <p:ext uri="{BB962C8B-B14F-4D97-AF65-F5344CB8AC3E}">
-        <p14:creationId xmlns:p14="http://schemas.microsoft.com/office/powerpoint/2010/main" val="941180247"/>
       </p:ext>
     </p:extLst>
   </p:cSld>

--- a/meeting/1821086_matsuo_Chart.pptx
+++ b/meeting/1821086_matsuo_Chart.pptx
@@ -225,7 +225,7 @@
           <a:p>
             <a:fld id="{869FDBD3-40C4-4F2A-82A8-38E5DBC6C4C1}" type="datetimeFigureOut">
               <a:rPr kumimoji="1" lang="ja-JP" altLang="en-US" smtClean="0"/>
-              <a:t>2021/11/5</a:t>
+              <a:t>2021/11/10</a:t>
             </a:fld>
             <a:endParaRPr kumimoji="1" lang="ja-JP" altLang="en-US"/>
           </a:p>
@@ -656,7 +656,7 @@
           <a:p>
             <a:fld id="{494AB2A1-E364-47CF-B5DC-53E264C607F6}" type="datetime1">
               <a:rPr kumimoji="1" lang="ja-JP" altLang="en-US" smtClean="0"/>
-              <a:t>2021/11/5</a:t>
+              <a:t>2021/11/10</a:t>
             </a:fld>
             <a:endParaRPr kumimoji="1" lang="ja-JP" altLang="en-US"/>
           </a:p>
@@ -858,7 +858,7 @@
           <a:p>
             <a:fld id="{493740D4-C406-4492-90E6-6432EEF92C60}" type="datetime1">
               <a:rPr kumimoji="1" lang="ja-JP" altLang="en-US" smtClean="0"/>
-              <a:t>2021/11/5</a:t>
+              <a:t>2021/11/10</a:t>
             </a:fld>
             <a:endParaRPr kumimoji="1" lang="ja-JP" altLang="en-US"/>
           </a:p>
@@ -1070,7 +1070,7 @@
           <a:p>
             <a:fld id="{ED69396B-CE42-4776-89F8-D39FC42CFB56}" type="datetime1">
               <a:rPr kumimoji="1" lang="ja-JP" altLang="en-US" smtClean="0"/>
-              <a:t>2021/11/5</a:t>
+              <a:t>2021/11/10</a:t>
             </a:fld>
             <a:endParaRPr kumimoji="1" lang="ja-JP" altLang="en-US"/>
           </a:p>
@@ -1272,7 +1272,7 @@
           <a:p>
             <a:fld id="{13625393-1B19-477D-ADB7-2A6386D3F149}" type="datetime1">
               <a:rPr kumimoji="1" lang="ja-JP" altLang="en-US" smtClean="0"/>
-              <a:t>2021/11/5</a:t>
+              <a:t>2021/11/10</a:t>
             </a:fld>
             <a:endParaRPr kumimoji="1" lang="ja-JP" altLang="en-US"/>
           </a:p>
@@ -1516,7 +1516,7 @@
           <a:p>
             <a:fld id="{E5FDA1EB-CBE3-4FB0-BB17-A44CDA0B54B3}" type="datetime1">
               <a:rPr kumimoji="1" lang="ja-JP" altLang="en-US" smtClean="0"/>
-              <a:t>2021/11/5</a:t>
+              <a:t>2021/11/10</a:t>
             </a:fld>
             <a:endParaRPr kumimoji="1" lang="ja-JP" altLang="en-US"/>
           </a:p>
@@ -1812,7 +1812,7 @@
           <a:p>
             <a:fld id="{C01EC069-9DC2-4DDB-AE63-C26A081803C1}" type="datetime1">
               <a:rPr kumimoji="1" lang="ja-JP" altLang="en-US" smtClean="0"/>
-              <a:t>2021/11/5</a:t>
+              <a:t>2021/11/10</a:t>
             </a:fld>
             <a:endParaRPr kumimoji="1" lang="ja-JP" altLang="en-US"/>
           </a:p>
@@ -2243,7 +2243,7 @@
           <a:p>
             <a:fld id="{FA16DDA6-9750-4222-A53D-9B2AFD4F7604}" type="datetime1">
               <a:rPr kumimoji="1" lang="ja-JP" altLang="en-US" smtClean="0"/>
-              <a:t>2021/11/5</a:t>
+              <a:t>2021/11/10</a:t>
             </a:fld>
             <a:endParaRPr kumimoji="1" lang="ja-JP" altLang="en-US"/>
           </a:p>
@@ -2361,7 +2361,7 @@
           <a:p>
             <a:fld id="{2A12A5DA-6757-4BE0-8138-B996B069D01C}" type="datetime1">
               <a:rPr kumimoji="1" lang="ja-JP" altLang="en-US" smtClean="0"/>
-              <a:t>2021/11/5</a:t>
+              <a:t>2021/11/10</a:t>
             </a:fld>
             <a:endParaRPr kumimoji="1" lang="ja-JP" altLang="en-US"/>
           </a:p>
@@ -2433,7 +2433,7 @@
           <a:p>
             <a:fld id="{80431E91-75F7-48C3-A2EB-716DBC94911B}" type="datetime1">
               <a:rPr kumimoji="1" lang="ja-JP" altLang="en-US" smtClean="0"/>
-              <a:t>2021/11/5</a:t>
+              <a:t>2021/11/10</a:t>
             </a:fld>
             <a:endParaRPr kumimoji="1" lang="ja-JP" altLang="en-US"/>
           </a:p>
@@ -2719,7 +2719,7 @@
           <a:p>
             <a:fld id="{2FD4BF64-4643-4F2F-9E14-ABA1F12A43DE}" type="datetime1">
               <a:rPr kumimoji="1" lang="ja-JP" altLang="en-US" smtClean="0"/>
-              <a:t>2021/11/5</a:t>
+              <a:t>2021/11/10</a:t>
             </a:fld>
             <a:endParaRPr kumimoji="1" lang="ja-JP" altLang="en-US"/>
           </a:p>
@@ -2976,7 +2976,7 @@
           <a:p>
             <a:fld id="{4775FF6E-0AC3-4CFF-BD5F-615BAFBBFB63}" type="datetime1">
               <a:rPr kumimoji="1" lang="ja-JP" altLang="en-US" smtClean="0"/>
-              <a:t>2021/11/5</a:t>
+              <a:t>2021/11/10</a:t>
             </a:fld>
             <a:endParaRPr kumimoji="1" lang="ja-JP" altLang="en-US"/>
           </a:p>
@@ -3221,7 +3221,7 @@
           <a:p>
             <a:fld id="{63DC7EF6-3FB0-4B29-8D75-11EE9B911EFB}" type="datetime1">
               <a:rPr kumimoji="1" lang="ja-JP" altLang="en-US" smtClean="0"/>
-              <a:t>2021/11/5</a:t>
+              <a:t>2021/11/10</a:t>
             </a:fld>
             <a:endParaRPr kumimoji="1" lang="ja-JP" altLang="en-US"/>
           </a:p>
@@ -19877,19 +19877,23 @@
             </a:r>
             <a:r>
               <a:rPr lang="en-US" altLang="ja-JP" b="1" dirty="0" smtClean="0"/>
-              <a:t>L5</a:t>
+              <a:t>Ln</a:t>
             </a:r>
             <a:r>
               <a:rPr lang="ja-JP" altLang="en-US" b="1" dirty="0" smtClean="0"/>
               <a:t>の</a:t>
             </a:r>
             <a:r>
-              <a:rPr lang="en-US" altLang="ja-JP" b="1" dirty="0" smtClean="0"/>
-              <a:t>5</a:t>
+              <a:rPr lang="en-US" altLang="ja-JP" b="1" dirty="0"/>
+              <a:t>n</a:t>
             </a:r>
             <a:r>
               <a:rPr lang="ja-JP" altLang="en-US" b="1" dirty="0" smtClean="0"/>
-              <a:t>段階で評価</a:t>
+              <a:t>段階</a:t>
+            </a:r>
+            <a:r>
+              <a:rPr lang="ja-JP" altLang="en-US" b="1" dirty="0" smtClean="0"/>
+              <a:t>で評価</a:t>
             </a:r>
             <a:endParaRPr lang="en-US" altLang="ja-JP" b="1" dirty="0"/>
           </a:p>

--- a/meeting/1821086_matsuo_Chart.pptx
+++ b/meeting/1821086_matsuo_Chart.pptx
@@ -226,7 +226,7 @@
           <a:p>
             <a:fld id="{869FDBD3-40C4-4F2A-82A8-38E5DBC6C4C1}" type="datetimeFigureOut">
               <a:rPr kumimoji="1" lang="ja-JP" altLang="en-US" smtClean="0"/>
-              <a:t>2021/12/14</a:t>
+              <a:t>2021/12/22</a:t>
             </a:fld>
             <a:endParaRPr kumimoji="1" lang="ja-JP" altLang="en-US"/>
           </a:p>
@@ -657,7 +657,7 @@
           <a:p>
             <a:fld id="{494AB2A1-E364-47CF-B5DC-53E264C607F6}" type="datetime1">
               <a:rPr kumimoji="1" lang="ja-JP" altLang="en-US" smtClean="0"/>
-              <a:t>2021/12/14</a:t>
+              <a:t>2021/12/22</a:t>
             </a:fld>
             <a:endParaRPr kumimoji="1" lang="ja-JP" altLang="en-US"/>
           </a:p>
@@ -859,7 +859,7 @@
           <a:p>
             <a:fld id="{493740D4-C406-4492-90E6-6432EEF92C60}" type="datetime1">
               <a:rPr kumimoji="1" lang="ja-JP" altLang="en-US" smtClean="0"/>
-              <a:t>2021/12/14</a:t>
+              <a:t>2021/12/22</a:t>
             </a:fld>
             <a:endParaRPr kumimoji="1" lang="ja-JP" altLang="en-US"/>
           </a:p>
@@ -1071,7 +1071,7 @@
           <a:p>
             <a:fld id="{ED69396B-CE42-4776-89F8-D39FC42CFB56}" type="datetime1">
               <a:rPr kumimoji="1" lang="ja-JP" altLang="en-US" smtClean="0"/>
-              <a:t>2021/12/14</a:t>
+              <a:t>2021/12/22</a:t>
             </a:fld>
             <a:endParaRPr kumimoji="1" lang="ja-JP" altLang="en-US"/>
           </a:p>
@@ -1273,7 +1273,7 @@
           <a:p>
             <a:fld id="{13625393-1B19-477D-ADB7-2A6386D3F149}" type="datetime1">
               <a:rPr kumimoji="1" lang="ja-JP" altLang="en-US" smtClean="0"/>
-              <a:t>2021/12/14</a:t>
+              <a:t>2021/12/22</a:t>
             </a:fld>
             <a:endParaRPr kumimoji="1" lang="ja-JP" altLang="en-US"/>
           </a:p>
@@ -1517,7 +1517,7 @@
           <a:p>
             <a:fld id="{E5FDA1EB-CBE3-4FB0-BB17-A44CDA0B54B3}" type="datetime1">
               <a:rPr kumimoji="1" lang="ja-JP" altLang="en-US" smtClean="0"/>
-              <a:t>2021/12/14</a:t>
+              <a:t>2021/12/22</a:t>
             </a:fld>
             <a:endParaRPr kumimoji="1" lang="ja-JP" altLang="en-US"/>
           </a:p>
@@ -1813,7 +1813,7 @@
           <a:p>
             <a:fld id="{C01EC069-9DC2-4DDB-AE63-C26A081803C1}" type="datetime1">
               <a:rPr kumimoji="1" lang="ja-JP" altLang="en-US" smtClean="0"/>
-              <a:t>2021/12/14</a:t>
+              <a:t>2021/12/22</a:t>
             </a:fld>
             <a:endParaRPr kumimoji="1" lang="ja-JP" altLang="en-US"/>
           </a:p>
@@ -2244,7 +2244,7 @@
           <a:p>
             <a:fld id="{FA16DDA6-9750-4222-A53D-9B2AFD4F7604}" type="datetime1">
               <a:rPr kumimoji="1" lang="ja-JP" altLang="en-US" smtClean="0"/>
-              <a:t>2021/12/14</a:t>
+              <a:t>2021/12/22</a:t>
             </a:fld>
             <a:endParaRPr kumimoji="1" lang="ja-JP" altLang="en-US"/>
           </a:p>
@@ -2362,7 +2362,7 @@
           <a:p>
             <a:fld id="{2A12A5DA-6757-4BE0-8138-B996B069D01C}" type="datetime1">
               <a:rPr kumimoji="1" lang="ja-JP" altLang="en-US" smtClean="0"/>
-              <a:t>2021/12/14</a:t>
+              <a:t>2021/12/22</a:t>
             </a:fld>
             <a:endParaRPr kumimoji="1" lang="ja-JP" altLang="en-US"/>
           </a:p>
@@ -2434,7 +2434,7 @@
           <a:p>
             <a:fld id="{80431E91-75F7-48C3-A2EB-716DBC94911B}" type="datetime1">
               <a:rPr kumimoji="1" lang="ja-JP" altLang="en-US" smtClean="0"/>
-              <a:t>2021/12/14</a:t>
+              <a:t>2021/12/22</a:t>
             </a:fld>
             <a:endParaRPr kumimoji="1" lang="ja-JP" altLang="en-US"/>
           </a:p>
@@ -2720,7 +2720,7 @@
           <a:p>
             <a:fld id="{2FD4BF64-4643-4F2F-9E14-ABA1F12A43DE}" type="datetime1">
               <a:rPr kumimoji="1" lang="ja-JP" altLang="en-US" smtClean="0"/>
-              <a:t>2021/12/14</a:t>
+              <a:t>2021/12/22</a:t>
             </a:fld>
             <a:endParaRPr kumimoji="1" lang="ja-JP" altLang="en-US"/>
           </a:p>
@@ -2977,7 +2977,7 @@
           <a:p>
             <a:fld id="{4775FF6E-0AC3-4CFF-BD5F-615BAFBBFB63}" type="datetime1">
               <a:rPr kumimoji="1" lang="ja-JP" altLang="en-US" smtClean="0"/>
-              <a:t>2021/12/14</a:t>
+              <a:t>2021/12/22</a:t>
             </a:fld>
             <a:endParaRPr kumimoji="1" lang="ja-JP" altLang="en-US"/>
           </a:p>
@@ -3222,7 +3222,7 @@
           <a:p>
             <a:fld id="{63DC7EF6-3FB0-4B29-8D75-11EE9B911EFB}" type="datetime1">
               <a:rPr kumimoji="1" lang="ja-JP" altLang="en-US" smtClean="0"/>
-              <a:t>2021/12/14</a:t>
+              <a:t>2021/12/22</a:t>
             </a:fld>
             <a:endParaRPr kumimoji="1" lang="ja-JP" altLang="en-US"/>
           </a:p>
@@ -20034,8 +20034,8 @@
         </p:blipFill>
         <p:spPr>
           <a:xfrm>
-            <a:off x="400419" y="617681"/>
-            <a:ext cx="2415909" cy="2981964"/>
+            <a:off x="265213" y="402370"/>
+            <a:ext cx="2514238" cy="3103332"/>
           </a:xfrm>
           <a:prstGeom prst="rect">
             <a:avLst/>
@@ -20279,6 +20279,10 @@
               <a:rPr kumimoji="1" lang="ja-JP" altLang="en-US" b="1" dirty="0" smtClean="0"/>
               <a:t>サーバ</a:t>
             </a:r>
+            <a:r>
+              <a:rPr kumimoji="1" lang="ja-JP" altLang="en-US" b="1" dirty="0" smtClean="0"/>
+              <a:t>を用意</a:t>
+            </a:r>
             <a:endParaRPr kumimoji="1" lang="ja-JP" altLang="en-US" b="1" dirty="0"/>
           </a:p>
         </p:txBody>
@@ -20337,8 +20341,8 @@
         </p:nvSpPr>
         <p:spPr>
           <a:xfrm rot="5400000">
-            <a:off x="1359691" y="3492061"/>
-            <a:ext cx="1419332" cy="1261479"/>
+            <a:off x="1191532" y="3481669"/>
+            <a:ext cx="1622361" cy="1261479"/>
           </a:xfrm>
           <a:prstGeom prst="bentUpArrow">
             <a:avLst>
@@ -20445,8 +20449,8 @@
         </p:nvSpPr>
         <p:spPr>
           <a:xfrm>
-            <a:off x="254887" y="3559581"/>
-            <a:ext cx="2291158" cy="610913"/>
+            <a:off x="179403" y="3593205"/>
+            <a:ext cx="2445211" cy="600058"/>
           </a:xfrm>
           <a:prstGeom prst="rect">
             <a:avLst/>
@@ -20478,33 +20482,40 @@
             <a:pPr algn="ctr"/>
             <a:r>
               <a:rPr lang="ja-JP" altLang="en-US" b="1" dirty="0" smtClean="0"/>
-              <a:t>応答速度を</a:t>
+              <a:t>応答</a:t>
+            </a:r>
+            <a:r>
+              <a:rPr lang="ja-JP" altLang="en-US" b="1" dirty="0" smtClean="0"/>
+              <a:t>速度</a:t>
             </a:r>
             <a:r>
               <a:rPr lang="en-US" altLang="ja-JP" b="1" dirty="0" smtClean="0"/>
-              <a:t>L1</a:t>
+              <a:t>n</a:t>
             </a:r>
             <a:r>
               <a:rPr lang="ja-JP" altLang="en-US" b="1" dirty="0" smtClean="0"/>
-              <a:t>～</a:t>
+              <a:t>段階で</a:t>
+            </a:r>
+            <a:r>
+              <a:rPr lang="ja-JP" altLang="en-US" b="1" dirty="0" smtClean="0"/>
+              <a:t>評価</a:t>
             </a:r>
             <a:r>
               <a:rPr lang="en-US" altLang="ja-JP" b="1" dirty="0" smtClean="0"/>
-              <a:t>Ln</a:t>
+              <a:t/>
+            </a:r>
+            <a:br>
+              <a:rPr lang="en-US" altLang="ja-JP" b="1" dirty="0" smtClean="0"/>
+            </a:br>
+            <a:r>
+              <a:rPr lang="en-US" altLang="ja-JP" b="1" dirty="0" smtClean="0"/>
+              <a:t>DB</a:t>
             </a:r>
             <a:r>
               <a:rPr lang="ja-JP" altLang="en-US" b="1" dirty="0" smtClean="0"/>
-              <a:t>の</a:t>
-            </a:r>
-            <a:r>
-              <a:rPr lang="en-US" altLang="ja-JP" b="1" dirty="0"/>
-              <a:t>n</a:t>
-            </a:r>
-            <a:r>
-              <a:rPr lang="ja-JP" altLang="en-US" b="1" dirty="0" smtClean="0"/>
-              <a:t>段階で評価</a:t>
-            </a:r>
-            <a:endParaRPr lang="en-US" altLang="ja-JP" b="1" dirty="0"/>
+              <a:t>へ保存</a:t>
+            </a:r>
+            <a:endParaRPr lang="en-US" altLang="ja-JP" b="1" dirty="0" smtClean="0"/>
           </a:p>
         </p:txBody>
       </p:sp>
@@ -21250,6 +21261,236 @@
           </a:prstGeom>
         </p:spPr>
       </p:pic>
+      <p:sp>
+        <p:nvSpPr>
+          <p:cNvPr id="25" name="正方形/長方形 24"/>
+          <p:cNvSpPr/>
+          <p:nvPr/>
+        </p:nvSpPr>
+        <p:spPr>
+          <a:xfrm>
+            <a:off x="6914728" y="6062789"/>
+            <a:ext cx="1465837" cy="162511"/>
+          </a:xfrm>
+          <a:prstGeom prst="rect">
+            <a:avLst/>
+          </a:prstGeom>
+          <a:noFill/>
+          <a:ln w="28575">
+            <a:noFill/>
+          </a:ln>
+        </p:spPr>
+        <p:style>
+          <a:lnRef idx="2">
+            <a:schemeClr val="accent6"/>
+          </a:lnRef>
+          <a:fillRef idx="1">
+            <a:schemeClr val="lt1"/>
+          </a:fillRef>
+          <a:effectRef idx="0">
+            <a:schemeClr val="accent6"/>
+          </a:effectRef>
+          <a:fontRef idx="minor">
+            <a:schemeClr val="dk1"/>
+          </a:fontRef>
+        </p:style>
+        <p:txBody>
+          <a:bodyPr rtlCol="0" anchor="ctr"/>
+          <a:lstStyle/>
+          <a:p>
+            <a:pPr algn="ctr"/>
+            <a:r>
+              <a:rPr kumimoji="1" lang="en-US" altLang="ja-JP" b="1" dirty="0" smtClean="0"/>
+              <a:t>Step1</a:t>
+            </a:r>
+            <a:endParaRPr kumimoji="1" lang="ja-JP" altLang="en-US" b="1" dirty="0"/>
+          </a:p>
+        </p:txBody>
+      </p:sp>
+      <p:sp>
+        <p:nvSpPr>
+          <p:cNvPr id="26" name="正方形/長方形 25"/>
+          <p:cNvSpPr/>
+          <p:nvPr/>
+        </p:nvSpPr>
+        <p:spPr>
+          <a:xfrm>
+            <a:off x="6873499" y="536425"/>
+            <a:ext cx="1465837" cy="162511"/>
+          </a:xfrm>
+          <a:prstGeom prst="rect">
+            <a:avLst/>
+          </a:prstGeom>
+          <a:noFill/>
+          <a:ln w="28575">
+            <a:noFill/>
+          </a:ln>
+        </p:spPr>
+        <p:style>
+          <a:lnRef idx="2">
+            <a:schemeClr val="accent6"/>
+          </a:lnRef>
+          <a:fillRef idx="1">
+            <a:schemeClr val="lt1"/>
+          </a:fillRef>
+          <a:effectRef idx="0">
+            <a:schemeClr val="accent6"/>
+          </a:effectRef>
+          <a:fontRef idx="minor">
+            <a:schemeClr val="dk1"/>
+          </a:fontRef>
+        </p:style>
+        <p:txBody>
+          <a:bodyPr rtlCol="0" anchor="ctr"/>
+          <a:lstStyle/>
+          <a:p>
+            <a:pPr algn="ctr"/>
+            <a:r>
+              <a:rPr kumimoji="1" lang="en-US" altLang="ja-JP" b="1" dirty="0" smtClean="0"/>
+              <a:t>Step2</a:t>
+            </a:r>
+            <a:endParaRPr kumimoji="1" lang="ja-JP" altLang="en-US" b="1" dirty="0"/>
+          </a:p>
+        </p:txBody>
+      </p:sp>
+      <p:sp>
+        <p:nvSpPr>
+          <p:cNvPr id="27" name="正方形/長方形 26"/>
+          <p:cNvSpPr/>
+          <p:nvPr/>
+        </p:nvSpPr>
+        <p:spPr>
+          <a:xfrm>
+            <a:off x="1520407" y="2055294"/>
+            <a:ext cx="1476499" cy="304990"/>
+          </a:xfrm>
+          <a:prstGeom prst="rect">
+            <a:avLst/>
+          </a:prstGeom>
+          <a:noFill/>
+          <a:ln w="28575">
+            <a:noFill/>
+          </a:ln>
+        </p:spPr>
+        <p:style>
+          <a:lnRef idx="2">
+            <a:schemeClr val="accent6"/>
+          </a:lnRef>
+          <a:fillRef idx="1">
+            <a:schemeClr val="lt1"/>
+          </a:fillRef>
+          <a:effectRef idx="0">
+            <a:schemeClr val="accent6"/>
+          </a:effectRef>
+          <a:fontRef idx="minor">
+            <a:schemeClr val="dk1"/>
+          </a:fontRef>
+        </p:style>
+        <p:txBody>
+          <a:bodyPr rtlCol="0" anchor="ctr"/>
+          <a:lstStyle/>
+          <a:p>
+            <a:pPr algn="ctr"/>
+            <a:r>
+              <a:rPr kumimoji="1" lang="en-US" altLang="ja-JP" b="1" dirty="0" smtClean="0"/>
+              <a:t>Step3</a:t>
+            </a:r>
+            <a:endParaRPr kumimoji="1" lang="ja-JP" altLang="en-US" b="1" dirty="0"/>
+          </a:p>
+        </p:txBody>
+      </p:sp>
+      <p:sp>
+        <p:nvSpPr>
+          <p:cNvPr id="29" name="正方形/長方形 28"/>
+          <p:cNvSpPr/>
+          <p:nvPr/>
+        </p:nvSpPr>
+        <p:spPr>
+          <a:xfrm>
+            <a:off x="4281952" y="5898493"/>
+            <a:ext cx="1476499" cy="304990"/>
+          </a:xfrm>
+          <a:prstGeom prst="rect">
+            <a:avLst/>
+          </a:prstGeom>
+          <a:noFill/>
+          <a:ln w="28575">
+            <a:noFill/>
+          </a:ln>
+        </p:spPr>
+        <p:style>
+          <a:lnRef idx="2">
+            <a:schemeClr val="accent6"/>
+          </a:lnRef>
+          <a:fillRef idx="1">
+            <a:schemeClr val="lt1"/>
+          </a:fillRef>
+          <a:effectRef idx="0">
+            <a:schemeClr val="accent6"/>
+          </a:effectRef>
+          <a:fontRef idx="minor">
+            <a:schemeClr val="dk1"/>
+          </a:fontRef>
+        </p:style>
+        <p:txBody>
+          <a:bodyPr rtlCol="0" anchor="ctr"/>
+          <a:lstStyle/>
+          <a:p>
+            <a:pPr algn="ctr"/>
+            <a:r>
+              <a:rPr kumimoji="1" lang="en-US" altLang="ja-JP" b="1" dirty="0" smtClean="0"/>
+              <a:t>Step5</a:t>
+            </a:r>
+            <a:endParaRPr kumimoji="1" lang="ja-JP" altLang="en-US" b="1" dirty="0"/>
+          </a:p>
+        </p:txBody>
+      </p:sp>
+      <p:sp>
+        <p:nvSpPr>
+          <p:cNvPr id="31" name="正方形/長方形 30"/>
+          <p:cNvSpPr/>
+          <p:nvPr/>
+        </p:nvSpPr>
+        <p:spPr>
+          <a:xfrm>
+            <a:off x="1594661" y="3125900"/>
+            <a:ext cx="1476499" cy="304990"/>
+          </a:xfrm>
+          <a:prstGeom prst="rect">
+            <a:avLst/>
+          </a:prstGeom>
+          <a:noFill/>
+          <a:ln w="28575">
+            <a:noFill/>
+          </a:ln>
+        </p:spPr>
+        <p:style>
+          <a:lnRef idx="2">
+            <a:schemeClr val="accent6"/>
+          </a:lnRef>
+          <a:fillRef idx="1">
+            <a:schemeClr val="lt1"/>
+          </a:fillRef>
+          <a:effectRef idx="0">
+            <a:schemeClr val="accent6"/>
+          </a:effectRef>
+          <a:fontRef idx="minor">
+            <a:schemeClr val="dk1"/>
+          </a:fontRef>
+        </p:style>
+        <p:txBody>
+          <a:bodyPr rtlCol="0" anchor="ctr"/>
+          <a:lstStyle/>
+          <a:p>
+            <a:pPr algn="ctr"/>
+            <a:r>
+              <a:rPr kumimoji="1" lang="en-US" altLang="ja-JP" b="1" dirty="0" smtClean="0"/>
+              <a:t>Step4</a:t>
+            </a:r>
+            <a:endParaRPr kumimoji="1" lang="ja-JP" altLang="en-US" b="1" dirty="0"/>
+          </a:p>
+        </p:txBody>
+      </p:sp>
     </p:spTree>
     <p:extLst>
       <p:ext uri="{BB962C8B-B14F-4D97-AF65-F5344CB8AC3E}">
